--- a/docs/parts/conference.pptx
+++ b/docs/parts/conference.pptx
@@ -1,24 +1,34 @@
 
 <file path=ppt/presentation.xml><?xml version="1.0" encoding="utf-8"?>
-<p:presentation xmlns:a="http://schemas.openxmlformats.org/drawingml/2006/main" xmlns:r="http://schemas.openxmlformats.org/officeDocument/2006/relationships" xmlns:p="http://schemas.openxmlformats.org/presentationml/2006/main" saveSubsetFonts="1">
+<p:presentation xmlns:a="http://schemas.openxmlformats.org/drawingml/2006/main" xmlns:r="http://schemas.openxmlformats.org/officeDocument/2006/relationships" xmlns:p="http://schemas.openxmlformats.org/presentationml/2006/main" showSpecialPlsOnTitleSld="0" saveSubsetFonts="1">
   <p:sldMasterIdLst>
     <p:sldMasterId id="2147483648" r:id="rId1"/>
     <p:sldMasterId id="2147483672" r:id="rId2"/>
   </p:sldMasterIdLst>
+  <p:notesMasterIdLst>
+    <p:notesMasterId r:id="rId23"/>
+  </p:notesMasterIdLst>
   <p:sldIdLst>
     <p:sldId id="257" r:id="rId3"/>
     <p:sldId id="271" r:id="rId4"/>
-    <p:sldId id="258" r:id="rId5"/>
-    <p:sldId id="272" r:id="rId6"/>
-    <p:sldId id="261" r:id="rId7"/>
-    <p:sldId id="262" r:id="rId8"/>
-    <p:sldId id="263" r:id="rId9"/>
-    <p:sldId id="269" r:id="rId10"/>
-    <p:sldId id="266" r:id="rId11"/>
-    <p:sldId id="267" r:id="rId12"/>
-    <p:sldId id="268" r:id="rId13"/>
-    <p:sldId id="270" r:id="rId14"/>
-    <p:sldId id="260" r:id="rId15"/>
+    <p:sldId id="273" r:id="rId5"/>
+    <p:sldId id="258" r:id="rId6"/>
+    <p:sldId id="272" r:id="rId7"/>
+    <p:sldId id="261" r:id="rId8"/>
+    <p:sldId id="262" r:id="rId9"/>
+    <p:sldId id="263" r:id="rId10"/>
+    <p:sldId id="269" r:id="rId11"/>
+    <p:sldId id="266" r:id="rId12"/>
+    <p:sldId id="267" r:id="rId13"/>
+    <p:sldId id="268" r:id="rId14"/>
+    <p:sldId id="270" r:id="rId15"/>
+    <p:sldId id="274" r:id="rId16"/>
+    <p:sldId id="275" r:id="rId17"/>
+    <p:sldId id="276" r:id="rId18"/>
+    <p:sldId id="277" r:id="rId19"/>
+    <p:sldId id="278" r:id="rId20"/>
+    <p:sldId id="279" r:id="rId21"/>
+    <p:sldId id="260" r:id="rId22"/>
   </p:sldIdLst>
   <p:sldSz cx="9144000" cy="6858000" type="screen4x3"/>
   <p:notesSz cx="6858000" cy="9144000"/>
@@ -120,6 +130,356 @@
 </p:presentation>
 </file>
 
+<file path=ppt/notesMasters/notesMaster1.xml><?xml version="1.0" encoding="utf-8"?>
+<p:notesMaster xmlns:a="http://schemas.openxmlformats.org/drawingml/2006/main" xmlns:r="http://schemas.openxmlformats.org/officeDocument/2006/relationships" xmlns:p="http://schemas.openxmlformats.org/presentationml/2006/main">
+  <p:cSld>
+    <p:bg>
+      <p:bgRef idx="1001">
+        <a:schemeClr val="bg1"/>
+      </p:bgRef>
+    </p:bg>
+    <p:spTree>
+      <p:nvGrpSpPr>
+        <p:cNvPr id="1" name=""/>
+        <p:cNvGrpSpPr/>
+        <p:nvPr/>
+      </p:nvGrpSpPr>
+      <p:grpSpPr>
+        <a:xfrm>
+          <a:off x="0" y="0"/>
+          <a:ext cx="0" cy="0"/>
+          <a:chOff x="0" y="0"/>
+          <a:chExt cx="0" cy="0"/>
+        </a:xfrm>
+      </p:grpSpPr>
+      <p:sp>
+        <p:nvSpPr>
+          <p:cNvPr id="2" name="Верхний колонтитул 1"/>
+          <p:cNvSpPr>
+            <a:spLocks noGrp="1"/>
+          </p:cNvSpPr>
+          <p:nvPr>
+            <p:ph type="hdr" sz="quarter"/>
+          </p:nvPr>
+        </p:nvSpPr>
+        <p:spPr>
+          <a:xfrm>
+            <a:off x="0" y="0"/>
+            <a:ext cx="2971800" cy="457200"/>
+          </a:xfrm>
+          <a:prstGeom prst="rect">
+            <a:avLst/>
+          </a:prstGeom>
+        </p:spPr>
+        <p:txBody>
+          <a:bodyPr vert="horz" lIns="91440" tIns="45720" rIns="91440" bIns="45720" rtlCol="0"/>
+          <a:lstStyle>
+            <a:lvl1pPr algn="l">
+              <a:defRPr sz="1200"/>
+            </a:lvl1pPr>
+          </a:lstStyle>
+          <a:p>
+            <a:endParaRPr lang="ru-RU"/>
+          </a:p>
+        </p:txBody>
+      </p:sp>
+      <p:sp>
+        <p:nvSpPr>
+          <p:cNvPr id="3" name="Дата 2"/>
+          <p:cNvSpPr>
+            <a:spLocks noGrp="1"/>
+          </p:cNvSpPr>
+          <p:nvPr>
+            <p:ph type="dt" idx="1"/>
+          </p:nvPr>
+        </p:nvSpPr>
+        <p:spPr>
+          <a:xfrm>
+            <a:off x="3884613" y="0"/>
+            <a:ext cx="2971800" cy="457200"/>
+          </a:xfrm>
+          <a:prstGeom prst="rect">
+            <a:avLst/>
+          </a:prstGeom>
+        </p:spPr>
+        <p:txBody>
+          <a:bodyPr vert="horz" lIns="91440" tIns="45720" rIns="91440" bIns="45720" rtlCol="0"/>
+          <a:lstStyle>
+            <a:lvl1pPr algn="r">
+              <a:defRPr sz="1200"/>
+            </a:lvl1pPr>
+          </a:lstStyle>
+          <a:p>
+            <a:fld id="{81832DC4-4D29-4A6C-A9AC-D1498CB7FBE3}" type="datetimeFigureOut">
+              <a:rPr lang="ru-RU" smtClean="0"/>
+              <a:t>07.06.2013</a:t>
+            </a:fld>
+            <a:endParaRPr lang="ru-RU"/>
+          </a:p>
+        </p:txBody>
+      </p:sp>
+      <p:sp>
+        <p:nvSpPr>
+          <p:cNvPr id="4" name="Образ слайда 3"/>
+          <p:cNvSpPr>
+            <a:spLocks noGrp="1" noRot="1" noChangeAspect="1"/>
+          </p:cNvSpPr>
+          <p:nvPr>
+            <p:ph type="sldImg" idx="2"/>
+          </p:nvPr>
+        </p:nvSpPr>
+        <p:spPr>
+          <a:xfrm>
+            <a:off x="1143000" y="685800"/>
+            <a:ext cx="4572000" cy="3429000"/>
+          </a:xfrm>
+          <a:prstGeom prst="rect">
+            <a:avLst/>
+          </a:prstGeom>
+          <a:noFill/>
+          <a:ln w="12700">
+            <a:solidFill>
+              <a:prstClr val="black"/>
+            </a:solidFill>
+          </a:ln>
+        </p:spPr>
+        <p:txBody>
+          <a:bodyPr vert="horz" lIns="91440" tIns="45720" rIns="91440" bIns="45720" rtlCol="0" anchor="ctr"/>
+          <a:lstStyle/>
+          <a:p>
+            <a:endParaRPr lang="ru-RU"/>
+          </a:p>
+        </p:txBody>
+      </p:sp>
+      <p:sp>
+        <p:nvSpPr>
+          <p:cNvPr id="5" name="Заметки 4"/>
+          <p:cNvSpPr>
+            <a:spLocks noGrp="1"/>
+          </p:cNvSpPr>
+          <p:nvPr>
+            <p:ph type="body" sz="quarter" idx="3"/>
+          </p:nvPr>
+        </p:nvSpPr>
+        <p:spPr>
+          <a:xfrm>
+            <a:off x="685800" y="4343400"/>
+            <a:ext cx="5486400" cy="4114800"/>
+          </a:xfrm>
+          <a:prstGeom prst="rect">
+            <a:avLst/>
+          </a:prstGeom>
+        </p:spPr>
+        <p:txBody>
+          <a:bodyPr vert="horz" lIns="91440" tIns="45720" rIns="91440" bIns="45720" rtlCol="0"/>
+          <a:lstStyle/>
+          <a:p>
+            <a:pPr lvl="0"/>
+            <a:r>
+              <a:rPr lang="ru-RU" smtClean="0"/>
+              <a:t>Образец текста</a:t>
+            </a:r>
+          </a:p>
+          <a:p>
+            <a:pPr lvl="1"/>
+            <a:r>
+              <a:rPr lang="ru-RU" smtClean="0"/>
+              <a:t>Второй уровень</a:t>
+            </a:r>
+          </a:p>
+          <a:p>
+            <a:pPr lvl="2"/>
+            <a:r>
+              <a:rPr lang="ru-RU" smtClean="0"/>
+              <a:t>Третий уровень</a:t>
+            </a:r>
+          </a:p>
+          <a:p>
+            <a:pPr lvl="3"/>
+            <a:r>
+              <a:rPr lang="ru-RU" smtClean="0"/>
+              <a:t>Четвертый уровень</a:t>
+            </a:r>
+          </a:p>
+          <a:p>
+            <a:pPr lvl="4"/>
+            <a:r>
+              <a:rPr lang="ru-RU" smtClean="0"/>
+              <a:t>Пятый уровень</a:t>
+            </a:r>
+            <a:endParaRPr lang="ru-RU"/>
+          </a:p>
+        </p:txBody>
+      </p:sp>
+      <p:sp>
+        <p:nvSpPr>
+          <p:cNvPr id="6" name="Нижний колонтитул 5"/>
+          <p:cNvSpPr>
+            <a:spLocks noGrp="1"/>
+          </p:cNvSpPr>
+          <p:nvPr>
+            <p:ph type="ftr" sz="quarter" idx="4"/>
+          </p:nvPr>
+        </p:nvSpPr>
+        <p:spPr>
+          <a:xfrm>
+            <a:off x="0" y="8685213"/>
+            <a:ext cx="2971800" cy="457200"/>
+          </a:xfrm>
+          <a:prstGeom prst="rect">
+            <a:avLst/>
+          </a:prstGeom>
+        </p:spPr>
+        <p:txBody>
+          <a:bodyPr vert="horz" lIns="91440" tIns="45720" rIns="91440" bIns="45720" rtlCol="0" anchor="b"/>
+          <a:lstStyle>
+            <a:lvl1pPr algn="l">
+              <a:defRPr sz="1200"/>
+            </a:lvl1pPr>
+          </a:lstStyle>
+          <a:p>
+            <a:endParaRPr lang="ru-RU"/>
+          </a:p>
+        </p:txBody>
+      </p:sp>
+      <p:sp>
+        <p:nvSpPr>
+          <p:cNvPr id="7" name="Номер слайда 6"/>
+          <p:cNvSpPr>
+            <a:spLocks noGrp="1"/>
+          </p:cNvSpPr>
+          <p:nvPr>
+            <p:ph type="sldNum" sz="quarter" idx="5"/>
+          </p:nvPr>
+        </p:nvSpPr>
+        <p:spPr>
+          <a:xfrm>
+            <a:off x="3884613" y="8685213"/>
+            <a:ext cx="2971800" cy="457200"/>
+          </a:xfrm>
+          <a:prstGeom prst="rect">
+            <a:avLst/>
+          </a:prstGeom>
+        </p:spPr>
+        <p:txBody>
+          <a:bodyPr vert="horz" lIns="91440" tIns="45720" rIns="91440" bIns="45720" rtlCol="0" anchor="b"/>
+          <a:lstStyle>
+            <a:lvl1pPr algn="r">
+              <a:defRPr sz="1200"/>
+            </a:lvl1pPr>
+          </a:lstStyle>
+          <a:p>
+            <a:fld id="{4AABB8F8-3839-4ED1-8D5C-460963A3C4E6}" type="slidenum">
+              <a:rPr lang="ru-RU" smtClean="0"/>
+              <a:t>‹#›</a:t>
+            </a:fld>
+            <a:endParaRPr lang="ru-RU"/>
+          </a:p>
+        </p:txBody>
+      </p:sp>
+    </p:spTree>
+    <p:extLst>
+      <p:ext uri="{BB962C8B-B14F-4D97-AF65-F5344CB8AC3E}">
+        <p14:creationId xmlns:p14="http://schemas.microsoft.com/office/powerpoint/2010/main" val="548128438"/>
+      </p:ext>
+    </p:extLst>
+  </p:cSld>
+  <p:clrMap bg1="lt1" tx1="dk1" bg2="lt2" tx2="dk2" accent1="accent1" accent2="accent2" accent3="accent3" accent4="accent4" accent5="accent5" accent6="accent6" hlink="hlink" folHlink="folHlink"/>
+  <p:notesStyle>
+    <a:lvl1pPr marL="0" algn="l" defTabSz="914400" rtl="0" eaLnBrk="1" latinLnBrk="0" hangingPunct="1">
+      <a:defRPr sz="1200" kern="1200">
+        <a:solidFill>
+          <a:schemeClr val="tx1"/>
+        </a:solidFill>
+        <a:latin typeface="+mn-lt"/>
+        <a:ea typeface="+mn-ea"/>
+        <a:cs typeface="+mn-cs"/>
+      </a:defRPr>
+    </a:lvl1pPr>
+    <a:lvl2pPr marL="457200" algn="l" defTabSz="914400" rtl="0" eaLnBrk="1" latinLnBrk="0" hangingPunct="1">
+      <a:defRPr sz="1200" kern="1200">
+        <a:solidFill>
+          <a:schemeClr val="tx1"/>
+        </a:solidFill>
+        <a:latin typeface="+mn-lt"/>
+        <a:ea typeface="+mn-ea"/>
+        <a:cs typeface="+mn-cs"/>
+      </a:defRPr>
+    </a:lvl2pPr>
+    <a:lvl3pPr marL="914400" algn="l" defTabSz="914400" rtl="0" eaLnBrk="1" latinLnBrk="0" hangingPunct="1">
+      <a:defRPr sz="1200" kern="1200">
+        <a:solidFill>
+          <a:schemeClr val="tx1"/>
+        </a:solidFill>
+        <a:latin typeface="+mn-lt"/>
+        <a:ea typeface="+mn-ea"/>
+        <a:cs typeface="+mn-cs"/>
+      </a:defRPr>
+    </a:lvl3pPr>
+    <a:lvl4pPr marL="1371600" algn="l" defTabSz="914400" rtl="0" eaLnBrk="1" latinLnBrk="0" hangingPunct="1">
+      <a:defRPr sz="1200" kern="1200">
+        <a:solidFill>
+          <a:schemeClr val="tx1"/>
+        </a:solidFill>
+        <a:latin typeface="+mn-lt"/>
+        <a:ea typeface="+mn-ea"/>
+        <a:cs typeface="+mn-cs"/>
+      </a:defRPr>
+    </a:lvl4pPr>
+    <a:lvl5pPr marL="1828800" algn="l" defTabSz="914400" rtl="0" eaLnBrk="1" latinLnBrk="0" hangingPunct="1">
+      <a:defRPr sz="1200" kern="1200">
+        <a:solidFill>
+          <a:schemeClr val="tx1"/>
+        </a:solidFill>
+        <a:latin typeface="+mn-lt"/>
+        <a:ea typeface="+mn-ea"/>
+        <a:cs typeface="+mn-cs"/>
+      </a:defRPr>
+    </a:lvl5pPr>
+    <a:lvl6pPr marL="2286000" algn="l" defTabSz="914400" rtl="0" eaLnBrk="1" latinLnBrk="0" hangingPunct="1">
+      <a:defRPr sz="1200" kern="1200">
+        <a:solidFill>
+          <a:schemeClr val="tx1"/>
+        </a:solidFill>
+        <a:latin typeface="+mn-lt"/>
+        <a:ea typeface="+mn-ea"/>
+        <a:cs typeface="+mn-cs"/>
+      </a:defRPr>
+    </a:lvl6pPr>
+    <a:lvl7pPr marL="2743200" algn="l" defTabSz="914400" rtl="0" eaLnBrk="1" latinLnBrk="0" hangingPunct="1">
+      <a:defRPr sz="1200" kern="1200">
+        <a:solidFill>
+          <a:schemeClr val="tx1"/>
+        </a:solidFill>
+        <a:latin typeface="+mn-lt"/>
+        <a:ea typeface="+mn-ea"/>
+        <a:cs typeface="+mn-cs"/>
+      </a:defRPr>
+    </a:lvl7pPr>
+    <a:lvl8pPr marL="3200400" algn="l" defTabSz="914400" rtl="0" eaLnBrk="1" latinLnBrk="0" hangingPunct="1">
+      <a:defRPr sz="1200" kern="1200">
+        <a:solidFill>
+          <a:schemeClr val="tx1"/>
+        </a:solidFill>
+        <a:latin typeface="+mn-lt"/>
+        <a:ea typeface="+mn-ea"/>
+        <a:cs typeface="+mn-cs"/>
+      </a:defRPr>
+    </a:lvl8pPr>
+    <a:lvl9pPr marL="3657600" algn="l" defTabSz="914400" rtl="0" eaLnBrk="1" latinLnBrk="0" hangingPunct="1">
+      <a:defRPr sz="1200" kern="1200">
+        <a:solidFill>
+          <a:schemeClr val="tx1"/>
+        </a:solidFill>
+        <a:latin typeface="+mn-lt"/>
+        <a:ea typeface="+mn-ea"/>
+        <a:cs typeface="+mn-cs"/>
+      </a:defRPr>
+    </a:lvl9pPr>
+  </p:notesStyle>
+</p:notesMaster>
+</file>
+
 <file path=ppt/slideLayouts/slideLayout1.xml><?xml version="1.0" encoding="utf-8"?>
 <p:sldLayout xmlns:a="http://schemas.openxmlformats.org/drawingml/2006/main" xmlns:r="http://schemas.openxmlformats.org/officeDocument/2006/relationships" xmlns:p="http://schemas.openxmlformats.org/presentationml/2006/main" type="title" preserve="1">
   <p:cSld name="Титульный слайд">
@@ -299,9 +659,9 @@
           <a:bodyPr/>
           <a:lstStyle/>
           <a:p>
-            <a:fld id="{B4C71EC6-210F-42DE-9C53-41977AD35B3D}" type="datetimeFigureOut">
-              <a:rPr lang="ru-RU" smtClean="0"/>
-              <a:t>22.04.2013</a:t>
+            <a:fld id="{1AD9EE3D-3EF4-4CE6-BCCE-D8BC9F81E484}" type="datetime1">
+              <a:rPr lang="ru-RU" smtClean="0"/>
+              <a:t>07.06.2013</a:t>
             </a:fld>
             <a:endParaRPr lang="ru-RU"/>
           </a:p>
@@ -464,9 +824,9 @@
           <a:bodyPr/>
           <a:lstStyle/>
           <a:p>
-            <a:fld id="{B4C71EC6-210F-42DE-9C53-41977AD35B3D}" type="datetimeFigureOut">
-              <a:rPr lang="ru-RU" smtClean="0"/>
-              <a:t>22.04.2013</a:t>
+            <a:fld id="{652D1DE8-880B-49D6-9C09-2976DFA2653B}" type="datetime1">
+              <a:rPr lang="ru-RU" smtClean="0"/>
+              <a:t>07.06.2013</a:t>
             </a:fld>
             <a:endParaRPr lang="ru-RU"/>
           </a:p>
@@ -639,9 +999,9 @@
           <a:bodyPr/>
           <a:lstStyle/>
           <a:p>
-            <a:fld id="{B4C71EC6-210F-42DE-9C53-41977AD35B3D}" type="datetimeFigureOut">
-              <a:rPr lang="ru-RU" smtClean="0"/>
-              <a:t>22.04.2013</a:t>
+            <a:fld id="{1F31ACDF-8AB8-423F-BB20-0D703593119C}" type="datetime1">
+              <a:rPr lang="ru-RU" smtClean="0"/>
+              <a:t>07.06.2013</a:t>
             </a:fld>
             <a:endParaRPr lang="ru-RU"/>
           </a:p>
@@ -879,7 +1239,7 @@
             <a:pPr>
               <a:defRPr/>
             </a:pPr>
-            <a:fld id="{1B091C01-8DE5-49A9-86DD-B5CB126B2448}" type="datetime1">
+            <a:fld id="{6EB37F3A-91C8-4A41-B2F9-844DADE8B4EC}" type="datetime1">
               <a:rPr lang="ru-RU" smtClean="0">
                 <a:solidFill>
                   <a:prstClr val="black">
@@ -888,10 +1248,7 @@
                   </a:prstClr>
                 </a:solidFill>
               </a:rPr>
-              <a:pPr>
-                <a:defRPr/>
-              </a:pPr>
-              <a:t>22.04.2013</a:t>
+              <a:t>07.06.2013</a:t>
             </a:fld>
             <a:endParaRPr lang="ru-RU">
               <a:solidFill>
@@ -1099,7 +1456,7 @@
             <a:pPr>
               <a:defRPr/>
             </a:pPr>
-            <a:fld id="{6D345D2E-2795-4CE1-A8CC-55CD550C50D0}" type="datetime1">
+            <a:fld id="{889BE40C-E41C-465F-A4F5-316009F233E4}" type="datetime1">
               <a:rPr lang="ru-RU" smtClean="0">
                 <a:solidFill>
                   <a:prstClr val="black">
@@ -1108,10 +1465,7 @@
                   </a:prstClr>
                 </a:solidFill>
               </a:rPr>
-              <a:pPr>
-                <a:defRPr/>
-              </a:pPr>
-              <a:t>22.04.2013</a:t>
+              <a:t>07.06.2013</a:t>
             </a:fld>
             <a:endParaRPr lang="ru-RU">
               <a:solidFill>
@@ -1395,7 +1749,7 @@
             <a:pPr>
               <a:defRPr/>
             </a:pPr>
-            <a:fld id="{A5FC187E-EBFE-41DA-8FFC-93A590EC3BC0}" type="datetime1">
+            <a:fld id="{6015E3FB-0E8C-4870-A0C6-2BA05FC23C18}" type="datetime1">
               <a:rPr lang="ru-RU" smtClean="0">
                 <a:solidFill>
                   <a:prstClr val="black">
@@ -1404,10 +1758,7 @@
                   </a:prstClr>
                 </a:solidFill>
               </a:rPr>
-              <a:pPr>
-                <a:defRPr/>
-              </a:pPr>
-              <a:t>22.04.2013</a:t>
+              <a:t>07.06.2013</a:t>
             </a:fld>
             <a:endParaRPr lang="ru-RU">
               <a:solidFill>
@@ -1733,7 +2084,7 @@
             <a:pPr>
               <a:defRPr/>
             </a:pPr>
-            <a:fld id="{D2B3B295-DE4D-4049-A394-6D07D69A9967}" type="datetime1">
+            <a:fld id="{A9F4707A-7390-48BC-B3CA-06AAF5499BD9}" type="datetime1">
               <a:rPr lang="ru-RU" smtClean="0">
                 <a:solidFill>
                   <a:prstClr val="black">
@@ -1742,10 +2093,7 @@
                   </a:prstClr>
                 </a:solidFill>
               </a:rPr>
-              <a:pPr>
-                <a:defRPr/>
-              </a:pPr>
-              <a:t>22.04.2013</a:t>
+              <a:t>07.06.2013</a:t>
             </a:fld>
             <a:endParaRPr lang="ru-RU">
               <a:solidFill>
@@ -2205,7 +2553,7 @@
             <a:pPr>
               <a:defRPr/>
             </a:pPr>
-            <a:fld id="{7F1B2409-15B4-4720-8DAA-DBB0FA80A9F1}" type="datetime1">
+            <a:fld id="{1C7CD221-D54E-482D-8F0A-74812CF4D8BB}" type="datetime1">
               <a:rPr lang="ru-RU" smtClean="0">
                 <a:solidFill>
                   <a:prstClr val="black">
@@ -2214,10 +2562,7 @@
                   </a:prstClr>
                 </a:solidFill>
               </a:rPr>
-              <a:pPr>
-                <a:defRPr/>
-              </a:pPr>
-              <a:t>22.04.2013</a:t>
+              <a:t>07.06.2013</a:t>
             </a:fld>
             <a:endParaRPr lang="ru-RU">
               <a:solidFill>
@@ -2373,7 +2718,7 @@
             <a:pPr>
               <a:defRPr/>
             </a:pPr>
-            <a:fld id="{8EC6DB80-2D44-4013-A1D6-47C8DFBCA2BD}" type="datetime1">
+            <a:fld id="{1C72FB24-A02A-4D58-A0A8-D8D52DBA8E43}" type="datetime1">
               <a:rPr lang="ru-RU" smtClean="0">
                 <a:solidFill>
                   <a:prstClr val="black">
@@ -2382,10 +2727,7 @@
                   </a:prstClr>
                 </a:solidFill>
               </a:rPr>
-              <a:pPr>
-                <a:defRPr/>
-              </a:pPr>
-              <a:t>22.04.2013</a:t>
+              <a:t>07.06.2013</a:t>
             </a:fld>
             <a:endParaRPr lang="ru-RU">
               <a:solidFill>
@@ -2518,7 +2860,7 @@
             <a:pPr>
               <a:defRPr/>
             </a:pPr>
-            <a:fld id="{92180121-EC4D-42DA-9442-439182EF7560}" type="datetime1">
+            <a:fld id="{BD5C714E-A5A4-499C-8490-AB927C5EB50F}" type="datetime1">
               <a:rPr lang="ru-RU" smtClean="0">
                 <a:solidFill>
                   <a:prstClr val="black">
@@ -2527,10 +2869,7 @@
                   </a:prstClr>
                 </a:solidFill>
               </a:rPr>
-              <a:pPr>
-                <a:defRPr/>
-              </a:pPr>
-              <a:t>22.04.2013</a:t>
+              <a:t>07.06.2013</a:t>
             </a:fld>
             <a:endParaRPr lang="ru-RU">
               <a:solidFill>
@@ -2845,7 +3184,7 @@
             <a:pPr>
               <a:defRPr/>
             </a:pPr>
-            <a:fld id="{5351B18C-F6D1-4E43-8EA2-7B2D56D7698D}" type="datetime1">
+            <a:fld id="{3EF64886-DD0D-488B-B7BC-80EB38F1D27B}" type="datetime1">
               <a:rPr lang="ru-RU" smtClean="0">
                 <a:solidFill>
                   <a:prstClr val="black">
@@ -2854,10 +3193,7 @@
                   </a:prstClr>
                 </a:solidFill>
               </a:rPr>
-              <a:pPr>
-                <a:defRPr/>
-              </a:pPr>
-              <a:t>22.04.2013</a:t>
+              <a:t>07.06.2013</a:t>
             </a:fld>
             <a:endParaRPr lang="ru-RU">
               <a:solidFill>
@@ -3062,9 +3398,9 @@
           <a:bodyPr/>
           <a:lstStyle/>
           <a:p>
-            <a:fld id="{B4C71EC6-210F-42DE-9C53-41977AD35B3D}" type="datetimeFigureOut">
-              <a:rPr lang="ru-RU" smtClean="0"/>
-              <a:t>22.04.2013</a:t>
+            <a:fld id="{7C8B7464-4362-447F-9812-BE778B504AC0}" type="datetime1">
+              <a:rPr lang="ru-RU" smtClean="0"/>
+              <a:t>07.06.2013</a:t>
             </a:fld>
             <a:endParaRPr lang="ru-RU"/>
           </a:p>
@@ -3313,7 +3649,7 @@
             <a:pPr>
               <a:defRPr/>
             </a:pPr>
-            <a:fld id="{0F2BB3C4-7D59-4A1E-8870-A18EFA812D20}" type="datetime1">
+            <a:fld id="{241280D2-C03D-4E94-B06B-001582EC02D9}" type="datetime1">
               <a:rPr lang="ru-RU" smtClean="0">
                 <a:solidFill>
                   <a:prstClr val="black">
@@ -3322,10 +3658,7 @@
                   </a:prstClr>
                 </a:solidFill>
               </a:rPr>
-              <a:pPr>
-                <a:defRPr/>
-              </a:pPr>
-              <a:t>22.04.2013</a:t>
+              <a:t>07.06.2013</a:t>
             </a:fld>
             <a:endParaRPr lang="ru-RU">
               <a:solidFill>
@@ -3533,7 +3866,7 @@
             <a:pPr>
               <a:defRPr/>
             </a:pPr>
-            <a:fld id="{CF710D3A-67EE-4B2C-9FDE-4DA05BAE71EC}" type="datetime1">
+            <a:fld id="{987A3C70-2CE7-4FAA-B43A-B0E43561DE15}" type="datetime1">
               <a:rPr lang="ru-RU" smtClean="0">
                 <a:solidFill>
                   <a:prstClr val="black">
@@ -3542,10 +3875,7 @@
                   </a:prstClr>
                 </a:solidFill>
               </a:rPr>
-              <a:pPr>
-                <a:defRPr/>
-              </a:pPr>
-              <a:t>22.04.2013</a:t>
+              <a:t>07.06.2013</a:t>
             </a:fld>
             <a:endParaRPr lang="ru-RU">
               <a:solidFill>
@@ -3763,7 +4093,7 @@
             <a:pPr>
               <a:defRPr/>
             </a:pPr>
-            <a:fld id="{B40D2717-91CF-4891-9F7A-70E4AC882DB4}" type="datetime1">
+            <a:fld id="{0673875F-8F3F-429D-96E3-B00BCEBC4C7E}" type="datetime1">
               <a:rPr lang="ru-RU" smtClean="0">
                 <a:solidFill>
                   <a:prstClr val="black">
@@ -3772,10 +4102,7 @@
                   </a:prstClr>
                 </a:solidFill>
               </a:rPr>
-              <a:pPr>
-                <a:defRPr/>
-              </a:pPr>
-              <a:t>22.04.2013</a:t>
+              <a:t>07.06.2013</a:t>
             </a:fld>
             <a:endParaRPr lang="ru-RU">
               <a:solidFill>
@@ -4056,9 +4383,9 @@
           <a:bodyPr/>
           <a:lstStyle/>
           <a:p>
-            <a:fld id="{B4C71EC6-210F-42DE-9C53-41977AD35B3D}" type="datetimeFigureOut">
-              <a:rPr lang="ru-RU" smtClean="0"/>
-              <a:t>22.04.2013</a:t>
+            <a:fld id="{E4BC4092-B9AC-4B33-9DE0-F63969F50B80}" type="datetime1">
+              <a:rPr lang="ru-RU" smtClean="0"/>
+              <a:t>07.06.2013</a:t>
             </a:fld>
             <a:endParaRPr lang="ru-RU"/>
           </a:p>
@@ -4339,9 +4666,9 @@
           <a:bodyPr/>
           <a:lstStyle/>
           <a:p>
-            <a:fld id="{B4C71EC6-210F-42DE-9C53-41977AD35B3D}" type="datetimeFigureOut">
-              <a:rPr lang="ru-RU" smtClean="0"/>
-              <a:t>22.04.2013</a:t>
+            <a:fld id="{6C7EC604-B2A9-427D-A099-ABB1CEB91B35}" type="datetime1">
+              <a:rPr lang="ru-RU" smtClean="0"/>
+              <a:t>07.06.2013</a:t>
             </a:fld>
             <a:endParaRPr lang="ru-RU"/>
           </a:p>
@@ -4756,9 +5083,9 @@
           <a:bodyPr/>
           <a:lstStyle/>
           <a:p>
-            <a:fld id="{B4C71EC6-210F-42DE-9C53-41977AD35B3D}" type="datetimeFigureOut">
-              <a:rPr lang="ru-RU" smtClean="0"/>
-              <a:t>22.04.2013</a:t>
+            <a:fld id="{0021271B-1961-4AD0-B7FB-CFAE7025559C}" type="datetime1">
+              <a:rPr lang="ru-RU" smtClean="0"/>
+              <a:t>07.06.2013</a:t>
             </a:fld>
             <a:endParaRPr lang="ru-RU"/>
           </a:p>
@@ -4869,9 +5196,9 @@
           <a:bodyPr/>
           <a:lstStyle/>
           <a:p>
-            <a:fld id="{B4C71EC6-210F-42DE-9C53-41977AD35B3D}" type="datetimeFigureOut">
-              <a:rPr lang="ru-RU" smtClean="0"/>
-              <a:t>22.04.2013</a:t>
+            <a:fld id="{F76C33C9-A1D8-479D-B13F-AFA88219AD62}" type="datetime1">
+              <a:rPr lang="ru-RU" smtClean="0"/>
+              <a:t>07.06.2013</a:t>
             </a:fld>
             <a:endParaRPr lang="ru-RU"/>
           </a:p>
@@ -4959,9 +5286,9 @@
           <a:bodyPr/>
           <a:lstStyle/>
           <a:p>
-            <a:fld id="{B4C71EC6-210F-42DE-9C53-41977AD35B3D}" type="datetimeFigureOut">
-              <a:rPr lang="ru-RU" smtClean="0"/>
-              <a:t>22.04.2013</a:t>
+            <a:fld id="{A545CF4A-838A-44EC-9B9B-409BE1D2DC7D}" type="datetime1">
+              <a:rPr lang="ru-RU" smtClean="0"/>
+              <a:t>07.06.2013</a:t>
             </a:fld>
             <a:endParaRPr lang="ru-RU"/>
           </a:p>
@@ -5231,9 +5558,9 @@
           <a:bodyPr/>
           <a:lstStyle/>
           <a:p>
-            <a:fld id="{B4C71EC6-210F-42DE-9C53-41977AD35B3D}" type="datetimeFigureOut">
-              <a:rPr lang="ru-RU" smtClean="0"/>
-              <a:t>22.04.2013</a:t>
+            <a:fld id="{C6253E5B-E3FC-4716-96D6-E0AC5E86EF02}" type="datetime1">
+              <a:rPr lang="ru-RU" smtClean="0"/>
+              <a:t>07.06.2013</a:t>
             </a:fld>
             <a:endParaRPr lang="ru-RU"/>
           </a:p>
@@ -5479,9 +5806,9 @@
           <a:bodyPr/>
           <a:lstStyle/>
           <a:p>
-            <a:fld id="{B4C71EC6-210F-42DE-9C53-41977AD35B3D}" type="datetimeFigureOut">
-              <a:rPr lang="ru-RU" smtClean="0"/>
-              <a:t>22.04.2013</a:t>
+            <a:fld id="{2918ED26-16F2-41A9-94EE-FBF3E05F6E28}" type="datetime1">
+              <a:rPr lang="ru-RU" smtClean="0"/>
+              <a:t>07.06.2013</a:t>
             </a:fld>
             <a:endParaRPr lang="ru-RU"/>
           </a:p>
@@ -5687,9 +6014,9 @@
             </a:lvl1pPr>
           </a:lstStyle>
           <a:p>
-            <a:fld id="{B4C71EC6-210F-42DE-9C53-41977AD35B3D}" type="datetimeFigureOut">
-              <a:rPr lang="ru-RU" smtClean="0"/>
-              <a:t>22.04.2013</a:t>
+            <a:fld id="{DB94AB59-D71B-4999-9BC4-81C679094643}" type="datetime1">
+              <a:rPr lang="ru-RU" smtClean="0"/>
+              <a:t>07.06.2013</a:t>
             </a:fld>
             <a:endParaRPr lang="ru-RU"/>
           </a:p>
@@ -5789,6 +6116,7 @@
     <p:sldLayoutId id="2147483658" r:id="rId10"/>
     <p:sldLayoutId id="2147483659" r:id="rId11"/>
   </p:sldLayoutIdLst>
+  <p:hf hdr="0" ftr="0" dt="0"/>
   <p:txStyles>
     <p:titleStyle>
       <a:lvl1pPr algn="ctr" defTabSz="914400" rtl="0" eaLnBrk="1" latinLnBrk="0" hangingPunct="1">
@@ -6192,9 +6520,9 @@
             </a:lvl1pPr>
           </a:lstStyle>
           <a:p>
-            <a:fld id="{B4C71EC6-210F-42DE-9C53-41977AD35B3D}" type="datetimeFigureOut">
-              <a:rPr lang="ru-RU" smtClean="0"/>
-              <a:t>22.04.2013</a:t>
+            <a:fld id="{F585CA12-0794-4BD1-B693-9470F35F1636}" type="datetime1">
+              <a:rPr lang="ru-RU" smtClean="0"/>
+              <a:t>07.06.2013</a:t>
             </a:fld>
             <a:endParaRPr lang="ru-RU"/>
           </a:p>
@@ -6299,6 +6627,7 @@
     <p:sldLayoutId id="2147483682" r:id="rId10"/>
     <p:sldLayoutId id="2147483683" r:id="rId11"/>
   </p:sldLayoutIdLst>
+  <p:hf hdr="0" ftr="0" dt="0"/>
   <p:txStyles>
     <p:titleStyle>
       <a:lvl1pPr algn="ctr" defTabSz="914400" rtl="0" eaLnBrk="1" latinLnBrk="0" hangingPunct="1">
@@ -6586,7 +6915,9 @@
           </a:xfrm>
         </p:spPr>
         <p:txBody>
-          <a:bodyPr/>
+          <a:bodyPr>
+            <a:normAutofit fontScale="90000"/>
+          </a:bodyPr>
           <a:lstStyle/>
           <a:p>
             <a:pPr fontAlgn="auto">
@@ -6596,12 +6927,45 @@
               <a:defRPr/>
             </a:pPr>
             <a:r>
+              <a:rPr lang="ru-RU" sz="5400" dirty="0" smtClean="0">
+                <a:cs typeface="Estrangelo Edessa" pitchFamily="66" charset="0"/>
+              </a:rPr>
+              <a:t>Дипломная работа на тему</a:t>
+            </a:r>
+            <a:br>
+              <a:rPr lang="ru-RU" sz="5400" dirty="0" smtClean="0">
+                <a:cs typeface="Estrangelo Edessa" pitchFamily="66" charset="0"/>
+              </a:rPr>
+            </a:br>
+            <a:r>
+              <a:rPr lang="ru-RU" sz="5400" dirty="0" smtClean="0">
+                <a:cs typeface="Estrangelo Edessa" pitchFamily="66" charset="0"/>
+              </a:rPr>
+              <a:t>«</a:t>
+            </a:r>
+            <a:r>
+              <a:rPr lang="ru-RU" sz="5400" dirty="0" smtClean="0">
+                <a:effectLst/>
+                <a:latin typeface="+mj-lt"/>
+                <a:cs typeface="Estrangelo Edessa" pitchFamily="66" charset="0"/>
+              </a:rPr>
+              <a:t>Определение </a:t>
+            </a:r>
+            <a:r>
               <a:rPr lang="ru-RU" sz="5400" dirty="0">
                 <a:effectLst/>
                 <a:latin typeface="+mj-lt"/>
                 <a:cs typeface="Estrangelo Edessa" pitchFamily="66" charset="0"/>
               </a:rPr>
-              <a:t>Определение параметров движения объектов на панорамных снимках</a:t>
+              <a:t>параметров движения объектов на панорамных </a:t>
+            </a:r>
+            <a:r>
+              <a:rPr lang="ru-RU" sz="5400" dirty="0" smtClean="0">
+                <a:effectLst/>
+                <a:latin typeface="+mj-lt"/>
+                <a:cs typeface="Estrangelo Edessa" pitchFamily="66" charset="0"/>
+              </a:rPr>
+              <a:t>снимках»</a:t>
             </a:r>
             <a:endParaRPr lang="ru-RU" sz="5400" dirty="0">
               <a:latin typeface="+mj-lt"/>
@@ -6639,26 +7003,18 @@
                   <a:schemeClr val="tx1"/>
                 </a:solidFill>
               </a:rPr>
-              <a:t>Войцеховский Артём Викторович</a:t>
+              <a:t>Выполнил: Войцеховский Артём Викторович</a:t>
             </a:r>
           </a:p>
           <a:p>
             <a:pPr algn="r"/>
             <a:r>
-              <a:rPr lang="ru-RU" sz="2000" dirty="0">
+              <a:rPr lang="ru-RU" sz="2000" dirty="0" smtClean="0">
                 <a:solidFill>
                   <a:schemeClr val="tx1"/>
                 </a:solidFill>
               </a:rPr>
-              <a:t>V к</a:t>
-            </a:r>
-            <a:r>
-              <a:rPr lang="ru-RU" sz="2000">
-                <a:solidFill>
-                  <a:schemeClr val="tx1"/>
-                </a:solidFill>
-              </a:rPr>
-              <a:t>., </a:t>
+              <a:t>	</a:t>
             </a:r>
             <a:r>
               <a:rPr lang="ru-RU" sz="2000" smtClean="0">
@@ -6666,7 +7022,15 @@
                   <a:schemeClr val="tx1"/>
                 </a:solidFill>
               </a:rPr>
-              <a:t>МОАИС</a:t>
+              <a:t>студент группы </a:t>
+            </a:r>
+            <a:r>
+              <a:rPr lang="ru-RU" sz="2000" dirty="0" smtClean="0">
+                <a:solidFill>
+                  <a:schemeClr val="tx1"/>
+                </a:solidFill>
+              </a:rPr>
+              <a:t>с8504</a:t>
             </a:r>
             <a:endParaRPr lang="en-US" sz="2000" dirty="0" smtClean="0">
               <a:solidFill>
@@ -6737,35 +7101,6 @@
                 <a:schemeClr val="tx1"/>
               </a:solidFill>
             </a:endParaRPr>
-          </a:p>
-        </p:txBody>
-      </p:sp>
-      <p:sp>
-        <p:nvSpPr>
-          <p:cNvPr id="4" name="Номер слайда 3"/>
-          <p:cNvSpPr>
-            <a:spLocks noGrp="1"/>
-          </p:cNvSpPr>
-          <p:nvPr>
-            <p:ph type="sldNum" sz="quarter" idx="12"/>
-          </p:nvPr>
-        </p:nvSpPr>
-        <p:spPr/>
-        <p:txBody>
-          <a:bodyPr/>
-          <a:lstStyle/>
-          <a:p>
-            <a:pPr>
-              <a:defRPr/>
-            </a:pPr>
-            <a:fld id="{104CE822-1FFC-4510-897E-50BE7ED5A5DF}" type="slidenum">
-              <a:rPr lang="ru-RU" sz="2000"/>
-              <a:pPr>
-                <a:defRPr/>
-              </a:pPr>
-              <a:t>1</a:t>
-            </a:fld>
-            <a:endParaRPr lang="ru-RU" sz="2000" dirty="0"/>
           </a:p>
         </p:txBody>
       </p:sp>
@@ -6818,9 +7153,166 @@
         </p:nvSpPr>
         <p:spPr/>
         <p:txBody>
+          <a:bodyPr>
+            <a:normAutofit fontScale="90000"/>
+          </a:bodyPr>
+          <a:lstStyle/>
+          <a:p>
+            <a:r>
+              <a:rPr lang="ru-RU" dirty="0" smtClean="0"/>
+              <a:t>Определение </a:t>
+            </a:r>
+            <a:r>
+              <a:rPr lang="ru-RU" dirty="0"/>
+              <a:t>географических </a:t>
+            </a:r>
+            <a:r>
+              <a:rPr lang="ru-RU" dirty="0" smtClean="0"/>
+              <a:t>координат</a:t>
+            </a:r>
+            <a:endParaRPr lang="ru-RU" dirty="0"/>
+          </a:p>
+        </p:txBody>
+      </p:sp>
+      <p:sp>
+        <p:nvSpPr>
+          <p:cNvPr id="3" name="Объект 2"/>
+          <p:cNvSpPr>
+            <a:spLocks noGrp="1"/>
+          </p:cNvSpPr>
+          <p:nvPr>
+            <p:ph idx="1"/>
+          </p:nvPr>
+        </p:nvSpPr>
+        <p:spPr/>
+        <p:txBody>
           <a:bodyPr/>
           <a:lstStyle/>
           <a:p>
+            <a:pPr marL="457200" lvl="1" indent="0">
+              <a:buNone/>
+            </a:pPr>
+            <a:r>
+              <a:rPr lang="ru-RU" dirty="0" smtClean="0"/>
+              <a:t>Метод </a:t>
+            </a:r>
+            <a:r>
+              <a:rPr lang="ru-RU" dirty="0" err="1" smtClean="0"/>
+              <a:t>Гельмерта</a:t>
+            </a:r>
+            <a:endParaRPr lang="ru-RU" dirty="0" smtClean="0"/>
+          </a:p>
+          <a:p>
+            <a:pPr marL="457200" lvl="1" indent="0">
+              <a:buNone/>
+            </a:pPr>
+            <a:r>
+              <a:rPr lang="ru-RU" dirty="0" smtClean="0"/>
+              <a:t>для работы метода требуется:</a:t>
+            </a:r>
+          </a:p>
+          <a:p>
+            <a:pPr lvl="1"/>
+            <a:r>
+              <a:rPr lang="ru-RU" dirty="0" smtClean="0"/>
+              <a:t>широта и долгота начальной точки</a:t>
+            </a:r>
+          </a:p>
+          <a:p>
+            <a:pPr lvl="1"/>
+            <a:r>
+              <a:rPr lang="ru-RU" dirty="0" smtClean="0"/>
+              <a:t>азимут</a:t>
+            </a:r>
+          </a:p>
+          <a:p>
+            <a:pPr lvl="1"/>
+            <a:r>
+              <a:rPr lang="ru-RU" dirty="0" smtClean="0"/>
+              <a:t>расстояние до конечной точки</a:t>
+            </a:r>
+            <a:endParaRPr lang="ru-RU" dirty="0"/>
+          </a:p>
+          <a:p>
+            <a:endParaRPr lang="ru-RU" dirty="0"/>
+          </a:p>
+        </p:txBody>
+      </p:sp>
+      <p:sp>
+        <p:nvSpPr>
+          <p:cNvPr id="5" name="Номер слайда 4"/>
+          <p:cNvSpPr>
+            <a:spLocks noGrp="1"/>
+          </p:cNvSpPr>
+          <p:nvPr>
+            <p:ph type="sldNum" sz="quarter" idx="12"/>
+          </p:nvPr>
+        </p:nvSpPr>
+        <p:spPr/>
+        <p:txBody>
+          <a:bodyPr/>
+          <a:lstStyle/>
+          <a:p>
+            <a:fld id="{B19B0651-EE4F-4900-A07F-96A6BFA9D0F0}" type="slidenum">
+              <a:rPr lang="ru-RU" smtClean="0"/>
+              <a:t>10</a:t>
+            </a:fld>
+            <a:endParaRPr lang="ru-RU"/>
+          </a:p>
+        </p:txBody>
+      </p:sp>
+    </p:spTree>
+    <p:extLst>
+      <p:ext uri="{BB962C8B-B14F-4D97-AF65-F5344CB8AC3E}">
+        <p14:creationId xmlns:p14="http://schemas.microsoft.com/office/powerpoint/2010/main" val="1186117976"/>
+      </p:ext>
+    </p:extLst>
+  </p:cSld>
+  <p:clrMapOvr>
+    <a:masterClrMapping/>
+  </p:clrMapOvr>
+  <p:timing>
+    <p:tnLst>
+      <p:par>
+        <p:cTn id="1" dur="indefinite" restart="never" nodeType="tmRoot"/>
+      </p:par>
+    </p:tnLst>
+  </p:timing>
+</p:sld>
+</file>
+
+<file path=ppt/slides/slide11.xml><?xml version="1.0" encoding="utf-8"?>
+<p:sld xmlns:a="http://schemas.openxmlformats.org/drawingml/2006/main" xmlns:r="http://schemas.openxmlformats.org/officeDocument/2006/relationships" xmlns:p="http://schemas.openxmlformats.org/presentationml/2006/main">
+  <p:cSld>
+    <p:spTree>
+      <p:nvGrpSpPr>
+        <p:cNvPr id="1" name=""/>
+        <p:cNvGrpSpPr/>
+        <p:nvPr/>
+      </p:nvGrpSpPr>
+      <p:grpSpPr>
+        <a:xfrm>
+          <a:off x="0" y="0"/>
+          <a:ext cx="0" cy="0"/>
+          <a:chOff x="0" y="0"/>
+          <a:chExt cx="0" cy="0"/>
+        </a:xfrm>
+      </p:grpSpPr>
+      <p:sp>
+        <p:nvSpPr>
+          <p:cNvPr id="2" name="Заголовок 1"/>
+          <p:cNvSpPr>
+            <a:spLocks noGrp="1"/>
+          </p:cNvSpPr>
+          <p:nvPr>
+            <p:ph type="title"/>
+          </p:nvPr>
+        </p:nvSpPr>
+        <p:spPr/>
+        <p:txBody>
+          <a:bodyPr/>
+          <a:lstStyle/>
+          <a:p>
             <a:r>
               <a:rPr lang="ru-RU" dirty="0" smtClean="0"/>
               <a:t>Определение льда</a:t>
@@ -6855,6 +7347,29 @@
               <a:t>Изображение анализируется в ограниченной области усреднением её тона</a:t>
             </a:r>
             <a:endParaRPr lang="ru-RU" dirty="0"/>
+          </a:p>
+        </p:txBody>
+      </p:sp>
+      <p:sp>
+        <p:nvSpPr>
+          <p:cNvPr id="4" name="Номер слайда 3"/>
+          <p:cNvSpPr>
+            <a:spLocks noGrp="1"/>
+          </p:cNvSpPr>
+          <p:nvPr>
+            <p:ph type="sldNum" sz="quarter" idx="12"/>
+          </p:nvPr>
+        </p:nvSpPr>
+        <p:spPr/>
+        <p:txBody>
+          <a:bodyPr/>
+          <a:lstStyle/>
+          <a:p>
+            <a:fld id="{B19B0651-EE4F-4900-A07F-96A6BFA9D0F0}" type="slidenum">
+              <a:rPr lang="ru-RU" smtClean="0"/>
+              <a:t>11</a:t>
+            </a:fld>
+            <a:endParaRPr lang="ru-RU"/>
           </a:p>
         </p:txBody>
       </p:sp>
@@ -6871,7 +7386,7 @@
 </p:sld>
 </file>
 
-<file path=ppt/slides/slide11.xml><?xml version="1.0" encoding="utf-8"?>
+<file path=ppt/slides/slide12.xml><?xml version="1.0" encoding="utf-8"?>
 <p:sld xmlns:a="http://schemas.openxmlformats.org/drawingml/2006/main" xmlns:r="http://schemas.openxmlformats.org/officeDocument/2006/relationships" xmlns:p="http://schemas.openxmlformats.org/presentationml/2006/main">
   <p:cSld>
     <p:spTree>
@@ -9420,269 +9935,33 @@
           </a:p>
         </p:txBody>
       </p:sp>
+      <p:sp>
+        <p:nvSpPr>
+          <p:cNvPr id="3" name="Номер слайда 2"/>
+          <p:cNvSpPr>
+            <a:spLocks noGrp="1"/>
+          </p:cNvSpPr>
+          <p:nvPr>
+            <p:ph type="sldNum" sz="quarter" idx="12"/>
+          </p:nvPr>
+        </p:nvSpPr>
+        <p:spPr/>
+        <p:txBody>
+          <a:bodyPr/>
+          <a:lstStyle/>
+          <a:p>
+            <a:fld id="{B19B0651-EE4F-4900-A07F-96A6BFA9D0F0}" type="slidenum">
+              <a:rPr lang="ru-RU" smtClean="0"/>
+              <a:t>12</a:t>
+            </a:fld>
+            <a:endParaRPr lang="ru-RU"/>
+          </a:p>
+        </p:txBody>
+      </p:sp>
     </p:spTree>
     <p:extLst>
       <p:ext uri="{BB962C8B-B14F-4D97-AF65-F5344CB8AC3E}">
         <p14:creationId xmlns:p14="http://schemas.microsoft.com/office/powerpoint/2010/main" val="1785497731"/>
-      </p:ext>
-    </p:extLst>
-  </p:cSld>
-  <p:clrMapOvr>
-    <a:masterClrMapping/>
-  </p:clrMapOvr>
-</p:sld>
-</file>
-
-<file path=ppt/slides/slide12.xml><?xml version="1.0" encoding="utf-8"?>
-<p:sld xmlns:a="http://schemas.openxmlformats.org/drawingml/2006/main" xmlns:r="http://schemas.openxmlformats.org/officeDocument/2006/relationships" xmlns:p="http://schemas.openxmlformats.org/presentationml/2006/main">
-  <p:cSld>
-    <p:spTree>
-      <p:nvGrpSpPr>
-        <p:cNvPr id="1" name=""/>
-        <p:cNvGrpSpPr/>
-        <p:nvPr/>
-      </p:nvGrpSpPr>
-      <p:grpSpPr>
-        <a:xfrm>
-          <a:off x="0" y="0"/>
-          <a:ext cx="0" cy="0"/>
-          <a:chOff x="0" y="0"/>
-          <a:chExt cx="0" cy="0"/>
-        </a:xfrm>
-      </p:grpSpPr>
-      <p:sp>
-        <p:nvSpPr>
-          <p:cNvPr id="2" name="Заголовок 1"/>
-          <p:cNvSpPr>
-            <a:spLocks noGrp="1"/>
-          </p:cNvSpPr>
-          <p:nvPr>
-            <p:ph type="title"/>
-          </p:nvPr>
-        </p:nvSpPr>
-        <p:spPr/>
-        <p:txBody>
-          <a:bodyPr>
-            <a:normAutofit fontScale="90000"/>
-          </a:bodyPr>
-          <a:lstStyle/>
-          <a:p>
-            <a:r>
-              <a:rPr lang="ru-RU" dirty="0" smtClean="0"/>
-              <a:t>Архитектурно-контекстная диаграмма</a:t>
-            </a:r>
-            <a:endParaRPr lang="ru-RU" dirty="0"/>
-          </a:p>
-        </p:txBody>
-      </p:sp>
-      <p:sp>
-        <p:nvSpPr>
-          <p:cNvPr id="4" name="Номер слайда 3"/>
-          <p:cNvSpPr>
-            <a:spLocks noGrp="1"/>
-          </p:cNvSpPr>
-          <p:nvPr>
-            <p:ph type="sldNum" sz="quarter" idx="12"/>
-          </p:nvPr>
-        </p:nvSpPr>
-        <p:spPr/>
-        <p:txBody>
-          <a:bodyPr/>
-          <a:lstStyle/>
-          <a:p>
-            <a:fld id="{B19B0651-EE4F-4900-A07F-96A6BFA9D0F0}" type="slidenum">
-              <a:rPr lang="ru-RU" sz="2000" smtClean="0">
-                <a:latin typeface="Times New Roman" pitchFamily="18" charset="0"/>
-                <a:cs typeface="Times New Roman" pitchFamily="18" charset="0"/>
-              </a:rPr>
-              <a:t>12</a:t>
-            </a:fld>
-            <a:endParaRPr lang="ru-RU" sz="2000" dirty="0">
-              <a:latin typeface="Times New Roman" pitchFamily="18" charset="0"/>
-              <a:cs typeface="Times New Roman" pitchFamily="18" charset="0"/>
-            </a:endParaRPr>
-          </a:p>
-        </p:txBody>
-      </p:sp>
-      <p:pic>
-        <p:nvPicPr>
-          <p:cNvPr id="6" name="Рисунок 5"/>
-          <p:cNvPicPr/>
-          <p:nvPr/>
-        </p:nvPicPr>
-        <p:blipFill>
-          <a:blip r:embed="rId2" cstate="print">
-            <a:extLst>
-              <a:ext uri="{28A0092B-C50C-407E-A947-70E740481C1C}">
-                <a14:useLocalDpi xmlns:a14="http://schemas.microsoft.com/office/drawing/2010/main" val="0"/>
-              </a:ext>
-            </a:extLst>
-          </a:blip>
-          <a:srcRect/>
-          <a:stretch>
-            <a:fillRect/>
-          </a:stretch>
-        </p:blipFill>
-        <p:spPr bwMode="auto">
-          <a:xfrm>
-            <a:off x="251519" y="1988840"/>
-            <a:ext cx="6984777" cy="4392488"/>
-          </a:xfrm>
-          <a:prstGeom prst="rect">
-            <a:avLst/>
-          </a:prstGeom>
-          <a:noFill/>
-          <a:ln>
-            <a:noFill/>
-          </a:ln>
-        </p:spPr>
-      </p:pic>
-      <p:sp>
-        <p:nvSpPr>
-          <p:cNvPr id="5" name="Прямоугольник 4"/>
-          <p:cNvSpPr/>
-          <p:nvPr/>
-        </p:nvSpPr>
-        <p:spPr>
-          <a:xfrm>
-            <a:off x="5580112" y="1340768"/>
-            <a:ext cx="3397564" cy="2123658"/>
-          </a:xfrm>
-          <a:prstGeom prst="rect">
-            <a:avLst/>
-          </a:prstGeom>
-        </p:spPr>
-        <p:txBody>
-          <a:bodyPr wrap="square">
-            <a:spAutoFit/>
-          </a:bodyPr>
-          <a:lstStyle/>
-          <a:p>
-            <a:pPr marL="228600" lvl="0" indent="-228600">
-              <a:buFont typeface="+mj-lt"/>
-              <a:buAutoNum type="arabicPeriod"/>
-            </a:pPr>
-            <a:r>
-              <a:rPr lang="ru-RU" sz="1200" dirty="0">
-                <a:latin typeface="+mj-lt"/>
-              </a:rPr>
-              <a:t>Отправка команд и запросов</a:t>
-            </a:r>
-          </a:p>
-          <a:p>
-            <a:pPr marL="228600" lvl="0" indent="-228600">
-              <a:buFont typeface="+mj-lt"/>
-              <a:buAutoNum type="arabicPeriod"/>
-            </a:pPr>
-            <a:r>
-              <a:rPr lang="ru-RU" sz="1200" dirty="0">
-                <a:latin typeface="+mj-lt"/>
-              </a:rPr>
-              <a:t>Передача результатов выполнения команд и запросов</a:t>
-            </a:r>
-          </a:p>
-          <a:p>
-            <a:pPr marL="228600" lvl="0" indent="-228600">
-              <a:buFont typeface="+mj-lt"/>
-              <a:buAutoNum type="arabicPeriod"/>
-            </a:pPr>
-            <a:r>
-              <a:rPr lang="ru-RU" sz="1200" dirty="0">
-                <a:latin typeface="+mj-lt"/>
-              </a:rPr>
-              <a:t>Передача команд</a:t>
-            </a:r>
-          </a:p>
-          <a:p>
-            <a:pPr marL="228600" lvl="0" indent="-228600">
-              <a:buFont typeface="+mj-lt"/>
-              <a:buAutoNum type="arabicPeriod"/>
-            </a:pPr>
-            <a:r>
-              <a:rPr lang="ru-RU" sz="1200" dirty="0">
-                <a:latin typeface="+mj-lt"/>
-              </a:rPr>
-              <a:t>Отправка результатов</a:t>
-            </a:r>
-          </a:p>
-          <a:p>
-            <a:pPr marL="228600" lvl="0" indent="-228600">
-              <a:buFont typeface="+mj-lt"/>
-              <a:buAutoNum type="arabicPeriod"/>
-            </a:pPr>
-            <a:r>
-              <a:rPr lang="ru-RU" sz="1200" dirty="0">
-                <a:latin typeface="+mj-lt"/>
-              </a:rPr>
-              <a:t>Передача запросов пользователя</a:t>
-            </a:r>
-          </a:p>
-          <a:p>
-            <a:pPr marL="228600" lvl="0" indent="-228600">
-              <a:buFont typeface="+mj-lt"/>
-              <a:buAutoNum type="arabicPeriod"/>
-            </a:pPr>
-            <a:r>
-              <a:rPr lang="ru-RU" sz="1200" dirty="0">
-                <a:latin typeface="+mj-lt"/>
-              </a:rPr>
-              <a:t>Передача результатов выполнения запросов</a:t>
-            </a:r>
-          </a:p>
-          <a:p>
-            <a:pPr marL="228600" lvl="0" indent="-228600">
-              <a:buFont typeface="+mj-lt"/>
-              <a:buAutoNum type="arabicPeriod"/>
-            </a:pPr>
-            <a:r>
-              <a:rPr lang="ru-RU" sz="1200" dirty="0">
-                <a:latin typeface="+mj-lt"/>
-              </a:rPr>
-              <a:t>Передача данных</a:t>
-            </a:r>
-          </a:p>
-          <a:p>
-            <a:pPr marL="228600" lvl="0" indent="-228600">
-              <a:buFont typeface="+mj-lt"/>
-              <a:buAutoNum type="arabicPeriod"/>
-            </a:pPr>
-            <a:r>
-              <a:rPr lang="ru-RU" sz="1200" dirty="0">
-                <a:latin typeface="+mj-lt"/>
-              </a:rPr>
-              <a:t>Отправка запросов</a:t>
-            </a:r>
-          </a:p>
-          <a:p>
-            <a:pPr marL="228600" lvl="0" indent="-228600">
-              <a:buFont typeface="+mj-lt"/>
-              <a:buAutoNum type="arabicPeriod"/>
-            </a:pPr>
-            <a:r>
-              <a:rPr lang="ru-RU" sz="1200" dirty="0">
-                <a:latin typeface="+mj-lt"/>
-              </a:rPr>
-              <a:t>Отправка данных</a:t>
-            </a:r>
-          </a:p>
-          <a:p>
-            <a:pPr marL="228600" lvl="0" indent="-228600">
-              <a:buFont typeface="+mj-lt"/>
-              <a:buAutoNum type="arabicPeriod"/>
-            </a:pPr>
-            <a:r>
-              <a:rPr lang="ru-RU" sz="1200" dirty="0">
-                <a:latin typeface="+mj-lt"/>
-              </a:rPr>
-              <a:t>Передача запросов</a:t>
-            </a:r>
-          </a:p>
-        </p:txBody>
-      </p:sp>
-    </p:spTree>
-    <p:extLst>
-      <p:ext uri="{BB962C8B-B14F-4D97-AF65-F5344CB8AC3E}">
-        <p14:creationId xmlns:p14="http://schemas.microsoft.com/office/powerpoint/2010/main" val="2783181099"/>
       </p:ext>
     </p:extLst>
   </p:cSld>
@@ -9721,6 +10000,1133 @@
         </p:nvSpPr>
         <p:spPr/>
         <p:txBody>
+          <a:bodyPr>
+            <a:normAutofit fontScale="90000"/>
+          </a:bodyPr>
+          <a:lstStyle/>
+          <a:p>
+            <a:r>
+              <a:rPr lang="ru-RU" dirty="0" smtClean="0"/>
+              <a:t>Архитектурно-контекстная диаграмма</a:t>
+            </a:r>
+            <a:endParaRPr lang="ru-RU" dirty="0"/>
+          </a:p>
+        </p:txBody>
+      </p:sp>
+      <p:sp>
+        <p:nvSpPr>
+          <p:cNvPr id="4" name="Номер слайда 3"/>
+          <p:cNvSpPr>
+            <a:spLocks noGrp="1"/>
+          </p:cNvSpPr>
+          <p:nvPr>
+            <p:ph type="sldNum" sz="quarter" idx="12"/>
+          </p:nvPr>
+        </p:nvSpPr>
+        <p:spPr/>
+        <p:txBody>
+          <a:bodyPr/>
+          <a:lstStyle/>
+          <a:p>
+            <a:fld id="{B19B0651-EE4F-4900-A07F-96A6BFA9D0F0}" type="slidenum">
+              <a:rPr lang="ru-RU" sz="2000" smtClean="0">
+                <a:latin typeface="Times New Roman" pitchFamily="18" charset="0"/>
+                <a:cs typeface="Times New Roman" pitchFamily="18" charset="0"/>
+              </a:rPr>
+              <a:t>13</a:t>
+            </a:fld>
+            <a:endParaRPr lang="ru-RU" sz="2000" dirty="0">
+              <a:latin typeface="Times New Roman" pitchFamily="18" charset="0"/>
+              <a:cs typeface="Times New Roman" pitchFamily="18" charset="0"/>
+            </a:endParaRPr>
+          </a:p>
+        </p:txBody>
+      </p:sp>
+      <p:pic>
+        <p:nvPicPr>
+          <p:cNvPr id="6" name="Рисунок 5"/>
+          <p:cNvPicPr/>
+          <p:nvPr/>
+        </p:nvPicPr>
+        <p:blipFill>
+          <a:blip r:embed="rId2" cstate="print">
+            <a:extLst>
+              <a:ext uri="{28A0092B-C50C-407E-A947-70E740481C1C}">
+                <a14:useLocalDpi xmlns:a14="http://schemas.microsoft.com/office/drawing/2010/main" val="0"/>
+              </a:ext>
+            </a:extLst>
+          </a:blip>
+          <a:srcRect/>
+          <a:stretch>
+            <a:fillRect/>
+          </a:stretch>
+        </p:blipFill>
+        <p:spPr bwMode="auto">
+          <a:xfrm>
+            <a:off x="251518" y="1916832"/>
+            <a:ext cx="6840761" cy="4248472"/>
+          </a:xfrm>
+          <a:prstGeom prst="rect">
+            <a:avLst/>
+          </a:prstGeom>
+          <a:noFill/>
+          <a:ln>
+            <a:noFill/>
+          </a:ln>
+        </p:spPr>
+      </p:pic>
+      <p:sp>
+        <p:nvSpPr>
+          <p:cNvPr id="5" name="Прямоугольник 4"/>
+          <p:cNvSpPr/>
+          <p:nvPr/>
+        </p:nvSpPr>
+        <p:spPr>
+          <a:xfrm>
+            <a:off x="5580112" y="1340768"/>
+            <a:ext cx="3397564" cy="2123658"/>
+          </a:xfrm>
+          <a:prstGeom prst="rect">
+            <a:avLst/>
+          </a:prstGeom>
+        </p:spPr>
+        <p:txBody>
+          <a:bodyPr wrap="square">
+            <a:spAutoFit/>
+          </a:bodyPr>
+          <a:lstStyle/>
+          <a:p>
+            <a:pPr marL="228600" lvl="0" indent="-228600">
+              <a:buFont typeface="+mj-lt"/>
+              <a:buAutoNum type="arabicPeriod"/>
+            </a:pPr>
+            <a:r>
+              <a:rPr lang="ru-RU" sz="1200" dirty="0">
+                <a:latin typeface="+mj-lt"/>
+              </a:rPr>
+              <a:t>Отправка команд и запросов</a:t>
+            </a:r>
+          </a:p>
+          <a:p>
+            <a:pPr marL="228600" lvl="0" indent="-228600">
+              <a:buFont typeface="+mj-lt"/>
+              <a:buAutoNum type="arabicPeriod"/>
+            </a:pPr>
+            <a:r>
+              <a:rPr lang="ru-RU" sz="1200" dirty="0">
+                <a:latin typeface="+mj-lt"/>
+              </a:rPr>
+              <a:t>Передача результатов выполнения команд и запросов</a:t>
+            </a:r>
+          </a:p>
+          <a:p>
+            <a:pPr marL="228600" lvl="0" indent="-228600">
+              <a:buFont typeface="+mj-lt"/>
+              <a:buAutoNum type="arabicPeriod"/>
+            </a:pPr>
+            <a:r>
+              <a:rPr lang="ru-RU" sz="1200" dirty="0">
+                <a:latin typeface="+mj-lt"/>
+              </a:rPr>
+              <a:t>Передача команд</a:t>
+            </a:r>
+          </a:p>
+          <a:p>
+            <a:pPr marL="228600" lvl="0" indent="-228600">
+              <a:buFont typeface="+mj-lt"/>
+              <a:buAutoNum type="arabicPeriod"/>
+            </a:pPr>
+            <a:r>
+              <a:rPr lang="ru-RU" sz="1200" dirty="0">
+                <a:latin typeface="+mj-lt"/>
+              </a:rPr>
+              <a:t>Отправка результатов</a:t>
+            </a:r>
+          </a:p>
+          <a:p>
+            <a:pPr marL="228600" lvl="0" indent="-228600">
+              <a:buFont typeface="+mj-lt"/>
+              <a:buAutoNum type="arabicPeriod"/>
+            </a:pPr>
+            <a:r>
+              <a:rPr lang="ru-RU" sz="1200" dirty="0">
+                <a:latin typeface="+mj-lt"/>
+              </a:rPr>
+              <a:t>Передача запросов пользователя</a:t>
+            </a:r>
+          </a:p>
+          <a:p>
+            <a:pPr marL="228600" lvl="0" indent="-228600">
+              <a:buFont typeface="+mj-lt"/>
+              <a:buAutoNum type="arabicPeriod"/>
+            </a:pPr>
+            <a:r>
+              <a:rPr lang="ru-RU" sz="1200" dirty="0">
+                <a:latin typeface="+mj-lt"/>
+              </a:rPr>
+              <a:t>Передача результатов выполнения запросов</a:t>
+            </a:r>
+          </a:p>
+          <a:p>
+            <a:pPr marL="228600" lvl="0" indent="-228600">
+              <a:buFont typeface="+mj-lt"/>
+              <a:buAutoNum type="arabicPeriod"/>
+            </a:pPr>
+            <a:r>
+              <a:rPr lang="ru-RU" sz="1200" dirty="0">
+                <a:latin typeface="+mj-lt"/>
+              </a:rPr>
+              <a:t>Передача данных</a:t>
+            </a:r>
+          </a:p>
+          <a:p>
+            <a:pPr marL="228600" lvl="0" indent="-228600">
+              <a:buFont typeface="+mj-lt"/>
+              <a:buAutoNum type="arabicPeriod"/>
+            </a:pPr>
+            <a:r>
+              <a:rPr lang="ru-RU" sz="1200" dirty="0">
+                <a:latin typeface="+mj-lt"/>
+              </a:rPr>
+              <a:t>Отправка запросов</a:t>
+            </a:r>
+          </a:p>
+          <a:p>
+            <a:pPr marL="228600" lvl="0" indent="-228600">
+              <a:buFont typeface="+mj-lt"/>
+              <a:buAutoNum type="arabicPeriod"/>
+            </a:pPr>
+            <a:r>
+              <a:rPr lang="ru-RU" sz="1200" dirty="0">
+                <a:latin typeface="+mj-lt"/>
+              </a:rPr>
+              <a:t>Отправка данных</a:t>
+            </a:r>
+          </a:p>
+          <a:p>
+            <a:pPr marL="228600" lvl="0" indent="-228600">
+              <a:buFont typeface="+mj-lt"/>
+              <a:buAutoNum type="arabicPeriod"/>
+            </a:pPr>
+            <a:r>
+              <a:rPr lang="ru-RU" sz="1200" dirty="0">
+                <a:latin typeface="+mj-lt"/>
+              </a:rPr>
+              <a:t>Передача запросов</a:t>
+            </a:r>
+          </a:p>
+        </p:txBody>
+      </p:sp>
+    </p:spTree>
+    <p:extLst>
+      <p:ext uri="{BB962C8B-B14F-4D97-AF65-F5344CB8AC3E}">
+        <p14:creationId xmlns:p14="http://schemas.microsoft.com/office/powerpoint/2010/main" val="2783181099"/>
+      </p:ext>
+    </p:extLst>
+  </p:cSld>
+  <p:clrMapOvr>
+    <a:masterClrMapping/>
+  </p:clrMapOvr>
+</p:sld>
+</file>
+
+<file path=ppt/slides/slide14.xml><?xml version="1.0" encoding="utf-8"?>
+<p:sld xmlns:a="http://schemas.openxmlformats.org/drawingml/2006/main" xmlns:r="http://schemas.openxmlformats.org/officeDocument/2006/relationships" xmlns:p="http://schemas.openxmlformats.org/presentationml/2006/main">
+  <p:cSld>
+    <p:spTree>
+      <p:nvGrpSpPr>
+        <p:cNvPr id="1" name=""/>
+        <p:cNvGrpSpPr/>
+        <p:nvPr/>
+      </p:nvGrpSpPr>
+      <p:grpSpPr>
+        <a:xfrm>
+          <a:off x="0" y="0"/>
+          <a:ext cx="0" cy="0"/>
+          <a:chOff x="0" y="0"/>
+          <a:chExt cx="0" cy="0"/>
+        </a:xfrm>
+      </p:grpSpPr>
+      <p:sp>
+        <p:nvSpPr>
+          <p:cNvPr id="2" name="Заголовок 1"/>
+          <p:cNvSpPr>
+            <a:spLocks noGrp="1"/>
+          </p:cNvSpPr>
+          <p:nvPr>
+            <p:ph type="title"/>
+          </p:nvPr>
+        </p:nvSpPr>
+        <p:spPr/>
+        <p:txBody>
+          <a:bodyPr/>
+          <a:lstStyle/>
+          <a:p>
+            <a:r>
+              <a:rPr lang="ru-RU" dirty="0" smtClean="0"/>
+              <a:t>База данных</a:t>
+            </a:r>
+            <a:endParaRPr lang="ru-RU" dirty="0"/>
+          </a:p>
+        </p:txBody>
+      </p:sp>
+      <p:pic>
+        <p:nvPicPr>
+          <p:cNvPr id="4" name="Объект 3"/>
+          <p:cNvPicPr>
+            <a:picLocks noGrp="1"/>
+          </p:cNvPicPr>
+          <p:nvPr>
+            <p:ph idx="1"/>
+          </p:nvPr>
+        </p:nvPicPr>
+        <p:blipFill>
+          <a:blip r:embed="rId2"/>
+          <a:stretch>
+            <a:fillRect/>
+          </a:stretch>
+        </p:blipFill>
+        <p:spPr>
+          <a:xfrm>
+            <a:off x="1343025" y="2815431"/>
+            <a:ext cx="6457950" cy="2095500"/>
+          </a:xfrm>
+          <a:prstGeom prst="rect">
+            <a:avLst/>
+          </a:prstGeom>
+        </p:spPr>
+      </p:pic>
+      <p:sp>
+        <p:nvSpPr>
+          <p:cNvPr id="5" name="Номер слайда 4"/>
+          <p:cNvSpPr>
+            <a:spLocks noGrp="1"/>
+          </p:cNvSpPr>
+          <p:nvPr>
+            <p:ph type="sldNum" sz="quarter" idx="12"/>
+          </p:nvPr>
+        </p:nvSpPr>
+        <p:spPr/>
+        <p:txBody>
+          <a:bodyPr/>
+          <a:lstStyle/>
+          <a:p>
+            <a:fld id="{B19B0651-EE4F-4900-A07F-96A6BFA9D0F0}" type="slidenum">
+              <a:rPr lang="ru-RU" smtClean="0"/>
+              <a:t>14</a:t>
+            </a:fld>
+            <a:endParaRPr lang="ru-RU"/>
+          </a:p>
+        </p:txBody>
+      </p:sp>
+    </p:spTree>
+    <p:extLst>
+      <p:ext uri="{BB962C8B-B14F-4D97-AF65-F5344CB8AC3E}">
+        <p14:creationId xmlns:p14="http://schemas.microsoft.com/office/powerpoint/2010/main" val="1816690260"/>
+      </p:ext>
+    </p:extLst>
+  </p:cSld>
+  <p:clrMapOvr>
+    <a:masterClrMapping/>
+  </p:clrMapOvr>
+</p:sld>
+</file>
+
+<file path=ppt/slides/slide15.xml><?xml version="1.0" encoding="utf-8"?>
+<p:sld xmlns:a="http://schemas.openxmlformats.org/drawingml/2006/main" xmlns:r="http://schemas.openxmlformats.org/officeDocument/2006/relationships" xmlns:p="http://schemas.openxmlformats.org/presentationml/2006/main">
+  <p:cSld>
+    <p:spTree>
+      <p:nvGrpSpPr>
+        <p:cNvPr id="1" name=""/>
+        <p:cNvGrpSpPr/>
+        <p:nvPr/>
+      </p:nvGrpSpPr>
+      <p:grpSpPr>
+        <a:xfrm>
+          <a:off x="0" y="0"/>
+          <a:ext cx="0" cy="0"/>
+          <a:chOff x="0" y="0"/>
+          <a:chExt cx="0" cy="0"/>
+        </a:xfrm>
+      </p:grpSpPr>
+      <p:sp>
+        <p:nvSpPr>
+          <p:cNvPr id="2" name="Заголовок 1"/>
+          <p:cNvSpPr>
+            <a:spLocks noGrp="1"/>
+          </p:cNvSpPr>
+          <p:nvPr>
+            <p:ph type="title"/>
+          </p:nvPr>
+        </p:nvSpPr>
+        <p:spPr/>
+        <p:txBody>
+          <a:bodyPr>
+            <a:normAutofit fontScale="90000"/>
+          </a:bodyPr>
+          <a:lstStyle/>
+          <a:p>
+            <a:r>
+              <a:rPr lang="ru-RU" dirty="0" smtClean="0"/>
+              <a:t>Диаграмма вариантов использования</a:t>
+            </a:r>
+            <a:endParaRPr lang="ru-RU" dirty="0"/>
+          </a:p>
+        </p:txBody>
+      </p:sp>
+      <p:pic>
+        <p:nvPicPr>
+          <p:cNvPr id="4" name="Объект 3"/>
+          <p:cNvPicPr>
+            <a:picLocks noGrp="1"/>
+          </p:cNvPicPr>
+          <p:nvPr>
+            <p:ph idx="1"/>
+          </p:nvPr>
+        </p:nvPicPr>
+        <p:blipFill>
+          <a:blip r:embed="rId2" cstate="print">
+            <a:extLst>
+              <a:ext uri="{28A0092B-C50C-407E-A947-70E740481C1C}">
+                <a14:useLocalDpi xmlns:a14="http://schemas.microsoft.com/office/drawing/2010/main" val="0"/>
+              </a:ext>
+            </a:extLst>
+          </a:blip>
+          <a:srcRect/>
+          <a:stretch>
+            <a:fillRect/>
+          </a:stretch>
+        </p:blipFill>
+        <p:spPr bwMode="auto">
+          <a:xfrm>
+            <a:off x="2805629" y="1600200"/>
+            <a:ext cx="3532742" cy="4525963"/>
+          </a:xfrm>
+          <a:prstGeom prst="rect">
+            <a:avLst/>
+          </a:prstGeom>
+          <a:noFill/>
+          <a:ln>
+            <a:noFill/>
+          </a:ln>
+        </p:spPr>
+      </p:pic>
+      <p:sp>
+        <p:nvSpPr>
+          <p:cNvPr id="5" name="Номер слайда 4"/>
+          <p:cNvSpPr>
+            <a:spLocks noGrp="1"/>
+          </p:cNvSpPr>
+          <p:nvPr>
+            <p:ph type="sldNum" sz="quarter" idx="12"/>
+          </p:nvPr>
+        </p:nvSpPr>
+        <p:spPr/>
+        <p:txBody>
+          <a:bodyPr/>
+          <a:lstStyle/>
+          <a:p>
+            <a:fld id="{B19B0651-EE4F-4900-A07F-96A6BFA9D0F0}" type="slidenum">
+              <a:rPr lang="ru-RU" smtClean="0"/>
+              <a:t>15</a:t>
+            </a:fld>
+            <a:endParaRPr lang="ru-RU"/>
+          </a:p>
+        </p:txBody>
+      </p:sp>
+    </p:spTree>
+    <p:extLst>
+      <p:ext uri="{BB962C8B-B14F-4D97-AF65-F5344CB8AC3E}">
+        <p14:creationId xmlns:p14="http://schemas.microsoft.com/office/powerpoint/2010/main" val="598454074"/>
+      </p:ext>
+    </p:extLst>
+  </p:cSld>
+  <p:clrMapOvr>
+    <a:masterClrMapping/>
+  </p:clrMapOvr>
+</p:sld>
+</file>
+
+<file path=ppt/slides/slide16.xml><?xml version="1.0" encoding="utf-8"?>
+<p:sld xmlns:a="http://schemas.openxmlformats.org/drawingml/2006/main" xmlns:r="http://schemas.openxmlformats.org/officeDocument/2006/relationships" xmlns:p="http://schemas.openxmlformats.org/presentationml/2006/main">
+  <p:cSld>
+    <p:spTree>
+      <p:nvGrpSpPr>
+        <p:cNvPr id="1" name=""/>
+        <p:cNvGrpSpPr/>
+        <p:nvPr/>
+      </p:nvGrpSpPr>
+      <p:grpSpPr>
+        <a:xfrm>
+          <a:off x="0" y="0"/>
+          <a:ext cx="0" cy="0"/>
+          <a:chOff x="0" y="0"/>
+          <a:chExt cx="0" cy="0"/>
+        </a:xfrm>
+      </p:grpSpPr>
+      <p:sp>
+        <p:nvSpPr>
+          <p:cNvPr id="2" name="Заголовок 1"/>
+          <p:cNvSpPr>
+            <a:spLocks noGrp="1"/>
+          </p:cNvSpPr>
+          <p:nvPr>
+            <p:ph type="title"/>
+          </p:nvPr>
+        </p:nvSpPr>
+        <p:spPr/>
+        <p:txBody>
+          <a:bodyPr/>
+          <a:lstStyle/>
+          <a:p>
+            <a:r>
+              <a:rPr lang="ru-RU" dirty="0" smtClean="0"/>
+              <a:t>Диаграмма взаимодействия</a:t>
+            </a:r>
+            <a:endParaRPr lang="ru-RU" dirty="0"/>
+          </a:p>
+        </p:txBody>
+      </p:sp>
+      <p:pic>
+        <p:nvPicPr>
+          <p:cNvPr id="1026" name="Picture 2"/>
+          <p:cNvPicPr>
+            <a:picLocks noChangeAspect="1" noChangeArrowheads="1"/>
+          </p:cNvPicPr>
+          <p:nvPr/>
+        </p:nvPicPr>
+        <p:blipFill>
+          <a:blip r:embed="rId2">
+            <a:extLst>
+              <a:ext uri="{28A0092B-C50C-407E-A947-70E740481C1C}">
+                <a14:useLocalDpi xmlns:a14="http://schemas.microsoft.com/office/drawing/2010/main" val="0"/>
+              </a:ext>
+            </a:extLst>
+          </a:blip>
+          <a:srcRect/>
+          <a:stretch>
+            <a:fillRect/>
+          </a:stretch>
+        </p:blipFill>
+        <p:spPr bwMode="auto">
+          <a:xfrm>
+            <a:off x="1533525" y="1119188"/>
+            <a:ext cx="6076950" cy="4619625"/>
+          </a:xfrm>
+          <a:prstGeom prst="rect">
+            <a:avLst/>
+          </a:prstGeom>
+          <a:noFill/>
+          <a:ln>
+            <a:noFill/>
+          </a:ln>
+          <a:extLst>
+            <a:ext uri="{909E8E84-426E-40DD-AFC4-6F175D3DCCD1}">
+              <a14:hiddenFill xmlns:a14="http://schemas.microsoft.com/office/drawing/2010/main">
+                <a:solidFill>
+                  <a:schemeClr val="accent1"/>
+                </a:solidFill>
+              </a14:hiddenFill>
+            </a:ext>
+            <a:ext uri="{91240B29-F687-4F45-9708-019B960494DF}">
+              <a14:hiddenLine xmlns:a14="http://schemas.microsoft.com/office/drawing/2010/main" w="9525">
+                <a:solidFill>
+                  <a:schemeClr val="tx1"/>
+                </a:solidFill>
+                <a:miter lim="800000"/>
+                <a:headEnd/>
+                <a:tailEnd/>
+              </a14:hiddenLine>
+            </a:ext>
+          </a:extLst>
+        </p:spPr>
+      </p:pic>
+      <p:sp>
+        <p:nvSpPr>
+          <p:cNvPr id="94" name="Номер слайда 93"/>
+          <p:cNvSpPr>
+            <a:spLocks noGrp="1"/>
+          </p:cNvSpPr>
+          <p:nvPr>
+            <p:ph type="sldNum" sz="quarter" idx="12"/>
+          </p:nvPr>
+        </p:nvSpPr>
+        <p:spPr/>
+        <p:txBody>
+          <a:bodyPr/>
+          <a:lstStyle/>
+          <a:p>
+            <a:fld id="{B19B0651-EE4F-4900-A07F-96A6BFA9D0F0}" type="slidenum">
+              <a:rPr lang="ru-RU" smtClean="0"/>
+              <a:t>16</a:t>
+            </a:fld>
+            <a:endParaRPr lang="ru-RU"/>
+          </a:p>
+        </p:txBody>
+      </p:sp>
+    </p:spTree>
+    <p:extLst>
+      <p:ext uri="{BB962C8B-B14F-4D97-AF65-F5344CB8AC3E}">
+        <p14:creationId xmlns:p14="http://schemas.microsoft.com/office/powerpoint/2010/main" val="737141694"/>
+      </p:ext>
+    </p:extLst>
+  </p:cSld>
+  <p:clrMapOvr>
+    <a:masterClrMapping/>
+  </p:clrMapOvr>
+</p:sld>
+</file>
+
+<file path=ppt/slides/slide17.xml><?xml version="1.0" encoding="utf-8"?>
+<p:sld xmlns:a="http://schemas.openxmlformats.org/drawingml/2006/main" xmlns:r="http://schemas.openxmlformats.org/officeDocument/2006/relationships" xmlns:p="http://schemas.openxmlformats.org/presentationml/2006/main">
+  <p:cSld>
+    <p:spTree>
+      <p:nvGrpSpPr>
+        <p:cNvPr id="1" name=""/>
+        <p:cNvGrpSpPr/>
+        <p:nvPr/>
+      </p:nvGrpSpPr>
+      <p:grpSpPr>
+        <a:xfrm>
+          <a:off x="0" y="0"/>
+          <a:ext cx="0" cy="0"/>
+          <a:chOff x="0" y="0"/>
+          <a:chExt cx="0" cy="0"/>
+        </a:xfrm>
+      </p:grpSpPr>
+      <p:sp>
+        <p:nvSpPr>
+          <p:cNvPr id="2" name="Заголовок 1"/>
+          <p:cNvSpPr>
+            <a:spLocks noGrp="1"/>
+          </p:cNvSpPr>
+          <p:nvPr>
+            <p:ph type="title"/>
+          </p:nvPr>
+        </p:nvSpPr>
+        <p:spPr/>
+        <p:txBody>
+          <a:bodyPr/>
+          <a:lstStyle/>
+          <a:p>
+            <a:r>
+              <a:rPr lang="ru-RU" dirty="0" smtClean="0"/>
+              <a:t>Диаграмма взаимодействия</a:t>
+            </a:r>
+            <a:endParaRPr lang="ru-RU" dirty="0"/>
+          </a:p>
+        </p:txBody>
+      </p:sp>
+      <p:pic>
+        <p:nvPicPr>
+          <p:cNvPr id="2051" name="Picture 3"/>
+          <p:cNvPicPr>
+            <a:picLocks noChangeAspect="1" noChangeArrowheads="1"/>
+          </p:cNvPicPr>
+          <p:nvPr/>
+        </p:nvPicPr>
+        <p:blipFill>
+          <a:blip r:embed="rId2">
+            <a:extLst>
+              <a:ext uri="{28A0092B-C50C-407E-A947-70E740481C1C}">
+                <a14:useLocalDpi xmlns:a14="http://schemas.microsoft.com/office/drawing/2010/main" val="0"/>
+              </a:ext>
+            </a:extLst>
+          </a:blip>
+          <a:srcRect/>
+          <a:stretch>
+            <a:fillRect/>
+          </a:stretch>
+        </p:blipFill>
+        <p:spPr bwMode="auto">
+          <a:xfrm>
+            <a:off x="1462088" y="1340768"/>
+            <a:ext cx="6219825" cy="5133975"/>
+          </a:xfrm>
+          <a:prstGeom prst="rect">
+            <a:avLst/>
+          </a:prstGeom>
+          <a:noFill/>
+          <a:ln>
+            <a:noFill/>
+          </a:ln>
+          <a:extLst>
+            <a:ext uri="{909E8E84-426E-40DD-AFC4-6F175D3DCCD1}">
+              <a14:hiddenFill xmlns:a14="http://schemas.microsoft.com/office/drawing/2010/main">
+                <a:solidFill>
+                  <a:schemeClr val="accent1"/>
+                </a:solidFill>
+              </a14:hiddenFill>
+            </a:ext>
+            <a:ext uri="{91240B29-F687-4F45-9708-019B960494DF}">
+              <a14:hiddenLine xmlns:a14="http://schemas.microsoft.com/office/drawing/2010/main" w="9525">
+                <a:solidFill>
+                  <a:schemeClr val="tx1"/>
+                </a:solidFill>
+                <a:miter lim="800000"/>
+                <a:headEnd/>
+                <a:tailEnd/>
+              </a14:hiddenLine>
+            </a:ext>
+          </a:extLst>
+        </p:spPr>
+      </p:pic>
+      <p:sp>
+        <p:nvSpPr>
+          <p:cNvPr id="3" name="Номер слайда 2"/>
+          <p:cNvSpPr>
+            <a:spLocks noGrp="1"/>
+          </p:cNvSpPr>
+          <p:nvPr>
+            <p:ph type="sldNum" sz="quarter" idx="12"/>
+          </p:nvPr>
+        </p:nvSpPr>
+        <p:spPr/>
+        <p:txBody>
+          <a:bodyPr/>
+          <a:lstStyle/>
+          <a:p>
+            <a:fld id="{B19B0651-EE4F-4900-A07F-96A6BFA9D0F0}" type="slidenum">
+              <a:rPr lang="ru-RU" smtClean="0"/>
+              <a:t>17</a:t>
+            </a:fld>
+            <a:endParaRPr lang="ru-RU"/>
+          </a:p>
+        </p:txBody>
+      </p:sp>
+    </p:spTree>
+    <p:extLst>
+      <p:ext uri="{BB962C8B-B14F-4D97-AF65-F5344CB8AC3E}">
+        <p14:creationId xmlns:p14="http://schemas.microsoft.com/office/powerpoint/2010/main" val="3847200058"/>
+      </p:ext>
+    </p:extLst>
+  </p:cSld>
+  <p:clrMapOvr>
+    <a:masterClrMapping/>
+  </p:clrMapOvr>
+</p:sld>
+</file>
+
+<file path=ppt/slides/slide18.xml><?xml version="1.0" encoding="utf-8"?>
+<p:sld xmlns:a="http://schemas.openxmlformats.org/drawingml/2006/main" xmlns:r="http://schemas.openxmlformats.org/officeDocument/2006/relationships" xmlns:p="http://schemas.openxmlformats.org/presentationml/2006/main">
+  <p:cSld>
+    <p:spTree>
+      <p:nvGrpSpPr>
+        <p:cNvPr id="1" name=""/>
+        <p:cNvGrpSpPr/>
+        <p:nvPr/>
+      </p:nvGrpSpPr>
+      <p:grpSpPr>
+        <a:xfrm>
+          <a:off x="0" y="0"/>
+          <a:ext cx="0" cy="0"/>
+          <a:chOff x="0" y="0"/>
+          <a:chExt cx="0" cy="0"/>
+        </a:xfrm>
+      </p:grpSpPr>
+      <p:sp>
+        <p:nvSpPr>
+          <p:cNvPr id="2" name="Заголовок 1"/>
+          <p:cNvSpPr>
+            <a:spLocks noGrp="1"/>
+          </p:cNvSpPr>
+          <p:nvPr>
+            <p:ph type="title"/>
+          </p:nvPr>
+        </p:nvSpPr>
+        <p:spPr/>
+        <p:txBody>
+          <a:bodyPr/>
+          <a:lstStyle/>
+          <a:p>
+            <a:r>
+              <a:rPr lang="ru-RU" dirty="0"/>
+              <a:t>Диаграмма потоков данных</a:t>
+            </a:r>
+          </a:p>
+        </p:txBody>
+      </p:sp>
+      <p:pic>
+        <p:nvPicPr>
+          <p:cNvPr id="4" name="Picture 2"/>
+          <p:cNvPicPr>
+            <a:picLocks noGrp="1" noChangeAspect="1" noChangeArrowheads="1"/>
+          </p:cNvPicPr>
+          <p:nvPr>
+            <p:ph idx="1"/>
+          </p:nvPr>
+        </p:nvPicPr>
+        <p:blipFill>
+          <a:blip r:embed="rId2">
+            <a:extLst>
+              <a:ext uri="{28A0092B-C50C-407E-A947-70E740481C1C}">
+                <a14:useLocalDpi xmlns:a14="http://schemas.microsoft.com/office/drawing/2010/main" val="0"/>
+              </a:ext>
+            </a:extLst>
+          </a:blip>
+          <a:srcRect/>
+          <a:stretch>
+            <a:fillRect/>
+          </a:stretch>
+        </p:blipFill>
+        <p:spPr bwMode="auto">
+          <a:xfrm>
+            <a:off x="1742139" y="1600200"/>
+            <a:ext cx="5659721" cy="4525963"/>
+          </a:xfrm>
+          <a:prstGeom prst="rect">
+            <a:avLst/>
+          </a:prstGeom>
+          <a:noFill/>
+          <a:ln>
+            <a:noFill/>
+          </a:ln>
+          <a:effectLst/>
+          <a:extLst>
+            <a:ext uri="{909E8E84-426E-40DD-AFC4-6F175D3DCCD1}">
+              <a14:hiddenFill xmlns:a14="http://schemas.microsoft.com/office/drawing/2010/main">
+                <a:solidFill>
+                  <a:schemeClr val="accent1"/>
+                </a:solidFill>
+              </a14:hiddenFill>
+            </a:ext>
+            <a:ext uri="{91240B29-F687-4F45-9708-019B960494DF}">
+              <a14:hiddenLine xmlns:a14="http://schemas.microsoft.com/office/drawing/2010/main" w="9525">
+                <a:solidFill>
+                  <a:schemeClr val="tx1"/>
+                </a:solidFill>
+                <a:miter lim="800000"/>
+                <a:headEnd/>
+                <a:tailEnd/>
+              </a14:hiddenLine>
+            </a:ext>
+            <a:ext uri="{AF507438-7753-43E0-B8FC-AC1667EBCBE1}">
+              <a14:hiddenEffects xmlns:a14="http://schemas.microsoft.com/office/drawing/2010/main">
+                <a:effectLst>
+                  <a:outerShdw dist="35921" dir="2700000" algn="ctr" rotWithShape="0">
+                    <a:schemeClr val="bg2"/>
+                  </a:outerShdw>
+                </a:effectLst>
+              </a14:hiddenEffects>
+            </a:ext>
+          </a:extLst>
+        </p:spPr>
+      </p:pic>
+      <p:sp>
+        <p:nvSpPr>
+          <p:cNvPr id="5" name="Номер слайда 4"/>
+          <p:cNvSpPr>
+            <a:spLocks noGrp="1"/>
+          </p:cNvSpPr>
+          <p:nvPr>
+            <p:ph type="sldNum" sz="quarter" idx="12"/>
+          </p:nvPr>
+        </p:nvSpPr>
+        <p:spPr/>
+        <p:txBody>
+          <a:bodyPr/>
+          <a:lstStyle/>
+          <a:p>
+            <a:fld id="{B19B0651-EE4F-4900-A07F-96A6BFA9D0F0}" type="slidenum">
+              <a:rPr lang="ru-RU" smtClean="0"/>
+              <a:t>18</a:t>
+            </a:fld>
+            <a:endParaRPr lang="ru-RU"/>
+          </a:p>
+        </p:txBody>
+      </p:sp>
+    </p:spTree>
+    <p:extLst>
+      <p:ext uri="{BB962C8B-B14F-4D97-AF65-F5344CB8AC3E}">
+        <p14:creationId xmlns:p14="http://schemas.microsoft.com/office/powerpoint/2010/main" val="1317131253"/>
+      </p:ext>
+    </p:extLst>
+  </p:cSld>
+  <p:clrMapOvr>
+    <a:masterClrMapping/>
+  </p:clrMapOvr>
+</p:sld>
+</file>
+
+<file path=ppt/slides/slide19.xml><?xml version="1.0" encoding="utf-8"?>
+<p:sld xmlns:a="http://schemas.openxmlformats.org/drawingml/2006/main" xmlns:r="http://schemas.openxmlformats.org/officeDocument/2006/relationships" xmlns:p="http://schemas.openxmlformats.org/presentationml/2006/main">
+  <p:cSld>
+    <p:spTree>
+      <p:nvGrpSpPr>
+        <p:cNvPr id="1" name=""/>
+        <p:cNvGrpSpPr/>
+        <p:nvPr/>
+      </p:nvGrpSpPr>
+      <p:grpSpPr>
+        <a:xfrm>
+          <a:off x="0" y="0"/>
+          <a:ext cx="0" cy="0"/>
+          <a:chOff x="0" y="0"/>
+          <a:chExt cx="0" cy="0"/>
+        </a:xfrm>
+      </p:grpSpPr>
+      <p:sp>
+        <p:nvSpPr>
+          <p:cNvPr id="2" name="Заголовок 1"/>
+          <p:cNvSpPr>
+            <a:spLocks noGrp="1"/>
+          </p:cNvSpPr>
+          <p:nvPr>
+            <p:ph type="title"/>
+          </p:nvPr>
+        </p:nvSpPr>
+        <p:spPr/>
+        <p:txBody>
+          <a:bodyPr/>
+          <a:lstStyle/>
+          <a:p>
+            <a:r>
+              <a:rPr lang="ru-RU" dirty="0"/>
+              <a:t>Диаграмма потоков данных</a:t>
+            </a:r>
+          </a:p>
+        </p:txBody>
+      </p:sp>
+      <p:pic>
+        <p:nvPicPr>
+          <p:cNvPr id="5" name="Picture 2"/>
+          <p:cNvPicPr>
+            <a:picLocks noChangeAspect="1" noChangeArrowheads="1"/>
+          </p:cNvPicPr>
+          <p:nvPr/>
+        </p:nvPicPr>
+        <p:blipFill>
+          <a:blip r:embed="rId2">
+            <a:extLst>
+              <a:ext uri="{28A0092B-C50C-407E-A947-70E740481C1C}">
+                <a14:useLocalDpi xmlns:a14="http://schemas.microsoft.com/office/drawing/2010/main" val="0"/>
+              </a:ext>
+            </a:extLst>
+          </a:blip>
+          <a:srcRect/>
+          <a:stretch>
+            <a:fillRect/>
+          </a:stretch>
+        </p:blipFill>
+        <p:spPr bwMode="auto">
+          <a:xfrm>
+            <a:off x="1948072" y="2420888"/>
+            <a:ext cx="4846683" cy="3678932"/>
+          </a:xfrm>
+          <a:prstGeom prst="rect">
+            <a:avLst/>
+          </a:prstGeom>
+          <a:noFill/>
+          <a:ln>
+            <a:noFill/>
+          </a:ln>
+          <a:effectLst/>
+          <a:extLst>
+            <a:ext uri="{909E8E84-426E-40DD-AFC4-6F175D3DCCD1}">
+              <a14:hiddenFill xmlns:a14="http://schemas.microsoft.com/office/drawing/2010/main">
+                <a:solidFill>
+                  <a:schemeClr val="accent1"/>
+                </a:solidFill>
+              </a14:hiddenFill>
+            </a:ext>
+            <a:ext uri="{91240B29-F687-4F45-9708-019B960494DF}">
+              <a14:hiddenLine xmlns:a14="http://schemas.microsoft.com/office/drawing/2010/main" w="9525">
+                <a:solidFill>
+                  <a:schemeClr val="tx1"/>
+                </a:solidFill>
+                <a:miter lim="800000"/>
+                <a:headEnd/>
+                <a:tailEnd/>
+              </a14:hiddenLine>
+            </a:ext>
+            <a:ext uri="{AF507438-7753-43E0-B8FC-AC1667EBCBE1}">
+              <a14:hiddenEffects xmlns:a14="http://schemas.microsoft.com/office/drawing/2010/main">
+                <a:effectLst>
+                  <a:outerShdw dist="35921" dir="2700000" algn="ctr" rotWithShape="0">
+                    <a:schemeClr val="bg2"/>
+                  </a:outerShdw>
+                </a:effectLst>
+              </a14:hiddenEffects>
+            </a:ext>
+          </a:extLst>
+        </p:spPr>
+      </p:pic>
+      <p:sp>
+        <p:nvSpPr>
+          <p:cNvPr id="6" name="Номер слайда 5"/>
+          <p:cNvSpPr>
+            <a:spLocks noGrp="1"/>
+          </p:cNvSpPr>
+          <p:nvPr>
+            <p:ph type="sldNum" sz="quarter" idx="12"/>
+          </p:nvPr>
+        </p:nvSpPr>
+        <p:spPr/>
+        <p:txBody>
+          <a:bodyPr/>
+          <a:lstStyle/>
+          <a:p>
+            <a:fld id="{B19B0651-EE4F-4900-A07F-96A6BFA9D0F0}" type="slidenum">
+              <a:rPr lang="ru-RU" smtClean="0"/>
+              <a:t>19</a:t>
+            </a:fld>
+            <a:endParaRPr lang="ru-RU"/>
+          </a:p>
+        </p:txBody>
+      </p:sp>
+    </p:spTree>
+    <p:extLst>
+      <p:ext uri="{BB962C8B-B14F-4D97-AF65-F5344CB8AC3E}">
+        <p14:creationId xmlns:p14="http://schemas.microsoft.com/office/powerpoint/2010/main" val="2584614959"/>
+      </p:ext>
+    </p:extLst>
+  </p:cSld>
+  <p:clrMapOvr>
+    <a:masterClrMapping/>
+  </p:clrMapOvr>
+</p:sld>
+</file>
+
+<file path=ppt/slides/slide2.xml><?xml version="1.0" encoding="utf-8"?>
+<p:sld xmlns:a="http://schemas.openxmlformats.org/drawingml/2006/main" xmlns:r="http://schemas.openxmlformats.org/officeDocument/2006/relationships" xmlns:p="http://schemas.openxmlformats.org/presentationml/2006/main">
+  <p:cSld>
+    <p:spTree>
+      <p:nvGrpSpPr>
+        <p:cNvPr id="1" name=""/>
+        <p:cNvGrpSpPr/>
+        <p:nvPr/>
+      </p:nvGrpSpPr>
+      <p:grpSpPr>
+        <a:xfrm>
+          <a:off x="0" y="0"/>
+          <a:ext cx="0" cy="0"/>
+          <a:chOff x="0" y="0"/>
+          <a:chExt cx="0" cy="0"/>
+        </a:xfrm>
+      </p:grpSpPr>
+      <p:sp>
+        <p:nvSpPr>
+          <p:cNvPr id="2" name="Заголовок 1"/>
+          <p:cNvSpPr>
+            <a:spLocks noGrp="1"/>
+          </p:cNvSpPr>
+          <p:nvPr>
+            <p:ph type="title"/>
+          </p:nvPr>
+        </p:nvSpPr>
+        <p:spPr/>
+        <p:txBody>
+          <a:bodyPr/>
+          <a:lstStyle/>
+          <a:p>
+            <a:r>
+              <a:rPr lang="ru-RU" dirty="0" smtClean="0"/>
+              <a:t>Актуальность</a:t>
+            </a:r>
+            <a:endParaRPr lang="ru-RU" dirty="0"/>
+          </a:p>
+        </p:txBody>
+      </p:sp>
+      <p:sp>
+        <p:nvSpPr>
+          <p:cNvPr id="3" name="Объект 2"/>
+          <p:cNvSpPr>
+            <a:spLocks noGrp="1"/>
+          </p:cNvSpPr>
+          <p:nvPr>
+            <p:ph idx="1"/>
+          </p:nvPr>
+        </p:nvSpPr>
+        <p:spPr/>
+        <p:txBody>
+          <a:bodyPr/>
+          <a:lstStyle/>
+          <a:p>
+            <a:r>
+              <a:rPr lang="ru-RU" dirty="0" smtClean="0"/>
+              <a:t>Автоматизация слеживания за акваториями.</a:t>
+            </a:r>
+          </a:p>
+          <a:p>
+            <a:r>
+              <a:rPr lang="ru-RU" dirty="0" smtClean="0"/>
+              <a:t>Автоматический анализ снимков.</a:t>
+            </a:r>
+          </a:p>
+          <a:p>
+            <a:r>
+              <a:rPr lang="ru-RU" dirty="0" smtClean="0"/>
+              <a:t>Получение данных для статистической оценки занимаемой наледями площади.</a:t>
+            </a:r>
+            <a:endParaRPr lang="ru-RU" dirty="0"/>
+          </a:p>
+        </p:txBody>
+      </p:sp>
+      <p:sp>
+        <p:nvSpPr>
+          <p:cNvPr id="4" name="Номер слайда 3"/>
+          <p:cNvSpPr>
+            <a:spLocks noGrp="1"/>
+          </p:cNvSpPr>
+          <p:nvPr>
+            <p:ph type="sldNum" sz="quarter" idx="12"/>
+          </p:nvPr>
+        </p:nvSpPr>
+        <p:spPr/>
+        <p:txBody>
+          <a:bodyPr/>
+          <a:lstStyle/>
+          <a:p>
+            <a:fld id="{B19B0651-EE4F-4900-A07F-96A6BFA9D0F0}" type="slidenum">
+              <a:rPr lang="ru-RU" smtClean="0"/>
+              <a:t>2</a:t>
+            </a:fld>
+            <a:endParaRPr lang="ru-RU"/>
+          </a:p>
+        </p:txBody>
+      </p:sp>
+    </p:spTree>
+    <p:extLst>
+      <p:ext uri="{BB962C8B-B14F-4D97-AF65-F5344CB8AC3E}">
+        <p14:creationId xmlns:p14="http://schemas.microsoft.com/office/powerpoint/2010/main" val="3507269068"/>
+      </p:ext>
+    </p:extLst>
+  </p:cSld>
+  <p:clrMapOvr>
+    <a:masterClrMapping/>
+  </p:clrMapOvr>
+</p:sld>
+</file>
+
+<file path=ppt/slides/slide20.xml><?xml version="1.0" encoding="utf-8"?>
+<p:sld xmlns:a="http://schemas.openxmlformats.org/drawingml/2006/main" xmlns:r="http://schemas.openxmlformats.org/officeDocument/2006/relationships" xmlns:p="http://schemas.openxmlformats.org/presentationml/2006/main">
+  <p:cSld>
+    <p:spTree>
+      <p:nvGrpSpPr>
+        <p:cNvPr id="1" name=""/>
+        <p:cNvGrpSpPr/>
+        <p:nvPr/>
+      </p:nvGrpSpPr>
+      <p:grpSpPr>
+        <a:xfrm>
+          <a:off x="0" y="0"/>
+          <a:ext cx="0" cy="0"/>
+          <a:chOff x="0" y="0"/>
+          <a:chExt cx="0" cy="0"/>
+        </a:xfrm>
+      </p:grpSpPr>
+      <p:sp>
+        <p:nvSpPr>
+          <p:cNvPr id="2" name="Заголовок 1"/>
+          <p:cNvSpPr>
+            <a:spLocks noGrp="1"/>
+          </p:cNvSpPr>
+          <p:nvPr>
+            <p:ph type="title"/>
+          </p:nvPr>
+        </p:nvSpPr>
+        <p:spPr/>
+        <p:txBody>
           <a:bodyPr/>
           <a:lstStyle/>
           <a:p>
@@ -9756,69 +11162,84 @@
         </p:spPr>
         <p:txBody>
           <a:bodyPr>
-            <a:normAutofit/>
+            <a:normAutofit fontScale="77500" lnSpcReduction="20000"/>
           </a:bodyPr>
           <a:lstStyle/>
           <a:p>
-            <a:pPr eaLnBrk="1" hangingPunct="1">
-              <a:spcAft>
-                <a:spcPts val="1200"/>
-              </a:spcAft>
-            </a:pPr>
-            <a:r>
-              <a:rPr lang="ru-RU" dirty="0" smtClean="0">
-                <a:solidFill>
-                  <a:schemeClr val="tx1"/>
-                </a:solidFill>
-              </a:rPr>
-              <a:t>Проведён анализ предметной области</a:t>
-            </a:r>
-          </a:p>
-          <a:p>
-            <a:pPr eaLnBrk="1" hangingPunct="1">
-              <a:spcAft>
-                <a:spcPts val="1200"/>
-              </a:spcAft>
-            </a:pPr>
-            <a:r>
-              <a:rPr lang="ru-RU" dirty="0" smtClean="0">
-                <a:solidFill>
-                  <a:schemeClr val="tx1"/>
-                </a:solidFill>
-              </a:rPr>
-              <a:t>Выбраны подходящие алгоритмы для анализа снимков</a:t>
-            </a:r>
-          </a:p>
-          <a:p>
-            <a:pPr eaLnBrk="1" hangingPunct="1">
-              <a:spcAft>
-                <a:spcPts val="1200"/>
-              </a:spcAft>
-            </a:pPr>
-            <a:r>
-              <a:rPr lang="ru-RU" dirty="0" smtClean="0">
-                <a:solidFill>
-                  <a:schemeClr val="tx1"/>
-                </a:solidFill>
-              </a:rPr>
-              <a:t>Составлен проект программного средства</a:t>
-            </a:r>
-          </a:p>
-          <a:p>
-            <a:pPr eaLnBrk="1" hangingPunct="1">
-              <a:spcAft>
-                <a:spcPts val="1200"/>
-              </a:spcAft>
-            </a:pPr>
+            <a:pPr lvl="0"/>
             <a:r>
               <a:rPr lang="ru-RU" dirty="0" smtClean="0"/>
-              <a:t>Написаны модуль бинаризации, построения скелетов</a:t>
-            </a:r>
-            <a:endParaRPr lang="ru-RU" dirty="0" smtClean="0">
-              <a:solidFill>
-                <a:schemeClr val="tx1"/>
-              </a:solidFill>
-            </a:endParaRPr>
+              <a:t>Проведён </a:t>
+            </a:r>
+            <a:r>
+              <a:rPr lang="ru-RU" dirty="0"/>
+              <a:t>обзор предметной области «Определение параметров движения объектов на панорамных снимках»</a:t>
+            </a:r>
+          </a:p>
+          <a:p>
+            <a:pPr lvl="0"/>
+            <a:r>
+              <a:rPr lang="ru-RU" dirty="0" smtClean="0"/>
+              <a:t>Проведён </a:t>
+            </a:r>
+            <a:r>
+              <a:rPr lang="ru-RU" dirty="0"/>
+              <a:t>анализ предметных областей «Определение параметров движения объектов на панорамных снимках», «Построение ортогональной проекции изображений» и «детектирование льда на снимках по цвету в видимом спектре» и </a:t>
+            </a:r>
+            <a:r>
+              <a:rPr lang="ru-RU" dirty="0" smtClean="0"/>
+              <a:t>составлены </a:t>
+            </a:r>
+            <a:r>
+              <a:rPr lang="ru-RU" dirty="0"/>
+              <a:t>их модели</a:t>
+            </a:r>
+          </a:p>
+          <a:p>
+            <a:pPr lvl="0"/>
+            <a:r>
+              <a:rPr lang="ru-RU" dirty="0" smtClean="0"/>
+              <a:t>Разработан </a:t>
+            </a:r>
+            <a:r>
+              <a:rPr lang="ru-RU" dirty="0"/>
+              <a:t>проект программного средства анализа снимков</a:t>
+            </a:r>
+          </a:p>
+          <a:p>
+            <a:pPr lvl="0"/>
+            <a:r>
+              <a:rPr lang="ru-RU" dirty="0" smtClean="0"/>
+              <a:t>На </a:t>
+            </a:r>
+            <a:r>
+              <a:rPr lang="ru-RU" dirty="0"/>
+              <a:t>основе составленного проекта </a:t>
+            </a:r>
+            <a:r>
+              <a:rPr lang="ru-RU" dirty="0" smtClean="0"/>
+              <a:t>реализована программная система </a:t>
+            </a:r>
+            <a:r>
+              <a:rPr lang="ru-RU" dirty="0"/>
+              <a:t>анализа снимков</a:t>
+            </a:r>
+          </a:p>
+          <a:p>
+            <a:pPr lvl="0"/>
+            <a:r>
+              <a:rPr lang="ru-RU" dirty="0" smtClean="0"/>
+              <a:t>Проведено </a:t>
+            </a:r>
+            <a:r>
+              <a:rPr lang="ru-RU" dirty="0"/>
+              <a:t>тестирование созданной </a:t>
+            </a:r>
+            <a:r>
+              <a:rPr lang="ru-RU" dirty="0" smtClean="0"/>
+              <a:t>системы</a:t>
+            </a:r>
+            <a:endParaRPr lang="ru-RU" dirty="0"/>
           </a:p>
         </p:txBody>
       </p:sp>
@@ -9845,7 +11266,7 @@
               <a:pPr>
                 <a:defRPr/>
               </a:pPr>
-              <a:t>13</a:t>
+              <a:t>20</a:t>
             </a:fld>
             <a:endParaRPr lang="ru-RU" sz="2000" dirty="0"/>
           </a:p>
@@ -9871,94 +11292,6 @@
 </p:sld>
 </file>
 
-<file path=ppt/slides/slide2.xml><?xml version="1.0" encoding="utf-8"?>
-<p:sld xmlns:a="http://schemas.openxmlformats.org/drawingml/2006/main" xmlns:r="http://schemas.openxmlformats.org/officeDocument/2006/relationships" xmlns:p="http://schemas.openxmlformats.org/presentationml/2006/main">
-  <p:cSld>
-    <p:spTree>
-      <p:nvGrpSpPr>
-        <p:cNvPr id="1" name=""/>
-        <p:cNvGrpSpPr/>
-        <p:nvPr/>
-      </p:nvGrpSpPr>
-      <p:grpSpPr>
-        <a:xfrm>
-          <a:off x="0" y="0"/>
-          <a:ext cx="0" cy="0"/>
-          <a:chOff x="0" y="0"/>
-          <a:chExt cx="0" cy="0"/>
-        </a:xfrm>
-      </p:grpSpPr>
-      <p:sp>
-        <p:nvSpPr>
-          <p:cNvPr id="2" name="Заголовок 1"/>
-          <p:cNvSpPr>
-            <a:spLocks noGrp="1"/>
-          </p:cNvSpPr>
-          <p:nvPr>
-            <p:ph type="title"/>
-          </p:nvPr>
-        </p:nvSpPr>
-        <p:spPr/>
-        <p:txBody>
-          <a:bodyPr/>
-          <a:lstStyle/>
-          <a:p>
-            <a:r>
-              <a:rPr lang="ru-RU" dirty="0" smtClean="0"/>
-              <a:t>Актуальность</a:t>
-            </a:r>
-            <a:endParaRPr lang="ru-RU" dirty="0"/>
-          </a:p>
-        </p:txBody>
-      </p:sp>
-      <p:sp>
-        <p:nvSpPr>
-          <p:cNvPr id="3" name="Объект 2"/>
-          <p:cNvSpPr>
-            <a:spLocks noGrp="1"/>
-          </p:cNvSpPr>
-          <p:nvPr>
-            <p:ph idx="1"/>
-          </p:nvPr>
-        </p:nvSpPr>
-        <p:spPr/>
-        <p:txBody>
-          <a:bodyPr/>
-          <a:lstStyle/>
-          <a:p>
-            <a:r>
-              <a:rPr lang="ru-RU" dirty="0" smtClean="0"/>
-              <a:t>Автоматизация слеживания за акваториями.</a:t>
-            </a:r>
-          </a:p>
-          <a:p>
-            <a:r>
-              <a:rPr lang="ru-RU" dirty="0" smtClean="0"/>
-              <a:t>Автоматический анализ снимков.</a:t>
-            </a:r>
-          </a:p>
-          <a:p>
-            <a:r>
-              <a:rPr lang="ru-RU" dirty="0" smtClean="0"/>
-              <a:t>Получение данных для статистической оценки занимаемой наледями площади.</a:t>
-            </a:r>
-            <a:endParaRPr lang="ru-RU" dirty="0"/>
-          </a:p>
-        </p:txBody>
-      </p:sp>
-    </p:spTree>
-    <p:extLst>
-      <p:ext uri="{BB962C8B-B14F-4D97-AF65-F5344CB8AC3E}">
-        <p14:creationId xmlns:p14="http://schemas.microsoft.com/office/powerpoint/2010/main" val="3507269068"/>
-      </p:ext>
-    </p:extLst>
-  </p:cSld>
-  <p:clrMapOvr>
-    <a:masterClrMapping/>
-  </p:clrMapOvr>
-</p:sld>
-</file>
-
 <file path=ppt/slides/slide3.xml><?xml version="1.0" encoding="utf-8"?>
 <p:sld xmlns:a="http://schemas.openxmlformats.org/drawingml/2006/main" xmlns:r="http://schemas.openxmlformats.org/officeDocument/2006/relationships" xmlns:p="http://schemas.openxmlformats.org/presentationml/2006/main">
   <p:cSld>
@@ -9988,12 +11321,37 @@
         </p:nvSpPr>
         <p:spPr/>
         <p:txBody>
+          <a:bodyPr>
+            <a:normAutofit/>
+          </a:bodyPr>
+          <a:lstStyle/>
+          <a:p>
+            <a:r>
+              <a:rPr lang="ru-RU" dirty="0" smtClean="0"/>
+              <a:t>Цель</a:t>
+            </a:r>
+            <a:endParaRPr lang="ru-RU" dirty="0"/>
+          </a:p>
+        </p:txBody>
+      </p:sp>
+      <p:sp>
+        <p:nvSpPr>
+          <p:cNvPr id="3" name="Объект 2"/>
+          <p:cNvSpPr>
+            <a:spLocks noGrp="1"/>
+          </p:cNvSpPr>
+          <p:nvPr>
+            <p:ph idx="1"/>
+          </p:nvPr>
+        </p:nvSpPr>
+        <p:spPr/>
+        <p:txBody>
           <a:bodyPr/>
           <a:lstStyle/>
           <a:p>
             <a:r>
               <a:rPr lang="ru-RU" dirty="0" smtClean="0"/>
-              <a:t>Задачи</a:t>
+              <a:t>Разработать и реализовать программную систему анализа панорамных снимков.</a:t>
             </a:r>
             <a:endParaRPr lang="ru-RU" dirty="0"/>
           </a:p>
@@ -10001,89 +11359,31 @@
       </p:sp>
       <p:sp>
         <p:nvSpPr>
-          <p:cNvPr id="3" name="Объект 2"/>
-          <p:cNvSpPr>
-            <a:spLocks noGrp="1"/>
-          </p:cNvSpPr>
-          <p:nvPr>
-            <p:ph idx="1"/>
+          <p:cNvPr id="4" name="Номер слайда 3"/>
+          <p:cNvSpPr>
+            <a:spLocks noGrp="1"/>
+          </p:cNvSpPr>
+          <p:nvPr>
+            <p:ph type="sldNum" sz="quarter" idx="12"/>
           </p:nvPr>
         </p:nvSpPr>
         <p:spPr/>
         <p:txBody>
-          <a:bodyPr>
-            <a:normAutofit fontScale="85000" lnSpcReduction="10000"/>
-          </a:bodyPr>
+          <a:bodyPr/>
           <a:lstStyle/>
           <a:p>
-            <a:pPr lvl="0"/>
-            <a:r>
-              <a:rPr lang="ru-RU" dirty="0" smtClean="0"/>
-              <a:t>Провести </a:t>
-            </a:r>
-            <a:r>
-              <a:rPr lang="ru-RU" dirty="0"/>
-              <a:t>анализ предметной области «Определение параметров движения объектов на панорамных </a:t>
-            </a:r>
-            <a:r>
-              <a:rPr lang="ru-RU" err="1"/>
-              <a:t>снимках</a:t>
-            </a:r>
-            <a:r>
-              <a:rPr lang="ru-RU" smtClean="0"/>
-              <a:t>».</a:t>
-            </a:r>
-            <a:endParaRPr lang="ru-RU" dirty="0"/>
-          </a:p>
-          <a:p>
-            <a:pPr lvl="0"/>
-            <a:r>
-              <a:rPr lang="ru-RU" dirty="0"/>
-              <a:t>Составить модель предметной области.</a:t>
-            </a:r>
-          </a:p>
-          <a:p>
-            <a:pPr lvl="0"/>
-            <a:r>
-              <a:rPr lang="ru-RU" dirty="0"/>
-              <a:t>Сформулировать постановку прикладных задач</a:t>
-            </a:r>
-          </a:p>
-          <a:p>
-            <a:pPr lvl="0"/>
-            <a:r>
-              <a:rPr lang="ru-RU" dirty="0"/>
-              <a:t>Разработать методы решения</a:t>
-            </a:r>
-          </a:p>
-          <a:p>
-            <a:pPr lvl="0"/>
-            <a:r>
-              <a:rPr lang="ru-RU" dirty="0"/>
-              <a:t>Сформулировать требования и спецификации к программному </a:t>
-            </a:r>
-            <a:r>
-              <a:rPr lang="ru-RU" dirty="0" smtClean="0"/>
-              <a:t>средству</a:t>
-            </a:r>
-          </a:p>
-          <a:p>
-            <a:pPr lvl="0"/>
-            <a:r>
-              <a:rPr lang="ru-RU" dirty="0" smtClean="0"/>
-              <a:t>Создать программное средство на основе проекта</a:t>
-            </a:r>
-            <a:endParaRPr lang="ru-RU" dirty="0"/>
-          </a:p>
-          <a:p>
-            <a:endParaRPr lang="ru-RU" dirty="0"/>
+            <a:fld id="{B19B0651-EE4F-4900-A07F-96A6BFA9D0F0}" type="slidenum">
+              <a:rPr lang="ru-RU" smtClean="0"/>
+              <a:t>3</a:t>
+            </a:fld>
+            <a:endParaRPr lang="ru-RU"/>
           </a:p>
         </p:txBody>
       </p:sp>
     </p:spTree>
     <p:extLst>
       <p:ext uri="{BB962C8B-B14F-4D97-AF65-F5344CB8AC3E}">
-        <p14:creationId xmlns:p14="http://schemas.microsoft.com/office/powerpoint/2010/main" val="2160005742"/>
+        <p14:creationId xmlns:p14="http://schemas.microsoft.com/office/powerpoint/2010/main" val="1301319281"/>
       </p:ext>
     </p:extLst>
   </p:cSld>
@@ -10127,7 +11427,7 @@
           <a:p>
             <a:r>
               <a:rPr lang="ru-RU" dirty="0" smtClean="0"/>
-              <a:t>Объекты</a:t>
+              <a:t>Задачи</a:t>
             </a:r>
             <a:endParaRPr lang="ru-RU" dirty="0"/>
           </a:p>
@@ -10141,6 +11441,86 @@
           </p:cNvSpPr>
           <p:nvPr>
             <p:ph idx="1"/>
+          </p:nvPr>
+        </p:nvSpPr>
+        <p:spPr/>
+        <p:txBody>
+          <a:bodyPr>
+            <a:normAutofit fontScale="77500" lnSpcReduction="20000"/>
+          </a:bodyPr>
+          <a:lstStyle/>
+          <a:p>
+            <a:pPr lvl="0"/>
+            <a:r>
+              <a:rPr lang="ru-RU" dirty="0" smtClean="0"/>
+              <a:t>Провести обзор предметной </a:t>
+            </a:r>
+            <a:r>
+              <a:rPr lang="ru-RU" dirty="0"/>
+              <a:t>области «Определение параметров движения объектов на панорамных снимках»</a:t>
+            </a:r>
+            <a:endParaRPr lang="ru-RU" dirty="0" smtClean="0"/>
+          </a:p>
+          <a:p>
+            <a:pPr lvl="0"/>
+            <a:r>
+              <a:rPr lang="ru-RU" dirty="0" smtClean="0"/>
+              <a:t>Провести анализ предметных областей «Определение параметров движения объектов на панорамных снимках», «Построение </a:t>
+            </a:r>
+            <a:r>
+              <a:rPr lang="ru-RU" dirty="0"/>
+              <a:t>ортогональной проекции изображений</a:t>
+            </a:r>
+            <a:r>
+              <a:rPr lang="ru-RU" dirty="0" smtClean="0"/>
+              <a:t>» и </a:t>
+            </a:r>
+            <a:r>
+              <a:rPr lang="ru-RU" dirty="0"/>
+              <a:t>«детектирование льда на снимках по цвету в видимом </a:t>
+            </a:r>
+            <a:r>
+              <a:rPr lang="ru-RU" dirty="0" smtClean="0"/>
+              <a:t>спектре» и составить их модели</a:t>
+            </a:r>
+            <a:endParaRPr lang="ru-RU" dirty="0"/>
+          </a:p>
+          <a:p>
+            <a:pPr lvl="0"/>
+            <a:r>
+              <a:rPr lang="ru-RU" dirty="0" smtClean="0"/>
+              <a:t>Разработать проект программного средства анализа снимков</a:t>
+            </a:r>
+            <a:endParaRPr lang="ru-RU" dirty="0"/>
+          </a:p>
+          <a:p>
+            <a:pPr lvl="0"/>
+            <a:r>
+              <a:rPr lang="ru-RU" dirty="0" smtClean="0"/>
+              <a:t>Реализовать на основе составленного проекта программную систему анализа снимков</a:t>
+            </a:r>
+            <a:endParaRPr lang="ru-RU" dirty="0"/>
+          </a:p>
+          <a:p>
+            <a:pPr lvl="0"/>
+            <a:r>
+              <a:rPr lang="ru-RU" dirty="0" smtClean="0"/>
+              <a:t>Провести тестирование созданной системы</a:t>
+            </a:r>
+          </a:p>
+          <a:p>
+            <a:endParaRPr lang="ru-RU" dirty="0"/>
+          </a:p>
+        </p:txBody>
+      </p:sp>
+      <p:sp>
+        <p:nvSpPr>
+          <p:cNvPr id="4" name="Номер слайда 3"/>
+          <p:cNvSpPr>
+            <a:spLocks noGrp="1"/>
+          </p:cNvSpPr>
+          <p:nvPr>
+            <p:ph type="sldNum" sz="quarter" idx="12"/>
           </p:nvPr>
         </p:nvSpPr>
         <p:spPr/>
@@ -10148,25 +11528,18 @@
           <a:bodyPr/>
           <a:lstStyle/>
           <a:p>
-            <a:r>
-              <a:rPr lang="ru-RU" smtClean="0"/>
-              <a:t>Снимок</a:t>
-            </a:r>
-            <a:endParaRPr lang="ru-RU" dirty="0" smtClean="0"/>
-          </a:p>
-          <a:p>
-            <a:r>
-              <a:rPr lang="ru-RU" dirty="0" smtClean="0"/>
-              <a:t>Объект снимка</a:t>
-            </a:r>
-            <a:endParaRPr lang="ru-RU" dirty="0"/>
+            <a:fld id="{B19B0651-EE4F-4900-A07F-96A6BFA9D0F0}" type="slidenum">
+              <a:rPr lang="ru-RU" smtClean="0"/>
+              <a:t>4</a:t>
+            </a:fld>
+            <a:endParaRPr lang="ru-RU"/>
           </a:p>
         </p:txBody>
       </p:sp>
     </p:spTree>
     <p:extLst>
       <p:ext uri="{BB962C8B-B14F-4D97-AF65-F5344CB8AC3E}">
-        <p14:creationId xmlns:p14="http://schemas.microsoft.com/office/powerpoint/2010/main" val="3946565525"/>
+        <p14:creationId xmlns:p14="http://schemas.microsoft.com/office/powerpoint/2010/main" val="2160005742"/>
       </p:ext>
     </p:extLst>
   </p:cSld>
@@ -10208,6 +11581,113 @@
           <a:bodyPr/>
           <a:lstStyle/>
           <a:p>
+            <a:r>
+              <a:rPr lang="ru-RU" dirty="0" smtClean="0"/>
+              <a:t>Основные понятия</a:t>
+            </a:r>
+            <a:endParaRPr lang="ru-RU" dirty="0"/>
+          </a:p>
+        </p:txBody>
+      </p:sp>
+      <p:sp>
+        <p:nvSpPr>
+          <p:cNvPr id="3" name="Объект 2"/>
+          <p:cNvSpPr>
+            <a:spLocks noGrp="1"/>
+          </p:cNvSpPr>
+          <p:nvPr>
+            <p:ph idx="1"/>
+          </p:nvPr>
+        </p:nvSpPr>
+        <p:spPr/>
+        <p:txBody>
+          <a:bodyPr/>
+          <a:lstStyle/>
+          <a:p>
+            <a:r>
+              <a:rPr lang="ru-RU" dirty="0" smtClean="0"/>
+              <a:t>Снимок</a:t>
+            </a:r>
+          </a:p>
+          <a:p>
+            <a:r>
+              <a:rPr lang="ru-RU" dirty="0" smtClean="0"/>
+              <a:t>Объект снимка</a:t>
+            </a:r>
+          </a:p>
+          <a:p>
+            <a:endParaRPr lang="ru-RU" dirty="0"/>
+          </a:p>
+        </p:txBody>
+      </p:sp>
+      <p:sp>
+        <p:nvSpPr>
+          <p:cNvPr id="4" name="Номер слайда 3"/>
+          <p:cNvSpPr>
+            <a:spLocks noGrp="1"/>
+          </p:cNvSpPr>
+          <p:nvPr>
+            <p:ph type="sldNum" sz="quarter" idx="12"/>
+          </p:nvPr>
+        </p:nvSpPr>
+        <p:spPr/>
+        <p:txBody>
+          <a:bodyPr/>
+          <a:lstStyle/>
+          <a:p>
+            <a:fld id="{B19B0651-EE4F-4900-A07F-96A6BFA9D0F0}" type="slidenum">
+              <a:rPr lang="ru-RU" smtClean="0"/>
+              <a:t>5</a:t>
+            </a:fld>
+            <a:endParaRPr lang="ru-RU"/>
+          </a:p>
+        </p:txBody>
+      </p:sp>
+    </p:spTree>
+    <p:extLst>
+      <p:ext uri="{BB962C8B-B14F-4D97-AF65-F5344CB8AC3E}">
+        <p14:creationId xmlns:p14="http://schemas.microsoft.com/office/powerpoint/2010/main" val="3946565525"/>
+      </p:ext>
+    </p:extLst>
+  </p:cSld>
+  <p:clrMapOvr>
+    <a:masterClrMapping/>
+  </p:clrMapOvr>
+</p:sld>
+</file>
+
+<file path=ppt/slides/slide6.xml><?xml version="1.0" encoding="utf-8"?>
+<p:sld xmlns:a="http://schemas.openxmlformats.org/drawingml/2006/main" xmlns:r="http://schemas.openxmlformats.org/officeDocument/2006/relationships" xmlns:p="http://schemas.openxmlformats.org/presentationml/2006/main">
+  <p:cSld>
+    <p:spTree>
+      <p:nvGrpSpPr>
+        <p:cNvPr id="1" name=""/>
+        <p:cNvGrpSpPr/>
+        <p:nvPr/>
+      </p:nvGrpSpPr>
+      <p:grpSpPr>
+        <a:xfrm>
+          <a:off x="0" y="0"/>
+          <a:ext cx="0" cy="0"/>
+          <a:chOff x="0" y="0"/>
+          <a:chExt cx="0" cy="0"/>
+        </a:xfrm>
+      </p:grpSpPr>
+      <p:sp>
+        <p:nvSpPr>
+          <p:cNvPr id="2" name="Заголовок 1"/>
+          <p:cNvSpPr>
+            <a:spLocks noGrp="1"/>
+          </p:cNvSpPr>
+          <p:nvPr>
+            <p:ph type="title"/>
+          </p:nvPr>
+        </p:nvSpPr>
+        <p:spPr/>
+        <p:txBody>
+          <a:bodyPr/>
+          <a:lstStyle/>
+          <a:p>
             <a:pPr eaLnBrk="1" fontAlgn="auto" hangingPunct="1">
               <a:spcAft>
                 <a:spcPts val="0"/>
@@ -10428,7 +11908,7 @@
             </a:r>
             <a:r>
               <a:rPr lang="ru-RU" dirty="0" smtClean="0"/>
-              <a:t>к по тону</a:t>
+              <a:t>к по яркости и насыщенности</a:t>
             </a:r>
           </a:p>
           <a:p>
@@ -10476,7 +11956,7 @@
               <a:pPr>
                 <a:defRPr/>
               </a:pPr>
-              <a:t>5</a:t>
+              <a:t>6</a:t>
             </a:fld>
             <a:endParaRPr lang="ru-RU" sz="2000" dirty="0"/>
           </a:p>
@@ -10502,7 +11982,7 @@
 </p:sld>
 </file>
 
-<file path=ppt/slides/slide6.xml><?xml version="1.0" encoding="utf-8"?>
+<file path=ppt/slides/slide7.xml><?xml version="1.0" encoding="utf-8"?>
 <p:sld xmlns:a="http://schemas.openxmlformats.org/drawingml/2006/main" xmlns:r="http://schemas.openxmlformats.org/officeDocument/2006/relationships" xmlns:p="http://schemas.openxmlformats.org/presentationml/2006/main">
   <p:cSld>
     <p:spTree>
@@ -11304,7 +12784,7 @@
               <a:pPr>
                 <a:defRPr/>
               </a:pPr>
-              <a:t>6</a:t>
+              <a:t>7</a:t>
             </a:fld>
             <a:endParaRPr lang="ru-RU" sz="2000" dirty="0"/>
           </a:p>
@@ -11330,7 +12810,7 @@
 </p:sld>
 </file>
 
-<file path=ppt/slides/slide7.xml><?xml version="1.0" encoding="utf-8"?>
+<file path=ppt/slides/slide8.xml><?xml version="1.0" encoding="utf-8"?>
 <p:sld xmlns:a="http://schemas.openxmlformats.org/drawingml/2006/main" xmlns:r="http://schemas.openxmlformats.org/officeDocument/2006/relationships" xmlns:p="http://schemas.openxmlformats.org/presentationml/2006/main">
   <p:cSld>
     <p:spTree>
@@ -11399,7 +12879,7 @@
               <a:pPr>
                 <a:defRPr/>
               </a:pPr>
-              <a:t>7</a:t>
+              <a:t>8</a:t>
             </a:fld>
             <a:endParaRPr lang="ru-RU" sz="2000" dirty="0"/>
           </a:p>
@@ -11963,7 +13443,7 @@
 </p:sld>
 </file>
 
-<file path=ppt/slides/slide8.xml><?xml version="1.0" encoding="utf-8"?>
+<file path=ppt/slides/slide9.xml><?xml version="1.0" encoding="utf-8"?>
 <p:sld xmlns:a="http://schemas.openxmlformats.org/drawingml/2006/main" xmlns:r="http://schemas.openxmlformats.org/officeDocument/2006/relationships" xmlns:p="http://schemas.openxmlformats.org/presentationml/2006/main">
   <p:cSld>
     <p:bg>
@@ -12304,7 +13784,7 @@
               <a:pPr>
                 <a:defRPr/>
               </a:pPr>
-              <a:t>8</a:t>
+              <a:t>9</a:t>
             </a:fld>
             <a:endParaRPr lang="ru-RU" sz="2000" dirty="0">
               <a:solidFill>
@@ -13209,163 +14689,6 @@
 </p:sld>
 </file>
 
-<file path=ppt/slides/slide9.xml><?xml version="1.0" encoding="utf-8"?>
-<p:sld xmlns:a="http://schemas.openxmlformats.org/drawingml/2006/main" xmlns:r="http://schemas.openxmlformats.org/officeDocument/2006/relationships" xmlns:p="http://schemas.openxmlformats.org/presentationml/2006/main">
-  <p:cSld>
-    <p:spTree>
-      <p:nvGrpSpPr>
-        <p:cNvPr id="1" name=""/>
-        <p:cNvGrpSpPr/>
-        <p:nvPr/>
-      </p:nvGrpSpPr>
-      <p:grpSpPr>
-        <a:xfrm>
-          <a:off x="0" y="0"/>
-          <a:ext cx="0" cy="0"/>
-          <a:chOff x="0" y="0"/>
-          <a:chExt cx="0" cy="0"/>
-        </a:xfrm>
-      </p:grpSpPr>
-      <p:sp>
-        <p:nvSpPr>
-          <p:cNvPr id="2" name="Заголовок 1"/>
-          <p:cNvSpPr>
-            <a:spLocks noGrp="1"/>
-          </p:cNvSpPr>
-          <p:nvPr>
-            <p:ph type="title"/>
-          </p:nvPr>
-        </p:nvSpPr>
-        <p:spPr/>
-        <p:txBody>
-          <a:bodyPr>
-            <a:normAutofit fontScale="90000"/>
-          </a:bodyPr>
-          <a:lstStyle/>
-          <a:p>
-            <a:r>
-              <a:rPr lang="ru-RU" dirty="0" smtClean="0"/>
-              <a:t>Определение </a:t>
-            </a:r>
-            <a:r>
-              <a:rPr lang="ru-RU" dirty="0"/>
-              <a:t>географических </a:t>
-            </a:r>
-            <a:r>
-              <a:rPr lang="ru-RU" dirty="0" smtClean="0"/>
-              <a:t>координат</a:t>
-            </a:r>
-            <a:endParaRPr lang="ru-RU" dirty="0"/>
-          </a:p>
-        </p:txBody>
-      </p:sp>
-      <p:sp>
-        <p:nvSpPr>
-          <p:cNvPr id="3" name="Объект 2"/>
-          <p:cNvSpPr>
-            <a:spLocks noGrp="1"/>
-          </p:cNvSpPr>
-          <p:nvPr>
-            <p:ph idx="1"/>
-          </p:nvPr>
-        </p:nvSpPr>
-        <p:spPr/>
-        <p:txBody>
-          <a:bodyPr/>
-          <a:lstStyle/>
-          <a:p>
-            <a:pPr marL="457200" lvl="1" indent="0">
-              <a:buNone/>
-            </a:pPr>
-            <a:r>
-              <a:rPr lang="ru-RU" dirty="0" smtClean="0"/>
-              <a:t>Метод </a:t>
-            </a:r>
-            <a:r>
-              <a:rPr lang="ru-RU" dirty="0" err="1" smtClean="0"/>
-              <a:t>Гельмерта</a:t>
-            </a:r>
-            <a:endParaRPr lang="ru-RU" dirty="0" smtClean="0"/>
-          </a:p>
-          <a:p>
-            <a:pPr marL="457200" lvl="1" indent="0">
-              <a:buNone/>
-            </a:pPr>
-            <a:r>
-              <a:rPr lang="ru-RU" dirty="0" smtClean="0"/>
-              <a:t>для работы метода требуется:</a:t>
-            </a:r>
-          </a:p>
-          <a:p>
-            <a:pPr lvl="1"/>
-            <a:r>
-              <a:rPr lang="ru-RU" dirty="0" smtClean="0"/>
-              <a:t>широта и долгота начальной точки</a:t>
-            </a:r>
-          </a:p>
-          <a:p>
-            <a:pPr lvl="1"/>
-            <a:r>
-              <a:rPr lang="ru-RU" dirty="0" smtClean="0"/>
-              <a:t>азимут</a:t>
-            </a:r>
-          </a:p>
-          <a:p>
-            <a:pPr lvl="1"/>
-            <a:r>
-              <a:rPr lang="ru-RU" dirty="0" smtClean="0"/>
-              <a:t>расстояние до конечной точки</a:t>
-            </a:r>
-            <a:endParaRPr lang="ru-RU" dirty="0"/>
-          </a:p>
-          <a:p>
-            <a:endParaRPr lang="ru-RU" dirty="0"/>
-          </a:p>
-        </p:txBody>
-      </p:sp>
-      <p:sp>
-        <p:nvSpPr>
-          <p:cNvPr id="5" name="Номер слайда 4"/>
-          <p:cNvSpPr>
-            <a:spLocks noGrp="1"/>
-          </p:cNvSpPr>
-          <p:nvPr>
-            <p:ph type="sldNum" sz="quarter" idx="12"/>
-          </p:nvPr>
-        </p:nvSpPr>
-        <p:spPr/>
-        <p:txBody>
-          <a:bodyPr/>
-          <a:lstStyle/>
-          <a:p>
-            <a:fld id="{B19B0651-EE4F-4900-A07F-96A6BFA9D0F0}" type="slidenum">
-              <a:rPr lang="ru-RU" smtClean="0"/>
-              <a:t>9</a:t>
-            </a:fld>
-            <a:endParaRPr lang="ru-RU"/>
-          </a:p>
-        </p:txBody>
-      </p:sp>
-    </p:spTree>
-    <p:extLst>
-      <p:ext uri="{BB962C8B-B14F-4D97-AF65-F5344CB8AC3E}">
-        <p14:creationId xmlns:p14="http://schemas.microsoft.com/office/powerpoint/2010/main" val="1186117976"/>
-      </p:ext>
-    </p:extLst>
-  </p:cSld>
-  <p:clrMapOvr>
-    <a:masterClrMapping/>
-  </p:clrMapOvr>
-  <p:timing>
-    <p:tnLst>
-      <p:par>
-        <p:cTn id="1" dur="indefinite" restart="never" nodeType="tmRoot"/>
-      </p:par>
-    </p:tnLst>
-  </p:timing>
-</p:sld>
-</file>
-
 <file path=ppt/theme/theme1.xml><?xml version="1.0" encoding="utf-8"?>
 <a:theme xmlns:a="http://schemas.openxmlformats.org/drawingml/2006/main" name="Тема Office">
   <a:themeElements>
@@ -13932,4 +15255,289 @@
   <a:objectDefaults/>
   <a:extraClrSchemeLst/>
 </a:theme>
+</file>
+
+<file path=ppt/theme/theme3.xml><?xml version="1.0" encoding="utf-8"?>
+<a:theme xmlns:a="http://schemas.openxmlformats.org/drawingml/2006/main" name="Тема Office">
+  <a:themeElements>
+    <a:clrScheme name="Стандартная">
+      <a:dk1>
+        <a:sysClr val="windowText" lastClr="000000"/>
+      </a:dk1>
+      <a:lt1>
+        <a:sysClr val="window" lastClr="FFFFFF"/>
+      </a:lt1>
+      <a:dk2>
+        <a:srgbClr val="1F497D"/>
+      </a:dk2>
+      <a:lt2>
+        <a:srgbClr val="EEECE1"/>
+      </a:lt2>
+      <a:accent1>
+        <a:srgbClr val="4F81BD"/>
+      </a:accent1>
+      <a:accent2>
+        <a:srgbClr val="C0504D"/>
+      </a:accent2>
+      <a:accent3>
+        <a:srgbClr val="9BBB59"/>
+      </a:accent3>
+      <a:accent4>
+        <a:srgbClr val="8064A2"/>
+      </a:accent4>
+      <a:accent5>
+        <a:srgbClr val="4BACC6"/>
+      </a:accent5>
+      <a:accent6>
+        <a:srgbClr val="F79646"/>
+      </a:accent6>
+      <a:hlink>
+        <a:srgbClr val="0000FF"/>
+      </a:hlink>
+      <a:folHlink>
+        <a:srgbClr val="800080"/>
+      </a:folHlink>
+    </a:clrScheme>
+    <a:fontScheme name="Стандартная">
+      <a:majorFont>
+        <a:latin typeface="Calibri"/>
+        <a:ea typeface=""/>
+        <a:cs typeface=""/>
+        <a:font script="Jpan" typeface="ＭＳ Ｐゴシック"/>
+        <a:font script="Hang" typeface="맑은 고딕"/>
+        <a:font script="Hans" typeface="宋体"/>
+        <a:font script="Hant" typeface="新細明體"/>
+        <a:font script="Arab" typeface="Times New Roman"/>
+        <a:font script="Hebr" typeface="Times New Roman"/>
+        <a:font script="Thai" typeface="Angsana New"/>
+        <a:font script="Ethi" typeface="Nyala"/>
+        <a:font script="Beng" typeface="Vrinda"/>
+        <a:font script="Gujr" typeface="Shruti"/>
+        <a:font script="Khmr" typeface="MoolBoran"/>
+        <a:font script="Knda" typeface="Tunga"/>
+        <a:font script="Guru" typeface="Raavi"/>
+        <a:font script="Cans" typeface="Euphemia"/>
+        <a:font script="Cher" typeface="Plantagenet Cherokee"/>
+        <a:font script="Yiii" typeface="Microsoft Yi Baiti"/>
+        <a:font script="Tibt" typeface="Microsoft Himalaya"/>
+        <a:font script="Thaa" typeface="MV Boli"/>
+        <a:font script="Deva" typeface="Mangal"/>
+        <a:font script="Telu" typeface="Gautami"/>
+        <a:font script="Taml" typeface="Latha"/>
+        <a:font script="Syrc" typeface="Estrangelo Edessa"/>
+        <a:font script="Orya" typeface="Kalinga"/>
+        <a:font script="Mlym" typeface="Kartika"/>
+        <a:font script="Laoo" typeface="DokChampa"/>
+        <a:font script="Sinh" typeface="Iskoola Pota"/>
+        <a:font script="Mong" typeface="Mongolian Baiti"/>
+        <a:font script="Viet" typeface="Times New Roman"/>
+        <a:font script="Uigh" typeface="Microsoft Uighur"/>
+        <a:font script="Geor" typeface="Sylfaen"/>
+      </a:majorFont>
+      <a:minorFont>
+        <a:latin typeface="Calibri"/>
+        <a:ea typeface=""/>
+        <a:cs typeface=""/>
+        <a:font script="Jpan" typeface="ＭＳ Ｐゴシック"/>
+        <a:font script="Hang" typeface="맑은 고딕"/>
+        <a:font script="Hans" typeface="宋体"/>
+        <a:font script="Hant" typeface="新細明體"/>
+        <a:font script="Arab" typeface="Arial"/>
+        <a:font script="Hebr" typeface="Arial"/>
+        <a:font script="Thai" typeface="Cordia New"/>
+        <a:font script="Ethi" typeface="Nyala"/>
+        <a:font script="Beng" typeface="Vrinda"/>
+        <a:font script="Gujr" typeface="Shruti"/>
+        <a:font script="Khmr" typeface="DaunPenh"/>
+        <a:font script="Knda" typeface="Tunga"/>
+        <a:font script="Guru" typeface="Raavi"/>
+        <a:font script="Cans" typeface="Euphemia"/>
+        <a:font script="Cher" typeface="Plantagenet Cherokee"/>
+        <a:font script="Yiii" typeface="Microsoft Yi Baiti"/>
+        <a:font script="Tibt" typeface="Microsoft Himalaya"/>
+        <a:font script="Thaa" typeface="MV Boli"/>
+        <a:font script="Deva" typeface="Mangal"/>
+        <a:font script="Telu" typeface="Gautami"/>
+        <a:font script="Taml" typeface="Latha"/>
+        <a:font script="Syrc" typeface="Estrangelo Edessa"/>
+        <a:font script="Orya" typeface="Kalinga"/>
+        <a:font script="Mlym" typeface="Kartika"/>
+        <a:font script="Laoo" typeface="DokChampa"/>
+        <a:font script="Sinh" typeface="Iskoola Pota"/>
+        <a:font script="Mong" typeface="Mongolian Baiti"/>
+        <a:font script="Viet" typeface="Arial"/>
+        <a:font script="Uigh" typeface="Microsoft Uighur"/>
+        <a:font script="Geor" typeface="Sylfaen"/>
+      </a:minorFont>
+    </a:fontScheme>
+    <a:fmtScheme name="Стандартная">
+      <a:fillStyleLst>
+        <a:solidFill>
+          <a:schemeClr val="phClr"/>
+        </a:solidFill>
+        <a:gradFill rotWithShape="1">
+          <a:gsLst>
+            <a:gs pos="0">
+              <a:schemeClr val="phClr">
+                <a:tint val="50000"/>
+                <a:satMod val="300000"/>
+              </a:schemeClr>
+            </a:gs>
+            <a:gs pos="35000">
+              <a:schemeClr val="phClr">
+                <a:tint val="37000"/>
+                <a:satMod val="300000"/>
+              </a:schemeClr>
+            </a:gs>
+            <a:gs pos="100000">
+              <a:schemeClr val="phClr">
+                <a:tint val="15000"/>
+                <a:satMod val="350000"/>
+              </a:schemeClr>
+            </a:gs>
+          </a:gsLst>
+          <a:lin ang="16200000" scaled="1"/>
+        </a:gradFill>
+        <a:gradFill rotWithShape="1">
+          <a:gsLst>
+            <a:gs pos="0">
+              <a:schemeClr val="phClr">
+                <a:shade val="51000"/>
+                <a:satMod val="130000"/>
+              </a:schemeClr>
+            </a:gs>
+            <a:gs pos="80000">
+              <a:schemeClr val="phClr">
+                <a:shade val="93000"/>
+                <a:satMod val="130000"/>
+              </a:schemeClr>
+            </a:gs>
+            <a:gs pos="100000">
+              <a:schemeClr val="phClr">
+                <a:shade val="94000"/>
+                <a:satMod val="135000"/>
+              </a:schemeClr>
+            </a:gs>
+          </a:gsLst>
+          <a:lin ang="16200000" scaled="0"/>
+        </a:gradFill>
+      </a:fillStyleLst>
+      <a:lnStyleLst>
+        <a:ln w="9525" cap="flat" cmpd="sng" algn="ctr">
+          <a:solidFill>
+            <a:schemeClr val="phClr">
+              <a:shade val="95000"/>
+              <a:satMod val="105000"/>
+            </a:schemeClr>
+          </a:solidFill>
+          <a:prstDash val="solid"/>
+        </a:ln>
+        <a:ln w="25400" cap="flat" cmpd="sng" algn="ctr">
+          <a:solidFill>
+            <a:schemeClr val="phClr"/>
+          </a:solidFill>
+          <a:prstDash val="solid"/>
+        </a:ln>
+        <a:ln w="38100" cap="flat" cmpd="sng" algn="ctr">
+          <a:solidFill>
+            <a:schemeClr val="phClr"/>
+          </a:solidFill>
+          <a:prstDash val="solid"/>
+        </a:ln>
+      </a:lnStyleLst>
+      <a:effectStyleLst>
+        <a:effectStyle>
+          <a:effectLst>
+            <a:outerShdw blurRad="40000" dist="20000" dir="5400000" rotWithShape="0">
+              <a:srgbClr val="000000">
+                <a:alpha val="38000"/>
+              </a:srgbClr>
+            </a:outerShdw>
+          </a:effectLst>
+        </a:effectStyle>
+        <a:effectStyle>
+          <a:effectLst>
+            <a:outerShdw blurRad="40000" dist="23000" dir="5400000" rotWithShape="0">
+              <a:srgbClr val="000000">
+                <a:alpha val="35000"/>
+              </a:srgbClr>
+            </a:outerShdw>
+          </a:effectLst>
+        </a:effectStyle>
+        <a:effectStyle>
+          <a:effectLst>
+            <a:outerShdw blurRad="40000" dist="23000" dir="5400000" rotWithShape="0">
+              <a:srgbClr val="000000">
+                <a:alpha val="35000"/>
+              </a:srgbClr>
+            </a:outerShdw>
+          </a:effectLst>
+          <a:scene3d>
+            <a:camera prst="orthographicFront">
+              <a:rot lat="0" lon="0" rev="0"/>
+            </a:camera>
+            <a:lightRig rig="threePt" dir="t">
+              <a:rot lat="0" lon="0" rev="1200000"/>
+            </a:lightRig>
+          </a:scene3d>
+          <a:sp3d>
+            <a:bevelT w="63500" h="25400"/>
+          </a:sp3d>
+        </a:effectStyle>
+      </a:effectStyleLst>
+      <a:bgFillStyleLst>
+        <a:solidFill>
+          <a:schemeClr val="phClr"/>
+        </a:solidFill>
+        <a:gradFill rotWithShape="1">
+          <a:gsLst>
+            <a:gs pos="0">
+              <a:schemeClr val="phClr">
+                <a:tint val="40000"/>
+                <a:satMod val="350000"/>
+              </a:schemeClr>
+            </a:gs>
+            <a:gs pos="40000">
+              <a:schemeClr val="phClr">
+                <a:tint val="45000"/>
+                <a:shade val="99000"/>
+                <a:satMod val="350000"/>
+              </a:schemeClr>
+            </a:gs>
+            <a:gs pos="100000">
+              <a:schemeClr val="phClr">
+                <a:shade val="20000"/>
+                <a:satMod val="255000"/>
+              </a:schemeClr>
+            </a:gs>
+          </a:gsLst>
+          <a:path path="circle">
+            <a:fillToRect l="50000" t="-80000" r="50000" b="180000"/>
+          </a:path>
+        </a:gradFill>
+        <a:gradFill rotWithShape="1">
+          <a:gsLst>
+            <a:gs pos="0">
+              <a:schemeClr val="phClr">
+                <a:tint val="80000"/>
+                <a:satMod val="300000"/>
+              </a:schemeClr>
+            </a:gs>
+            <a:gs pos="100000">
+              <a:schemeClr val="phClr">
+                <a:shade val="30000"/>
+                <a:satMod val="200000"/>
+              </a:schemeClr>
+            </a:gs>
+          </a:gsLst>
+          <a:path path="circle">
+            <a:fillToRect l="50000" t="50000" r="50000" b="50000"/>
+          </a:path>
+        </a:gradFill>
+      </a:bgFillStyleLst>
+    </a:fmtScheme>
+  </a:themeElements>
+  <a:objectDefaults/>
+  <a:extraClrSchemeLst/>
+</a:theme>
 </file>
--- a/docs/parts/conference.pptx
+++ b/docs/parts/conference.pptx
@@ -6,7 +6,7 @@
     <p:sldMasterId id="2147483672" r:id="rId2"/>
   </p:sldMasterIdLst>
   <p:notesMasterIdLst>
-    <p:notesMasterId r:id="rId23"/>
+    <p:notesMasterId r:id="rId22"/>
   </p:notesMasterIdLst>
   <p:sldIdLst>
     <p:sldId id="257" r:id="rId3"/>
@@ -19,16 +19,15 @@
     <p:sldId id="263" r:id="rId10"/>
     <p:sldId id="269" r:id="rId11"/>
     <p:sldId id="266" r:id="rId12"/>
-    <p:sldId id="267" r:id="rId13"/>
-    <p:sldId id="268" r:id="rId14"/>
-    <p:sldId id="270" r:id="rId15"/>
-    <p:sldId id="274" r:id="rId16"/>
-    <p:sldId id="275" r:id="rId17"/>
-    <p:sldId id="276" r:id="rId18"/>
-    <p:sldId id="277" r:id="rId19"/>
-    <p:sldId id="278" r:id="rId20"/>
-    <p:sldId id="279" r:id="rId21"/>
-    <p:sldId id="260" r:id="rId22"/>
+    <p:sldId id="268" r:id="rId13"/>
+    <p:sldId id="270" r:id="rId14"/>
+    <p:sldId id="274" r:id="rId15"/>
+    <p:sldId id="275" r:id="rId16"/>
+    <p:sldId id="276" r:id="rId17"/>
+    <p:sldId id="277" r:id="rId18"/>
+    <p:sldId id="278" r:id="rId19"/>
+    <p:sldId id="279" r:id="rId20"/>
+    <p:sldId id="260" r:id="rId21"/>
   </p:sldIdLst>
   <p:sldSz cx="9144000" cy="6858000" type="screen4x3"/>
   <p:notesSz cx="6858000" cy="9144000"/>
@@ -212,7 +211,7 @@
           <a:p>
             <a:fld id="{81832DC4-4D29-4A6C-A9AC-D1498CB7FBE3}" type="datetimeFigureOut">
               <a:rPr lang="ru-RU" smtClean="0"/>
-              <a:t>07.06.2013</a:t>
+              <a:t>16.06.2013</a:t>
             </a:fld>
             <a:endParaRPr lang="ru-RU"/>
           </a:p>
@@ -661,7 +660,7 @@
           <a:p>
             <a:fld id="{1AD9EE3D-3EF4-4CE6-BCCE-D8BC9F81E484}" type="datetime1">
               <a:rPr lang="ru-RU" smtClean="0"/>
-              <a:t>07.06.2013</a:t>
+              <a:t>16.06.2013</a:t>
             </a:fld>
             <a:endParaRPr lang="ru-RU"/>
           </a:p>
@@ -826,7 +825,7 @@
           <a:p>
             <a:fld id="{652D1DE8-880B-49D6-9C09-2976DFA2653B}" type="datetime1">
               <a:rPr lang="ru-RU" smtClean="0"/>
-              <a:t>07.06.2013</a:t>
+              <a:t>16.06.2013</a:t>
             </a:fld>
             <a:endParaRPr lang="ru-RU"/>
           </a:p>
@@ -1001,7 +1000,7 @@
           <a:p>
             <a:fld id="{1F31ACDF-8AB8-423F-BB20-0D703593119C}" type="datetime1">
               <a:rPr lang="ru-RU" smtClean="0"/>
-              <a:t>07.06.2013</a:t>
+              <a:t>16.06.2013</a:t>
             </a:fld>
             <a:endParaRPr lang="ru-RU"/>
           </a:p>
@@ -1248,7 +1247,7 @@
                   </a:prstClr>
                 </a:solidFill>
               </a:rPr>
-              <a:t>07.06.2013</a:t>
+              <a:t>16.06.2013</a:t>
             </a:fld>
             <a:endParaRPr lang="ru-RU">
               <a:solidFill>
@@ -1465,7 +1464,7 @@
                   </a:prstClr>
                 </a:solidFill>
               </a:rPr>
-              <a:t>07.06.2013</a:t>
+              <a:t>16.06.2013</a:t>
             </a:fld>
             <a:endParaRPr lang="ru-RU">
               <a:solidFill>
@@ -1758,7 +1757,7 @@
                   </a:prstClr>
                 </a:solidFill>
               </a:rPr>
-              <a:t>07.06.2013</a:t>
+              <a:t>16.06.2013</a:t>
             </a:fld>
             <a:endParaRPr lang="ru-RU">
               <a:solidFill>
@@ -2093,7 +2092,7 @@
                   </a:prstClr>
                 </a:solidFill>
               </a:rPr>
-              <a:t>07.06.2013</a:t>
+              <a:t>16.06.2013</a:t>
             </a:fld>
             <a:endParaRPr lang="ru-RU">
               <a:solidFill>
@@ -2562,7 +2561,7 @@
                   </a:prstClr>
                 </a:solidFill>
               </a:rPr>
-              <a:t>07.06.2013</a:t>
+              <a:t>16.06.2013</a:t>
             </a:fld>
             <a:endParaRPr lang="ru-RU">
               <a:solidFill>
@@ -2727,7 +2726,7 @@
                   </a:prstClr>
                 </a:solidFill>
               </a:rPr>
-              <a:t>07.06.2013</a:t>
+              <a:t>16.06.2013</a:t>
             </a:fld>
             <a:endParaRPr lang="ru-RU">
               <a:solidFill>
@@ -2869,7 +2868,7 @@
                   </a:prstClr>
                 </a:solidFill>
               </a:rPr>
-              <a:t>07.06.2013</a:t>
+              <a:t>16.06.2013</a:t>
             </a:fld>
             <a:endParaRPr lang="ru-RU">
               <a:solidFill>
@@ -3193,7 +3192,7 @@
                   </a:prstClr>
                 </a:solidFill>
               </a:rPr>
-              <a:t>07.06.2013</a:t>
+              <a:t>16.06.2013</a:t>
             </a:fld>
             <a:endParaRPr lang="ru-RU">
               <a:solidFill>
@@ -3400,7 +3399,7 @@
           <a:p>
             <a:fld id="{7C8B7464-4362-447F-9812-BE778B504AC0}" type="datetime1">
               <a:rPr lang="ru-RU" smtClean="0"/>
-              <a:t>07.06.2013</a:t>
+              <a:t>16.06.2013</a:t>
             </a:fld>
             <a:endParaRPr lang="ru-RU"/>
           </a:p>
@@ -3658,7 +3657,7 @@
                   </a:prstClr>
                 </a:solidFill>
               </a:rPr>
-              <a:t>07.06.2013</a:t>
+              <a:t>16.06.2013</a:t>
             </a:fld>
             <a:endParaRPr lang="ru-RU">
               <a:solidFill>
@@ -3875,7 +3874,7 @@
                   </a:prstClr>
                 </a:solidFill>
               </a:rPr>
-              <a:t>07.06.2013</a:t>
+              <a:t>16.06.2013</a:t>
             </a:fld>
             <a:endParaRPr lang="ru-RU">
               <a:solidFill>
@@ -4102,7 +4101,7 @@
                   </a:prstClr>
                 </a:solidFill>
               </a:rPr>
-              <a:t>07.06.2013</a:t>
+              <a:t>16.06.2013</a:t>
             </a:fld>
             <a:endParaRPr lang="ru-RU">
               <a:solidFill>
@@ -4385,7 +4384,7 @@
           <a:p>
             <a:fld id="{E4BC4092-B9AC-4B33-9DE0-F63969F50B80}" type="datetime1">
               <a:rPr lang="ru-RU" smtClean="0"/>
-              <a:t>07.06.2013</a:t>
+              <a:t>16.06.2013</a:t>
             </a:fld>
             <a:endParaRPr lang="ru-RU"/>
           </a:p>
@@ -4668,7 +4667,7 @@
           <a:p>
             <a:fld id="{6C7EC604-B2A9-427D-A099-ABB1CEB91B35}" type="datetime1">
               <a:rPr lang="ru-RU" smtClean="0"/>
-              <a:t>07.06.2013</a:t>
+              <a:t>16.06.2013</a:t>
             </a:fld>
             <a:endParaRPr lang="ru-RU"/>
           </a:p>
@@ -5085,7 +5084,7 @@
           <a:p>
             <a:fld id="{0021271B-1961-4AD0-B7FB-CFAE7025559C}" type="datetime1">
               <a:rPr lang="ru-RU" smtClean="0"/>
-              <a:t>07.06.2013</a:t>
+              <a:t>16.06.2013</a:t>
             </a:fld>
             <a:endParaRPr lang="ru-RU"/>
           </a:p>
@@ -5198,7 +5197,7 @@
           <a:p>
             <a:fld id="{F76C33C9-A1D8-479D-B13F-AFA88219AD62}" type="datetime1">
               <a:rPr lang="ru-RU" smtClean="0"/>
-              <a:t>07.06.2013</a:t>
+              <a:t>16.06.2013</a:t>
             </a:fld>
             <a:endParaRPr lang="ru-RU"/>
           </a:p>
@@ -5288,7 +5287,7 @@
           <a:p>
             <a:fld id="{A545CF4A-838A-44EC-9B9B-409BE1D2DC7D}" type="datetime1">
               <a:rPr lang="ru-RU" smtClean="0"/>
-              <a:t>07.06.2013</a:t>
+              <a:t>16.06.2013</a:t>
             </a:fld>
             <a:endParaRPr lang="ru-RU"/>
           </a:p>
@@ -5560,7 +5559,7 @@
           <a:p>
             <a:fld id="{C6253E5B-E3FC-4716-96D6-E0AC5E86EF02}" type="datetime1">
               <a:rPr lang="ru-RU" smtClean="0"/>
-              <a:t>07.06.2013</a:t>
+              <a:t>16.06.2013</a:t>
             </a:fld>
             <a:endParaRPr lang="ru-RU"/>
           </a:p>
@@ -5808,7 +5807,7 @@
           <a:p>
             <a:fld id="{2918ED26-16F2-41A9-94EE-FBF3E05F6E28}" type="datetime1">
               <a:rPr lang="ru-RU" smtClean="0"/>
-              <a:t>07.06.2013</a:t>
+              <a:t>16.06.2013</a:t>
             </a:fld>
             <a:endParaRPr lang="ru-RU"/>
           </a:p>
@@ -6016,7 +6015,7 @@
           <a:p>
             <a:fld id="{DB94AB59-D71B-4999-9BC4-81C679094643}" type="datetime1">
               <a:rPr lang="ru-RU" smtClean="0"/>
-              <a:t>07.06.2013</a:t>
+              <a:t>16.06.2013</a:t>
             </a:fld>
             <a:endParaRPr lang="ru-RU"/>
           </a:p>
@@ -6522,7 +6521,7 @@
           <a:p>
             <a:fld id="{F585CA12-0794-4BD1-B693-9470F35F1636}" type="datetime1">
               <a:rPr lang="ru-RU" smtClean="0"/>
-              <a:t>07.06.2013</a:t>
+              <a:t>16.06.2013</a:t>
             </a:fld>
             <a:endParaRPr lang="ru-RU"/>
           </a:p>
@@ -7282,111 +7281,6 @@
 </file>
 
 <file path=ppt/slides/slide11.xml><?xml version="1.0" encoding="utf-8"?>
-<p:sld xmlns:a="http://schemas.openxmlformats.org/drawingml/2006/main" xmlns:r="http://schemas.openxmlformats.org/officeDocument/2006/relationships" xmlns:p="http://schemas.openxmlformats.org/presentationml/2006/main">
-  <p:cSld>
-    <p:spTree>
-      <p:nvGrpSpPr>
-        <p:cNvPr id="1" name=""/>
-        <p:cNvGrpSpPr/>
-        <p:nvPr/>
-      </p:nvGrpSpPr>
-      <p:grpSpPr>
-        <a:xfrm>
-          <a:off x="0" y="0"/>
-          <a:ext cx="0" cy="0"/>
-          <a:chOff x="0" y="0"/>
-          <a:chExt cx="0" cy="0"/>
-        </a:xfrm>
-      </p:grpSpPr>
-      <p:sp>
-        <p:nvSpPr>
-          <p:cNvPr id="2" name="Заголовок 1"/>
-          <p:cNvSpPr>
-            <a:spLocks noGrp="1"/>
-          </p:cNvSpPr>
-          <p:nvPr>
-            <p:ph type="title"/>
-          </p:nvPr>
-        </p:nvSpPr>
-        <p:spPr/>
-        <p:txBody>
-          <a:bodyPr/>
-          <a:lstStyle/>
-          <a:p>
-            <a:r>
-              <a:rPr lang="ru-RU" dirty="0" smtClean="0"/>
-              <a:t>Определение льда</a:t>
-            </a:r>
-            <a:endParaRPr lang="ru-RU" dirty="0"/>
-          </a:p>
-        </p:txBody>
-      </p:sp>
-      <p:sp>
-        <p:nvSpPr>
-          <p:cNvPr id="3" name="Объект 2"/>
-          <p:cNvSpPr>
-            <a:spLocks noGrp="1"/>
-          </p:cNvSpPr>
-          <p:nvPr>
-            <p:ph idx="1"/>
-          </p:nvPr>
-        </p:nvSpPr>
-        <p:spPr/>
-        <p:txBody>
-          <a:bodyPr/>
-          <a:lstStyle/>
-          <a:p>
-            <a:r>
-              <a:rPr lang="ru-RU" dirty="0" smtClean="0"/>
-              <a:t>Для основы учитывается тон</a:t>
-            </a:r>
-          </a:p>
-          <a:p>
-            <a:r>
-              <a:rPr lang="ru-RU" dirty="0" smtClean="0"/>
-              <a:t>Изображение анализируется в ограниченной области усреднением её тона</a:t>
-            </a:r>
-            <a:endParaRPr lang="ru-RU" dirty="0"/>
-          </a:p>
-        </p:txBody>
-      </p:sp>
-      <p:sp>
-        <p:nvSpPr>
-          <p:cNvPr id="4" name="Номер слайда 3"/>
-          <p:cNvSpPr>
-            <a:spLocks noGrp="1"/>
-          </p:cNvSpPr>
-          <p:nvPr>
-            <p:ph type="sldNum" sz="quarter" idx="12"/>
-          </p:nvPr>
-        </p:nvSpPr>
-        <p:spPr/>
-        <p:txBody>
-          <a:bodyPr/>
-          <a:lstStyle/>
-          <a:p>
-            <a:fld id="{B19B0651-EE4F-4900-A07F-96A6BFA9D0F0}" type="slidenum">
-              <a:rPr lang="ru-RU" smtClean="0"/>
-              <a:t>11</a:t>
-            </a:fld>
-            <a:endParaRPr lang="ru-RU"/>
-          </a:p>
-        </p:txBody>
-      </p:sp>
-    </p:spTree>
-    <p:extLst>
-      <p:ext uri="{BB962C8B-B14F-4D97-AF65-F5344CB8AC3E}">
-        <p14:creationId xmlns:p14="http://schemas.microsoft.com/office/powerpoint/2010/main" val="4201361365"/>
-      </p:ext>
-    </p:extLst>
-  </p:cSld>
-  <p:clrMapOvr>
-    <a:masterClrMapping/>
-  </p:clrMapOvr>
-</p:sld>
-</file>
-
-<file path=ppt/slides/slide12.xml><?xml version="1.0" encoding="utf-8"?>
 <p:sld xmlns:a="http://schemas.openxmlformats.org/drawingml/2006/main" xmlns:r="http://schemas.openxmlformats.org/officeDocument/2006/relationships" xmlns:p="http://schemas.openxmlformats.org/presentationml/2006/main">
   <p:cSld>
     <p:spTree>
@@ -9952,7 +9846,7 @@
           <a:p>
             <a:fld id="{B19B0651-EE4F-4900-A07F-96A6BFA9D0F0}" type="slidenum">
               <a:rPr lang="ru-RU" smtClean="0"/>
-              <a:t>12</a:t>
+              <a:t>11</a:t>
             </a:fld>
             <a:endParaRPr lang="ru-RU"/>
           </a:p>
@@ -9971,7 +9865,7 @@
 </p:sld>
 </file>
 
-<file path=ppt/slides/slide13.xml><?xml version="1.0" encoding="utf-8"?>
+<file path=ppt/slides/slide12.xml><?xml version="1.0" encoding="utf-8"?>
 <p:sld xmlns:a="http://schemas.openxmlformats.org/drawingml/2006/main" xmlns:r="http://schemas.openxmlformats.org/officeDocument/2006/relationships" xmlns:p="http://schemas.openxmlformats.org/presentationml/2006/main">
   <p:cSld>
     <p:spTree>
@@ -10033,7 +9927,7 @@
                 <a:latin typeface="Times New Roman" pitchFamily="18" charset="0"/>
                 <a:cs typeface="Times New Roman" pitchFamily="18" charset="0"/>
               </a:rPr>
-              <a:t>13</a:t>
+              <a:t>12</a:t>
             </a:fld>
             <a:endParaRPr lang="ru-RU" sz="2000" dirty="0">
               <a:latin typeface="Times New Roman" pitchFamily="18" charset="0"/>
@@ -10230,7 +10124,7 @@
 </p:sld>
 </file>
 
-<file path=ppt/slides/slide14.xml><?xml version="1.0" encoding="utf-8"?>
+<file path=ppt/slides/slide13.xml><?xml version="1.0" encoding="utf-8"?>
 <p:sld xmlns:a="http://schemas.openxmlformats.org/drawingml/2006/main" xmlns:r="http://schemas.openxmlformats.org/officeDocument/2006/relationships" xmlns:p="http://schemas.openxmlformats.org/presentationml/2006/main">
   <p:cSld>
     <p:spTree>
@@ -10313,7 +10207,7 @@
           <a:p>
             <a:fld id="{B19B0651-EE4F-4900-A07F-96A6BFA9D0F0}" type="slidenum">
               <a:rPr lang="ru-RU" smtClean="0"/>
-              <a:t>14</a:t>
+              <a:t>13</a:t>
             </a:fld>
             <a:endParaRPr lang="ru-RU"/>
           </a:p>
@@ -10332,7 +10226,7 @@
 </p:sld>
 </file>
 
-<file path=ppt/slides/slide15.xml><?xml version="1.0" encoding="utf-8"?>
+<file path=ppt/slides/slide14.xml><?xml version="1.0" encoding="utf-8"?>
 <p:sld xmlns:a="http://schemas.openxmlformats.org/drawingml/2006/main" xmlns:r="http://schemas.openxmlformats.org/officeDocument/2006/relationships" xmlns:p="http://schemas.openxmlformats.org/presentationml/2006/main">
   <p:cSld>
     <p:spTree>
@@ -10428,7 +10322,7 @@
           <a:p>
             <a:fld id="{B19B0651-EE4F-4900-A07F-96A6BFA9D0F0}" type="slidenum">
               <a:rPr lang="ru-RU" smtClean="0"/>
-              <a:t>15</a:t>
+              <a:t>14</a:t>
             </a:fld>
             <a:endParaRPr lang="ru-RU"/>
           </a:p>
@@ -10447,7 +10341,7 @@
 </p:sld>
 </file>
 
-<file path=ppt/slides/slide16.xml><?xml version="1.0" encoding="utf-8"?>
+<file path=ppt/slides/slide15.xml><?xml version="1.0" encoding="utf-8"?>
 <p:sld xmlns:a="http://schemas.openxmlformats.org/drawingml/2006/main" xmlns:r="http://schemas.openxmlformats.org/officeDocument/2006/relationships" xmlns:p="http://schemas.openxmlformats.org/presentationml/2006/main">
   <p:cSld>
     <p:spTree>
@@ -10558,7 +10452,7 @@
           <a:p>
             <a:fld id="{B19B0651-EE4F-4900-A07F-96A6BFA9D0F0}" type="slidenum">
               <a:rPr lang="ru-RU" smtClean="0"/>
-              <a:t>16</a:t>
+              <a:t>15</a:t>
             </a:fld>
             <a:endParaRPr lang="ru-RU"/>
           </a:p>
@@ -10577,7 +10471,7 @@
 </p:sld>
 </file>
 
-<file path=ppt/slides/slide17.xml><?xml version="1.0" encoding="utf-8"?>
+<file path=ppt/slides/slide16.xml><?xml version="1.0" encoding="utf-8"?>
 <p:sld xmlns:a="http://schemas.openxmlformats.org/drawingml/2006/main" xmlns:r="http://schemas.openxmlformats.org/officeDocument/2006/relationships" xmlns:p="http://schemas.openxmlformats.org/presentationml/2006/main">
   <p:cSld>
     <p:spTree>
@@ -10688,7 +10582,7 @@
           <a:p>
             <a:fld id="{B19B0651-EE4F-4900-A07F-96A6BFA9D0F0}" type="slidenum">
               <a:rPr lang="ru-RU" smtClean="0"/>
-              <a:t>17</a:t>
+              <a:t>16</a:t>
             </a:fld>
             <a:endParaRPr lang="ru-RU"/>
           </a:p>
@@ -10707,7 +10601,7 @@
 </p:sld>
 </file>
 
-<file path=ppt/slides/slide18.xml><?xml version="1.0" encoding="utf-8"?>
+<file path=ppt/slides/slide17.xml><?xml version="1.0" encoding="utf-8"?>
 <p:sld xmlns:a="http://schemas.openxmlformats.org/drawingml/2006/main" xmlns:r="http://schemas.openxmlformats.org/officeDocument/2006/relationships" xmlns:p="http://schemas.openxmlformats.org/presentationml/2006/main">
   <p:cSld>
     <p:spTree>
@@ -10829,7 +10723,7 @@
           <a:p>
             <a:fld id="{B19B0651-EE4F-4900-A07F-96A6BFA9D0F0}" type="slidenum">
               <a:rPr lang="ru-RU" smtClean="0"/>
-              <a:t>18</a:t>
+              <a:t>17</a:t>
             </a:fld>
             <a:endParaRPr lang="ru-RU"/>
           </a:p>
@@ -10848,7 +10742,7 @@
 </p:sld>
 </file>
 
-<file path=ppt/slides/slide19.xml><?xml version="1.0" encoding="utf-8"?>
+<file path=ppt/slides/slide18.xml><?xml version="1.0" encoding="utf-8"?>
 <p:sld xmlns:a="http://schemas.openxmlformats.org/drawingml/2006/main" xmlns:r="http://schemas.openxmlformats.org/officeDocument/2006/relationships" xmlns:p="http://schemas.openxmlformats.org/presentationml/2006/main">
   <p:cSld>
     <p:spTree>
@@ -10968,7 +10862,7 @@
           <a:p>
             <a:fld id="{B19B0651-EE4F-4900-A07F-96A6BFA9D0F0}" type="slidenum">
               <a:rPr lang="ru-RU" smtClean="0"/>
-              <a:t>19</a:t>
+              <a:t>18</a:t>
             </a:fld>
             <a:endParaRPr lang="ru-RU"/>
           </a:p>
@@ -10984,6 +10878,212 @@
   <p:clrMapOvr>
     <a:masterClrMapping/>
   </p:clrMapOvr>
+</p:sld>
+</file>
+
+<file path=ppt/slides/slide19.xml><?xml version="1.0" encoding="utf-8"?>
+<p:sld xmlns:a="http://schemas.openxmlformats.org/drawingml/2006/main" xmlns:r="http://schemas.openxmlformats.org/officeDocument/2006/relationships" xmlns:p="http://schemas.openxmlformats.org/presentationml/2006/main">
+  <p:cSld>
+    <p:spTree>
+      <p:nvGrpSpPr>
+        <p:cNvPr id="1" name=""/>
+        <p:cNvGrpSpPr/>
+        <p:nvPr/>
+      </p:nvGrpSpPr>
+      <p:grpSpPr>
+        <a:xfrm>
+          <a:off x="0" y="0"/>
+          <a:ext cx="0" cy="0"/>
+          <a:chOff x="0" y="0"/>
+          <a:chExt cx="0" cy="0"/>
+        </a:xfrm>
+      </p:grpSpPr>
+      <p:sp>
+        <p:nvSpPr>
+          <p:cNvPr id="2" name="Заголовок 1"/>
+          <p:cNvSpPr>
+            <a:spLocks noGrp="1"/>
+          </p:cNvSpPr>
+          <p:nvPr>
+            <p:ph type="title"/>
+          </p:nvPr>
+        </p:nvSpPr>
+        <p:spPr/>
+        <p:txBody>
+          <a:bodyPr/>
+          <a:lstStyle/>
+          <a:p>
+            <a:pPr eaLnBrk="1" fontAlgn="auto" hangingPunct="1">
+              <a:spcAft>
+                <a:spcPts val="0"/>
+              </a:spcAft>
+              <a:defRPr/>
+            </a:pPr>
+            <a:r>
+              <a:rPr lang="ru-RU" dirty="0" smtClean="0"/>
+              <a:t>Итоги</a:t>
+            </a:r>
+            <a:endParaRPr lang="ru-RU" dirty="0"/>
+          </a:p>
+        </p:txBody>
+      </p:sp>
+      <p:sp>
+        <p:nvSpPr>
+          <p:cNvPr id="11267" name="Объект 2"/>
+          <p:cNvSpPr>
+            <a:spLocks noGrp="1"/>
+          </p:cNvSpPr>
+          <p:nvPr>
+            <p:ph idx="1"/>
+          </p:nvPr>
+        </p:nvSpPr>
+        <p:spPr>
+          <a:xfrm>
+            <a:off x="468313" y="1628800"/>
+            <a:ext cx="8229600" cy="4525938"/>
+          </a:xfrm>
+        </p:spPr>
+        <p:txBody>
+          <a:bodyPr>
+            <a:normAutofit fontScale="77500" lnSpcReduction="20000"/>
+          </a:bodyPr>
+          <a:lstStyle/>
+          <a:p>
+            <a:pPr lvl="0"/>
+            <a:r>
+              <a:rPr lang="ru-RU" dirty="0" smtClean="0"/>
+              <a:t>Проведён </a:t>
+            </a:r>
+            <a:r>
+              <a:rPr lang="ru-RU" dirty="0"/>
+              <a:t>обзор предметной области «Определение параметров движения объектов на панорамных снимках»</a:t>
+            </a:r>
+          </a:p>
+          <a:p>
+            <a:pPr lvl="0"/>
+            <a:r>
+              <a:rPr lang="ru-RU" dirty="0" smtClean="0"/>
+              <a:t>Проведён </a:t>
+            </a:r>
+            <a:r>
+              <a:rPr lang="ru-RU" dirty="0"/>
+              <a:t>анализ предметных областей «Определение параметров движения объектов на панорамных снимках</a:t>
+            </a:r>
+            <a:r>
+              <a:rPr lang="ru-RU" dirty="0" smtClean="0"/>
+              <a:t>» и </a:t>
+            </a:r>
+            <a:r>
+              <a:rPr lang="ru-RU" dirty="0"/>
+              <a:t>«Построение ортогональной проекции изображений» </a:t>
+            </a:r>
+            <a:r>
+              <a:rPr lang="ru-RU" dirty="0" smtClean="0"/>
+              <a:t>и </a:t>
+            </a:r>
+            <a:r>
+              <a:rPr lang="ru-RU" dirty="0" smtClean="0"/>
+              <a:t>составлены </a:t>
+            </a:r>
+            <a:r>
+              <a:rPr lang="ru-RU" dirty="0"/>
+              <a:t>их модели</a:t>
+            </a:r>
+          </a:p>
+          <a:p>
+            <a:pPr lvl="0"/>
+            <a:r>
+              <a:rPr lang="ru-RU" dirty="0" smtClean="0"/>
+              <a:t>Разработан </a:t>
+            </a:r>
+            <a:r>
+              <a:rPr lang="ru-RU" dirty="0"/>
+              <a:t>проект программного средства анализа снимков</a:t>
+            </a:r>
+          </a:p>
+          <a:p>
+            <a:pPr lvl="0"/>
+            <a:r>
+              <a:rPr lang="ru-RU" dirty="0" smtClean="0"/>
+              <a:t>На </a:t>
+            </a:r>
+            <a:r>
+              <a:rPr lang="ru-RU" dirty="0"/>
+              <a:t>основе составленного проекта </a:t>
+            </a:r>
+            <a:r>
+              <a:rPr lang="ru-RU" dirty="0" smtClean="0"/>
+              <a:t>реализована программная система </a:t>
+            </a:r>
+            <a:r>
+              <a:rPr lang="ru-RU" dirty="0"/>
+              <a:t>анализа снимков</a:t>
+            </a:r>
+          </a:p>
+          <a:p>
+            <a:pPr lvl="0"/>
+            <a:r>
+              <a:rPr lang="ru-RU" dirty="0" smtClean="0"/>
+              <a:t>Проведено </a:t>
+            </a:r>
+            <a:r>
+              <a:rPr lang="ru-RU" dirty="0"/>
+              <a:t>тестирование созданной </a:t>
+            </a:r>
+            <a:r>
+              <a:rPr lang="ru-RU" dirty="0" smtClean="0"/>
+              <a:t>системы</a:t>
+            </a:r>
+            <a:endParaRPr lang="ru-RU" dirty="0"/>
+          </a:p>
+        </p:txBody>
+      </p:sp>
+      <p:sp>
+        <p:nvSpPr>
+          <p:cNvPr id="4" name="Номер слайда 3"/>
+          <p:cNvSpPr>
+            <a:spLocks noGrp="1"/>
+          </p:cNvSpPr>
+          <p:nvPr>
+            <p:ph type="sldNum" sz="quarter" idx="12"/>
+          </p:nvPr>
+        </p:nvSpPr>
+        <p:spPr/>
+        <p:txBody>
+          <a:bodyPr/>
+          <a:lstStyle/>
+          <a:p>
+            <a:pPr>
+              <a:defRPr/>
+            </a:pPr>
+            <a:fld id="{54DE40E0-8D95-4C24-A60B-D35C267D9A29}" type="slidenum">
+              <a:rPr lang="ru-RU" sz="2000"/>
+              <a:pPr>
+                <a:defRPr/>
+              </a:pPr>
+              <a:t>19</a:t>
+            </a:fld>
+            <a:endParaRPr lang="ru-RU" sz="2000" dirty="0"/>
+          </a:p>
+        </p:txBody>
+      </p:sp>
+    </p:spTree>
+    <p:extLst>
+      <p:ext uri="{BB962C8B-B14F-4D97-AF65-F5344CB8AC3E}">
+        <p14:creationId xmlns:p14="http://schemas.microsoft.com/office/powerpoint/2010/main" val="2154230550"/>
+      </p:ext>
+    </p:extLst>
+  </p:cSld>
+  <p:clrMapOvr>
+    <a:masterClrMapping/>
+  </p:clrMapOvr>
+  <p:timing>
+    <p:tnLst>
+      <p:par>
+        <p:cTn id="1" dur="indefinite" restart="never" nodeType="tmRoot"/>
+      </p:par>
+    </p:tnLst>
+  </p:timing>
 </p:sld>
 </file>
 
@@ -11050,15 +11150,13 @@
           <a:p>
             <a:r>
               <a:rPr lang="ru-RU" dirty="0" smtClean="0"/>
-              <a:t>Автоматический анализ снимков.</a:t>
-            </a:r>
-          </a:p>
-          <a:p>
+              <a:t>Автоматический анализ снимков</a:t>
+            </a:r>
             <a:r>
               <a:rPr lang="ru-RU" dirty="0" smtClean="0"/>
-              <a:t>Получение данных для статистической оценки занимаемой наледями площади.</a:t>
-            </a:r>
-            <a:endParaRPr lang="ru-RU" dirty="0"/>
+              <a:t>.</a:t>
+            </a:r>
+            <a:endParaRPr lang="ru-RU" dirty="0" smtClean="0"/>
           </a:p>
         </p:txBody>
       </p:sp>
@@ -11095,200 +11193,6 @@
   <p:clrMapOvr>
     <a:masterClrMapping/>
   </p:clrMapOvr>
-</p:sld>
-</file>
-
-<file path=ppt/slides/slide20.xml><?xml version="1.0" encoding="utf-8"?>
-<p:sld xmlns:a="http://schemas.openxmlformats.org/drawingml/2006/main" xmlns:r="http://schemas.openxmlformats.org/officeDocument/2006/relationships" xmlns:p="http://schemas.openxmlformats.org/presentationml/2006/main">
-  <p:cSld>
-    <p:spTree>
-      <p:nvGrpSpPr>
-        <p:cNvPr id="1" name=""/>
-        <p:cNvGrpSpPr/>
-        <p:nvPr/>
-      </p:nvGrpSpPr>
-      <p:grpSpPr>
-        <a:xfrm>
-          <a:off x="0" y="0"/>
-          <a:ext cx="0" cy="0"/>
-          <a:chOff x="0" y="0"/>
-          <a:chExt cx="0" cy="0"/>
-        </a:xfrm>
-      </p:grpSpPr>
-      <p:sp>
-        <p:nvSpPr>
-          <p:cNvPr id="2" name="Заголовок 1"/>
-          <p:cNvSpPr>
-            <a:spLocks noGrp="1"/>
-          </p:cNvSpPr>
-          <p:nvPr>
-            <p:ph type="title"/>
-          </p:nvPr>
-        </p:nvSpPr>
-        <p:spPr/>
-        <p:txBody>
-          <a:bodyPr/>
-          <a:lstStyle/>
-          <a:p>
-            <a:pPr eaLnBrk="1" fontAlgn="auto" hangingPunct="1">
-              <a:spcAft>
-                <a:spcPts val="0"/>
-              </a:spcAft>
-              <a:defRPr/>
-            </a:pPr>
-            <a:r>
-              <a:rPr lang="ru-RU" dirty="0" smtClean="0"/>
-              <a:t>Итоги</a:t>
-            </a:r>
-            <a:endParaRPr lang="ru-RU" dirty="0"/>
-          </a:p>
-        </p:txBody>
-      </p:sp>
-      <p:sp>
-        <p:nvSpPr>
-          <p:cNvPr id="11267" name="Объект 2"/>
-          <p:cNvSpPr>
-            <a:spLocks noGrp="1"/>
-          </p:cNvSpPr>
-          <p:nvPr>
-            <p:ph idx="1"/>
-          </p:nvPr>
-        </p:nvSpPr>
-        <p:spPr>
-          <a:xfrm>
-            <a:off x="468313" y="1628800"/>
-            <a:ext cx="8229600" cy="4525938"/>
-          </a:xfrm>
-        </p:spPr>
-        <p:txBody>
-          <a:bodyPr>
-            <a:normAutofit fontScale="77500" lnSpcReduction="20000"/>
-          </a:bodyPr>
-          <a:lstStyle/>
-          <a:p>
-            <a:pPr lvl="0"/>
-            <a:r>
-              <a:rPr lang="ru-RU" dirty="0" smtClean="0"/>
-              <a:t>Проведён </a:t>
-            </a:r>
-            <a:r>
-              <a:rPr lang="ru-RU" dirty="0"/>
-              <a:t>обзор предметной области «Определение параметров движения объектов на панорамных снимках»</a:t>
-            </a:r>
-          </a:p>
-          <a:p>
-            <a:pPr lvl="0"/>
-            <a:r>
-              <a:rPr lang="ru-RU" dirty="0" smtClean="0"/>
-              <a:t>Проведён </a:t>
-            </a:r>
-            <a:r>
-              <a:rPr lang="ru-RU" dirty="0"/>
-              <a:t>анализ предметных областей «Определение параметров движения объектов на панорамных снимках», «Построение ортогональной проекции изображений» и «детектирование льда на снимках по цвету в видимом спектре» и </a:t>
-            </a:r>
-            <a:r>
-              <a:rPr lang="ru-RU" dirty="0" smtClean="0"/>
-              <a:t>составлены </a:t>
-            </a:r>
-            <a:r>
-              <a:rPr lang="ru-RU" dirty="0"/>
-              <a:t>их модели</a:t>
-            </a:r>
-          </a:p>
-          <a:p>
-            <a:pPr lvl="0"/>
-            <a:r>
-              <a:rPr lang="ru-RU" dirty="0" smtClean="0"/>
-              <a:t>Разработан </a:t>
-            </a:r>
-            <a:r>
-              <a:rPr lang="ru-RU" dirty="0"/>
-              <a:t>проект программного средства анализа снимков</a:t>
-            </a:r>
-          </a:p>
-          <a:p>
-            <a:pPr lvl="0"/>
-            <a:r>
-              <a:rPr lang="ru-RU" dirty="0" smtClean="0"/>
-              <a:t>На </a:t>
-            </a:r>
-            <a:r>
-              <a:rPr lang="ru-RU" dirty="0"/>
-              <a:t>основе составленного проекта </a:t>
-            </a:r>
-            <a:r>
-              <a:rPr lang="ru-RU" dirty="0" smtClean="0"/>
-              <a:t>реализована программная система </a:t>
-            </a:r>
-            <a:r>
-              <a:rPr lang="ru-RU" dirty="0"/>
-              <a:t>анализа снимков</a:t>
-            </a:r>
-          </a:p>
-          <a:p>
-            <a:pPr lvl="0"/>
-            <a:r>
-              <a:rPr lang="ru-RU" dirty="0" smtClean="0"/>
-              <a:t>Проведено </a:t>
-            </a:r>
-            <a:r>
-              <a:rPr lang="ru-RU" dirty="0"/>
-              <a:t>тестирование созданной </a:t>
-            </a:r>
-            <a:r>
-              <a:rPr lang="ru-RU" dirty="0" smtClean="0"/>
-              <a:t>системы</a:t>
-            </a:r>
-            <a:endParaRPr lang="ru-RU" dirty="0"/>
-          </a:p>
-        </p:txBody>
-      </p:sp>
-      <p:sp>
-        <p:nvSpPr>
-          <p:cNvPr id="4" name="Номер слайда 3"/>
-          <p:cNvSpPr>
-            <a:spLocks noGrp="1"/>
-          </p:cNvSpPr>
-          <p:nvPr>
-            <p:ph type="sldNum" sz="quarter" idx="12"/>
-          </p:nvPr>
-        </p:nvSpPr>
-        <p:spPr/>
-        <p:txBody>
-          <a:bodyPr/>
-          <a:lstStyle/>
-          <a:p>
-            <a:pPr>
-              <a:defRPr/>
-            </a:pPr>
-            <a:fld id="{54DE40E0-8D95-4C24-A60B-D35C267D9A29}" type="slidenum">
-              <a:rPr lang="ru-RU" sz="2000"/>
-              <a:pPr>
-                <a:defRPr/>
-              </a:pPr>
-              <a:t>20</a:t>
-            </a:fld>
-            <a:endParaRPr lang="ru-RU" sz="2000" dirty="0"/>
-          </a:p>
-        </p:txBody>
-      </p:sp>
-    </p:spTree>
-    <p:extLst>
-      <p:ext uri="{BB962C8B-B14F-4D97-AF65-F5344CB8AC3E}">
-        <p14:creationId xmlns:p14="http://schemas.microsoft.com/office/powerpoint/2010/main" val="2154230550"/>
-      </p:ext>
-    </p:extLst>
-  </p:cSld>
-  <p:clrMapOvr>
-    <a:masterClrMapping/>
-  </p:clrMapOvr>
-  <p:timing>
-    <p:tnLst>
-      <p:par>
-        <p:cTn id="1" dur="indefinite" restart="never" nodeType="tmRoot"/>
-      </p:par>
-    </p:tnLst>
-  </p:timing>
 </p:sld>
 </file>
 
@@ -11465,7 +11369,23 @@
             <a:pPr lvl="0"/>
             <a:r>
               <a:rPr lang="ru-RU" dirty="0" smtClean="0"/>
-              <a:t>Провести анализ предметных областей «Определение параметров движения объектов на панорамных снимках», «Построение </a:t>
+              <a:t>Провести анализ предметных областей «Определение параметров движения объектов на панорамных снимках</a:t>
+            </a:r>
+            <a:r>
+              <a:rPr lang="ru-RU" dirty="0" smtClean="0"/>
+              <a:t>»</a:t>
+            </a:r>
+            <a:r>
+              <a:rPr lang="en-US" dirty="0" smtClean="0"/>
+              <a:t> </a:t>
+            </a:r>
+            <a:r>
+              <a:rPr lang="ru-RU" dirty="0" smtClean="0"/>
+              <a:t>и </a:t>
+            </a:r>
+            <a:r>
+              <a:rPr lang="ru-RU" dirty="0" smtClean="0"/>
+              <a:t>«Построение </a:t>
             </a:r>
             <a:r>
               <a:rPr lang="ru-RU" dirty="0"/>
@@ -11476,12 +11396,8 @@
               <a:t>» и </a:t>
             </a:r>
             <a:r>
-              <a:rPr lang="ru-RU" dirty="0"/>
-              <a:t>«детектирование льда на снимках по цвету в видимом </a:t>
-            </a:r>
-            <a:r>
               <a:rPr lang="ru-RU" dirty="0" smtClean="0"/>
-              <a:t>спектре» и составить их модели</a:t>
+              <a:t>составить их модели</a:t>
             </a:r>
             <a:endParaRPr lang="ru-RU" dirty="0"/>
           </a:p>
@@ -11720,7 +11636,7 @@
         </p:spPr>
         <p:txBody>
           <a:bodyPr rtlCol="0">
-            <a:normAutofit fontScale="92500" lnSpcReduction="20000"/>
+            <a:normAutofit lnSpcReduction="10000"/>
           </a:bodyPr>
           <a:lstStyle/>
           <a:p>
@@ -11904,26 +11820,15 @@
                   <a:schemeClr val="tx1"/>
                 </a:solidFill>
               </a:rPr>
-              <a:t>Поис</a:t>
-            </a:r>
-            <a:r>
-              <a:rPr lang="ru-RU" dirty="0" smtClean="0"/>
-              <a:t>к по яркости и насыщенности</a:t>
-            </a:r>
-          </a:p>
-          <a:p>
-            <a:pPr marL="457200" indent="-457200">
-              <a:buFont typeface="+mj-lt"/>
-              <a:buAutoNum type="arabicPeriod"/>
-              <a:defRPr/>
-            </a:pPr>
+              <a:t>Трансформирование </a:t>
+            </a:r>
             <a:r>
               <a:rPr lang="ru-RU" dirty="0" smtClean="0">
                 <a:solidFill>
                   <a:schemeClr val="tx1"/>
                 </a:solidFill>
               </a:rPr>
-              <a:t>Трансформирование координат</a:t>
+              <a:t>координат</a:t>
             </a:r>
             <a:endParaRPr lang="ru-RU" dirty="0">
               <a:solidFill>

--- a/docs/parts/conference.pptx
+++ b/docs/parts/conference.pptx
@@ -6,28 +6,24 @@
     <p:sldMasterId id="2147483672" r:id="rId2"/>
   </p:sldMasterIdLst>
   <p:notesMasterIdLst>
-    <p:notesMasterId r:id="rId22"/>
+    <p:notesMasterId r:id="rId18"/>
   </p:notesMasterIdLst>
   <p:sldIdLst>
     <p:sldId id="257" r:id="rId3"/>
     <p:sldId id="271" r:id="rId4"/>
     <p:sldId id="273" r:id="rId5"/>
     <p:sldId id="258" r:id="rId6"/>
-    <p:sldId id="272" r:id="rId7"/>
-    <p:sldId id="261" r:id="rId8"/>
-    <p:sldId id="262" r:id="rId9"/>
-    <p:sldId id="263" r:id="rId10"/>
-    <p:sldId id="269" r:id="rId11"/>
-    <p:sldId id="266" r:id="rId12"/>
-    <p:sldId id="268" r:id="rId13"/>
+    <p:sldId id="261" r:id="rId7"/>
+    <p:sldId id="262" r:id="rId8"/>
+    <p:sldId id="263" r:id="rId9"/>
+    <p:sldId id="269" r:id="rId10"/>
+    <p:sldId id="266" r:id="rId11"/>
+    <p:sldId id="268" r:id="rId12"/>
+    <p:sldId id="272" r:id="rId13"/>
     <p:sldId id="270" r:id="rId14"/>
-    <p:sldId id="274" r:id="rId15"/>
-    <p:sldId id="275" r:id="rId16"/>
-    <p:sldId id="276" r:id="rId17"/>
-    <p:sldId id="277" r:id="rId18"/>
-    <p:sldId id="278" r:id="rId19"/>
-    <p:sldId id="279" r:id="rId20"/>
-    <p:sldId id="260" r:id="rId21"/>
+    <p:sldId id="275" r:id="rId15"/>
+    <p:sldId id="276" r:id="rId16"/>
+    <p:sldId id="260" r:id="rId17"/>
   </p:sldIdLst>
   <p:sldSz cx="9144000" cy="6858000" type="screen4x3"/>
   <p:notesSz cx="6858000" cy="9144000"/>
@@ -211,7 +207,7 @@
           <a:p>
             <a:fld id="{81832DC4-4D29-4A6C-A9AC-D1498CB7FBE3}" type="datetimeFigureOut">
               <a:rPr lang="ru-RU" smtClean="0"/>
-              <a:t>16.06.2013</a:t>
+              <a:t>19.06.2013</a:t>
             </a:fld>
             <a:endParaRPr lang="ru-RU"/>
           </a:p>
@@ -660,7 +656,7 @@
           <a:p>
             <a:fld id="{1AD9EE3D-3EF4-4CE6-BCCE-D8BC9F81E484}" type="datetime1">
               <a:rPr lang="ru-RU" smtClean="0"/>
-              <a:t>16.06.2013</a:t>
+              <a:t>19.06.2013</a:t>
             </a:fld>
             <a:endParaRPr lang="ru-RU"/>
           </a:p>
@@ -825,7 +821,7 @@
           <a:p>
             <a:fld id="{652D1DE8-880B-49D6-9C09-2976DFA2653B}" type="datetime1">
               <a:rPr lang="ru-RU" smtClean="0"/>
-              <a:t>16.06.2013</a:t>
+              <a:t>19.06.2013</a:t>
             </a:fld>
             <a:endParaRPr lang="ru-RU"/>
           </a:p>
@@ -1000,7 +996,7 @@
           <a:p>
             <a:fld id="{1F31ACDF-8AB8-423F-BB20-0D703593119C}" type="datetime1">
               <a:rPr lang="ru-RU" smtClean="0"/>
-              <a:t>16.06.2013</a:t>
+              <a:t>19.06.2013</a:t>
             </a:fld>
             <a:endParaRPr lang="ru-RU"/>
           </a:p>
@@ -1247,7 +1243,7 @@
                   </a:prstClr>
                 </a:solidFill>
               </a:rPr>
-              <a:t>16.06.2013</a:t>
+              <a:t>19.06.2013</a:t>
             </a:fld>
             <a:endParaRPr lang="ru-RU">
               <a:solidFill>
@@ -1464,7 +1460,7 @@
                   </a:prstClr>
                 </a:solidFill>
               </a:rPr>
-              <a:t>16.06.2013</a:t>
+              <a:t>19.06.2013</a:t>
             </a:fld>
             <a:endParaRPr lang="ru-RU">
               <a:solidFill>
@@ -1757,7 +1753,7 @@
                   </a:prstClr>
                 </a:solidFill>
               </a:rPr>
-              <a:t>16.06.2013</a:t>
+              <a:t>19.06.2013</a:t>
             </a:fld>
             <a:endParaRPr lang="ru-RU">
               <a:solidFill>
@@ -2092,7 +2088,7 @@
                   </a:prstClr>
                 </a:solidFill>
               </a:rPr>
-              <a:t>16.06.2013</a:t>
+              <a:t>19.06.2013</a:t>
             </a:fld>
             <a:endParaRPr lang="ru-RU">
               <a:solidFill>
@@ -2561,7 +2557,7 @@
                   </a:prstClr>
                 </a:solidFill>
               </a:rPr>
-              <a:t>16.06.2013</a:t>
+              <a:t>19.06.2013</a:t>
             </a:fld>
             <a:endParaRPr lang="ru-RU">
               <a:solidFill>
@@ -2726,7 +2722,7 @@
                   </a:prstClr>
                 </a:solidFill>
               </a:rPr>
-              <a:t>16.06.2013</a:t>
+              <a:t>19.06.2013</a:t>
             </a:fld>
             <a:endParaRPr lang="ru-RU">
               <a:solidFill>
@@ -2868,7 +2864,7 @@
                   </a:prstClr>
                 </a:solidFill>
               </a:rPr>
-              <a:t>16.06.2013</a:t>
+              <a:t>19.06.2013</a:t>
             </a:fld>
             <a:endParaRPr lang="ru-RU">
               <a:solidFill>
@@ -3192,7 +3188,7 @@
                   </a:prstClr>
                 </a:solidFill>
               </a:rPr>
-              <a:t>16.06.2013</a:t>
+              <a:t>19.06.2013</a:t>
             </a:fld>
             <a:endParaRPr lang="ru-RU">
               <a:solidFill>
@@ -3399,7 +3395,7 @@
           <a:p>
             <a:fld id="{7C8B7464-4362-447F-9812-BE778B504AC0}" type="datetime1">
               <a:rPr lang="ru-RU" smtClean="0"/>
-              <a:t>16.06.2013</a:t>
+              <a:t>19.06.2013</a:t>
             </a:fld>
             <a:endParaRPr lang="ru-RU"/>
           </a:p>
@@ -3657,7 +3653,7 @@
                   </a:prstClr>
                 </a:solidFill>
               </a:rPr>
-              <a:t>16.06.2013</a:t>
+              <a:t>19.06.2013</a:t>
             </a:fld>
             <a:endParaRPr lang="ru-RU">
               <a:solidFill>
@@ -3874,7 +3870,7 @@
                   </a:prstClr>
                 </a:solidFill>
               </a:rPr>
-              <a:t>16.06.2013</a:t>
+              <a:t>19.06.2013</a:t>
             </a:fld>
             <a:endParaRPr lang="ru-RU">
               <a:solidFill>
@@ -4101,7 +4097,7 @@
                   </a:prstClr>
                 </a:solidFill>
               </a:rPr>
-              <a:t>16.06.2013</a:t>
+              <a:t>19.06.2013</a:t>
             </a:fld>
             <a:endParaRPr lang="ru-RU">
               <a:solidFill>
@@ -4384,7 +4380,7 @@
           <a:p>
             <a:fld id="{E4BC4092-B9AC-4B33-9DE0-F63969F50B80}" type="datetime1">
               <a:rPr lang="ru-RU" smtClean="0"/>
-              <a:t>16.06.2013</a:t>
+              <a:t>19.06.2013</a:t>
             </a:fld>
             <a:endParaRPr lang="ru-RU"/>
           </a:p>
@@ -4667,7 +4663,7 @@
           <a:p>
             <a:fld id="{6C7EC604-B2A9-427D-A099-ABB1CEB91B35}" type="datetime1">
               <a:rPr lang="ru-RU" smtClean="0"/>
-              <a:t>16.06.2013</a:t>
+              <a:t>19.06.2013</a:t>
             </a:fld>
             <a:endParaRPr lang="ru-RU"/>
           </a:p>
@@ -5084,7 +5080,7 @@
           <a:p>
             <a:fld id="{0021271B-1961-4AD0-B7FB-CFAE7025559C}" type="datetime1">
               <a:rPr lang="ru-RU" smtClean="0"/>
-              <a:t>16.06.2013</a:t>
+              <a:t>19.06.2013</a:t>
             </a:fld>
             <a:endParaRPr lang="ru-RU"/>
           </a:p>
@@ -5197,7 +5193,7 @@
           <a:p>
             <a:fld id="{F76C33C9-A1D8-479D-B13F-AFA88219AD62}" type="datetime1">
               <a:rPr lang="ru-RU" smtClean="0"/>
-              <a:t>16.06.2013</a:t>
+              <a:t>19.06.2013</a:t>
             </a:fld>
             <a:endParaRPr lang="ru-RU"/>
           </a:p>
@@ -5287,7 +5283,7 @@
           <a:p>
             <a:fld id="{A545CF4A-838A-44EC-9B9B-409BE1D2DC7D}" type="datetime1">
               <a:rPr lang="ru-RU" smtClean="0"/>
-              <a:t>16.06.2013</a:t>
+              <a:t>19.06.2013</a:t>
             </a:fld>
             <a:endParaRPr lang="ru-RU"/>
           </a:p>
@@ -5559,7 +5555,7 @@
           <a:p>
             <a:fld id="{C6253E5B-E3FC-4716-96D6-E0AC5E86EF02}" type="datetime1">
               <a:rPr lang="ru-RU" smtClean="0"/>
-              <a:t>16.06.2013</a:t>
+              <a:t>19.06.2013</a:t>
             </a:fld>
             <a:endParaRPr lang="ru-RU"/>
           </a:p>
@@ -5807,7 +5803,7 @@
           <a:p>
             <a:fld id="{2918ED26-16F2-41A9-94EE-FBF3E05F6E28}" type="datetime1">
               <a:rPr lang="ru-RU" smtClean="0"/>
-              <a:t>16.06.2013</a:t>
+              <a:t>19.06.2013</a:t>
             </a:fld>
             <a:endParaRPr lang="ru-RU"/>
           </a:p>
@@ -6015,7 +6011,7 @@
           <a:p>
             <a:fld id="{DB94AB59-D71B-4999-9BC4-81C679094643}" type="datetime1">
               <a:rPr lang="ru-RU" smtClean="0"/>
-              <a:t>16.06.2013</a:t>
+              <a:t>19.06.2013</a:t>
             </a:fld>
             <a:endParaRPr lang="ru-RU"/>
           </a:p>
@@ -6521,7 +6517,7 @@
           <a:p>
             <a:fld id="{F585CA12-0794-4BD1-B693-9470F35F1636}" type="datetime1">
               <a:rPr lang="ru-RU" smtClean="0"/>
-              <a:t>16.06.2013</a:t>
+              <a:t>19.06.2013</a:t>
             </a:fld>
             <a:endParaRPr lang="ru-RU"/>
           </a:p>
@@ -6985,7 +6981,7 @@
         </p:nvSpPr>
         <p:spPr>
           <a:xfrm>
-            <a:off x="611560" y="4293096"/>
+            <a:off x="683568" y="3861048"/>
             <a:ext cx="7768853" cy="1867992"/>
           </a:xfrm>
         </p:spPr>
@@ -7016,21 +7012,16 @@
               <a:t>	</a:t>
             </a:r>
             <a:r>
-              <a:rPr lang="ru-RU" sz="2000" smtClean="0">
+              <a:rPr lang="ru-RU" sz="2000" dirty="0">
                 <a:solidFill>
                   <a:schemeClr val="tx1"/>
                 </a:solidFill>
               </a:rPr>
-              <a:t>студент группы </a:t>
-            </a:r>
-            <a:r>
-              <a:rPr lang="ru-RU" sz="2000" dirty="0" smtClean="0">
-                <a:solidFill>
-                  <a:schemeClr val="tx1"/>
-                </a:solidFill>
-              </a:rPr>
-              <a:t>с8504</a:t>
-            </a:r>
+              <a:t> студент группы с8504 </a:t>
+            </a:r>
+          </a:p>
+          <a:p>
+            <a:pPr algn="r"/>
             <a:endParaRPr lang="en-US" sz="2000" dirty="0" smtClean="0">
               <a:solidFill>
                 <a:schemeClr val="tx1"/>
@@ -7124,163 +7115,6 @@
 </file>
 
 <file path=ppt/slides/slide10.xml><?xml version="1.0" encoding="utf-8"?>
-<p:sld xmlns:a="http://schemas.openxmlformats.org/drawingml/2006/main" xmlns:r="http://schemas.openxmlformats.org/officeDocument/2006/relationships" xmlns:p="http://schemas.openxmlformats.org/presentationml/2006/main">
-  <p:cSld>
-    <p:spTree>
-      <p:nvGrpSpPr>
-        <p:cNvPr id="1" name=""/>
-        <p:cNvGrpSpPr/>
-        <p:nvPr/>
-      </p:nvGrpSpPr>
-      <p:grpSpPr>
-        <a:xfrm>
-          <a:off x="0" y="0"/>
-          <a:ext cx="0" cy="0"/>
-          <a:chOff x="0" y="0"/>
-          <a:chExt cx="0" cy="0"/>
-        </a:xfrm>
-      </p:grpSpPr>
-      <p:sp>
-        <p:nvSpPr>
-          <p:cNvPr id="2" name="Заголовок 1"/>
-          <p:cNvSpPr>
-            <a:spLocks noGrp="1"/>
-          </p:cNvSpPr>
-          <p:nvPr>
-            <p:ph type="title"/>
-          </p:nvPr>
-        </p:nvSpPr>
-        <p:spPr/>
-        <p:txBody>
-          <a:bodyPr>
-            <a:normAutofit fontScale="90000"/>
-          </a:bodyPr>
-          <a:lstStyle/>
-          <a:p>
-            <a:r>
-              <a:rPr lang="ru-RU" dirty="0" smtClean="0"/>
-              <a:t>Определение </a:t>
-            </a:r>
-            <a:r>
-              <a:rPr lang="ru-RU" dirty="0"/>
-              <a:t>географических </a:t>
-            </a:r>
-            <a:r>
-              <a:rPr lang="ru-RU" dirty="0" smtClean="0"/>
-              <a:t>координат</a:t>
-            </a:r>
-            <a:endParaRPr lang="ru-RU" dirty="0"/>
-          </a:p>
-        </p:txBody>
-      </p:sp>
-      <p:sp>
-        <p:nvSpPr>
-          <p:cNvPr id="3" name="Объект 2"/>
-          <p:cNvSpPr>
-            <a:spLocks noGrp="1"/>
-          </p:cNvSpPr>
-          <p:nvPr>
-            <p:ph idx="1"/>
-          </p:nvPr>
-        </p:nvSpPr>
-        <p:spPr/>
-        <p:txBody>
-          <a:bodyPr/>
-          <a:lstStyle/>
-          <a:p>
-            <a:pPr marL="457200" lvl="1" indent="0">
-              <a:buNone/>
-            </a:pPr>
-            <a:r>
-              <a:rPr lang="ru-RU" dirty="0" smtClean="0"/>
-              <a:t>Метод </a:t>
-            </a:r>
-            <a:r>
-              <a:rPr lang="ru-RU" dirty="0" err="1" smtClean="0"/>
-              <a:t>Гельмерта</a:t>
-            </a:r>
-            <a:endParaRPr lang="ru-RU" dirty="0" smtClean="0"/>
-          </a:p>
-          <a:p>
-            <a:pPr marL="457200" lvl="1" indent="0">
-              <a:buNone/>
-            </a:pPr>
-            <a:r>
-              <a:rPr lang="ru-RU" dirty="0" smtClean="0"/>
-              <a:t>для работы метода требуется:</a:t>
-            </a:r>
-          </a:p>
-          <a:p>
-            <a:pPr lvl="1"/>
-            <a:r>
-              <a:rPr lang="ru-RU" dirty="0" smtClean="0"/>
-              <a:t>широта и долгота начальной точки</a:t>
-            </a:r>
-          </a:p>
-          <a:p>
-            <a:pPr lvl="1"/>
-            <a:r>
-              <a:rPr lang="ru-RU" dirty="0" smtClean="0"/>
-              <a:t>азимут</a:t>
-            </a:r>
-          </a:p>
-          <a:p>
-            <a:pPr lvl="1"/>
-            <a:r>
-              <a:rPr lang="ru-RU" dirty="0" smtClean="0"/>
-              <a:t>расстояние до конечной точки</a:t>
-            </a:r>
-            <a:endParaRPr lang="ru-RU" dirty="0"/>
-          </a:p>
-          <a:p>
-            <a:endParaRPr lang="ru-RU" dirty="0"/>
-          </a:p>
-        </p:txBody>
-      </p:sp>
-      <p:sp>
-        <p:nvSpPr>
-          <p:cNvPr id="5" name="Номер слайда 4"/>
-          <p:cNvSpPr>
-            <a:spLocks noGrp="1"/>
-          </p:cNvSpPr>
-          <p:nvPr>
-            <p:ph type="sldNum" sz="quarter" idx="12"/>
-          </p:nvPr>
-        </p:nvSpPr>
-        <p:spPr/>
-        <p:txBody>
-          <a:bodyPr/>
-          <a:lstStyle/>
-          <a:p>
-            <a:fld id="{B19B0651-EE4F-4900-A07F-96A6BFA9D0F0}" type="slidenum">
-              <a:rPr lang="ru-RU" smtClean="0"/>
-              <a:t>10</a:t>
-            </a:fld>
-            <a:endParaRPr lang="ru-RU"/>
-          </a:p>
-        </p:txBody>
-      </p:sp>
-    </p:spTree>
-    <p:extLst>
-      <p:ext uri="{BB962C8B-B14F-4D97-AF65-F5344CB8AC3E}">
-        <p14:creationId xmlns:p14="http://schemas.microsoft.com/office/powerpoint/2010/main" val="1186117976"/>
-      </p:ext>
-    </p:extLst>
-  </p:cSld>
-  <p:clrMapOvr>
-    <a:masterClrMapping/>
-  </p:clrMapOvr>
-  <p:timing>
-    <p:tnLst>
-      <p:par>
-        <p:cTn id="1" dur="indefinite" restart="never" nodeType="tmRoot"/>
-      </p:par>
-    </p:tnLst>
-  </p:timing>
-</p:sld>
-</file>
-
-<file path=ppt/slides/slide11.xml><?xml version="1.0" encoding="utf-8"?>
 <p:sld xmlns:a="http://schemas.openxmlformats.org/drawingml/2006/main" xmlns:r="http://schemas.openxmlformats.org/officeDocument/2006/relationships" xmlns:p="http://schemas.openxmlformats.org/presentationml/2006/main">
   <p:cSld>
     <p:spTree>
@@ -9846,7 +9680,7 @@
           <a:p>
             <a:fld id="{B19B0651-EE4F-4900-A07F-96A6BFA9D0F0}" type="slidenum">
               <a:rPr lang="ru-RU" smtClean="0"/>
-              <a:t>11</a:t>
+              <a:t>10</a:t>
             </a:fld>
             <a:endParaRPr lang="ru-RU"/>
           </a:p>
@@ -9856,6 +9690,1771 @@
     <p:extLst>
       <p:ext uri="{BB962C8B-B14F-4D97-AF65-F5344CB8AC3E}">
         <p14:creationId xmlns:p14="http://schemas.microsoft.com/office/powerpoint/2010/main" val="1785497731"/>
+      </p:ext>
+    </p:extLst>
+  </p:cSld>
+  <p:clrMapOvr>
+    <a:masterClrMapping/>
+  </p:clrMapOvr>
+</p:sld>
+</file>
+
+<file path=ppt/slides/slide11.xml><?xml version="1.0" encoding="utf-8"?>
+<p:sld xmlns:a="http://schemas.openxmlformats.org/drawingml/2006/main" xmlns:r="http://schemas.openxmlformats.org/officeDocument/2006/relationships" xmlns:p="http://schemas.openxmlformats.org/presentationml/2006/main">
+  <p:cSld>
+    <p:spTree>
+      <p:nvGrpSpPr>
+        <p:cNvPr id="1" name=""/>
+        <p:cNvGrpSpPr/>
+        <p:nvPr/>
+      </p:nvGrpSpPr>
+      <p:grpSpPr>
+        <a:xfrm>
+          <a:off x="0" y="0"/>
+          <a:ext cx="0" cy="0"/>
+          <a:chOff x="0" y="0"/>
+          <a:chExt cx="0" cy="0"/>
+        </a:xfrm>
+      </p:grpSpPr>
+      <p:sp>
+        <p:nvSpPr>
+          <p:cNvPr id="2" name="Заголовок 1"/>
+          <p:cNvSpPr>
+            <a:spLocks noGrp="1"/>
+          </p:cNvSpPr>
+          <p:nvPr>
+            <p:ph type="title"/>
+          </p:nvPr>
+        </p:nvSpPr>
+        <p:spPr/>
+        <p:txBody>
+          <a:bodyPr/>
+          <a:lstStyle/>
+          <a:p>
+            <a:r>
+              <a:rPr lang="ru-RU" dirty="0" smtClean="0"/>
+              <a:t>Модель предметной области</a:t>
+            </a:r>
+            <a:endParaRPr lang="ru-RU" dirty="0"/>
+          </a:p>
+        </p:txBody>
+      </p:sp>
+      <p:sp>
+        <p:nvSpPr>
+          <p:cNvPr id="4" name="Номер слайда 3"/>
+          <p:cNvSpPr>
+            <a:spLocks noGrp="1"/>
+          </p:cNvSpPr>
+          <p:nvPr>
+            <p:ph type="sldNum" sz="quarter" idx="12"/>
+          </p:nvPr>
+        </p:nvSpPr>
+        <p:spPr/>
+        <p:txBody>
+          <a:bodyPr/>
+          <a:lstStyle/>
+          <a:p>
+            <a:fld id="{B19B0651-EE4F-4900-A07F-96A6BFA9D0F0}" type="slidenum">
+              <a:rPr lang="ru-RU" smtClean="0"/>
+              <a:t>11</a:t>
+            </a:fld>
+            <a:endParaRPr lang="ru-RU"/>
+          </a:p>
+        </p:txBody>
+      </p:sp>
+      <p:sp>
+        <p:nvSpPr>
+          <p:cNvPr id="5" name="Прямоугольник 4"/>
+          <p:cNvSpPr/>
+          <p:nvPr/>
+        </p:nvSpPr>
+        <p:spPr>
+          <a:xfrm>
+            <a:off x="1295636" y="1401195"/>
+            <a:ext cx="1080120" cy="432048"/>
+          </a:xfrm>
+          <a:prstGeom prst="rect">
+            <a:avLst/>
+          </a:prstGeom>
+        </p:spPr>
+        <p:style>
+          <a:lnRef idx="1">
+            <a:schemeClr val="accent5"/>
+          </a:lnRef>
+          <a:fillRef idx="2">
+            <a:schemeClr val="accent5"/>
+          </a:fillRef>
+          <a:effectRef idx="1">
+            <a:schemeClr val="accent5"/>
+          </a:effectRef>
+          <a:fontRef idx="minor">
+            <a:schemeClr val="dk1"/>
+          </a:fontRef>
+        </p:style>
+        <p:txBody>
+          <a:bodyPr rtlCol="0" anchor="ctr"/>
+          <a:lstStyle/>
+          <a:p>
+            <a:pPr algn="ctr"/>
+            <a:r>
+              <a:rPr lang="ru-RU" dirty="0" smtClean="0"/>
+              <a:t>Камера</a:t>
+            </a:r>
+            <a:endParaRPr lang="ru-RU" dirty="0"/>
+          </a:p>
+        </p:txBody>
+      </p:sp>
+      <p:sp>
+        <p:nvSpPr>
+          <p:cNvPr id="6" name="Прямоугольник 5"/>
+          <p:cNvSpPr/>
+          <p:nvPr/>
+        </p:nvSpPr>
+        <p:spPr>
+          <a:xfrm>
+            <a:off x="2118031" y="4133664"/>
+            <a:ext cx="1080120" cy="432048"/>
+          </a:xfrm>
+          <a:prstGeom prst="rect">
+            <a:avLst/>
+          </a:prstGeom>
+        </p:spPr>
+        <p:style>
+          <a:lnRef idx="1">
+            <a:schemeClr val="accent5"/>
+          </a:lnRef>
+          <a:fillRef idx="2">
+            <a:schemeClr val="accent5"/>
+          </a:fillRef>
+          <a:effectRef idx="1">
+            <a:schemeClr val="accent5"/>
+          </a:effectRef>
+          <a:fontRef idx="minor">
+            <a:schemeClr val="dk1"/>
+          </a:fontRef>
+        </p:style>
+        <p:txBody>
+          <a:bodyPr rtlCol="0" anchor="ctr"/>
+          <a:lstStyle/>
+          <a:p>
+            <a:pPr algn="ctr"/>
+            <a:r>
+              <a:rPr lang="ru-RU" dirty="0" smtClean="0"/>
+              <a:t>Снимок</a:t>
+            </a:r>
+            <a:endParaRPr lang="ru-RU" dirty="0"/>
+          </a:p>
+        </p:txBody>
+      </p:sp>
+      <p:sp>
+        <p:nvSpPr>
+          <p:cNvPr id="7" name="Прямоугольник 6"/>
+          <p:cNvSpPr/>
+          <p:nvPr/>
+        </p:nvSpPr>
+        <p:spPr>
+          <a:xfrm>
+            <a:off x="4041173" y="1490145"/>
+            <a:ext cx="1440160" cy="576064"/>
+          </a:xfrm>
+          <a:prstGeom prst="rect">
+            <a:avLst/>
+          </a:prstGeom>
+        </p:spPr>
+        <p:style>
+          <a:lnRef idx="1">
+            <a:schemeClr val="accent5"/>
+          </a:lnRef>
+          <a:fillRef idx="2">
+            <a:schemeClr val="accent5"/>
+          </a:fillRef>
+          <a:effectRef idx="1">
+            <a:schemeClr val="accent5"/>
+          </a:effectRef>
+          <a:fontRef idx="minor">
+            <a:schemeClr val="dk1"/>
+          </a:fontRef>
+        </p:style>
+        <p:txBody>
+          <a:bodyPr rtlCol="0" anchor="ctr"/>
+          <a:lstStyle/>
+          <a:p>
+            <a:pPr algn="ctr"/>
+            <a:r>
+              <a:rPr lang="ru-RU" dirty="0" smtClean="0"/>
+              <a:t>Объект на снимке</a:t>
+            </a:r>
+            <a:endParaRPr lang="ru-RU" dirty="0"/>
+          </a:p>
+        </p:txBody>
+      </p:sp>
+      <p:sp>
+        <p:nvSpPr>
+          <p:cNvPr id="8" name="Прямоугольник 7"/>
+          <p:cNvSpPr/>
+          <p:nvPr/>
+        </p:nvSpPr>
+        <p:spPr>
+          <a:xfrm>
+            <a:off x="5351834" y="3653672"/>
+            <a:ext cx="1080120" cy="576064"/>
+          </a:xfrm>
+          <a:prstGeom prst="rect">
+            <a:avLst/>
+          </a:prstGeom>
+        </p:spPr>
+        <p:style>
+          <a:lnRef idx="1">
+            <a:schemeClr val="accent5"/>
+          </a:lnRef>
+          <a:fillRef idx="2">
+            <a:schemeClr val="accent5"/>
+          </a:fillRef>
+          <a:effectRef idx="1">
+            <a:schemeClr val="accent5"/>
+          </a:effectRef>
+          <a:fontRef idx="minor">
+            <a:schemeClr val="dk1"/>
+          </a:fontRef>
+        </p:style>
+        <p:txBody>
+          <a:bodyPr rtlCol="0" anchor="ctr"/>
+          <a:lstStyle/>
+          <a:p>
+            <a:pPr algn="ctr"/>
+            <a:r>
+              <a:rPr lang="ru-RU" dirty="0" smtClean="0"/>
+              <a:t>Модель Земли</a:t>
+            </a:r>
+            <a:endParaRPr lang="ru-RU" dirty="0"/>
+          </a:p>
+        </p:txBody>
+      </p:sp>
+      <p:sp>
+        <p:nvSpPr>
+          <p:cNvPr id="3" name="Прямоугольник 2"/>
+          <p:cNvSpPr/>
+          <p:nvPr/>
+        </p:nvSpPr>
+        <p:spPr>
+          <a:xfrm>
+            <a:off x="254631" y="2060848"/>
+            <a:ext cx="1368152" cy="457200"/>
+          </a:xfrm>
+          <a:prstGeom prst="rect">
+            <a:avLst/>
+          </a:prstGeom>
+        </p:spPr>
+        <p:style>
+          <a:lnRef idx="2">
+            <a:schemeClr val="dk1"/>
+          </a:lnRef>
+          <a:fillRef idx="1">
+            <a:schemeClr val="lt1"/>
+          </a:fillRef>
+          <a:effectRef idx="0">
+            <a:schemeClr val="dk1"/>
+          </a:effectRef>
+          <a:fontRef idx="minor">
+            <a:schemeClr val="dk1"/>
+          </a:fontRef>
+        </p:style>
+        <p:txBody>
+          <a:bodyPr lIns="0" tIns="0" rIns="0" bIns="0" rtlCol="0" anchor="ctr"/>
+          <a:lstStyle/>
+          <a:p>
+            <a:pPr algn="ctr"/>
+            <a:r>
+              <a:rPr lang="ru-RU" sz="1200" dirty="0"/>
+              <a:t>оптические характеристики</a:t>
+            </a:r>
+          </a:p>
+        </p:txBody>
+      </p:sp>
+      <p:sp>
+        <p:nvSpPr>
+          <p:cNvPr id="9" name="Прямоугольник 8"/>
+          <p:cNvSpPr/>
+          <p:nvPr/>
+        </p:nvSpPr>
+        <p:spPr>
+          <a:xfrm>
+            <a:off x="2048707" y="2060848"/>
+            <a:ext cx="1368152" cy="457200"/>
+          </a:xfrm>
+          <a:prstGeom prst="rect">
+            <a:avLst/>
+          </a:prstGeom>
+        </p:spPr>
+        <p:style>
+          <a:lnRef idx="2">
+            <a:schemeClr val="dk1"/>
+          </a:lnRef>
+          <a:fillRef idx="1">
+            <a:schemeClr val="lt1"/>
+          </a:fillRef>
+          <a:effectRef idx="0">
+            <a:schemeClr val="dk1"/>
+          </a:effectRef>
+          <a:fontRef idx="minor">
+            <a:schemeClr val="dk1"/>
+          </a:fontRef>
+        </p:style>
+        <p:txBody>
+          <a:bodyPr lIns="0" tIns="0" rIns="0" bIns="0" rtlCol="0" anchor="ctr"/>
+          <a:lstStyle/>
+          <a:p>
+            <a:pPr algn="ctr"/>
+            <a:r>
+              <a:rPr lang="ru-RU" sz="1200" dirty="0" smtClean="0"/>
+              <a:t>пространственные характеристики</a:t>
+            </a:r>
+            <a:endParaRPr lang="ru-RU" sz="1200" dirty="0"/>
+          </a:p>
+        </p:txBody>
+      </p:sp>
+      <p:sp>
+        <p:nvSpPr>
+          <p:cNvPr id="10" name="Скругленный прямоугольник 9"/>
+          <p:cNvSpPr/>
+          <p:nvPr/>
+        </p:nvSpPr>
+        <p:spPr>
+          <a:xfrm>
+            <a:off x="200178" y="2746606"/>
+            <a:ext cx="1477058" cy="1474481"/>
+          </a:xfrm>
+          <a:prstGeom prst="roundRect">
+            <a:avLst/>
+          </a:prstGeom>
+        </p:spPr>
+        <p:style>
+          <a:lnRef idx="2">
+            <a:schemeClr val="dk1"/>
+          </a:lnRef>
+          <a:fillRef idx="1">
+            <a:schemeClr val="lt1"/>
+          </a:fillRef>
+          <a:effectRef idx="0">
+            <a:schemeClr val="dk1"/>
+          </a:effectRef>
+          <a:fontRef idx="minor">
+            <a:schemeClr val="dk1"/>
+          </a:fontRef>
+        </p:style>
+        <p:txBody>
+          <a:bodyPr lIns="0" tIns="0" rIns="0" bIns="0" rtlCol="0" anchor="ctr"/>
+          <a:lstStyle/>
+          <a:p>
+            <a:pPr marL="171450" indent="-171450">
+              <a:buFont typeface="Arial" pitchFamily="34" charset="0"/>
+              <a:buChar char="•"/>
+            </a:pPr>
+            <a:r>
+              <a:rPr lang="ru-RU" sz="1200" dirty="0"/>
+              <a:t>эффективное фокусное </a:t>
+            </a:r>
+            <a:r>
+              <a:rPr lang="ru-RU" sz="1200" dirty="0" smtClean="0"/>
+              <a:t>расстояние</a:t>
+            </a:r>
+          </a:p>
+          <a:p>
+            <a:pPr marL="171450" indent="-171450">
+              <a:buFont typeface="Arial" pitchFamily="34" charset="0"/>
+              <a:buChar char="•"/>
+            </a:pPr>
+            <a:r>
+              <a:rPr lang="ru-RU" sz="1200" dirty="0"/>
+              <a:t>горизонтальный угол </a:t>
+            </a:r>
+            <a:r>
+              <a:rPr lang="ru-RU" sz="1200" dirty="0" smtClean="0"/>
+              <a:t>обзора</a:t>
+            </a:r>
+          </a:p>
+          <a:p>
+            <a:pPr marL="171450" indent="-171450">
+              <a:buFont typeface="Arial" pitchFamily="34" charset="0"/>
+              <a:buChar char="•"/>
+            </a:pPr>
+            <a:r>
+              <a:rPr lang="ru-RU" sz="1200" dirty="0"/>
+              <a:t>вертикальный угол </a:t>
+            </a:r>
+            <a:r>
+              <a:rPr lang="ru-RU" sz="1200" dirty="0" smtClean="0"/>
+              <a:t>обзора</a:t>
+            </a:r>
+            <a:endParaRPr lang="ru-RU" sz="1200" dirty="0"/>
+          </a:p>
+          <a:p>
+            <a:pPr algn="ctr"/>
+            <a:r>
+              <a:rPr lang="ru-RU" sz="1200" dirty="0" smtClean="0"/>
+              <a:t> </a:t>
+            </a:r>
+            <a:endParaRPr lang="ru-RU" sz="1200" dirty="0"/>
+          </a:p>
+        </p:txBody>
+      </p:sp>
+      <p:cxnSp>
+        <p:nvCxnSpPr>
+          <p:cNvPr id="15" name="Прямая соединительная линия 14"/>
+          <p:cNvCxnSpPr>
+            <a:stCxn id="5" idx="2"/>
+          </p:cNvCxnSpPr>
+          <p:nvPr/>
+        </p:nvCxnSpPr>
+        <p:spPr>
+          <a:xfrm flipH="1">
+            <a:off x="1622783" y="1833243"/>
+            <a:ext cx="212913" cy="456205"/>
+          </a:xfrm>
+          <a:prstGeom prst="line">
+            <a:avLst/>
+          </a:prstGeom>
+        </p:spPr>
+        <p:style>
+          <a:lnRef idx="1">
+            <a:schemeClr val="dk1"/>
+          </a:lnRef>
+          <a:fillRef idx="0">
+            <a:schemeClr val="dk1"/>
+          </a:fillRef>
+          <a:effectRef idx="0">
+            <a:schemeClr val="dk1"/>
+          </a:effectRef>
+          <a:fontRef idx="minor">
+            <a:schemeClr val="tx1"/>
+          </a:fontRef>
+        </p:style>
+      </p:cxnSp>
+      <p:cxnSp>
+        <p:nvCxnSpPr>
+          <p:cNvPr id="18" name="Прямая соединительная линия 17"/>
+          <p:cNvCxnSpPr>
+            <a:stCxn id="5" idx="2"/>
+            <a:endCxn id="9" idx="1"/>
+          </p:cNvCxnSpPr>
+          <p:nvPr/>
+        </p:nvCxnSpPr>
+        <p:spPr>
+          <a:xfrm>
+            <a:off x="1835696" y="1833243"/>
+            <a:ext cx="213011" cy="456205"/>
+          </a:xfrm>
+          <a:prstGeom prst="line">
+            <a:avLst/>
+          </a:prstGeom>
+        </p:spPr>
+        <p:style>
+          <a:lnRef idx="1">
+            <a:schemeClr val="dk1"/>
+          </a:lnRef>
+          <a:fillRef idx="0">
+            <a:schemeClr val="dk1"/>
+          </a:fillRef>
+          <a:effectRef idx="0">
+            <a:schemeClr val="dk1"/>
+          </a:effectRef>
+          <a:fontRef idx="minor">
+            <a:schemeClr val="tx1"/>
+          </a:fontRef>
+        </p:style>
+      </p:cxnSp>
+      <p:cxnSp>
+        <p:nvCxnSpPr>
+          <p:cNvPr id="21" name="Прямая соединительная линия 20"/>
+          <p:cNvCxnSpPr>
+            <a:stCxn id="3" idx="2"/>
+            <a:endCxn id="10" idx="0"/>
+          </p:cNvCxnSpPr>
+          <p:nvPr/>
+        </p:nvCxnSpPr>
+        <p:spPr>
+          <a:xfrm>
+            <a:off x="938707" y="2518048"/>
+            <a:ext cx="0" cy="228558"/>
+          </a:xfrm>
+          <a:prstGeom prst="line">
+            <a:avLst/>
+          </a:prstGeom>
+        </p:spPr>
+        <p:style>
+          <a:lnRef idx="1">
+            <a:schemeClr val="dk1"/>
+          </a:lnRef>
+          <a:fillRef idx="0">
+            <a:schemeClr val="dk1"/>
+          </a:fillRef>
+          <a:effectRef idx="0">
+            <a:schemeClr val="dk1"/>
+          </a:effectRef>
+          <a:fontRef idx="minor">
+            <a:schemeClr val="tx1"/>
+          </a:fontRef>
+        </p:style>
+      </p:cxnSp>
+      <p:cxnSp>
+        <p:nvCxnSpPr>
+          <p:cNvPr id="39" name="Прямая соединительная линия 38"/>
+          <p:cNvCxnSpPr>
+            <a:stCxn id="9" idx="2"/>
+            <a:endCxn id="66" idx="0"/>
+          </p:cNvCxnSpPr>
+          <p:nvPr/>
+        </p:nvCxnSpPr>
+        <p:spPr>
+          <a:xfrm>
+            <a:off x="2732783" y="2518048"/>
+            <a:ext cx="0" cy="333334"/>
+          </a:xfrm>
+          <a:prstGeom prst="line">
+            <a:avLst/>
+          </a:prstGeom>
+        </p:spPr>
+        <p:style>
+          <a:lnRef idx="1">
+            <a:schemeClr val="dk1"/>
+          </a:lnRef>
+          <a:fillRef idx="0">
+            <a:schemeClr val="dk1"/>
+          </a:fillRef>
+          <a:effectRef idx="0">
+            <a:schemeClr val="dk1"/>
+          </a:effectRef>
+          <a:fontRef idx="minor">
+            <a:schemeClr val="tx1"/>
+          </a:fontRef>
+        </p:style>
+      </p:cxnSp>
+      <p:sp>
+        <p:nvSpPr>
+          <p:cNvPr id="66" name="Скругленный прямоугольник 65"/>
+          <p:cNvSpPr/>
+          <p:nvPr/>
+        </p:nvSpPr>
+        <p:spPr>
+          <a:xfrm>
+            <a:off x="1994254" y="2851382"/>
+            <a:ext cx="1477058" cy="917468"/>
+          </a:xfrm>
+          <a:prstGeom prst="roundRect">
+            <a:avLst/>
+          </a:prstGeom>
+        </p:spPr>
+        <p:style>
+          <a:lnRef idx="2">
+            <a:schemeClr val="dk1"/>
+          </a:lnRef>
+          <a:fillRef idx="1">
+            <a:schemeClr val="lt1"/>
+          </a:fillRef>
+          <a:effectRef idx="0">
+            <a:schemeClr val="dk1"/>
+          </a:effectRef>
+          <a:fontRef idx="minor">
+            <a:schemeClr val="dk1"/>
+          </a:fontRef>
+        </p:style>
+        <p:txBody>
+          <a:bodyPr lIns="0" tIns="0" rIns="0" bIns="0" rtlCol="0" anchor="ctr"/>
+          <a:lstStyle/>
+          <a:p>
+            <a:pPr marL="171450" indent="-171450">
+              <a:buFont typeface="Arial" pitchFamily="34" charset="0"/>
+              <a:buChar char="•"/>
+            </a:pPr>
+            <a:r>
+              <a:rPr lang="ru-RU" sz="1200" dirty="0"/>
+              <a:t>высота над уровнем </a:t>
+            </a:r>
+            <a:r>
+              <a:rPr lang="ru-RU" sz="1200" dirty="0" smtClean="0"/>
+              <a:t>моря</a:t>
+            </a:r>
+          </a:p>
+          <a:p>
+            <a:pPr marL="171450" indent="-171450">
+              <a:buFont typeface="Arial" pitchFamily="34" charset="0"/>
+              <a:buChar char="•"/>
+            </a:pPr>
+            <a:r>
+              <a:rPr lang="ru-RU" sz="1200" dirty="0" smtClean="0"/>
+              <a:t>широта</a:t>
+            </a:r>
+          </a:p>
+          <a:p>
+            <a:pPr marL="171450" indent="-171450">
+              <a:buFont typeface="Arial" pitchFamily="34" charset="0"/>
+              <a:buChar char="•"/>
+            </a:pPr>
+            <a:r>
+              <a:rPr lang="ru-RU" sz="1200" dirty="0" smtClean="0"/>
+              <a:t>долгота</a:t>
+            </a:r>
+          </a:p>
+          <a:p>
+            <a:pPr marL="171450" indent="-171450">
+              <a:buFont typeface="Arial" pitchFamily="34" charset="0"/>
+              <a:buChar char="•"/>
+            </a:pPr>
+            <a:r>
+              <a:rPr lang="en-US" sz="1200" dirty="0" err="1"/>
+              <a:t>gps</a:t>
+            </a:r>
+            <a:r>
+              <a:rPr lang="en-US" sz="1200" dirty="0"/>
+              <a:t>-</a:t>
+            </a:r>
+            <a:r>
+              <a:rPr lang="ru-RU" sz="1200" dirty="0" smtClean="0"/>
+              <a:t>координаты </a:t>
+            </a:r>
+            <a:endParaRPr lang="ru-RU" sz="1200" dirty="0"/>
+          </a:p>
+        </p:txBody>
+      </p:sp>
+      <p:sp>
+        <p:nvSpPr>
+          <p:cNvPr id="72" name="Прямоугольник 71"/>
+          <p:cNvSpPr/>
+          <p:nvPr/>
+        </p:nvSpPr>
+        <p:spPr>
+          <a:xfrm>
+            <a:off x="1384307" y="4872684"/>
+            <a:ext cx="946144" cy="356516"/>
+          </a:xfrm>
+          <a:prstGeom prst="rect">
+            <a:avLst/>
+          </a:prstGeom>
+        </p:spPr>
+        <p:style>
+          <a:lnRef idx="2">
+            <a:schemeClr val="dk1"/>
+          </a:lnRef>
+          <a:fillRef idx="1">
+            <a:schemeClr val="lt1"/>
+          </a:fillRef>
+          <a:effectRef idx="0">
+            <a:schemeClr val="dk1"/>
+          </a:effectRef>
+          <a:fontRef idx="minor">
+            <a:schemeClr val="dk1"/>
+          </a:fontRef>
+        </p:style>
+        <p:txBody>
+          <a:bodyPr lIns="0" tIns="0" rIns="0" bIns="0" rtlCol="0" anchor="ctr"/>
+          <a:lstStyle/>
+          <a:p>
+            <a:pPr algn="ctr"/>
+            <a:r>
+              <a:rPr lang="ru-RU" sz="1200" dirty="0"/>
+              <a:t>пиксельные размеры</a:t>
+            </a:r>
+          </a:p>
+        </p:txBody>
+      </p:sp>
+      <p:sp>
+        <p:nvSpPr>
+          <p:cNvPr id="76" name="Прямоугольник 75"/>
+          <p:cNvSpPr/>
+          <p:nvPr/>
+        </p:nvSpPr>
+        <p:spPr>
+          <a:xfrm>
+            <a:off x="200178" y="4511303"/>
+            <a:ext cx="1368152" cy="235099"/>
+          </a:xfrm>
+          <a:prstGeom prst="rect">
+            <a:avLst/>
+          </a:prstGeom>
+        </p:spPr>
+        <p:style>
+          <a:lnRef idx="2">
+            <a:schemeClr val="dk1"/>
+          </a:lnRef>
+          <a:fillRef idx="1">
+            <a:schemeClr val="lt1"/>
+          </a:fillRef>
+          <a:effectRef idx="0">
+            <a:schemeClr val="dk1"/>
+          </a:effectRef>
+          <a:fontRef idx="minor">
+            <a:schemeClr val="dk1"/>
+          </a:fontRef>
+        </p:style>
+        <p:txBody>
+          <a:bodyPr lIns="0" tIns="0" rIns="0" bIns="0" rtlCol="0" anchor="ctr"/>
+          <a:lstStyle/>
+          <a:p>
+            <a:pPr algn="ctr"/>
+            <a:r>
+              <a:rPr lang="ru-RU" sz="1200" dirty="0"/>
+              <a:t>время создания</a:t>
+            </a:r>
+          </a:p>
+        </p:txBody>
+      </p:sp>
+      <p:sp>
+        <p:nvSpPr>
+          <p:cNvPr id="78" name="Скругленный прямоугольник 77"/>
+          <p:cNvSpPr/>
+          <p:nvPr/>
+        </p:nvSpPr>
+        <p:spPr>
+          <a:xfrm>
+            <a:off x="2483768" y="4746402"/>
+            <a:ext cx="2016224" cy="1605405"/>
+          </a:xfrm>
+          <a:prstGeom prst="roundRect">
+            <a:avLst/>
+          </a:prstGeom>
+        </p:spPr>
+        <p:style>
+          <a:lnRef idx="2">
+            <a:schemeClr val="dk1"/>
+          </a:lnRef>
+          <a:fillRef idx="1">
+            <a:schemeClr val="lt1"/>
+          </a:fillRef>
+          <a:effectRef idx="0">
+            <a:schemeClr val="dk1"/>
+          </a:effectRef>
+          <a:fontRef idx="minor">
+            <a:schemeClr val="dk1"/>
+          </a:fontRef>
+        </p:style>
+        <p:txBody>
+          <a:bodyPr lIns="0" tIns="0" rIns="0" bIns="0" rtlCol="0" anchor="ctr"/>
+          <a:lstStyle/>
+          <a:p>
+            <a:pPr marL="171450" indent="-171450">
+              <a:buFont typeface="Arial" pitchFamily="34" charset="0"/>
+              <a:buChar char="•"/>
+            </a:pPr>
+            <a:r>
+              <a:rPr lang="ru-RU" sz="1200" dirty="0"/>
+              <a:t>наклон </a:t>
+            </a:r>
+            <a:endParaRPr lang="ru-RU" sz="1200" dirty="0" smtClean="0"/>
+          </a:p>
+          <a:p>
+            <a:pPr marL="171450" indent="-171450">
+              <a:buFont typeface="Arial" pitchFamily="34" charset="0"/>
+              <a:buChar char="•"/>
+            </a:pPr>
+            <a:r>
+              <a:rPr lang="ru-RU" sz="1200" dirty="0"/>
+              <a:t>азимут </a:t>
+            </a:r>
+            <a:endParaRPr lang="ru-RU" sz="1200" dirty="0" smtClean="0"/>
+          </a:p>
+          <a:p>
+            <a:pPr marL="171450" indent="-171450">
+              <a:buFont typeface="Arial" pitchFamily="34" charset="0"/>
+              <a:buChar char="•"/>
+            </a:pPr>
+            <a:r>
+              <a:rPr lang="ru-RU" sz="1200" dirty="0"/>
+              <a:t>крен </a:t>
+            </a:r>
+            <a:endParaRPr lang="ru-RU" sz="1200" dirty="0" smtClean="0"/>
+          </a:p>
+          <a:p>
+            <a:pPr marL="171450" indent="-171450">
+              <a:buFont typeface="Arial" pitchFamily="34" charset="0"/>
+              <a:buChar char="•"/>
+            </a:pPr>
+            <a:r>
+              <a:rPr lang="ru-RU" sz="1200" dirty="0"/>
+              <a:t>объект </a:t>
+            </a:r>
+            <a:r>
+              <a:rPr lang="ru-RU" sz="1200" dirty="0" smtClean="0"/>
+              <a:t>снимка</a:t>
+            </a:r>
+          </a:p>
+          <a:p>
+            <a:pPr marL="171450" indent="-171450">
+              <a:buFont typeface="Arial" pitchFamily="34" charset="0"/>
+              <a:buChar char="•"/>
+            </a:pPr>
+            <a:r>
+              <a:rPr lang="ru-RU" sz="1200" dirty="0"/>
+              <a:t>ортогональная проекция </a:t>
+            </a:r>
+            <a:endParaRPr lang="ru-RU" sz="1200" dirty="0" smtClean="0"/>
+          </a:p>
+          <a:p>
+            <a:pPr marL="171450" indent="-171450">
+              <a:buFont typeface="Arial" pitchFamily="34" charset="0"/>
+              <a:buChar char="•"/>
+            </a:pPr>
+            <a:r>
+              <a:rPr lang="ru-RU" sz="1200" dirty="0"/>
+              <a:t>направляющие </a:t>
+            </a:r>
+            <a:r>
+              <a:rPr lang="ru-RU" sz="1200" dirty="0" smtClean="0"/>
+              <a:t>косинусы</a:t>
+            </a:r>
+          </a:p>
+          <a:p>
+            <a:pPr marL="171450" indent="-171450">
+              <a:buFont typeface="Arial" pitchFamily="34" charset="0"/>
+              <a:buChar char="•"/>
+            </a:pPr>
+            <a:r>
+              <a:rPr lang="ru-RU" sz="1200" dirty="0"/>
+              <a:t>коэффициенты </a:t>
+            </a:r>
+            <a:r>
+              <a:rPr lang="ru-RU" sz="1200" dirty="0" err="1" smtClean="0"/>
+              <a:t>плп</a:t>
+            </a:r>
+            <a:endParaRPr lang="ru-RU" sz="1200" dirty="0"/>
+          </a:p>
+        </p:txBody>
+      </p:sp>
+      <p:sp>
+        <p:nvSpPr>
+          <p:cNvPr id="82" name="Скругленный прямоугольник 81"/>
+          <p:cNvSpPr/>
+          <p:nvPr/>
+        </p:nvSpPr>
+        <p:spPr>
+          <a:xfrm>
+            <a:off x="1340447" y="5718363"/>
+            <a:ext cx="777584" cy="544452"/>
+          </a:xfrm>
+          <a:prstGeom prst="roundRect">
+            <a:avLst/>
+          </a:prstGeom>
+        </p:spPr>
+        <p:style>
+          <a:lnRef idx="2">
+            <a:schemeClr val="dk1"/>
+          </a:lnRef>
+          <a:fillRef idx="1">
+            <a:schemeClr val="lt1"/>
+          </a:fillRef>
+          <a:effectRef idx="0">
+            <a:schemeClr val="dk1"/>
+          </a:effectRef>
+          <a:fontRef idx="minor">
+            <a:schemeClr val="dk1"/>
+          </a:fontRef>
+        </p:style>
+        <p:txBody>
+          <a:bodyPr lIns="0" tIns="0" rIns="0" bIns="0" rtlCol="0" anchor="ctr"/>
+          <a:lstStyle/>
+          <a:p>
+            <a:pPr marL="171450" indent="-171450">
+              <a:buFont typeface="Arial" pitchFamily="34" charset="0"/>
+              <a:buChar char="•"/>
+            </a:pPr>
+            <a:r>
+              <a:rPr lang="ru-RU" sz="1200" dirty="0" smtClean="0"/>
+              <a:t>ширина</a:t>
+            </a:r>
+          </a:p>
+          <a:p>
+            <a:pPr marL="171450" indent="-171450">
+              <a:buFont typeface="Arial" pitchFamily="34" charset="0"/>
+              <a:buChar char="•"/>
+            </a:pPr>
+            <a:r>
+              <a:rPr lang="ru-RU" sz="1200" dirty="0" smtClean="0"/>
+              <a:t>высота</a:t>
+            </a:r>
+            <a:endParaRPr lang="ru-RU" sz="1200" dirty="0"/>
+          </a:p>
+        </p:txBody>
+      </p:sp>
+      <p:cxnSp>
+        <p:nvCxnSpPr>
+          <p:cNvPr id="83" name="Прямая соединительная линия 82"/>
+          <p:cNvCxnSpPr>
+            <a:stCxn id="72" idx="2"/>
+            <a:endCxn id="82" idx="0"/>
+          </p:cNvCxnSpPr>
+          <p:nvPr/>
+        </p:nvCxnSpPr>
+        <p:spPr>
+          <a:xfrm flipH="1">
+            <a:off x="1729239" y="5229200"/>
+            <a:ext cx="128140" cy="489163"/>
+          </a:xfrm>
+          <a:prstGeom prst="line">
+            <a:avLst/>
+          </a:prstGeom>
+        </p:spPr>
+        <p:style>
+          <a:lnRef idx="1">
+            <a:schemeClr val="dk1"/>
+          </a:lnRef>
+          <a:fillRef idx="0">
+            <a:schemeClr val="dk1"/>
+          </a:fillRef>
+          <a:effectRef idx="0">
+            <a:schemeClr val="dk1"/>
+          </a:effectRef>
+          <a:fontRef idx="minor">
+            <a:schemeClr val="tx1"/>
+          </a:fontRef>
+        </p:style>
+      </p:cxnSp>
+      <p:cxnSp>
+        <p:nvCxnSpPr>
+          <p:cNvPr id="86" name="Прямая соединительная линия 85"/>
+          <p:cNvCxnSpPr>
+            <a:stCxn id="6" idx="1"/>
+            <a:endCxn id="76" idx="0"/>
+          </p:cNvCxnSpPr>
+          <p:nvPr/>
+        </p:nvCxnSpPr>
+        <p:spPr>
+          <a:xfrm flipH="1">
+            <a:off x="884254" y="4349688"/>
+            <a:ext cx="1233777" cy="161615"/>
+          </a:xfrm>
+          <a:prstGeom prst="line">
+            <a:avLst/>
+          </a:prstGeom>
+        </p:spPr>
+        <p:style>
+          <a:lnRef idx="1">
+            <a:schemeClr val="dk1"/>
+          </a:lnRef>
+          <a:fillRef idx="0">
+            <a:schemeClr val="dk1"/>
+          </a:fillRef>
+          <a:effectRef idx="0">
+            <a:schemeClr val="dk1"/>
+          </a:effectRef>
+          <a:fontRef idx="minor">
+            <a:schemeClr val="tx1"/>
+          </a:fontRef>
+        </p:style>
+      </p:cxnSp>
+      <p:sp>
+        <p:nvSpPr>
+          <p:cNvPr id="91" name="Скругленный прямоугольник 90"/>
+          <p:cNvSpPr/>
+          <p:nvPr/>
+        </p:nvSpPr>
+        <p:spPr>
+          <a:xfrm>
+            <a:off x="254631" y="5013175"/>
+            <a:ext cx="777584" cy="1249640"/>
+          </a:xfrm>
+          <a:prstGeom prst="roundRect">
+            <a:avLst/>
+          </a:prstGeom>
+        </p:spPr>
+        <p:style>
+          <a:lnRef idx="2">
+            <a:schemeClr val="dk1"/>
+          </a:lnRef>
+          <a:fillRef idx="1">
+            <a:schemeClr val="lt1"/>
+          </a:fillRef>
+          <a:effectRef idx="0">
+            <a:schemeClr val="dk1"/>
+          </a:effectRef>
+          <a:fontRef idx="minor">
+            <a:schemeClr val="dk1"/>
+          </a:fontRef>
+        </p:style>
+        <p:txBody>
+          <a:bodyPr lIns="0" tIns="0" rIns="0" bIns="0" rtlCol="0" anchor="ctr"/>
+          <a:lstStyle/>
+          <a:p>
+            <a:pPr marL="171450" indent="-171450">
+              <a:buFont typeface="Arial" pitchFamily="34" charset="0"/>
+              <a:buChar char="•"/>
+            </a:pPr>
+            <a:r>
+              <a:rPr lang="ru-RU" sz="1200" dirty="0" smtClean="0"/>
+              <a:t>год</a:t>
+            </a:r>
+          </a:p>
+          <a:p>
+            <a:pPr marL="171450" indent="-171450">
+              <a:buFont typeface="Arial" pitchFamily="34" charset="0"/>
+              <a:buChar char="•"/>
+            </a:pPr>
+            <a:r>
+              <a:rPr lang="ru-RU" sz="1200" dirty="0" smtClean="0"/>
+              <a:t>месяц</a:t>
+            </a:r>
+          </a:p>
+          <a:p>
+            <a:pPr marL="171450" indent="-171450">
+              <a:buFont typeface="Arial" pitchFamily="34" charset="0"/>
+              <a:buChar char="•"/>
+            </a:pPr>
+            <a:r>
+              <a:rPr lang="ru-RU" sz="1200" dirty="0" smtClean="0"/>
+              <a:t>день</a:t>
+            </a:r>
+          </a:p>
+          <a:p>
+            <a:pPr marL="171450" indent="-171450">
+              <a:buFont typeface="Arial" pitchFamily="34" charset="0"/>
+              <a:buChar char="•"/>
+            </a:pPr>
+            <a:r>
+              <a:rPr lang="ru-RU" sz="1200" dirty="0" smtClean="0"/>
+              <a:t>час</a:t>
+            </a:r>
+          </a:p>
+          <a:p>
+            <a:pPr marL="171450" indent="-171450">
+              <a:buFont typeface="Arial" pitchFamily="34" charset="0"/>
+              <a:buChar char="•"/>
+            </a:pPr>
+            <a:r>
+              <a:rPr lang="ru-RU" sz="1200" dirty="0" smtClean="0"/>
+              <a:t>минута</a:t>
+            </a:r>
+          </a:p>
+          <a:p>
+            <a:pPr marL="171450" indent="-171450">
+              <a:buFont typeface="Arial" pitchFamily="34" charset="0"/>
+              <a:buChar char="•"/>
+            </a:pPr>
+            <a:r>
+              <a:rPr lang="ru-RU" sz="1200" dirty="0" smtClean="0"/>
+              <a:t>секунда</a:t>
+            </a:r>
+            <a:endParaRPr lang="ru-RU" sz="1200" dirty="0"/>
+          </a:p>
+        </p:txBody>
+      </p:sp>
+      <p:cxnSp>
+        <p:nvCxnSpPr>
+          <p:cNvPr id="92" name="Прямая соединительная линия 91"/>
+          <p:cNvCxnSpPr>
+            <a:stCxn id="6" idx="2"/>
+            <a:endCxn id="72" idx="0"/>
+          </p:cNvCxnSpPr>
+          <p:nvPr/>
+        </p:nvCxnSpPr>
+        <p:spPr>
+          <a:xfrm flipH="1">
+            <a:off x="1857379" y="4565712"/>
+            <a:ext cx="800712" cy="306972"/>
+          </a:xfrm>
+          <a:prstGeom prst="line">
+            <a:avLst/>
+          </a:prstGeom>
+        </p:spPr>
+        <p:style>
+          <a:lnRef idx="1">
+            <a:schemeClr val="dk1"/>
+          </a:lnRef>
+          <a:fillRef idx="0">
+            <a:schemeClr val="dk1"/>
+          </a:fillRef>
+          <a:effectRef idx="0">
+            <a:schemeClr val="dk1"/>
+          </a:effectRef>
+          <a:fontRef idx="minor">
+            <a:schemeClr val="tx1"/>
+          </a:fontRef>
+        </p:style>
+      </p:cxnSp>
+      <p:cxnSp>
+        <p:nvCxnSpPr>
+          <p:cNvPr id="93" name="Прямая соединительная линия 92"/>
+          <p:cNvCxnSpPr>
+            <a:stCxn id="76" idx="2"/>
+            <a:endCxn id="91" idx="0"/>
+          </p:cNvCxnSpPr>
+          <p:nvPr/>
+        </p:nvCxnSpPr>
+        <p:spPr>
+          <a:xfrm flipH="1">
+            <a:off x="643423" y="4746402"/>
+            <a:ext cx="240831" cy="266773"/>
+          </a:xfrm>
+          <a:prstGeom prst="line">
+            <a:avLst/>
+          </a:prstGeom>
+        </p:spPr>
+        <p:style>
+          <a:lnRef idx="1">
+            <a:schemeClr val="dk1"/>
+          </a:lnRef>
+          <a:fillRef idx="0">
+            <a:schemeClr val="dk1"/>
+          </a:fillRef>
+          <a:effectRef idx="0">
+            <a:schemeClr val="dk1"/>
+          </a:effectRef>
+          <a:fontRef idx="minor">
+            <a:schemeClr val="tx1"/>
+          </a:fontRef>
+        </p:style>
+      </p:cxnSp>
+      <p:cxnSp>
+        <p:nvCxnSpPr>
+          <p:cNvPr id="113" name="Прямая соединительная линия 112"/>
+          <p:cNvCxnSpPr>
+            <a:stCxn id="6" idx="3"/>
+            <a:endCxn id="78" idx="0"/>
+          </p:cNvCxnSpPr>
+          <p:nvPr/>
+        </p:nvCxnSpPr>
+        <p:spPr>
+          <a:xfrm>
+            <a:off x="3198151" y="4349688"/>
+            <a:ext cx="293729" cy="396714"/>
+          </a:xfrm>
+          <a:prstGeom prst="line">
+            <a:avLst/>
+          </a:prstGeom>
+        </p:spPr>
+        <p:style>
+          <a:lnRef idx="1">
+            <a:schemeClr val="dk1"/>
+          </a:lnRef>
+          <a:fillRef idx="0">
+            <a:schemeClr val="dk1"/>
+          </a:fillRef>
+          <a:effectRef idx="0">
+            <a:schemeClr val="dk1"/>
+          </a:effectRef>
+          <a:fontRef idx="minor">
+            <a:schemeClr val="tx1"/>
+          </a:fontRef>
+        </p:style>
+      </p:cxnSp>
+      <p:sp>
+        <p:nvSpPr>
+          <p:cNvPr id="125" name="Прямоугольник 124"/>
+          <p:cNvSpPr/>
+          <p:nvPr/>
+        </p:nvSpPr>
+        <p:spPr>
+          <a:xfrm>
+            <a:off x="4139952" y="2334152"/>
+            <a:ext cx="864096" cy="358648"/>
+          </a:xfrm>
+          <a:prstGeom prst="rect">
+            <a:avLst/>
+          </a:prstGeom>
+        </p:spPr>
+        <p:style>
+          <a:lnRef idx="2">
+            <a:schemeClr val="dk1"/>
+          </a:lnRef>
+          <a:fillRef idx="1">
+            <a:schemeClr val="lt1"/>
+          </a:fillRef>
+          <a:effectRef idx="0">
+            <a:schemeClr val="dk1"/>
+          </a:effectRef>
+          <a:fontRef idx="minor">
+            <a:schemeClr val="dk1"/>
+          </a:fontRef>
+        </p:style>
+        <p:txBody>
+          <a:bodyPr lIns="0" tIns="0" rIns="0" bIns="0" rtlCol="0" anchor="ctr"/>
+          <a:lstStyle/>
+          <a:p>
+            <a:pPr algn="ctr"/>
+            <a:r>
+              <a:rPr lang="ru-RU" sz="1200" dirty="0"/>
+              <a:t>размеры</a:t>
+            </a:r>
+          </a:p>
+        </p:txBody>
+      </p:sp>
+      <p:sp>
+        <p:nvSpPr>
+          <p:cNvPr id="127" name="Скругленный прямоугольник 126"/>
+          <p:cNvSpPr/>
+          <p:nvPr/>
+        </p:nvSpPr>
+        <p:spPr>
+          <a:xfrm>
+            <a:off x="4101206" y="3142649"/>
+            <a:ext cx="882545" cy="682394"/>
+          </a:xfrm>
+          <a:prstGeom prst="roundRect">
+            <a:avLst/>
+          </a:prstGeom>
+        </p:spPr>
+        <p:style>
+          <a:lnRef idx="2">
+            <a:schemeClr val="dk1"/>
+          </a:lnRef>
+          <a:fillRef idx="1">
+            <a:schemeClr val="lt1"/>
+          </a:fillRef>
+          <a:effectRef idx="0">
+            <a:schemeClr val="dk1"/>
+          </a:effectRef>
+          <a:fontRef idx="minor">
+            <a:schemeClr val="dk1"/>
+          </a:fontRef>
+        </p:style>
+        <p:txBody>
+          <a:bodyPr lIns="0" tIns="0" rIns="0" bIns="0" rtlCol="0" anchor="ctr"/>
+          <a:lstStyle/>
+          <a:p>
+            <a:pPr marL="171450" indent="-171450">
+              <a:buFont typeface="Arial" pitchFamily="34" charset="0"/>
+              <a:buChar char="•"/>
+            </a:pPr>
+            <a:r>
+              <a:rPr lang="ru-RU" sz="1200" dirty="0" smtClean="0"/>
+              <a:t>длина</a:t>
+            </a:r>
+          </a:p>
+          <a:p>
+            <a:pPr marL="171450" indent="-171450">
+              <a:buFont typeface="Arial" pitchFamily="34" charset="0"/>
+              <a:buChar char="•"/>
+            </a:pPr>
+            <a:r>
+              <a:rPr lang="ru-RU" sz="1200" dirty="0" smtClean="0"/>
+              <a:t>высота</a:t>
+            </a:r>
+          </a:p>
+          <a:p>
+            <a:pPr marL="171450" indent="-171450">
+              <a:buFont typeface="Arial" pitchFamily="34" charset="0"/>
+              <a:buChar char="•"/>
+            </a:pPr>
+            <a:r>
+              <a:rPr lang="ru-RU" sz="1200" dirty="0" smtClean="0"/>
+              <a:t>ширина</a:t>
+            </a:r>
+            <a:endParaRPr lang="ru-RU" sz="1200" dirty="0"/>
+          </a:p>
+        </p:txBody>
+      </p:sp>
+      <p:cxnSp>
+        <p:nvCxnSpPr>
+          <p:cNvPr id="128" name="Прямая соединительная линия 127"/>
+          <p:cNvCxnSpPr>
+            <a:stCxn id="158" idx="1"/>
+            <a:endCxn id="8" idx="3"/>
+          </p:cNvCxnSpPr>
+          <p:nvPr/>
+        </p:nvCxnSpPr>
+        <p:spPr>
+          <a:xfrm flipH="1" flipV="1">
+            <a:off x="6431954" y="3941704"/>
+            <a:ext cx="588318" cy="81415"/>
+          </a:xfrm>
+          <a:prstGeom prst="line">
+            <a:avLst/>
+          </a:prstGeom>
+        </p:spPr>
+        <p:style>
+          <a:lnRef idx="1">
+            <a:schemeClr val="dk1"/>
+          </a:lnRef>
+          <a:fillRef idx="0">
+            <a:schemeClr val="dk1"/>
+          </a:fillRef>
+          <a:effectRef idx="0">
+            <a:schemeClr val="dk1"/>
+          </a:effectRef>
+          <a:fontRef idx="minor">
+            <a:schemeClr val="tx1"/>
+          </a:fontRef>
+        </p:style>
+      </p:cxnSp>
+      <p:cxnSp>
+        <p:nvCxnSpPr>
+          <p:cNvPr id="131" name="Прямая соединительная линия 130"/>
+          <p:cNvCxnSpPr>
+            <a:stCxn id="7" idx="2"/>
+            <a:endCxn id="125" idx="0"/>
+          </p:cNvCxnSpPr>
+          <p:nvPr/>
+        </p:nvCxnSpPr>
+        <p:spPr>
+          <a:xfrm flipH="1">
+            <a:off x="4572000" y="2066209"/>
+            <a:ext cx="189253" cy="267943"/>
+          </a:xfrm>
+          <a:prstGeom prst="line">
+            <a:avLst/>
+          </a:prstGeom>
+        </p:spPr>
+        <p:style>
+          <a:lnRef idx="1">
+            <a:schemeClr val="dk1"/>
+          </a:lnRef>
+          <a:fillRef idx="0">
+            <a:schemeClr val="dk1"/>
+          </a:fillRef>
+          <a:effectRef idx="0">
+            <a:schemeClr val="dk1"/>
+          </a:effectRef>
+          <a:fontRef idx="minor">
+            <a:schemeClr val="tx1"/>
+          </a:fontRef>
+        </p:style>
+      </p:cxnSp>
+      <p:sp>
+        <p:nvSpPr>
+          <p:cNvPr id="146" name="Скругленный прямоугольник 145"/>
+          <p:cNvSpPr/>
+          <p:nvPr/>
+        </p:nvSpPr>
+        <p:spPr>
+          <a:xfrm>
+            <a:off x="6728581" y="1488409"/>
+            <a:ext cx="2016224" cy="1715616"/>
+          </a:xfrm>
+          <a:prstGeom prst="roundRect">
+            <a:avLst/>
+          </a:prstGeom>
+        </p:spPr>
+        <p:style>
+          <a:lnRef idx="2">
+            <a:schemeClr val="dk1"/>
+          </a:lnRef>
+          <a:fillRef idx="1">
+            <a:schemeClr val="lt1"/>
+          </a:fillRef>
+          <a:effectRef idx="0">
+            <a:schemeClr val="dk1"/>
+          </a:effectRef>
+          <a:fontRef idx="minor">
+            <a:schemeClr val="dk1"/>
+          </a:fontRef>
+        </p:style>
+        <p:txBody>
+          <a:bodyPr lIns="0" tIns="0" rIns="0" bIns="0" rtlCol="0" anchor="ctr"/>
+          <a:lstStyle/>
+          <a:p>
+            <a:pPr marL="171450" indent="-171450">
+              <a:buFont typeface="Arial" pitchFamily="34" charset="0"/>
+              <a:buChar char="•"/>
+            </a:pPr>
+            <a:r>
+              <a:rPr lang="ru-RU" sz="1200" dirty="0"/>
+              <a:t>расстояние до </a:t>
+            </a:r>
+            <a:r>
+              <a:rPr lang="ru-RU" sz="1200" dirty="0" smtClean="0"/>
+              <a:t>камеры</a:t>
+            </a:r>
+          </a:p>
+          <a:p>
+            <a:pPr marL="171450" indent="-171450">
+              <a:buFont typeface="Arial" pitchFamily="34" charset="0"/>
+              <a:buChar char="•"/>
+            </a:pPr>
+            <a:r>
+              <a:rPr lang="ru-RU" sz="1200" dirty="0"/>
+              <a:t>расстояние до объекта по </a:t>
+            </a:r>
+            <a:r>
+              <a:rPr lang="ru-RU" sz="1200" dirty="0" smtClean="0"/>
+              <a:t>горизонтали</a:t>
+            </a:r>
+          </a:p>
+          <a:p>
+            <a:pPr marL="171450" indent="-171450">
+              <a:buFont typeface="Arial" pitchFamily="34" charset="0"/>
+              <a:buChar char="•"/>
+            </a:pPr>
+            <a:r>
+              <a:rPr lang="ru-RU" sz="1200" dirty="0"/>
+              <a:t>расстояние до объекта по </a:t>
+            </a:r>
+            <a:r>
+              <a:rPr lang="ru-RU" sz="1200" dirty="0" smtClean="0"/>
+              <a:t>длине</a:t>
+            </a:r>
+          </a:p>
+          <a:p>
+            <a:pPr marL="171450" indent="-171450">
+              <a:buFont typeface="Arial" pitchFamily="34" charset="0"/>
+              <a:buChar char="•"/>
+            </a:pPr>
+            <a:r>
+              <a:rPr lang="en-US" sz="1200" dirty="0" err="1"/>
+              <a:t>gps</a:t>
+            </a:r>
+            <a:r>
+              <a:rPr lang="ru-RU" sz="1200" dirty="0" smtClean="0"/>
+              <a:t>-координаты</a:t>
+            </a:r>
+          </a:p>
+          <a:p>
+            <a:pPr marL="171450" indent="-171450">
+              <a:buFont typeface="Arial" pitchFamily="34" charset="0"/>
+              <a:buChar char="•"/>
+            </a:pPr>
+            <a:r>
+              <a:rPr lang="ru-RU" sz="1200" dirty="0"/>
+              <a:t>скорость на </a:t>
+            </a:r>
+            <a:r>
+              <a:rPr lang="ru-RU" sz="1200" dirty="0" smtClean="0"/>
+              <a:t>снимке</a:t>
+            </a:r>
+            <a:endParaRPr lang="ru-RU" sz="1200" dirty="0"/>
+          </a:p>
+          <a:p>
+            <a:pPr marL="171450" indent="-171450">
+              <a:buFont typeface="Arial" pitchFamily="34" charset="0"/>
+              <a:buChar char="•"/>
+            </a:pPr>
+            <a:r>
+              <a:rPr lang="ru-RU" sz="1200" dirty="0" smtClean="0"/>
+              <a:t>траектория</a:t>
+            </a:r>
+          </a:p>
+          <a:p>
+            <a:pPr marL="171450" indent="-171450">
+              <a:buFont typeface="Arial" pitchFamily="34" charset="0"/>
+              <a:buChar char="•"/>
+            </a:pPr>
+            <a:r>
+              <a:rPr lang="ru-RU" sz="1200" dirty="0"/>
+              <a:t>пиксельные координаты</a:t>
+            </a:r>
+            <a:endParaRPr lang="ru-RU" sz="1200" dirty="0" smtClean="0"/>
+          </a:p>
+        </p:txBody>
+      </p:sp>
+      <p:cxnSp>
+        <p:nvCxnSpPr>
+          <p:cNvPr id="152" name="Прямая соединительная линия 151"/>
+          <p:cNvCxnSpPr>
+            <a:stCxn id="7" idx="3"/>
+            <a:endCxn id="146" idx="1"/>
+          </p:cNvCxnSpPr>
+          <p:nvPr/>
+        </p:nvCxnSpPr>
+        <p:spPr>
+          <a:xfrm>
+            <a:off x="5481333" y="1778177"/>
+            <a:ext cx="1247248" cy="568040"/>
+          </a:xfrm>
+          <a:prstGeom prst="line">
+            <a:avLst/>
+          </a:prstGeom>
+        </p:spPr>
+        <p:style>
+          <a:lnRef idx="1">
+            <a:schemeClr val="dk1"/>
+          </a:lnRef>
+          <a:fillRef idx="0">
+            <a:schemeClr val="dk1"/>
+          </a:fillRef>
+          <a:effectRef idx="0">
+            <a:schemeClr val="dk1"/>
+          </a:effectRef>
+          <a:fontRef idx="minor">
+            <a:schemeClr val="tx1"/>
+          </a:fontRef>
+        </p:style>
+      </p:cxnSp>
+      <p:sp>
+        <p:nvSpPr>
+          <p:cNvPr id="157" name="Скругленный прямоугольник 156"/>
+          <p:cNvSpPr/>
+          <p:nvPr/>
+        </p:nvSpPr>
+        <p:spPr>
+          <a:xfrm>
+            <a:off x="4761253" y="4697499"/>
+            <a:ext cx="2619060" cy="1971861"/>
+          </a:xfrm>
+          <a:prstGeom prst="roundRect">
+            <a:avLst/>
+          </a:prstGeom>
+        </p:spPr>
+        <p:style>
+          <a:lnRef idx="2">
+            <a:schemeClr val="dk1"/>
+          </a:lnRef>
+          <a:fillRef idx="1">
+            <a:schemeClr val="lt1"/>
+          </a:fillRef>
+          <a:effectRef idx="0">
+            <a:schemeClr val="dk1"/>
+          </a:effectRef>
+          <a:fontRef idx="minor">
+            <a:schemeClr val="dk1"/>
+          </a:fontRef>
+        </p:style>
+        <p:txBody>
+          <a:bodyPr lIns="0" tIns="0" rIns="0" bIns="0" rtlCol="0" anchor="ctr"/>
+          <a:lstStyle/>
+          <a:p>
+            <a:pPr marL="171450" indent="-171450">
+              <a:buFont typeface="Arial" pitchFamily="34" charset="0"/>
+              <a:buChar char="•"/>
+            </a:pPr>
+            <a:r>
+              <a:rPr lang="ru-RU" sz="1200" dirty="0"/>
+              <a:t>большая полуось </a:t>
+            </a:r>
+            <a:r>
+              <a:rPr lang="ru-RU" sz="1200" dirty="0" smtClean="0"/>
+              <a:t>эллипсоида</a:t>
+            </a:r>
+          </a:p>
+          <a:p>
+            <a:pPr marL="171450" indent="-171450">
+              <a:buFont typeface="Arial" pitchFamily="34" charset="0"/>
+              <a:buChar char="•"/>
+            </a:pPr>
+            <a:r>
+              <a:rPr lang="ru-RU" sz="1200" dirty="0"/>
+              <a:t>малая полуось </a:t>
+            </a:r>
+            <a:r>
+              <a:rPr lang="ru-RU" sz="1200" dirty="0" smtClean="0"/>
+              <a:t>эллипсоида</a:t>
+            </a:r>
+          </a:p>
+          <a:p>
+            <a:pPr marL="171450" indent="-171450">
+              <a:buFont typeface="Arial" pitchFamily="34" charset="0"/>
+              <a:buChar char="•"/>
+            </a:pPr>
+            <a:r>
+              <a:rPr lang="ru-RU" sz="1200" dirty="0"/>
+              <a:t>коэффициент сжатия </a:t>
+            </a:r>
+            <a:r>
+              <a:rPr lang="ru-RU" sz="1200" dirty="0" smtClean="0"/>
+              <a:t>эллипсоида</a:t>
+            </a:r>
+          </a:p>
+          <a:p>
+            <a:pPr marL="171450" indent="-171450">
+              <a:buFont typeface="Arial" pitchFamily="34" charset="0"/>
+              <a:buChar char="•"/>
+            </a:pPr>
+            <a:r>
+              <a:rPr lang="ru-RU" sz="1200" dirty="0"/>
+              <a:t>третий коэффициент </a:t>
+            </a:r>
+            <a:r>
+              <a:rPr lang="ru-RU" sz="1200" dirty="0" smtClean="0"/>
+              <a:t>сжатия</a:t>
+            </a:r>
+          </a:p>
+          <a:p>
+            <a:pPr marL="171450" indent="-171450">
+              <a:buFont typeface="Arial" pitchFamily="34" charset="0"/>
+              <a:buChar char="•"/>
+            </a:pPr>
+            <a:r>
+              <a:rPr lang="ru-RU" sz="1200" dirty="0"/>
+              <a:t>первый </a:t>
+            </a:r>
+            <a:r>
+              <a:rPr lang="ru-RU" sz="1200" dirty="0" smtClean="0"/>
+              <a:t>эксцентриситет</a:t>
+            </a:r>
+          </a:p>
+          <a:p>
+            <a:pPr marL="171450" indent="-171450">
+              <a:buFont typeface="Arial" pitchFamily="34" charset="0"/>
+              <a:buChar char="•"/>
+            </a:pPr>
+            <a:r>
+              <a:rPr lang="ru-RU" sz="1200" dirty="0" smtClean="0"/>
+              <a:t>второй эксцентриситет</a:t>
+            </a:r>
+          </a:p>
+          <a:p>
+            <a:pPr marL="171450" indent="-171450">
+              <a:buFont typeface="Arial" pitchFamily="34" charset="0"/>
+              <a:buChar char="•"/>
+            </a:pPr>
+            <a:r>
+              <a:rPr lang="ru-RU" sz="1200" dirty="0"/>
+              <a:t>точка на </a:t>
+            </a:r>
+            <a:r>
+              <a:rPr lang="ru-RU" sz="1200" dirty="0" smtClean="0"/>
+              <a:t>экваторе</a:t>
+            </a:r>
+          </a:p>
+          <a:p>
+            <a:pPr marL="171450" indent="-171450">
+              <a:buFont typeface="Arial" pitchFamily="34" charset="0"/>
+              <a:buChar char="•"/>
+            </a:pPr>
+            <a:r>
+              <a:rPr lang="ru-RU" sz="1200" dirty="0"/>
+              <a:t>расстояние от начальной точки до </a:t>
+            </a:r>
+            <a:r>
+              <a:rPr lang="ru-RU" sz="1200" dirty="0" smtClean="0"/>
+              <a:t>конечной</a:t>
+            </a:r>
+          </a:p>
+          <a:p>
+            <a:pPr marL="171450" indent="-171450">
+              <a:buFont typeface="Arial" pitchFamily="34" charset="0"/>
+              <a:buChar char="•"/>
+            </a:pPr>
+            <a:r>
+              <a:rPr lang="ru-RU" sz="1200" dirty="0"/>
+              <a:t>коэффициенты преобразования </a:t>
+            </a:r>
+            <a:r>
+              <a:rPr lang="ru-RU" sz="1200" dirty="0" smtClean="0"/>
+              <a:t>Лагранжа</a:t>
+            </a:r>
+            <a:endParaRPr lang="ru-RU" sz="1200" dirty="0"/>
+          </a:p>
+        </p:txBody>
+      </p:sp>
+      <p:sp>
+        <p:nvSpPr>
+          <p:cNvPr id="158" name="Скругленный прямоугольник 157"/>
+          <p:cNvSpPr/>
+          <p:nvPr/>
+        </p:nvSpPr>
+        <p:spPr>
+          <a:xfrm>
+            <a:off x="7020272" y="3480525"/>
+            <a:ext cx="1872208" cy="1085187"/>
+          </a:xfrm>
+          <a:prstGeom prst="roundRect">
+            <a:avLst/>
+          </a:prstGeom>
+        </p:spPr>
+        <p:style>
+          <a:lnRef idx="2">
+            <a:schemeClr val="dk1"/>
+          </a:lnRef>
+          <a:fillRef idx="1">
+            <a:schemeClr val="lt1"/>
+          </a:fillRef>
+          <a:effectRef idx="0">
+            <a:schemeClr val="dk1"/>
+          </a:effectRef>
+          <a:fontRef idx="minor">
+            <a:schemeClr val="dk1"/>
+          </a:fontRef>
+        </p:style>
+        <p:txBody>
+          <a:bodyPr lIns="0" tIns="0" rIns="0" bIns="0" rtlCol="0" anchor="ctr"/>
+          <a:lstStyle/>
+          <a:p>
+            <a:pPr marL="171450" indent="-171450">
+              <a:buFont typeface="Arial" pitchFamily="34" charset="0"/>
+              <a:buChar char="•"/>
+            </a:pPr>
+            <a:r>
+              <a:rPr lang="ru-RU" sz="1200" dirty="0"/>
+              <a:t>начальная точка</a:t>
+            </a:r>
+          </a:p>
+          <a:p>
+            <a:pPr marL="171450" indent="-171450">
+              <a:buFont typeface="Arial" pitchFamily="34" charset="0"/>
+              <a:buChar char="•"/>
+            </a:pPr>
+            <a:r>
+              <a:rPr lang="ru-RU" sz="1200" dirty="0"/>
+              <a:t>конечная точка</a:t>
+            </a:r>
+          </a:p>
+          <a:p>
+            <a:pPr marL="171450" indent="-171450">
+              <a:buFont typeface="Arial" pitchFamily="34" charset="0"/>
+              <a:buChar char="•"/>
+            </a:pPr>
+            <a:r>
+              <a:rPr lang="ru-RU" sz="1200" dirty="0"/>
+              <a:t>параметр растяжения</a:t>
+            </a:r>
+          </a:p>
+          <a:p>
+            <a:pPr marL="171450" indent="-171450">
+              <a:buFont typeface="Arial" pitchFamily="34" charset="0"/>
+              <a:buChar char="•"/>
+            </a:pPr>
+            <a:r>
+              <a:rPr lang="ru-RU" sz="1200" dirty="0"/>
+              <a:t>коэффициент </a:t>
+            </a:r>
+            <a:r>
+              <a:rPr lang="en-US" sz="1200" dirty="0"/>
+              <a:t>A</a:t>
+            </a:r>
+            <a:r>
+              <a:rPr lang="ru-RU" sz="1200" baseline="-25000" dirty="0"/>
+              <a:t>1</a:t>
+            </a:r>
+            <a:r>
+              <a:rPr lang="ru-RU" sz="1200" dirty="0"/>
+              <a:t> </a:t>
+            </a:r>
+          </a:p>
+          <a:p>
+            <a:pPr marL="171450" indent="-171450">
+              <a:buFont typeface="Arial" pitchFamily="34" charset="0"/>
+              <a:buChar char="•"/>
+            </a:pPr>
+            <a:r>
+              <a:rPr lang="ru-RU" sz="1200" dirty="0"/>
+              <a:t>коэффициент τ	</a:t>
+            </a:r>
+          </a:p>
+        </p:txBody>
+      </p:sp>
+      <p:cxnSp>
+        <p:nvCxnSpPr>
+          <p:cNvPr id="171" name="Прямая соединительная линия 170"/>
+          <p:cNvCxnSpPr>
+            <a:stCxn id="157" idx="0"/>
+            <a:endCxn id="8" idx="2"/>
+          </p:cNvCxnSpPr>
+          <p:nvPr/>
+        </p:nvCxnSpPr>
+        <p:spPr>
+          <a:xfrm flipH="1" flipV="1">
+            <a:off x="5891894" y="4229736"/>
+            <a:ext cx="178889" cy="467763"/>
+          </a:xfrm>
+          <a:prstGeom prst="line">
+            <a:avLst/>
+          </a:prstGeom>
+        </p:spPr>
+        <p:style>
+          <a:lnRef idx="1">
+            <a:schemeClr val="dk1"/>
+          </a:lnRef>
+          <a:fillRef idx="0">
+            <a:schemeClr val="dk1"/>
+          </a:fillRef>
+          <a:effectRef idx="0">
+            <a:schemeClr val="dk1"/>
+          </a:effectRef>
+          <a:fontRef idx="minor">
+            <a:schemeClr val="tx1"/>
+          </a:fontRef>
+        </p:style>
+      </p:cxnSp>
+    </p:spTree>
+    <p:extLst>
+      <p:ext uri="{BB962C8B-B14F-4D97-AF65-F5344CB8AC3E}">
+        <p14:creationId xmlns:p14="http://schemas.microsoft.com/office/powerpoint/2010/main" val="3946565525"/>
       </p:ext>
     </p:extLst>
   </p:cSld>
@@ -9977,8 +11576,8 @@
         </p:nvSpPr>
         <p:spPr>
           <a:xfrm>
-            <a:off x="5580112" y="1340768"/>
-            <a:ext cx="3397564" cy="2123658"/>
+            <a:off x="4716016" y="1412776"/>
+            <a:ext cx="3397564" cy="1015663"/>
           </a:xfrm>
           <a:prstGeom prst="rect">
             <a:avLst/>
@@ -9992,6 +11591,225 @@
           <a:p>
             <a:pPr marL="228600" lvl="0" indent="-228600">
               <a:buFont typeface="+mj-lt"/>
+              <a:buAutoNum type="arabicPeriod" startAt="6"/>
+            </a:pPr>
+            <a:r>
+              <a:rPr lang="ru-RU" sz="1200" dirty="0" smtClean="0">
+                <a:latin typeface="+mj-lt"/>
+              </a:rPr>
+              <a:t>Передача </a:t>
+            </a:r>
+            <a:r>
+              <a:rPr lang="ru-RU" sz="1200" dirty="0">
+                <a:latin typeface="+mj-lt"/>
+              </a:rPr>
+              <a:t>результатов выполнения запросов</a:t>
+            </a:r>
+          </a:p>
+          <a:p>
+            <a:pPr marL="228600" lvl="0" indent="-228600">
+              <a:buFont typeface="+mj-lt"/>
+              <a:buAutoNum type="arabicPeriod" startAt="6"/>
+            </a:pPr>
+            <a:r>
+              <a:rPr lang="ru-RU" sz="1200" dirty="0">
+                <a:latin typeface="+mj-lt"/>
+              </a:rPr>
+              <a:t>Передача данных</a:t>
+            </a:r>
+          </a:p>
+          <a:p>
+            <a:pPr marL="228600" lvl="0" indent="-228600">
+              <a:buFont typeface="+mj-lt"/>
+              <a:buAutoNum type="arabicPeriod" startAt="6"/>
+            </a:pPr>
+            <a:r>
+              <a:rPr lang="ru-RU" sz="1200" dirty="0">
+                <a:latin typeface="+mj-lt"/>
+              </a:rPr>
+              <a:t>Отправка запросов</a:t>
+            </a:r>
+          </a:p>
+          <a:p>
+            <a:pPr marL="228600" lvl="0" indent="-228600">
+              <a:buFont typeface="+mj-lt"/>
+              <a:buAutoNum type="arabicPeriod" startAt="6"/>
+            </a:pPr>
+            <a:r>
+              <a:rPr lang="ru-RU" sz="1200" dirty="0">
+                <a:latin typeface="+mj-lt"/>
+              </a:rPr>
+              <a:t>Отправка данных</a:t>
+            </a:r>
+          </a:p>
+          <a:p>
+            <a:pPr marL="228600" lvl="0" indent="-228600">
+              <a:buFont typeface="+mj-lt"/>
+              <a:buAutoNum type="arabicPeriod" startAt="6"/>
+            </a:pPr>
+            <a:r>
+              <a:rPr lang="ru-RU" sz="1200" dirty="0">
+                <a:latin typeface="+mj-lt"/>
+              </a:rPr>
+              <a:t>Передача запросов</a:t>
+            </a:r>
+          </a:p>
+        </p:txBody>
+      </p:sp>
+      <p:grpSp>
+        <p:nvGrpSpPr>
+          <p:cNvPr id="7" name="Группа 6"/>
+          <p:cNvGrpSpPr>
+            <a:grpSpLocks/>
+          </p:cNvGrpSpPr>
+          <p:nvPr/>
+        </p:nvGrpSpPr>
+        <p:grpSpPr bwMode="auto">
+          <a:xfrm>
+            <a:off x="6660232" y="2012940"/>
+            <a:ext cx="2251075" cy="1523364"/>
+            <a:chOff x="2764988" y="4646846"/>
+            <a:chExt cx="2251641" cy="1523633"/>
+          </a:xfrm>
+        </p:grpSpPr>
+        <p:sp>
+          <p:nvSpPr>
+            <p:cNvPr id="8" name="Прямоугольник 7"/>
+            <p:cNvSpPr>
+              <a:spLocks noChangeArrowheads="1"/>
+            </p:cNvSpPr>
+            <p:nvPr/>
+          </p:nvSpPr>
+          <p:spPr bwMode="auto">
+            <a:xfrm>
+              <a:off x="2764988" y="5858380"/>
+              <a:ext cx="2251641" cy="312099"/>
+            </a:xfrm>
+            <a:prstGeom prst="rect">
+              <a:avLst/>
+            </a:prstGeom>
+            <a:solidFill>
+              <a:srgbClr val="FFFFFF"/>
+            </a:solidFill>
+            <a:ln>
+              <a:noFill/>
+            </a:ln>
+            <a:extLst>
+              <a:ext uri="{91240B29-F687-4F45-9708-019B960494DF}">
+                <a14:hiddenLine xmlns:a14="http://schemas.microsoft.com/office/drawing/2010/main" w="25400" algn="ctr">
+                  <a:solidFill>
+                    <a:srgbClr val="000000"/>
+                  </a:solidFill>
+                  <a:miter lim="800000"/>
+                  <a:headEnd/>
+                  <a:tailEnd/>
+                </a14:hiddenLine>
+              </a:ext>
+            </a:extLst>
+          </p:spPr>
+          <p:txBody>
+            <a:bodyPr rot="0" vert="horz" wrap="square" lIns="91440" tIns="45720" rIns="91440" bIns="45720" anchor="b" anchorCtr="0" upright="1">
+              <a:noAutofit/>
+            </a:bodyPr>
+            <a:lstStyle/>
+            <a:p>
+              <a:pPr indent="450215" algn="just">
+                <a:lnSpc>
+                  <a:spcPct val="150000"/>
+                </a:lnSpc>
+                <a:spcAft>
+                  <a:spcPts val="0"/>
+                </a:spcAft>
+              </a:pPr>
+              <a:r>
+                <a:rPr lang="ru-RU" sz="1400">
+                  <a:effectLst/>
+                  <a:latin typeface="Times New Roman"/>
+                  <a:ea typeface="Times New Roman"/>
+                </a:rPr>
+                <a:t>Прибрежная зона</a:t>
+              </a:r>
+            </a:p>
+          </p:txBody>
+        </p:sp>
+        <p:pic>
+          <p:nvPicPr>
+            <p:cNvPr id="9" name="Рисунок 8"/>
+            <p:cNvPicPr>
+              <a:picLocks noChangeAspect="1"/>
+            </p:cNvPicPr>
+            <p:nvPr/>
+          </p:nvPicPr>
+          <p:blipFill>
+            <a:blip r:embed="rId3">
+              <a:extLst>
+                <a:ext uri="{28A0092B-C50C-407E-A947-70E740481C1C}">
+                  <a14:useLocalDpi xmlns:a14="http://schemas.microsoft.com/office/drawing/2010/main" val="0"/>
+                </a:ext>
+              </a:extLst>
+            </a:blip>
+            <a:srcRect/>
+            <a:stretch>
+              <a:fillRect/>
+            </a:stretch>
+          </p:blipFill>
+          <p:spPr bwMode="auto">
+            <a:xfrm>
+              <a:off x="3187829" y="4646846"/>
+              <a:ext cx="1828800" cy="1213104"/>
+            </a:xfrm>
+            <a:prstGeom prst="rect">
+              <a:avLst/>
+            </a:prstGeom>
+            <a:noFill/>
+            <a:ln>
+              <a:noFill/>
+            </a:ln>
+            <a:extLst>
+              <a:ext uri="{909E8E84-426E-40DD-AFC4-6F175D3DCCD1}">
+                <a14:hiddenFill xmlns:a14="http://schemas.microsoft.com/office/drawing/2010/main">
+                  <a:solidFill>
+                    <a:srgbClr val="FFFFFF"/>
+                  </a:solidFill>
+                </a14:hiddenFill>
+              </a:ext>
+              <a:ext uri="{91240B29-F687-4F45-9708-019B960494DF}">
+                <a14:hiddenLine xmlns:a14="http://schemas.microsoft.com/office/drawing/2010/main" w="9525">
+                  <a:solidFill>
+                    <a:srgbClr val="000000"/>
+                  </a:solidFill>
+                  <a:miter lim="800000"/>
+                  <a:headEnd/>
+                  <a:tailEnd/>
+                </a14:hiddenLine>
+              </a:ext>
+            </a:extLst>
+          </p:spPr>
+        </p:pic>
+      </p:grpSp>
+      <p:sp>
+        <p:nvSpPr>
+          <p:cNvPr id="10" name="Прямоугольник 9"/>
+          <p:cNvSpPr/>
+          <p:nvPr/>
+        </p:nvSpPr>
+        <p:spPr>
+          <a:xfrm>
+            <a:off x="274334" y="1412776"/>
+            <a:ext cx="3397564" cy="1200329"/>
+          </a:xfrm>
+          <a:prstGeom prst="rect">
+            <a:avLst/>
+          </a:prstGeom>
+        </p:spPr>
+        <p:txBody>
+          <a:bodyPr wrap="square">
+            <a:spAutoFit/>
+          </a:bodyPr>
+          <a:lstStyle/>
+          <a:p>
+            <a:pPr marL="228600" lvl="0" indent="-228600">
+              <a:buFont typeface="+mj-lt"/>
               <a:buAutoNum type="arabicPeriod"/>
             </a:pPr>
             <a:r>
@@ -10046,71 +11864,475 @@
               <a:rPr lang="ru-RU" sz="1200" dirty="0">
                 <a:latin typeface="+mj-lt"/>
               </a:rPr>
-              <a:t>Передача запросов пользователя</a:t>
-            </a:r>
-          </a:p>
-          <a:p>
-            <a:pPr marL="228600" lvl="0" indent="-228600">
-              <a:buFont typeface="+mj-lt"/>
-              <a:buAutoNum type="arabicPeriod"/>
-            </a:pPr>
-            <a:r>
-              <a:rPr lang="ru-RU" sz="1200" dirty="0">
+              <a:t>Передача запросов </a:t>
+            </a:r>
+            <a:r>
+              <a:rPr lang="ru-RU" sz="1200" dirty="0" smtClean="0">
                 <a:latin typeface="+mj-lt"/>
               </a:rPr>
-              <a:t>Передача результатов выполнения запросов</a:t>
-            </a:r>
-          </a:p>
-          <a:p>
-            <a:pPr marL="228600" lvl="0" indent="-228600">
-              <a:buFont typeface="+mj-lt"/>
-              <a:buAutoNum type="arabicPeriod"/>
+              <a:t>пользователя</a:t>
+            </a:r>
+            <a:endParaRPr lang="ru-RU" sz="1200" dirty="0">
+              <a:latin typeface="+mj-lt"/>
+            </a:endParaRPr>
+          </a:p>
+        </p:txBody>
+      </p:sp>
+      <p:cxnSp>
+        <p:nvCxnSpPr>
+          <p:cNvPr id="12" name="Прямая соединительная линия 11"/>
+          <p:cNvCxnSpPr/>
+          <p:nvPr/>
+        </p:nvCxnSpPr>
+        <p:spPr>
+          <a:xfrm>
+            <a:off x="274334" y="2613105"/>
+            <a:ext cx="4801722" cy="1"/>
+          </a:xfrm>
+          <a:prstGeom prst="line">
+            <a:avLst/>
+          </a:prstGeom>
+        </p:spPr>
+        <p:style>
+          <a:lnRef idx="1">
+            <a:schemeClr val="dk1"/>
+          </a:lnRef>
+          <a:fillRef idx="0">
+            <a:schemeClr val="dk1"/>
+          </a:fillRef>
+          <a:effectRef idx="0">
+            <a:schemeClr val="dk1"/>
+          </a:effectRef>
+          <a:fontRef idx="minor">
+            <a:schemeClr val="tx1"/>
+          </a:fontRef>
+        </p:style>
+      </p:cxnSp>
+      <p:cxnSp>
+        <p:nvCxnSpPr>
+          <p:cNvPr id="13" name="Прямая соединительная линия 12"/>
+          <p:cNvCxnSpPr/>
+          <p:nvPr/>
+        </p:nvCxnSpPr>
+        <p:spPr>
+          <a:xfrm>
+            <a:off x="274334" y="6309320"/>
+            <a:ext cx="4801722" cy="0"/>
+          </a:xfrm>
+          <a:prstGeom prst="line">
+            <a:avLst/>
+          </a:prstGeom>
+        </p:spPr>
+        <p:style>
+          <a:lnRef idx="1">
+            <a:schemeClr val="dk1"/>
+          </a:lnRef>
+          <a:fillRef idx="0">
+            <a:schemeClr val="dk1"/>
+          </a:fillRef>
+          <a:effectRef idx="0">
+            <a:schemeClr val="dk1"/>
+          </a:effectRef>
+          <a:fontRef idx="minor">
+            <a:schemeClr val="tx1"/>
+          </a:fontRef>
+        </p:style>
+      </p:cxnSp>
+      <p:cxnSp>
+        <p:nvCxnSpPr>
+          <p:cNvPr id="14" name="Прямая соединительная линия 13"/>
+          <p:cNvCxnSpPr/>
+          <p:nvPr/>
+        </p:nvCxnSpPr>
+        <p:spPr>
+          <a:xfrm flipV="1">
+            <a:off x="5076056" y="2613106"/>
+            <a:ext cx="0" cy="3696214"/>
+          </a:xfrm>
+          <a:prstGeom prst="line">
+            <a:avLst/>
+          </a:prstGeom>
+        </p:spPr>
+        <p:style>
+          <a:lnRef idx="1">
+            <a:schemeClr val="dk1"/>
+          </a:lnRef>
+          <a:fillRef idx="0">
+            <a:schemeClr val="dk1"/>
+          </a:fillRef>
+          <a:effectRef idx="0">
+            <a:schemeClr val="dk1"/>
+          </a:effectRef>
+          <a:fontRef idx="minor">
+            <a:schemeClr val="tx1"/>
+          </a:fontRef>
+        </p:style>
+      </p:cxnSp>
+      <p:cxnSp>
+        <p:nvCxnSpPr>
+          <p:cNvPr id="20" name="Прямая соединительная линия 19"/>
+          <p:cNvCxnSpPr/>
+          <p:nvPr/>
+        </p:nvCxnSpPr>
+        <p:spPr>
+          <a:xfrm flipV="1">
+            <a:off x="278660" y="2613106"/>
+            <a:ext cx="0" cy="3696214"/>
+          </a:xfrm>
+          <a:prstGeom prst="line">
+            <a:avLst/>
+          </a:prstGeom>
+        </p:spPr>
+        <p:style>
+          <a:lnRef idx="1">
+            <a:schemeClr val="dk1"/>
+          </a:lnRef>
+          <a:fillRef idx="0">
+            <a:schemeClr val="dk1"/>
+          </a:fillRef>
+          <a:effectRef idx="0">
+            <a:schemeClr val="dk1"/>
+          </a:effectRef>
+          <a:fontRef idx="minor">
+            <a:schemeClr val="tx1"/>
+          </a:fontRef>
+        </p:style>
+      </p:cxnSp>
+      <p:grpSp>
+        <p:nvGrpSpPr>
+          <p:cNvPr id="22" name="Группа 21"/>
+          <p:cNvGrpSpPr>
+            <a:grpSpLocks/>
+          </p:cNvGrpSpPr>
+          <p:nvPr/>
+        </p:nvGrpSpPr>
+        <p:grpSpPr bwMode="auto">
+          <a:xfrm>
+            <a:off x="6360016" y="4854070"/>
+            <a:ext cx="1496060" cy="1983408"/>
+            <a:chOff x="1151090" y="3660350"/>
+            <a:chExt cx="1496573" cy="1983715"/>
+          </a:xfrm>
+        </p:grpSpPr>
+        <p:sp>
+          <p:nvSpPr>
+            <p:cNvPr id="23" name="Прямоугольник 22"/>
+            <p:cNvSpPr>
+              <a:spLocks noChangeArrowheads="1"/>
+            </p:cNvSpPr>
+            <p:nvPr/>
+          </p:nvSpPr>
+          <p:spPr bwMode="auto">
+            <a:xfrm>
+              <a:off x="1151090" y="3660350"/>
+              <a:ext cx="1496573" cy="1983715"/>
+            </a:xfrm>
+            <a:prstGeom prst="rect">
+              <a:avLst/>
+            </a:prstGeom>
+            <a:solidFill>
+              <a:srgbClr val="FFFFFF"/>
+            </a:solidFill>
+            <a:ln>
+              <a:noFill/>
+            </a:ln>
+            <a:extLst>
+              <a:ext uri="{91240B29-F687-4F45-9708-019B960494DF}">
+                <a14:hiddenLine xmlns:a14="http://schemas.microsoft.com/office/drawing/2010/main" w="25400" algn="ctr">
+                  <a:solidFill>
+                    <a:srgbClr val="000000"/>
+                  </a:solidFill>
+                  <a:miter lim="800000"/>
+                  <a:headEnd/>
+                  <a:tailEnd/>
+                </a14:hiddenLine>
+              </a:ext>
+            </a:extLst>
+          </p:spPr>
+          <p:txBody>
+            <a:bodyPr rot="0" vert="horz" wrap="square" lIns="91440" tIns="45720" rIns="91440" bIns="45720" anchor="t" anchorCtr="0" upright="1">
+              <a:noAutofit/>
+            </a:bodyPr>
+            <a:lstStyle/>
+            <a:p>
+              <a:pPr indent="450215" algn="just">
+                <a:lnSpc>
+                  <a:spcPct val="150000"/>
+                </a:lnSpc>
+                <a:spcAft>
+                  <a:spcPts val="0"/>
+                </a:spcAft>
+              </a:pPr>
+              <a:r>
+                <a:rPr lang="ru-RU" sz="1400" dirty="0">
+                  <a:effectLst/>
+                  <a:latin typeface="Times New Roman"/>
+                  <a:ea typeface="Times New Roman"/>
+                </a:rPr>
+                <a:t>Камера</a:t>
+              </a:r>
+            </a:p>
+          </p:txBody>
+        </p:sp>
+        <p:pic>
+          <p:nvPicPr>
+            <p:cNvPr id="24" name="Рисунок 23"/>
+            <p:cNvPicPr>
+              <a:picLocks noChangeAspect="1"/>
+            </p:cNvPicPr>
+            <p:nvPr/>
+          </p:nvPicPr>
+          <p:blipFill>
+            <a:blip r:embed="rId4">
+              <a:extLst>
+                <a:ext uri="{28A0092B-C50C-407E-A947-70E740481C1C}">
+                  <a14:useLocalDpi xmlns:a14="http://schemas.microsoft.com/office/drawing/2010/main" val="0"/>
+                </a:ext>
+              </a:extLst>
+            </a:blip>
+            <a:srcRect/>
+            <a:stretch>
+              <a:fillRect/>
+            </a:stretch>
+          </p:blipFill>
+          <p:spPr bwMode="auto">
+            <a:xfrm>
+              <a:off x="1171724" y="4067698"/>
+              <a:ext cx="1474137" cy="1474137"/>
+            </a:xfrm>
+            <a:prstGeom prst="rect">
+              <a:avLst/>
+            </a:prstGeom>
+            <a:noFill/>
+            <a:ln>
+              <a:noFill/>
+            </a:ln>
+            <a:extLst>
+              <a:ext uri="{909E8E84-426E-40DD-AFC4-6F175D3DCCD1}">
+                <a14:hiddenFill xmlns:a14="http://schemas.microsoft.com/office/drawing/2010/main">
+                  <a:solidFill>
+                    <a:srgbClr val="FFFFFF"/>
+                  </a:solidFill>
+                </a14:hiddenFill>
+              </a:ext>
+              <a:ext uri="{91240B29-F687-4F45-9708-019B960494DF}">
+                <a14:hiddenLine xmlns:a14="http://schemas.microsoft.com/office/drawing/2010/main" w="9525">
+                  <a:solidFill>
+                    <a:srgbClr val="000000"/>
+                  </a:solidFill>
+                  <a:miter lim="800000"/>
+                  <a:headEnd/>
+                  <a:tailEnd/>
+                </a14:hiddenLine>
+              </a:ext>
+            </a:extLst>
+          </p:spPr>
+        </p:pic>
+      </p:grpSp>
+      <p:cxnSp>
+        <p:nvCxnSpPr>
+          <p:cNvPr id="25" name="Прямая соединительная линия 24"/>
+          <p:cNvCxnSpPr>
+            <a:cxnSpLocks noChangeShapeType="1"/>
+            <a:stCxn id="8" idx="2"/>
+            <a:endCxn id="23" idx="0"/>
+          </p:cNvCxnSpPr>
+          <p:nvPr/>
+        </p:nvCxnSpPr>
+        <p:spPr bwMode="auto">
+          <a:xfrm flipH="1">
+            <a:off x="7108046" y="3536304"/>
+            <a:ext cx="677724" cy="1317766"/>
+          </a:xfrm>
+          <a:prstGeom prst="line">
+            <a:avLst/>
+          </a:prstGeom>
+          <a:noFill/>
+          <a:ln w="9525" algn="ctr">
+            <a:solidFill>
+              <a:srgbClr val="000000"/>
+            </a:solidFill>
+            <a:round/>
+            <a:headEnd/>
+            <a:tailEnd type="triangle" w="med" len="med"/>
+          </a:ln>
+          <a:extLst>
+            <a:ext uri="{909E8E84-426E-40DD-AFC4-6F175D3DCCD1}">
+              <a14:hiddenFill xmlns:a14="http://schemas.microsoft.com/office/drawing/2010/main">
+                <a:noFill/>
+              </a14:hiddenFill>
+            </a:ext>
+          </a:extLst>
+        </p:spPr>
+      </p:cxnSp>
+      <p:sp>
+        <p:nvSpPr>
+          <p:cNvPr id="29" name="Прямоугольник 28"/>
+          <p:cNvSpPr>
+            <a:spLocks noChangeArrowheads="1"/>
+          </p:cNvSpPr>
+          <p:nvPr/>
+        </p:nvSpPr>
+        <p:spPr bwMode="auto">
+          <a:xfrm>
+            <a:off x="7645130" y="4221087"/>
+            <a:ext cx="1315285" cy="772503"/>
+          </a:xfrm>
+          <a:prstGeom prst="rect">
+            <a:avLst/>
+          </a:prstGeom>
+          <a:solidFill>
+            <a:srgbClr val="FFFFFF"/>
+          </a:solidFill>
+          <a:ln>
+            <a:noFill/>
+          </a:ln>
+          <a:extLst>
+            <a:ext uri="{91240B29-F687-4F45-9708-019B960494DF}">
+              <a14:hiddenLine xmlns:a14="http://schemas.microsoft.com/office/drawing/2010/main" w="25400" algn="ctr">
+                <a:solidFill>
+                  <a:srgbClr val="000000"/>
+                </a:solidFill>
+                <a:miter lim="800000"/>
+                <a:headEnd/>
+                <a:tailEnd/>
+              </a14:hiddenLine>
+            </a:ext>
+          </a:extLst>
+        </p:spPr>
+        <p:txBody>
+          <a:bodyPr rot="0" vert="horz" wrap="square" lIns="0" tIns="0" rIns="0" bIns="0" anchor="ctr" anchorCtr="0" upright="1">
+            <a:noAutofit/>
+          </a:bodyPr>
+          <a:lstStyle/>
+          <a:p>
+            <a:pPr algn="l">
+              <a:lnSpc>
+                <a:spcPct val="150000"/>
+              </a:lnSpc>
+              <a:spcAft>
+                <a:spcPts val="0"/>
+              </a:spcAft>
             </a:pPr>
             <a:r>
-              <a:rPr lang="ru-RU" sz="1200" dirty="0">
-                <a:latin typeface="+mj-lt"/>
+              <a:rPr lang="ru-RU" sz="1400" dirty="0">
+                <a:effectLst/>
+                <a:latin typeface="Times New Roman"/>
+                <a:ea typeface="Times New Roman"/>
               </a:rPr>
-              <a:t>Передача данных</a:t>
-            </a:r>
-          </a:p>
-          <a:p>
-            <a:pPr marL="228600" lvl="0" indent="-228600">
-              <a:buFont typeface="+mj-lt"/>
-              <a:buAutoNum type="arabicPeriod"/>
+              <a:t>Информация из внешнего мира</a:t>
+            </a:r>
+          </a:p>
+        </p:txBody>
+      </p:sp>
+      <p:sp>
+        <p:nvSpPr>
+          <p:cNvPr id="30" name="Прямоугольник 29"/>
+          <p:cNvSpPr>
+            <a:spLocks noChangeArrowheads="1"/>
+          </p:cNvSpPr>
+          <p:nvPr/>
+        </p:nvSpPr>
+        <p:spPr bwMode="auto">
+          <a:xfrm>
+            <a:off x="5396722" y="2491075"/>
+            <a:ext cx="1086862" cy="718113"/>
+          </a:xfrm>
+          <a:prstGeom prst="rect">
+            <a:avLst/>
+          </a:prstGeom>
+          <a:solidFill>
+            <a:srgbClr val="FFFFFF"/>
+          </a:solidFill>
+          <a:ln>
+            <a:noFill/>
+          </a:ln>
+          <a:extLst>
+            <a:ext uri="{91240B29-F687-4F45-9708-019B960494DF}">
+              <a14:hiddenLine xmlns:a14="http://schemas.microsoft.com/office/drawing/2010/main" w="25400" algn="ctr">
+                <a:solidFill>
+                  <a:srgbClr val="000000"/>
+                </a:solidFill>
+                <a:miter lim="800000"/>
+                <a:headEnd/>
+                <a:tailEnd/>
+              </a14:hiddenLine>
+            </a:ext>
+          </a:extLst>
+        </p:spPr>
+        <p:txBody>
+          <a:bodyPr rot="0" vert="horz" wrap="square" lIns="0" tIns="0" rIns="0" bIns="0" anchor="ctr" anchorCtr="0" upright="1">
+            <a:noAutofit/>
+          </a:bodyPr>
+          <a:lstStyle/>
+          <a:p>
+            <a:pPr algn="just">
+              <a:lnSpc>
+                <a:spcPct val="150000"/>
+              </a:lnSpc>
+              <a:spcAft>
+                <a:spcPts val="0"/>
+              </a:spcAft>
             </a:pPr>
             <a:r>
-              <a:rPr lang="ru-RU" sz="1200" dirty="0">
-                <a:latin typeface="+mj-lt"/>
+              <a:rPr lang="ru-RU" sz="1400" dirty="0">
+                <a:effectLst/>
+                <a:latin typeface="Times New Roman"/>
+                <a:ea typeface="Times New Roman"/>
               </a:rPr>
-              <a:t>Отправка запросов</a:t>
-            </a:r>
-          </a:p>
-          <a:p>
-            <a:pPr marL="228600" lvl="0" indent="-228600">
-              <a:buFont typeface="+mj-lt"/>
-              <a:buAutoNum type="arabicPeriod"/>
-            </a:pPr>
-            <a:r>
-              <a:rPr lang="ru-RU" sz="1200" dirty="0">
-                <a:latin typeface="+mj-lt"/>
+              <a:t>Изображение (</a:t>
+            </a:r>
+            <a:r>
+              <a:rPr lang="en-US" sz="1400" dirty="0">
+                <a:effectLst/>
+                <a:latin typeface="Times New Roman"/>
+                <a:ea typeface="Times New Roman"/>
               </a:rPr>
-              <a:t>Отправка данных</a:t>
-            </a:r>
-          </a:p>
-          <a:p>
-            <a:pPr marL="228600" lvl="0" indent="-228600">
-              <a:buFont typeface="+mj-lt"/>
-              <a:buAutoNum type="arabicPeriod"/>
-            </a:pPr>
-            <a:r>
-              <a:rPr lang="ru-RU" sz="1200" dirty="0">
-                <a:latin typeface="+mj-lt"/>
-              </a:rPr>
-              <a:t>Передача запросов</a:t>
-            </a:r>
-          </a:p>
-        </p:txBody>
-      </p:sp>
+              <a:t>jpeg)</a:t>
+            </a:r>
+            <a:endParaRPr lang="ru-RU" sz="1400" dirty="0">
+              <a:effectLst/>
+              <a:latin typeface="Times New Roman"/>
+              <a:ea typeface="Times New Roman"/>
+            </a:endParaRPr>
+          </a:p>
+        </p:txBody>
+      </p:sp>
+      <p:cxnSp>
+        <p:nvCxnSpPr>
+          <p:cNvPr id="31" name="Прямая соединительная линия 30"/>
+          <p:cNvCxnSpPr>
+            <a:cxnSpLocks noChangeShapeType="1"/>
+            <a:stCxn id="24" idx="1"/>
+          </p:cNvCxnSpPr>
+          <p:nvPr/>
+        </p:nvCxnSpPr>
+        <p:spPr bwMode="auto">
+          <a:xfrm flipH="1" flipV="1">
+            <a:off x="4283968" y="5661248"/>
+            <a:ext cx="2096675" cy="337062"/>
+          </a:xfrm>
+          <a:prstGeom prst="line">
+            <a:avLst/>
+          </a:prstGeom>
+          <a:noFill/>
+          <a:ln w="9525" algn="ctr">
+            <a:solidFill>
+              <a:srgbClr val="000000"/>
+            </a:solidFill>
+            <a:round/>
+            <a:headEnd/>
+            <a:tailEnd type="triangle" w="med" len="med"/>
+          </a:ln>
+          <a:extLst>
+            <a:ext uri="{909E8E84-426E-40DD-AFC4-6F175D3DCCD1}">
+              <a14:hiddenFill xmlns:a14="http://schemas.microsoft.com/office/drawing/2010/main">
+                <a:noFill/>
+              </a14:hiddenFill>
+            </a:ext>
+          </a:extLst>
+        </p:spPr>
+      </p:cxnSp>
     </p:spTree>
     <p:extLst>
       <p:ext uri="{BB962C8B-B14F-4D97-AF65-F5344CB8AC3E}">
@@ -10151,45 +12373,26 @@
             <p:ph type="title"/>
           </p:nvPr>
         </p:nvSpPr>
-        <p:spPr/>
-        <p:txBody>
-          <a:bodyPr/>
-          <a:lstStyle/>
-          <a:p>
-            <a:r>
-              <a:rPr lang="ru-RU" dirty="0" smtClean="0"/>
-              <a:t>База данных</a:t>
-            </a:r>
-            <a:endParaRPr lang="ru-RU" dirty="0"/>
-          </a:p>
-        </p:txBody>
-      </p:sp>
-      <p:pic>
-        <p:nvPicPr>
-          <p:cNvPr id="4" name="Объект 3"/>
-          <p:cNvPicPr>
-            <a:picLocks noGrp="1"/>
-          </p:cNvPicPr>
-          <p:nvPr>
-            <p:ph idx="1"/>
-          </p:nvPr>
-        </p:nvPicPr>
-        <p:blipFill>
-          <a:blip r:embed="rId2"/>
-          <a:stretch>
-            <a:fillRect/>
-          </a:stretch>
-        </p:blipFill>
         <p:spPr>
           <a:xfrm>
-            <a:off x="1343025" y="2815431"/>
-            <a:ext cx="6457950" cy="2095500"/>
+            <a:off x="467544" y="116632"/>
+            <a:ext cx="8229600" cy="1143000"/>
           </a:xfrm>
-          <a:prstGeom prst="rect">
-            <a:avLst/>
-          </a:prstGeom>
         </p:spPr>
-      </p:pic>
+        <p:txBody>
+          <a:bodyPr>
+            <a:normAutofit fontScale="90000"/>
+          </a:bodyPr>
+          <a:lstStyle/>
+          <a:p>
+            <a:r>
+              <a:rPr lang="ru-RU" dirty="0" smtClean="0"/>
+              <a:t>Диаграмма вариантов использования</a:t>
+            </a:r>
+            <a:endParaRPr lang="ru-RU" dirty="0"/>
+          </a:p>
+        </p:txBody>
+      </p:sp>
       <p:sp>
         <p:nvSpPr>
           <p:cNvPr id="5" name="Номер слайда 4"/>
@@ -10213,177 +12416,9 @@
           </a:p>
         </p:txBody>
       </p:sp>
-    </p:spTree>
-    <p:extLst>
-      <p:ext uri="{BB962C8B-B14F-4D97-AF65-F5344CB8AC3E}">
-        <p14:creationId xmlns:p14="http://schemas.microsoft.com/office/powerpoint/2010/main" val="1816690260"/>
-      </p:ext>
-    </p:extLst>
-  </p:cSld>
-  <p:clrMapOvr>
-    <a:masterClrMapping/>
-  </p:clrMapOvr>
-</p:sld>
-</file>
-
-<file path=ppt/slides/slide14.xml><?xml version="1.0" encoding="utf-8"?>
-<p:sld xmlns:a="http://schemas.openxmlformats.org/drawingml/2006/main" xmlns:r="http://schemas.openxmlformats.org/officeDocument/2006/relationships" xmlns:p="http://schemas.openxmlformats.org/presentationml/2006/main">
-  <p:cSld>
-    <p:spTree>
-      <p:nvGrpSpPr>
-        <p:cNvPr id="1" name=""/>
-        <p:cNvGrpSpPr/>
-        <p:nvPr/>
-      </p:nvGrpSpPr>
-      <p:grpSpPr>
-        <a:xfrm>
-          <a:off x="0" y="0"/>
-          <a:ext cx="0" cy="0"/>
-          <a:chOff x="0" y="0"/>
-          <a:chExt cx="0" cy="0"/>
-        </a:xfrm>
-      </p:grpSpPr>
-      <p:sp>
-        <p:nvSpPr>
-          <p:cNvPr id="2" name="Заголовок 1"/>
-          <p:cNvSpPr>
-            <a:spLocks noGrp="1"/>
-          </p:cNvSpPr>
-          <p:nvPr>
-            <p:ph type="title"/>
-          </p:nvPr>
-        </p:nvSpPr>
-        <p:spPr/>
-        <p:txBody>
-          <a:bodyPr>
-            <a:normAutofit fontScale="90000"/>
-          </a:bodyPr>
-          <a:lstStyle/>
-          <a:p>
-            <a:r>
-              <a:rPr lang="ru-RU" dirty="0" smtClean="0"/>
-              <a:t>Диаграмма вариантов использования</a:t>
-            </a:r>
-            <a:endParaRPr lang="ru-RU" dirty="0"/>
-          </a:p>
-        </p:txBody>
-      </p:sp>
       <p:pic>
         <p:nvPicPr>
-          <p:cNvPr id="4" name="Объект 3"/>
-          <p:cNvPicPr>
-            <a:picLocks noGrp="1"/>
-          </p:cNvPicPr>
-          <p:nvPr>
-            <p:ph idx="1"/>
-          </p:nvPr>
-        </p:nvPicPr>
-        <p:blipFill>
-          <a:blip r:embed="rId2" cstate="print">
-            <a:extLst>
-              <a:ext uri="{28A0092B-C50C-407E-A947-70E740481C1C}">
-                <a14:useLocalDpi xmlns:a14="http://schemas.microsoft.com/office/drawing/2010/main" val="0"/>
-              </a:ext>
-            </a:extLst>
-          </a:blip>
-          <a:srcRect/>
-          <a:stretch>
-            <a:fillRect/>
-          </a:stretch>
-        </p:blipFill>
-        <p:spPr bwMode="auto">
-          <a:xfrm>
-            <a:off x="2805629" y="1600200"/>
-            <a:ext cx="3532742" cy="4525963"/>
-          </a:xfrm>
-          <a:prstGeom prst="rect">
-            <a:avLst/>
-          </a:prstGeom>
-          <a:noFill/>
-          <a:ln>
-            <a:noFill/>
-          </a:ln>
-        </p:spPr>
-      </p:pic>
-      <p:sp>
-        <p:nvSpPr>
-          <p:cNvPr id="5" name="Номер слайда 4"/>
-          <p:cNvSpPr>
-            <a:spLocks noGrp="1"/>
-          </p:cNvSpPr>
-          <p:nvPr>
-            <p:ph type="sldNum" sz="quarter" idx="12"/>
-          </p:nvPr>
-        </p:nvSpPr>
-        <p:spPr/>
-        <p:txBody>
-          <a:bodyPr/>
-          <a:lstStyle/>
-          <a:p>
-            <a:fld id="{B19B0651-EE4F-4900-A07F-96A6BFA9D0F0}" type="slidenum">
-              <a:rPr lang="ru-RU" smtClean="0"/>
-              <a:t>14</a:t>
-            </a:fld>
-            <a:endParaRPr lang="ru-RU"/>
-          </a:p>
-        </p:txBody>
-      </p:sp>
-    </p:spTree>
-    <p:extLst>
-      <p:ext uri="{BB962C8B-B14F-4D97-AF65-F5344CB8AC3E}">
-        <p14:creationId xmlns:p14="http://schemas.microsoft.com/office/powerpoint/2010/main" val="598454074"/>
-      </p:ext>
-    </p:extLst>
-  </p:cSld>
-  <p:clrMapOvr>
-    <a:masterClrMapping/>
-  </p:clrMapOvr>
-</p:sld>
-</file>
-
-<file path=ppt/slides/slide15.xml><?xml version="1.0" encoding="utf-8"?>
-<p:sld xmlns:a="http://schemas.openxmlformats.org/drawingml/2006/main" xmlns:r="http://schemas.openxmlformats.org/officeDocument/2006/relationships" xmlns:p="http://schemas.openxmlformats.org/presentationml/2006/main">
-  <p:cSld>
-    <p:spTree>
-      <p:nvGrpSpPr>
-        <p:cNvPr id="1" name=""/>
-        <p:cNvGrpSpPr/>
-        <p:nvPr/>
-      </p:nvGrpSpPr>
-      <p:grpSpPr>
-        <a:xfrm>
-          <a:off x="0" y="0"/>
-          <a:ext cx="0" cy="0"/>
-          <a:chOff x="0" y="0"/>
-          <a:chExt cx="0" cy="0"/>
-        </a:xfrm>
-      </p:grpSpPr>
-      <p:sp>
-        <p:nvSpPr>
-          <p:cNvPr id="2" name="Заголовок 1"/>
-          <p:cNvSpPr>
-            <a:spLocks noGrp="1"/>
-          </p:cNvSpPr>
-          <p:nvPr>
-            <p:ph type="title"/>
-          </p:nvPr>
-        </p:nvSpPr>
-        <p:spPr/>
-        <p:txBody>
-          <a:bodyPr/>
-          <a:lstStyle/>
-          <a:p>
-            <a:r>
-              <a:rPr lang="ru-RU" dirty="0" smtClean="0"/>
-              <a:t>Диаграмма взаимодействия</a:t>
-            </a:r>
-            <a:endParaRPr lang="ru-RU" dirty="0"/>
-          </a:p>
-        </p:txBody>
-      </p:sp>
-      <p:pic>
-        <p:nvPicPr>
-          <p:cNvPr id="1026" name="Picture 2"/>
+          <p:cNvPr id="3074" name="Picture 2"/>
           <p:cNvPicPr>
             <a:picLocks noChangeAspect="1" noChangeArrowheads="1"/>
           </p:cNvPicPr>
@@ -10404,8 +12439,8 @@
         </p:blipFill>
         <p:spPr bwMode="auto">
           <a:xfrm>
-            <a:off x="1533525" y="1119188"/>
-            <a:ext cx="6076950" cy="4619625"/>
+            <a:off x="2265074" y="1331384"/>
+            <a:ext cx="4991100" cy="5524500"/>
           </a:xfrm>
           <a:prstGeom prst="rect">
             <a:avLst/>
@@ -10435,33 +12470,10 @@
           </a:extLst>
         </p:spPr>
       </p:pic>
-      <p:sp>
-        <p:nvSpPr>
-          <p:cNvPr id="94" name="Номер слайда 93"/>
-          <p:cNvSpPr>
-            <a:spLocks noGrp="1"/>
-          </p:cNvSpPr>
-          <p:nvPr>
-            <p:ph type="sldNum" sz="quarter" idx="12"/>
-          </p:nvPr>
-        </p:nvSpPr>
-        <p:spPr/>
-        <p:txBody>
-          <a:bodyPr/>
-          <a:lstStyle/>
-          <a:p>
-            <a:fld id="{B19B0651-EE4F-4900-A07F-96A6BFA9D0F0}" type="slidenum">
-              <a:rPr lang="ru-RU" smtClean="0"/>
-              <a:t>15</a:t>
-            </a:fld>
-            <a:endParaRPr lang="ru-RU"/>
-          </a:p>
-        </p:txBody>
-      </p:sp>
     </p:spTree>
     <p:extLst>
       <p:ext uri="{BB962C8B-B14F-4D97-AF65-F5344CB8AC3E}">
-        <p14:creationId xmlns:p14="http://schemas.microsoft.com/office/powerpoint/2010/main" val="737141694"/>
+        <p14:creationId xmlns:p14="http://schemas.microsoft.com/office/powerpoint/2010/main" val="4017216308"/>
       </p:ext>
     </p:extLst>
   </p:cSld>
@@ -10471,7 +12483,7 @@
 </p:sld>
 </file>
 
-<file path=ppt/slides/slide16.xml><?xml version="1.0" encoding="utf-8"?>
+<file path=ppt/slides/slide14.xml><?xml version="1.0" encoding="utf-8"?>
 <p:sld xmlns:a="http://schemas.openxmlformats.org/drawingml/2006/main" xmlns:r="http://schemas.openxmlformats.org/officeDocument/2006/relationships" xmlns:p="http://schemas.openxmlformats.org/presentationml/2006/main">
   <p:cSld>
     <p:spTree>
@@ -10504,70 +12516,80 @@
           <a:lstStyle/>
           <a:p>
             <a:r>
+              <a:rPr lang="ru-RU" dirty="0"/>
+              <a:t>Реализация</a:t>
+            </a:r>
+          </a:p>
+        </p:txBody>
+      </p:sp>
+      <p:sp>
+        <p:nvSpPr>
+          <p:cNvPr id="3" name="Объект 2"/>
+          <p:cNvSpPr>
+            <a:spLocks noGrp="1"/>
+          </p:cNvSpPr>
+          <p:nvPr>
+            <p:ph idx="1"/>
+          </p:nvPr>
+        </p:nvSpPr>
+        <p:spPr/>
+        <p:txBody>
+          <a:bodyPr/>
+          <a:lstStyle/>
+          <a:p>
+            <a:r>
+              <a:rPr lang="en-US" dirty="0" smtClean="0"/>
+              <a:t>MS Visual Studio 2012 (C++)</a:t>
+            </a:r>
+          </a:p>
+          <a:p>
+            <a:r>
+              <a:rPr lang="en-US" dirty="0" err="1" smtClean="0"/>
+              <a:t>OpenCV</a:t>
+            </a:r>
+            <a:endParaRPr lang="en-US" dirty="0" smtClean="0"/>
+          </a:p>
+          <a:p>
+            <a:r>
+              <a:rPr lang="en-US" dirty="0" smtClean="0"/>
+              <a:t>MySQL</a:t>
+            </a:r>
+          </a:p>
+          <a:p>
+            <a:r>
+              <a:rPr lang="ru-RU" dirty="0" err="1"/>
+              <a:t>MySQL</a:t>
+            </a:r>
+            <a:r>
+              <a:rPr lang="ru-RU" dirty="0"/>
+              <a:t> </a:t>
+            </a:r>
+            <a:r>
+              <a:rPr lang="ru-RU" dirty="0" err="1"/>
+              <a:t>Connector</a:t>
+            </a:r>
+            <a:r>
+              <a:rPr lang="ru-RU" dirty="0"/>
+              <a:t>/C</a:t>
+            </a:r>
+            <a:r>
               <a:rPr lang="ru-RU" dirty="0" smtClean="0"/>
-              <a:t>Диаграмма взаимодействия</a:t>
+              <a:t>++</a:t>
+            </a:r>
+            <a:endParaRPr lang="en-US" dirty="0" smtClean="0"/>
+          </a:p>
+          <a:p>
+            <a:r>
+              <a:rPr lang="en-US" dirty="0"/>
+              <a:t>MySQL Workbench </a:t>
             </a:r>
             <a:endParaRPr lang="ru-RU" dirty="0"/>
           </a:p>
         </p:txBody>
       </p:sp>
-      <p:pic>
-        <p:nvPicPr>
-          <p:cNvPr id="2051" name="Picture 3"/>
-          <p:cNvPicPr>
-            <a:picLocks noChangeAspect="1" noChangeArrowheads="1"/>
-          </p:cNvPicPr>
-          <p:nvPr/>
-        </p:nvPicPr>
-        <p:blipFill>
-          <a:blip r:embed="rId2">
-            <a:extLst>
-              <a:ext uri="{28A0092B-C50C-407E-A947-70E740481C1C}">
-                <a14:useLocalDpi xmlns:a14="http://schemas.microsoft.com/office/drawing/2010/main" val="0"/>
-              </a:ext>
-            </a:extLst>
-          </a:blip>
-          <a:srcRect/>
-          <a:stretch>
-            <a:fillRect/>
-          </a:stretch>
-        </p:blipFill>
-        <p:spPr bwMode="auto">
-          <a:xfrm>
-            <a:off x="1462088" y="1340768"/>
-            <a:ext cx="6219825" cy="5133975"/>
-          </a:xfrm>
-          <a:prstGeom prst="rect">
-            <a:avLst/>
-          </a:prstGeom>
-          <a:noFill/>
-          <a:ln>
-            <a:noFill/>
-          </a:ln>
-          <a:extLst>
-            <a:ext uri="{909E8E84-426E-40DD-AFC4-6F175D3DCCD1}">
-              <a14:hiddenFill xmlns:a14="http://schemas.microsoft.com/office/drawing/2010/main">
-                <a:solidFill>
-                  <a:schemeClr val="accent1"/>
-                </a:solidFill>
-              </a14:hiddenFill>
-            </a:ext>
-            <a:ext uri="{91240B29-F687-4F45-9708-019B960494DF}">
-              <a14:hiddenLine xmlns:a14="http://schemas.microsoft.com/office/drawing/2010/main" w="9525">
-                <a:solidFill>
-                  <a:schemeClr val="tx1"/>
-                </a:solidFill>
-                <a:miter lim="800000"/>
-                <a:headEnd/>
-                <a:tailEnd/>
-              </a14:hiddenLine>
-            </a:ext>
-          </a:extLst>
-        </p:spPr>
-      </p:pic>
-      <p:sp>
-        <p:nvSpPr>
-          <p:cNvPr id="3" name="Номер слайда 2"/>
+      <p:sp>
+        <p:nvSpPr>
+          <p:cNvPr id="4" name="Номер слайда 3"/>
           <p:cNvSpPr>
             <a:spLocks noGrp="1"/>
           </p:cNvSpPr>
@@ -10582,7 +12604,7 @@
           <a:p>
             <a:fld id="{B19B0651-EE4F-4900-A07F-96A6BFA9D0F0}" type="slidenum">
               <a:rPr lang="ru-RU" smtClean="0"/>
-              <a:t>16</a:t>
+              <a:t>14</a:t>
             </a:fld>
             <a:endParaRPr lang="ru-RU"/>
           </a:p>
@@ -10591,7 +12613,7 @@
     </p:spTree>
     <p:extLst>
       <p:ext uri="{BB962C8B-B14F-4D97-AF65-F5344CB8AC3E}">
-        <p14:creationId xmlns:p14="http://schemas.microsoft.com/office/powerpoint/2010/main" val="3847200058"/>
+        <p14:creationId xmlns:p14="http://schemas.microsoft.com/office/powerpoint/2010/main" val="1406861111"/>
       </p:ext>
     </p:extLst>
   </p:cSld>
@@ -10601,7 +12623,7 @@
 </p:sld>
 </file>
 
-<file path=ppt/slides/slide17.xml><?xml version="1.0" encoding="utf-8"?>
+<file path=ppt/slides/slide15.xml><?xml version="1.0" encoding="utf-8"?>
 <p:sld xmlns:a="http://schemas.openxmlformats.org/drawingml/2006/main" xmlns:r="http://schemas.openxmlformats.org/officeDocument/2006/relationships" xmlns:p="http://schemas.openxmlformats.org/presentationml/2006/main">
   <p:cSld>
     <p:spTree>
@@ -10633,297 +12655,13 @@
           <a:bodyPr/>
           <a:lstStyle/>
           <a:p>
-            <a:r>
-              <a:rPr lang="ru-RU" dirty="0"/>
-              <a:t>Диаграмма потоков данных</a:t>
-            </a:r>
-          </a:p>
-        </p:txBody>
-      </p:sp>
-      <p:pic>
-        <p:nvPicPr>
-          <p:cNvPr id="4" name="Picture 2"/>
-          <p:cNvPicPr>
-            <a:picLocks noGrp="1" noChangeAspect="1" noChangeArrowheads="1"/>
-          </p:cNvPicPr>
-          <p:nvPr>
-            <p:ph idx="1"/>
-          </p:nvPr>
-        </p:nvPicPr>
-        <p:blipFill>
-          <a:blip r:embed="rId2">
-            <a:extLst>
-              <a:ext uri="{28A0092B-C50C-407E-A947-70E740481C1C}">
-                <a14:useLocalDpi xmlns:a14="http://schemas.microsoft.com/office/drawing/2010/main" val="0"/>
-              </a:ext>
-            </a:extLst>
-          </a:blip>
-          <a:srcRect/>
-          <a:stretch>
-            <a:fillRect/>
-          </a:stretch>
-        </p:blipFill>
-        <p:spPr bwMode="auto">
-          <a:xfrm>
-            <a:off x="1742139" y="1600200"/>
-            <a:ext cx="5659721" cy="4525963"/>
-          </a:xfrm>
-          <a:prstGeom prst="rect">
-            <a:avLst/>
-          </a:prstGeom>
-          <a:noFill/>
-          <a:ln>
-            <a:noFill/>
-          </a:ln>
-          <a:effectLst/>
-          <a:extLst>
-            <a:ext uri="{909E8E84-426E-40DD-AFC4-6F175D3DCCD1}">
-              <a14:hiddenFill xmlns:a14="http://schemas.microsoft.com/office/drawing/2010/main">
-                <a:solidFill>
-                  <a:schemeClr val="accent1"/>
-                </a:solidFill>
-              </a14:hiddenFill>
-            </a:ext>
-            <a:ext uri="{91240B29-F687-4F45-9708-019B960494DF}">
-              <a14:hiddenLine xmlns:a14="http://schemas.microsoft.com/office/drawing/2010/main" w="9525">
-                <a:solidFill>
-                  <a:schemeClr val="tx1"/>
-                </a:solidFill>
-                <a:miter lim="800000"/>
-                <a:headEnd/>
-                <a:tailEnd/>
-              </a14:hiddenLine>
-            </a:ext>
-            <a:ext uri="{AF507438-7753-43E0-B8FC-AC1667EBCBE1}">
-              <a14:hiddenEffects xmlns:a14="http://schemas.microsoft.com/office/drawing/2010/main">
-                <a:effectLst>
-                  <a:outerShdw dist="35921" dir="2700000" algn="ctr" rotWithShape="0">
-                    <a:schemeClr val="bg2"/>
-                  </a:outerShdw>
-                </a:effectLst>
-              </a14:hiddenEffects>
-            </a:ext>
-          </a:extLst>
-        </p:spPr>
-      </p:pic>
-      <p:sp>
-        <p:nvSpPr>
-          <p:cNvPr id="5" name="Номер слайда 4"/>
-          <p:cNvSpPr>
-            <a:spLocks noGrp="1"/>
-          </p:cNvSpPr>
-          <p:nvPr>
-            <p:ph type="sldNum" sz="quarter" idx="12"/>
-          </p:nvPr>
-        </p:nvSpPr>
-        <p:spPr/>
-        <p:txBody>
-          <a:bodyPr/>
-          <a:lstStyle/>
-          <a:p>
-            <a:fld id="{B19B0651-EE4F-4900-A07F-96A6BFA9D0F0}" type="slidenum">
-              <a:rPr lang="ru-RU" smtClean="0"/>
-              <a:t>17</a:t>
-            </a:fld>
-            <a:endParaRPr lang="ru-RU"/>
-          </a:p>
-        </p:txBody>
-      </p:sp>
-    </p:spTree>
-    <p:extLst>
-      <p:ext uri="{BB962C8B-B14F-4D97-AF65-F5344CB8AC3E}">
-        <p14:creationId xmlns:p14="http://schemas.microsoft.com/office/powerpoint/2010/main" val="1317131253"/>
-      </p:ext>
-    </p:extLst>
-  </p:cSld>
-  <p:clrMapOvr>
-    <a:masterClrMapping/>
-  </p:clrMapOvr>
-</p:sld>
-</file>
-
-<file path=ppt/slides/slide18.xml><?xml version="1.0" encoding="utf-8"?>
-<p:sld xmlns:a="http://schemas.openxmlformats.org/drawingml/2006/main" xmlns:r="http://schemas.openxmlformats.org/officeDocument/2006/relationships" xmlns:p="http://schemas.openxmlformats.org/presentationml/2006/main">
-  <p:cSld>
-    <p:spTree>
-      <p:nvGrpSpPr>
-        <p:cNvPr id="1" name=""/>
-        <p:cNvGrpSpPr/>
-        <p:nvPr/>
-      </p:nvGrpSpPr>
-      <p:grpSpPr>
-        <a:xfrm>
-          <a:off x="0" y="0"/>
-          <a:ext cx="0" cy="0"/>
-          <a:chOff x="0" y="0"/>
-          <a:chExt cx="0" cy="0"/>
-        </a:xfrm>
-      </p:grpSpPr>
-      <p:sp>
-        <p:nvSpPr>
-          <p:cNvPr id="2" name="Заголовок 1"/>
-          <p:cNvSpPr>
-            <a:spLocks noGrp="1"/>
-          </p:cNvSpPr>
-          <p:nvPr>
-            <p:ph type="title"/>
-          </p:nvPr>
-        </p:nvSpPr>
-        <p:spPr/>
-        <p:txBody>
-          <a:bodyPr/>
-          <a:lstStyle/>
-          <a:p>
-            <a:r>
-              <a:rPr lang="ru-RU" dirty="0"/>
-              <a:t>Диаграмма потоков данных</a:t>
-            </a:r>
-          </a:p>
-        </p:txBody>
-      </p:sp>
-      <p:pic>
-        <p:nvPicPr>
-          <p:cNvPr id="5" name="Picture 2"/>
-          <p:cNvPicPr>
-            <a:picLocks noChangeAspect="1" noChangeArrowheads="1"/>
-          </p:cNvPicPr>
-          <p:nvPr/>
-        </p:nvPicPr>
-        <p:blipFill>
-          <a:blip r:embed="rId2">
-            <a:extLst>
-              <a:ext uri="{28A0092B-C50C-407E-A947-70E740481C1C}">
-                <a14:useLocalDpi xmlns:a14="http://schemas.microsoft.com/office/drawing/2010/main" val="0"/>
-              </a:ext>
-            </a:extLst>
-          </a:blip>
-          <a:srcRect/>
-          <a:stretch>
-            <a:fillRect/>
-          </a:stretch>
-        </p:blipFill>
-        <p:spPr bwMode="auto">
-          <a:xfrm>
-            <a:off x="1948072" y="2420888"/>
-            <a:ext cx="4846683" cy="3678932"/>
-          </a:xfrm>
-          <a:prstGeom prst="rect">
-            <a:avLst/>
-          </a:prstGeom>
-          <a:noFill/>
-          <a:ln>
-            <a:noFill/>
-          </a:ln>
-          <a:effectLst/>
-          <a:extLst>
-            <a:ext uri="{909E8E84-426E-40DD-AFC4-6F175D3DCCD1}">
-              <a14:hiddenFill xmlns:a14="http://schemas.microsoft.com/office/drawing/2010/main">
-                <a:solidFill>
-                  <a:schemeClr val="accent1"/>
-                </a:solidFill>
-              </a14:hiddenFill>
-            </a:ext>
-            <a:ext uri="{91240B29-F687-4F45-9708-019B960494DF}">
-              <a14:hiddenLine xmlns:a14="http://schemas.microsoft.com/office/drawing/2010/main" w="9525">
-                <a:solidFill>
-                  <a:schemeClr val="tx1"/>
-                </a:solidFill>
-                <a:miter lim="800000"/>
-                <a:headEnd/>
-                <a:tailEnd/>
-              </a14:hiddenLine>
-            </a:ext>
-            <a:ext uri="{AF507438-7753-43E0-B8FC-AC1667EBCBE1}">
-              <a14:hiddenEffects xmlns:a14="http://schemas.microsoft.com/office/drawing/2010/main">
-                <a:effectLst>
-                  <a:outerShdw dist="35921" dir="2700000" algn="ctr" rotWithShape="0">
-                    <a:schemeClr val="bg2"/>
-                  </a:outerShdw>
-                </a:effectLst>
-              </a14:hiddenEffects>
-            </a:ext>
-          </a:extLst>
-        </p:spPr>
-      </p:pic>
-      <p:sp>
-        <p:nvSpPr>
-          <p:cNvPr id="6" name="Номер слайда 5"/>
-          <p:cNvSpPr>
-            <a:spLocks noGrp="1"/>
-          </p:cNvSpPr>
-          <p:nvPr>
-            <p:ph type="sldNum" sz="quarter" idx="12"/>
-          </p:nvPr>
-        </p:nvSpPr>
-        <p:spPr/>
-        <p:txBody>
-          <a:bodyPr/>
-          <a:lstStyle/>
-          <a:p>
-            <a:fld id="{B19B0651-EE4F-4900-A07F-96A6BFA9D0F0}" type="slidenum">
-              <a:rPr lang="ru-RU" smtClean="0"/>
-              <a:t>18</a:t>
-            </a:fld>
-            <a:endParaRPr lang="ru-RU"/>
-          </a:p>
-        </p:txBody>
-      </p:sp>
-    </p:spTree>
-    <p:extLst>
-      <p:ext uri="{BB962C8B-B14F-4D97-AF65-F5344CB8AC3E}">
-        <p14:creationId xmlns:p14="http://schemas.microsoft.com/office/powerpoint/2010/main" val="2584614959"/>
-      </p:ext>
-    </p:extLst>
-  </p:cSld>
-  <p:clrMapOvr>
-    <a:masterClrMapping/>
-  </p:clrMapOvr>
-</p:sld>
-</file>
-
-<file path=ppt/slides/slide19.xml><?xml version="1.0" encoding="utf-8"?>
-<p:sld xmlns:a="http://schemas.openxmlformats.org/drawingml/2006/main" xmlns:r="http://schemas.openxmlformats.org/officeDocument/2006/relationships" xmlns:p="http://schemas.openxmlformats.org/presentationml/2006/main">
-  <p:cSld>
-    <p:spTree>
-      <p:nvGrpSpPr>
-        <p:cNvPr id="1" name=""/>
-        <p:cNvGrpSpPr/>
-        <p:nvPr/>
-      </p:nvGrpSpPr>
-      <p:grpSpPr>
-        <a:xfrm>
-          <a:off x="0" y="0"/>
-          <a:ext cx="0" cy="0"/>
-          <a:chOff x="0" y="0"/>
-          <a:chExt cx="0" cy="0"/>
-        </a:xfrm>
-      </p:grpSpPr>
-      <p:sp>
-        <p:nvSpPr>
-          <p:cNvPr id="2" name="Заголовок 1"/>
-          <p:cNvSpPr>
-            <a:spLocks noGrp="1"/>
-          </p:cNvSpPr>
-          <p:nvPr>
-            <p:ph type="title"/>
-          </p:nvPr>
-        </p:nvSpPr>
-        <p:spPr/>
-        <p:txBody>
-          <a:bodyPr/>
-          <a:lstStyle/>
-          <a:p>
-            <a:pPr eaLnBrk="1" fontAlgn="auto" hangingPunct="1">
-              <a:spcAft>
-                <a:spcPts val="0"/>
-              </a:spcAft>
+            <a:pPr>
               <a:defRPr/>
             </a:pPr>
             <a:r>
-              <a:rPr lang="ru-RU" dirty="0" smtClean="0"/>
-              <a:t>Итоги</a:t>
-            </a:r>
-            <a:endParaRPr lang="ru-RU" dirty="0"/>
+              <a:rPr lang="ru-RU" dirty="0"/>
+              <a:t>Результаты дипломной работы</a:t>
+            </a:r>
           </a:p>
         </p:txBody>
       </p:sp>
@@ -10945,94 +12683,106 @@
         </p:spPr>
         <p:txBody>
           <a:bodyPr>
-            <a:normAutofit fontScale="77500" lnSpcReduction="20000"/>
+            <a:normAutofit fontScale="70000" lnSpcReduction="20000"/>
           </a:bodyPr>
           <a:lstStyle/>
           <a:p>
             <a:pPr lvl="0"/>
             <a:r>
               <a:rPr lang="ru-RU" dirty="0" smtClean="0"/>
-              <a:t>Проведён </a:t>
+              <a:t>проанализированы </a:t>
             </a:r>
             <a:r>
               <a:rPr lang="ru-RU" dirty="0"/>
-              <a:t>обзор предметной области «Определение параметров движения объектов на панорамных снимках»</a:t>
-            </a:r>
+              <a:t>существующие алгоритмы определения параметров движения объектов и построения ортогональной проекции и </a:t>
+            </a:r>
+            <a:r>
+              <a:rPr lang="ru-RU" dirty="0" smtClean="0"/>
+              <a:t>выбраны </a:t>
+            </a:r>
+            <a:r>
+              <a:rPr lang="ru-RU" dirty="0"/>
+              <a:t>подходящие </a:t>
+            </a:r>
+            <a:r>
+              <a:rPr lang="ru-RU" dirty="0" smtClean="0"/>
+              <a:t>для </a:t>
+            </a:r>
+            <a:r>
+              <a:rPr lang="ru-RU" dirty="0"/>
+              <a:t>программной </a:t>
+            </a:r>
+            <a:r>
+              <a:rPr lang="ru-RU" dirty="0" smtClean="0"/>
+              <a:t>системы </a:t>
+            </a:r>
+            <a:r>
+              <a:rPr lang="ru-RU" dirty="0"/>
+              <a:t>«Анализ панорамных снимков</a:t>
+            </a:r>
+            <a:r>
+              <a:rPr lang="ru-RU" dirty="0" smtClean="0"/>
+              <a:t>»</a:t>
+            </a:r>
+            <a:endParaRPr lang="ru-RU" dirty="0"/>
           </a:p>
           <a:p>
             <a:pPr lvl="0"/>
             <a:r>
               <a:rPr lang="ru-RU" dirty="0" smtClean="0"/>
-              <a:t>Проведён </a:t>
+              <a:t>разработаны </a:t>
             </a:r>
             <a:r>
               <a:rPr lang="ru-RU" dirty="0"/>
-              <a:t>анализ предметных областей «Определение параметров движения объектов на панорамных снимках</a:t>
-            </a:r>
+              <a:t>недостающие алгоритмы определения параметров движения объектов и построения ортогональной проекции</a:t>
+            </a:r>
+          </a:p>
+          <a:p>
+            <a:pPr lvl="0"/>
             <a:r>
               <a:rPr lang="ru-RU" dirty="0" smtClean="0"/>
-              <a:t>» и </a:t>
+              <a:t>сформулированы </a:t>
             </a:r>
             <a:r>
               <a:rPr lang="ru-RU" dirty="0"/>
-              <a:t>«Построение ортогональной проекции изображений» </a:t>
+              <a:t>требования и спецификации к программному средству «Анализ панорамных снимков» и </a:t>
             </a:r>
             <a:r>
               <a:rPr lang="ru-RU" dirty="0" smtClean="0"/>
-              <a:t>и </a:t>
-            </a:r>
+              <a:t>разработан </a:t>
+            </a:r>
+            <a:r>
+              <a:rPr lang="ru-RU" dirty="0"/>
+              <a:t>его проект</a:t>
+            </a:r>
+          </a:p>
+          <a:p>
+            <a:pPr lvl="0"/>
             <a:r>
               <a:rPr lang="ru-RU" dirty="0" smtClean="0"/>
-              <a:t>составлены </a:t>
+              <a:t>реализована система </a:t>
             </a:r>
             <a:r>
               <a:rPr lang="ru-RU" dirty="0"/>
-              <a:t>их модели</a:t>
-            </a:r>
-          </a:p>
-          <a:p>
-            <a:pPr lvl="0"/>
+              <a:t>«Анализ панорамных снимков» и </a:t>
+            </a:r>
             <a:r>
               <a:rPr lang="ru-RU" dirty="0" smtClean="0"/>
-              <a:t>Разработан </a:t>
+              <a:t>проведено </a:t>
             </a:r>
             <a:r>
               <a:rPr lang="ru-RU" dirty="0"/>
-              <a:t>проект программного средства анализа снимков</a:t>
-            </a:r>
-          </a:p>
-          <a:p>
-            <a:pPr lvl="0"/>
-            <a:r>
-              <a:rPr lang="ru-RU" dirty="0" smtClean="0"/>
-              <a:t>На </a:t>
+              <a:t>её тестирование</a:t>
+            </a:r>
+          </a:p>
+          <a:p>
+            <a:r>
+              <a:rPr lang="ru-RU" smtClean="0"/>
+              <a:t>проведено </a:t>
             </a:r>
             <a:r>
               <a:rPr lang="ru-RU" dirty="0"/>
-              <a:t>основе составленного проекта </a:t>
-            </a:r>
-            <a:r>
-              <a:rPr lang="ru-RU" dirty="0" smtClean="0"/>
-              <a:t>реализована программная система </a:t>
-            </a:r>
-            <a:r>
-              <a:rPr lang="ru-RU" dirty="0"/>
-              <a:t>анализа снимков</a:t>
-            </a:r>
-          </a:p>
-          <a:p>
-            <a:pPr lvl="0"/>
-            <a:r>
-              <a:rPr lang="ru-RU" dirty="0" smtClean="0"/>
-              <a:t>Проведено </a:t>
-            </a:r>
-            <a:r>
-              <a:rPr lang="ru-RU" dirty="0"/>
-              <a:t>тестирование созданной </a:t>
-            </a:r>
-            <a:r>
-              <a:rPr lang="ru-RU" dirty="0" smtClean="0"/>
-              <a:t>системы</a:t>
+              <a:t>экспериментальное исследование созданного программного средства «Анализ панорамных снимков»</a:t>
             </a:r>
             <a:endParaRPr lang="ru-RU" dirty="0"/>
           </a:p>
@@ -11061,7 +12811,7 @@
               <a:pPr>
                 <a:defRPr/>
               </a:pPr>
-              <a:t>19</a:t>
+              <a:t>15</a:t>
             </a:fld>
             <a:endParaRPr lang="ru-RU" sz="2000" dirty="0"/>
           </a:p>
@@ -11144,19 +12894,14 @@
           <a:p>
             <a:r>
               <a:rPr lang="ru-RU" dirty="0" smtClean="0"/>
-              <a:t>Автоматизация слеживания за акваториями.</a:t>
+              <a:t>Автоматизация слежения за акваториями.</a:t>
             </a:r>
           </a:p>
           <a:p>
             <a:r>
               <a:rPr lang="ru-RU" dirty="0" smtClean="0"/>
-              <a:t>Автоматический анализ снимков</a:t>
-            </a:r>
-            <a:r>
-              <a:rPr lang="ru-RU" dirty="0" smtClean="0"/>
-              <a:t>.</a:t>
-            </a:r>
-            <a:endParaRPr lang="ru-RU" dirty="0" smtClean="0"/>
+              <a:t>Автоматический анализ снимков.</a:t>
+            </a:r>
           </a:p>
         </p:txBody>
       </p:sp>
@@ -11350,81 +13095,74 @@
         <p:spPr/>
         <p:txBody>
           <a:bodyPr>
-            <a:normAutofit fontScale="77500" lnSpcReduction="20000"/>
+            <a:normAutofit fontScale="70000" lnSpcReduction="20000"/>
           </a:bodyPr>
           <a:lstStyle/>
           <a:p>
             <a:pPr lvl="0"/>
             <a:r>
+              <a:rPr lang="ru-RU" dirty="0"/>
+              <a:t>проанализировать существующие алгоритмы определения параметров движения объектов и построения ортогональной проекции и выбрать подходящие для программной </a:t>
+            </a:r>
+            <a:r>
               <a:rPr lang="ru-RU" dirty="0" smtClean="0"/>
-              <a:t>Провести обзор предметной </a:t>
+              <a:t>системы </a:t>
             </a:r>
             <a:r>
               <a:rPr lang="ru-RU" dirty="0"/>
-              <a:t>области «Определение параметров движения объектов на панорамных снимках»</a:t>
-            </a:r>
-            <a:endParaRPr lang="ru-RU" dirty="0" smtClean="0"/>
-          </a:p>
-          <a:p>
-            <a:pPr lvl="0"/>
-            <a:r>
-              <a:rPr lang="ru-RU" dirty="0" smtClean="0"/>
-              <a:t>Провести анализ предметных областей «Определение параметров движения объектов на панорамных снимках</a:t>
+              <a:t>«Анализ панорамных снимков</a:t>
             </a:r>
             <a:r>
               <a:rPr lang="ru-RU" dirty="0" smtClean="0"/>
               <a:t>»</a:t>
             </a:r>
-            <a:r>
-              <a:rPr lang="en-US" dirty="0" smtClean="0"/>
-              <a:t> </a:t>
+            <a:endParaRPr lang="ru-RU" dirty="0"/>
+          </a:p>
+          <a:p>
+            <a:pPr lvl="0"/>
+            <a:r>
+              <a:rPr lang="ru-RU" dirty="0"/>
+              <a:t>разработать недостающие алгоритмы определения параметров движения объектов и построения ортогональной </a:t>
             </a:r>
             <a:r>
               <a:rPr lang="ru-RU" dirty="0" smtClean="0"/>
-              <a:t>и </a:t>
+              <a:t>проекции</a:t>
+            </a:r>
+            <a:endParaRPr lang="ru-RU" dirty="0"/>
+          </a:p>
+          <a:p>
+            <a:pPr lvl="0"/>
+            <a:r>
+              <a:rPr lang="ru-RU" dirty="0"/>
+              <a:t>сформулировать требования и спецификации к программному средству «Анализ панорамных снимков» и разработать его </a:t>
             </a:r>
             <a:r>
               <a:rPr lang="ru-RU" dirty="0" smtClean="0"/>
-              <a:t>«Построение </a:t>
-            </a:r>
+              <a:t>проект</a:t>
+            </a:r>
+            <a:endParaRPr lang="ru-RU" dirty="0"/>
+          </a:p>
+          <a:p>
+            <a:pPr lvl="0"/>
             <a:r>
               <a:rPr lang="ru-RU" dirty="0"/>
-              <a:t>ортогональной проекции изображений</a:t>
+              <a:t>реализовать систему «Анализ панорамных снимков» и провести её </a:t>
             </a:r>
             <a:r>
               <a:rPr lang="ru-RU" dirty="0" smtClean="0"/>
-              <a:t>» и </a:t>
+              <a:t>тестирование</a:t>
+            </a:r>
+            <a:endParaRPr lang="ru-RU" dirty="0"/>
+          </a:p>
+          <a:p>
+            <a:r>
+              <a:rPr lang="ru-RU" dirty="0"/>
+              <a:t>провести экспериментальное исследование созданного программного средства «Анализ панорамных снимков</a:t>
             </a:r>
             <a:r>
               <a:rPr lang="ru-RU" dirty="0" smtClean="0"/>
-              <a:t>составить их модели</a:t>
-            </a:r>
-            <a:endParaRPr lang="ru-RU" dirty="0"/>
-          </a:p>
-          <a:p>
-            <a:pPr lvl="0"/>
-            <a:r>
-              <a:rPr lang="ru-RU" dirty="0" smtClean="0"/>
-              <a:t>Разработать проект программного средства анализа снимков</a:t>
-            </a:r>
-            <a:endParaRPr lang="ru-RU" dirty="0"/>
-          </a:p>
-          <a:p>
-            <a:pPr lvl="0"/>
-            <a:r>
-              <a:rPr lang="ru-RU" dirty="0" smtClean="0"/>
-              <a:t>Реализовать на основе составленного проекта программную систему анализа снимков</a:t>
-            </a:r>
-            <a:endParaRPr lang="ru-RU" dirty="0"/>
-          </a:p>
-          <a:p>
-            <a:pPr lvl="0"/>
-            <a:r>
-              <a:rPr lang="ru-RU" dirty="0" smtClean="0"/>
-              <a:t>Провести тестирование созданной системы</a:t>
-            </a:r>
-          </a:p>
-          <a:p>
+              <a:t>»</a:t>
+            </a:r>
             <a:endParaRPr lang="ru-RU" dirty="0"/>
           </a:p>
         </p:txBody>
@@ -11497,113 +13235,6 @@
           <a:bodyPr/>
           <a:lstStyle/>
           <a:p>
-            <a:r>
-              <a:rPr lang="ru-RU" dirty="0" smtClean="0"/>
-              <a:t>Основные понятия</a:t>
-            </a:r>
-            <a:endParaRPr lang="ru-RU" dirty="0"/>
-          </a:p>
-        </p:txBody>
-      </p:sp>
-      <p:sp>
-        <p:nvSpPr>
-          <p:cNvPr id="3" name="Объект 2"/>
-          <p:cNvSpPr>
-            <a:spLocks noGrp="1"/>
-          </p:cNvSpPr>
-          <p:nvPr>
-            <p:ph idx="1"/>
-          </p:nvPr>
-        </p:nvSpPr>
-        <p:spPr/>
-        <p:txBody>
-          <a:bodyPr/>
-          <a:lstStyle/>
-          <a:p>
-            <a:r>
-              <a:rPr lang="ru-RU" dirty="0" smtClean="0"/>
-              <a:t>Снимок</a:t>
-            </a:r>
-          </a:p>
-          <a:p>
-            <a:r>
-              <a:rPr lang="ru-RU" dirty="0" smtClean="0"/>
-              <a:t>Объект снимка</a:t>
-            </a:r>
-          </a:p>
-          <a:p>
-            <a:endParaRPr lang="ru-RU" dirty="0"/>
-          </a:p>
-        </p:txBody>
-      </p:sp>
-      <p:sp>
-        <p:nvSpPr>
-          <p:cNvPr id="4" name="Номер слайда 3"/>
-          <p:cNvSpPr>
-            <a:spLocks noGrp="1"/>
-          </p:cNvSpPr>
-          <p:nvPr>
-            <p:ph type="sldNum" sz="quarter" idx="12"/>
-          </p:nvPr>
-        </p:nvSpPr>
-        <p:spPr/>
-        <p:txBody>
-          <a:bodyPr/>
-          <a:lstStyle/>
-          <a:p>
-            <a:fld id="{B19B0651-EE4F-4900-A07F-96A6BFA9D0F0}" type="slidenum">
-              <a:rPr lang="ru-RU" smtClean="0"/>
-              <a:t>5</a:t>
-            </a:fld>
-            <a:endParaRPr lang="ru-RU"/>
-          </a:p>
-        </p:txBody>
-      </p:sp>
-    </p:spTree>
-    <p:extLst>
-      <p:ext uri="{BB962C8B-B14F-4D97-AF65-F5344CB8AC3E}">
-        <p14:creationId xmlns:p14="http://schemas.microsoft.com/office/powerpoint/2010/main" val="3946565525"/>
-      </p:ext>
-    </p:extLst>
-  </p:cSld>
-  <p:clrMapOvr>
-    <a:masterClrMapping/>
-  </p:clrMapOvr>
-</p:sld>
-</file>
-
-<file path=ppt/slides/slide6.xml><?xml version="1.0" encoding="utf-8"?>
-<p:sld xmlns:a="http://schemas.openxmlformats.org/drawingml/2006/main" xmlns:r="http://schemas.openxmlformats.org/officeDocument/2006/relationships" xmlns:p="http://schemas.openxmlformats.org/presentationml/2006/main">
-  <p:cSld>
-    <p:spTree>
-      <p:nvGrpSpPr>
-        <p:cNvPr id="1" name=""/>
-        <p:cNvGrpSpPr/>
-        <p:nvPr/>
-      </p:nvGrpSpPr>
-      <p:grpSpPr>
-        <a:xfrm>
-          <a:off x="0" y="0"/>
-          <a:ext cx="0" cy="0"/>
-          <a:chOff x="0" y="0"/>
-          <a:chExt cx="0" cy="0"/>
-        </a:xfrm>
-      </p:grpSpPr>
-      <p:sp>
-        <p:nvSpPr>
-          <p:cNvPr id="2" name="Заголовок 1"/>
-          <p:cNvSpPr>
-            <a:spLocks noGrp="1"/>
-          </p:cNvSpPr>
-          <p:nvPr>
-            <p:ph type="title"/>
-          </p:nvPr>
-        </p:nvSpPr>
-        <p:spPr/>
-        <p:txBody>
-          <a:bodyPr/>
-          <a:lstStyle/>
-          <a:p>
             <a:pPr eaLnBrk="1" fontAlgn="auto" hangingPunct="1">
               <a:spcAft>
                 <a:spcPts val="0"/>
@@ -11636,7 +13267,7 @@
         </p:spPr>
         <p:txBody>
           <a:bodyPr rtlCol="0">
-            <a:normAutofit lnSpcReduction="10000"/>
+            <a:normAutofit fontScale="92500" lnSpcReduction="20000"/>
           </a:bodyPr>
           <a:lstStyle/>
           <a:p>
@@ -11680,13 +13311,14 @@
               <a:defRPr/>
             </a:pPr>
             <a:r>
-              <a:rPr lang="ru-RU" dirty="0" smtClean="0">
-                <a:solidFill>
-                  <a:schemeClr val="tx1"/>
-                </a:solidFill>
-              </a:rPr>
-              <a:t>Бинаризация растровых изображений</a:t>
-            </a:r>
+              <a:rPr lang="ru-RU" dirty="0" smtClean="0"/>
+              <a:t>Изменение тонового распределения</a:t>
+            </a:r>
+            <a:endParaRPr lang="en-US" dirty="0" smtClean="0">
+              <a:solidFill>
+                <a:schemeClr val="tx1"/>
+              </a:solidFill>
+            </a:endParaRPr>
           </a:p>
           <a:p>
             <a:pPr marL="457200" indent="-457200" eaLnBrk="1" fontAlgn="auto" hangingPunct="1">
@@ -11703,21 +13335,8 @@
                   <a:schemeClr val="tx1"/>
                 </a:solidFill>
               </a:rPr>
-              <a:t>Алгоритм </a:t>
-            </a:r>
-            <a:r>
-              <a:rPr lang="ru-RU" dirty="0">
-                <a:solidFill>
-                  <a:schemeClr val="tx1"/>
-                </a:solidFill>
-              </a:rPr>
-              <a:t>восьми масок</a:t>
-            </a:r>
-            <a:endParaRPr lang="ru-RU" dirty="0" smtClean="0">
-              <a:solidFill>
-                <a:schemeClr val="tx1"/>
-              </a:solidFill>
-            </a:endParaRPr>
+              <a:t>Бинаризация растровых изображений</a:t>
+            </a:r>
           </a:p>
           <a:p>
             <a:pPr marL="457200" indent="-457200" eaLnBrk="1" fontAlgn="auto" hangingPunct="1">
@@ -11734,7 +13353,7 @@
                   <a:schemeClr val="tx1"/>
                 </a:solidFill>
               </a:rPr>
-              <a:t>Метод </a:t>
+              <a:t>Алгоритм </a:t>
             </a:r>
             <a:r>
               <a:rPr lang="ru-RU" dirty="0">
@@ -11742,7 +13361,7 @@
                   <a:schemeClr val="tx1"/>
                 </a:solidFill>
               </a:rPr>
-              <a:t>сравнения иерархий графов </a:t>
+              <a:t>восьми масок</a:t>
             </a:r>
             <a:endParaRPr lang="ru-RU" dirty="0" smtClean="0">
               <a:solidFill>
@@ -11773,6 +13392,37 @@
                   <a:schemeClr val="tx1"/>
                 </a:solidFill>
               </a:rPr>
+              <a:t>сравнения иерархий графов </a:t>
+            </a:r>
+            <a:endParaRPr lang="ru-RU" dirty="0" smtClean="0">
+              <a:solidFill>
+                <a:schemeClr val="tx1"/>
+              </a:solidFill>
+            </a:endParaRPr>
+          </a:p>
+          <a:p>
+            <a:pPr marL="457200" indent="-457200" eaLnBrk="1" fontAlgn="auto" hangingPunct="1">
+              <a:spcAft>
+                <a:spcPts val="0"/>
+              </a:spcAft>
+              <a:buFont typeface="+mj-lt"/>
+              <a:buAutoNum type="arabicPeriod"/>
+              <a:defRPr/>
+            </a:pPr>
+            <a:r>
+              <a:rPr lang="ru-RU" dirty="0" smtClean="0">
+                <a:solidFill>
+                  <a:schemeClr val="tx1"/>
+                </a:solidFill>
+              </a:rPr>
+              <a:t>Метод </a:t>
+            </a:r>
+            <a:r>
+              <a:rPr lang="ru-RU" dirty="0">
+                <a:solidFill>
+                  <a:schemeClr val="tx1"/>
+                </a:solidFill>
+              </a:rPr>
               <a:t>построения математической модели </a:t>
             </a:r>
             <a:r>
@@ -11820,15 +13470,7 @@
                   <a:schemeClr val="tx1"/>
                 </a:solidFill>
               </a:rPr>
-              <a:t>Трансформирование </a:t>
-            </a:r>
-            <a:r>
-              <a:rPr lang="ru-RU" dirty="0" smtClean="0">
-                <a:solidFill>
-                  <a:schemeClr val="tx1"/>
-                </a:solidFill>
-              </a:rPr>
-              <a:t>координат</a:t>
+              <a:t>Трансформирование координат</a:t>
             </a:r>
             <a:endParaRPr lang="ru-RU" dirty="0">
               <a:solidFill>
@@ -11861,7 +13503,7 @@
               <a:pPr>
                 <a:defRPr/>
               </a:pPr>
-              <a:t>6</a:t>
+              <a:t>5</a:t>
             </a:fld>
             <a:endParaRPr lang="ru-RU" sz="2000" dirty="0"/>
           </a:p>
@@ -11887,7 +13529,7 @@
 </p:sld>
 </file>
 
-<file path=ppt/slides/slide7.xml><?xml version="1.0" encoding="utf-8"?>
+<file path=ppt/slides/slide6.xml><?xml version="1.0" encoding="utf-8"?>
 <p:sld xmlns:a="http://schemas.openxmlformats.org/drawingml/2006/main" xmlns:r="http://schemas.openxmlformats.org/officeDocument/2006/relationships" xmlns:p="http://schemas.openxmlformats.org/presentationml/2006/main">
   <p:cSld>
     <p:spTree>
@@ -12689,7 +14331,7 @@
               <a:pPr>
                 <a:defRPr/>
               </a:pPr>
-              <a:t>7</a:t>
+              <a:t>6</a:t>
             </a:fld>
             <a:endParaRPr lang="ru-RU" sz="2000" dirty="0"/>
           </a:p>
@@ -12715,7 +14357,7 @@
 </p:sld>
 </file>
 
-<file path=ppt/slides/slide8.xml><?xml version="1.0" encoding="utf-8"?>
+<file path=ppt/slides/slide7.xml><?xml version="1.0" encoding="utf-8"?>
 <p:sld xmlns:a="http://schemas.openxmlformats.org/drawingml/2006/main" xmlns:r="http://schemas.openxmlformats.org/officeDocument/2006/relationships" xmlns:p="http://schemas.openxmlformats.org/presentationml/2006/main">
   <p:cSld>
     <p:spTree>
@@ -12784,7 +14426,7 @@
               <a:pPr>
                 <a:defRPr/>
               </a:pPr>
-              <a:t>8</a:t>
+              <a:t>7</a:t>
             </a:fld>
             <a:endParaRPr lang="ru-RU" sz="2000" dirty="0"/>
           </a:p>
@@ -13348,7 +14990,7 @@
 </p:sld>
 </file>
 
-<file path=ppt/slides/slide9.xml><?xml version="1.0" encoding="utf-8"?>
+<file path=ppt/slides/slide8.xml><?xml version="1.0" encoding="utf-8"?>
 <p:sld xmlns:a="http://schemas.openxmlformats.org/drawingml/2006/main" xmlns:r="http://schemas.openxmlformats.org/officeDocument/2006/relationships" xmlns:p="http://schemas.openxmlformats.org/presentationml/2006/main">
   <p:cSld>
     <p:bg>
@@ -13424,136 +15066,136 @@
         </p:nvSpPr>
         <p:spPr>
           <a:xfrm>
-            <a:off x="5496176" y="1600200"/>
-            <a:ext cx="3190623" cy="3759145"/>
+            <a:off x="5496176" y="1600201"/>
+            <a:ext cx="3190623" cy="2548880"/>
           </a:xfrm>
         </p:spPr>
         <p:txBody>
           <a:bodyPr>
-            <a:normAutofit fontScale="62500" lnSpcReduction="20000"/>
+            <a:normAutofit/>
           </a:bodyPr>
           <a:lstStyle/>
           <a:p>
             <a:r>
-              <a:rPr lang="en-US" i="1" dirty="0" smtClean="0">
+              <a:rPr lang="en-US" sz="1400" i="1" dirty="0" smtClean="0">
                 <a:latin typeface="Times New Roman" pitchFamily="18" charset="0"/>
                 <a:cs typeface="Times New Roman" pitchFamily="18" charset="0"/>
               </a:rPr>
               <a:t>(x</a:t>
             </a:r>
             <a:r>
-              <a:rPr lang="en-US" i="1" baseline="-25000" dirty="0" smtClean="0">
+              <a:rPr lang="en-US" sz="1400" i="1" baseline="-25000" dirty="0" smtClean="0">
                 <a:latin typeface="Times New Roman" pitchFamily="18" charset="0"/>
                 <a:cs typeface="Times New Roman" pitchFamily="18" charset="0"/>
               </a:rPr>
               <a:t>c</a:t>
             </a:r>
             <a:r>
-              <a:rPr lang="en-US" i="1" dirty="0" smtClean="0">
+              <a:rPr lang="en-US" sz="1400" i="1" dirty="0" smtClean="0">
                 <a:latin typeface="Times New Roman" pitchFamily="18" charset="0"/>
                 <a:cs typeface="Times New Roman" pitchFamily="18" charset="0"/>
               </a:rPr>
               <a:t>, </a:t>
             </a:r>
             <a:r>
-              <a:rPr lang="en-US" i="1" dirty="0" err="1" smtClean="0">
+              <a:rPr lang="en-US" sz="1400" i="1" dirty="0" err="1" smtClean="0">
                 <a:latin typeface="Times New Roman" pitchFamily="18" charset="0"/>
                 <a:cs typeface="Times New Roman" pitchFamily="18" charset="0"/>
               </a:rPr>
               <a:t>y</a:t>
             </a:r>
             <a:r>
-              <a:rPr lang="en-US" i="1" baseline="-25000" dirty="0" err="1" smtClean="0">
+              <a:rPr lang="en-US" sz="1400" i="1" baseline="-25000" dirty="0" err="1" smtClean="0">
                 <a:latin typeface="Times New Roman" pitchFamily="18" charset="0"/>
                 <a:cs typeface="Times New Roman" pitchFamily="18" charset="0"/>
               </a:rPr>
               <a:t>c</a:t>
             </a:r>
             <a:r>
-              <a:rPr lang="en-US" i="1" baseline="-25000" dirty="0" smtClean="0">
+              <a:rPr lang="en-US" sz="1400" i="1" baseline="-25000" dirty="0" smtClean="0">
                 <a:latin typeface="Times New Roman" pitchFamily="18" charset="0"/>
                 <a:cs typeface="Times New Roman" pitchFamily="18" charset="0"/>
               </a:rPr>
               <a:t>,</a:t>
             </a:r>
             <a:r>
-              <a:rPr lang="en-US" i="1" dirty="0" smtClean="0">
+              <a:rPr lang="en-US" sz="1400" i="1" dirty="0" smtClean="0">
                 <a:latin typeface="Times New Roman" pitchFamily="18" charset="0"/>
                 <a:cs typeface="Times New Roman" pitchFamily="18" charset="0"/>
               </a:rPr>
               <a:t> </a:t>
             </a:r>
             <a:r>
-              <a:rPr lang="en-US" i="1" dirty="0" err="1" smtClean="0">
+              <a:rPr lang="en-US" sz="1400" i="1" dirty="0" err="1" smtClean="0">
                 <a:latin typeface="Times New Roman" pitchFamily="18" charset="0"/>
                 <a:cs typeface="Times New Roman" pitchFamily="18" charset="0"/>
               </a:rPr>
               <a:t>z</a:t>
             </a:r>
             <a:r>
-              <a:rPr lang="en-US" i="1" baseline="-25000" dirty="0" err="1" smtClean="0">
+              <a:rPr lang="en-US" sz="1400" i="1" baseline="-25000" dirty="0" err="1" smtClean="0">
                 <a:latin typeface="Times New Roman" pitchFamily="18" charset="0"/>
                 <a:cs typeface="Times New Roman" pitchFamily="18" charset="0"/>
               </a:rPr>
               <a:t>c</a:t>
             </a:r>
             <a:r>
-              <a:rPr lang="en-US" i="1" dirty="0" smtClean="0">
+              <a:rPr lang="en-US" sz="1400" i="1" dirty="0" smtClean="0">
                 <a:latin typeface="Times New Roman" pitchFamily="18" charset="0"/>
                 <a:cs typeface="Times New Roman" pitchFamily="18" charset="0"/>
               </a:rPr>
               <a:t>)</a:t>
             </a:r>
             <a:r>
-              <a:rPr lang="en-US" dirty="0" smtClean="0">
+              <a:rPr lang="en-US" sz="1400" dirty="0" smtClean="0">
                 <a:latin typeface="Times New Roman" pitchFamily="18" charset="0"/>
                 <a:cs typeface="Times New Roman" pitchFamily="18" charset="0"/>
               </a:rPr>
               <a:t> – </a:t>
             </a:r>
             <a:r>
-              <a:rPr lang="ru-RU" dirty="0" smtClean="0">
+              <a:rPr lang="ru-RU" sz="1400" dirty="0" smtClean="0">
                 <a:latin typeface="Times New Roman" pitchFamily="18" charset="0"/>
                 <a:cs typeface="Times New Roman" pitchFamily="18" charset="0"/>
               </a:rPr>
               <a:t>пространственные координаты камеры</a:t>
             </a:r>
-            <a:endParaRPr lang="en-US" dirty="0" smtClean="0">
+            <a:endParaRPr lang="en-US" sz="1400" dirty="0" smtClean="0">
               <a:latin typeface="Times New Roman" pitchFamily="18" charset="0"/>
               <a:cs typeface="Times New Roman" pitchFamily="18" charset="0"/>
             </a:endParaRPr>
           </a:p>
           <a:p>
             <a:r>
-              <a:rPr lang="en-US" i="1" dirty="0" smtClean="0">
+              <a:rPr lang="en-US" sz="1400" i="1" dirty="0" smtClean="0">
                 <a:latin typeface="Times New Roman" pitchFamily="18" charset="0"/>
                 <a:cs typeface="Times New Roman" pitchFamily="18" charset="0"/>
               </a:rPr>
               <a:t>(x, y</a:t>
             </a:r>
             <a:r>
-              <a:rPr lang="en-US" i="1" baseline="-25000" dirty="0" smtClean="0">
+              <a:rPr lang="en-US" sz="1400" i="1" baseline="-25000" dirty="0" smtClean="0">
                 <a:latin typeface="Times New Roman" pitchFamily="18" charset="0"/>
                 <a:cs typeface="Times New Roman" pitchFamily="18" charset="0"/>
               </a:rPr>
               <a:t>,</a:t>
             </a:r>
             <a:r>
-              <a:rPr lang="en-US" i="1" dirty="0" smtClean="0">
+              <a:rPr lang="en-US" sz="1400" i="1" dirty="0" smtClean="0">
                 <a:latin typeface="Times New Roman" pitchFamily="18" charset="0"/>
                 <a:cs typeface="Times New Roman" pitchFamily="18" charset="0"/>
               </a:rPr>
               <a:t> z)</a:t>
             </a:r>
             <a:r>
-              <a:rPr lang="en-US" dirty="0" smtClean="0">
+              <a:rPr lang="en-US" sz="1400" dirty="0" smtClean="0">
                 <a:latin typeface="Times New Roman" pitchFamily="18" charset="0"/>
                 <a:cs typeface="Times New Roman" pitchFamily="18" charset="0"/>
               </a:rPr>
               <a:t> – </a:t>
             </a:r>
             <a:r>
-              <a:rPr lang="ru-RU" dirty="0" smtClean="0">
+              <a:rPr lang="ru-RU" sz="1400" dirty="0" smtClean="0">
                 <a:latin typeface="Times New Roman" pitchFamily="18" charset="0"/>
                 <a:cs typeface="Times New Roman" pitchFamily="18" charset="0"/>
               </a:rPr>
@@ -13562,35 +15204,35 @@
           </a:p>
           <a:p>
             <a:r>
-              <a:rPr lang="ru-RU" dirty="0" smtClean="0">
+              <a:rPr lang="ru-RU" sz="1400" dirty="0" smtClean="0">
                 <a:latin typeface="Times New Roman" pitchFamily="18" charset="0"/>
                 <a:cs typeface="Times New Roman" pitchFamily="18" charset="0"/>
               </a:rPr>
               <a:t>(</a:t>
             </a:r>
             <a:r>
-              <a:rPr lang="en-US" i="1" dirty="0" smtClean="0">
+              <a:rPr lang="en-US" sz="1400" i="1" dirty="0" smtClean="0">
                 <a:latin typeface="Times New Roman" pitchFamily="18" charset="0"/>
                 <a:cs typeface="Times New Roman" pitchFamily="18" charset="0"/>
               </a:rPr>
               <a:t>u, v</a:t>
             </a:r>
             <a:r>
-              <a:rPr lang="ru-RU" dirty="0" smtClean="0">
+              <a:rPr lang="ru-RU" sz="1400" dirty="0" smtClean="0">
                 <a:latin typeface="Times New Roman" pitchFamily="18" charset="0"/>
                 <a:cs typeface="Times New Roman" pitchFamily="18" charset="0"/>
               </a:rPr>
               <a:t>)</a:t>
             </a:r>
             <a:r>
-              <a:rPr lang="en-US" dirty="0" smtClean="0">
+              <a:rPr lang="en-US" sz="1400" dirty="0" smtClean="0">
                 <a:latin typeface="Times New Roman" pitchFamily="18" charset="0"/>
                 <a:cs typeface="Times New Roman" pitchFamily="18" charset="0"/>
               </a:rPr>
               <a:t> – </a:t>
             </a:r>
             <a:r>
-              <a:rPr lang="ru-RU" dirty="0" smtClean="0">
+              <a:rPr lang="ru-RU" sz="1400" dirty="0" smtClean="0">
                 <a:latin typeface="Times New Roman" pitchFamily="18" charset="0"/>
                 <a:cs typeface="Times New Roman" pitchFamily="18" charset="0"/>
               </a:rPr>
@@ -13599,14 +15241,14 @@
           </a:p>
           <a:p>
             <a:r>
-              <a:rPr lang="en-US" dirty="0" smtClean="0">
+              <a:rPr lang="en-US" sz="1400" dirty="0" smtClean="0">
                 <a:latin typeface="Times New Roman" pitchFamily="18" charset="0"/>
                 <a:cs typeface="Times New Roman" pitchFamily="18" charset="0"/>
               </a:rPr>
               <a:t>f – </a:t>
             </a:r>
             <a:r>
-              <a:rPr lang="ru-RU" dirty="0" smtClean="0">
+              <a:rPr lang="ru-RU" sz="1400" dirty="0" smtClean="0">
                 <a:latin typeface="Times New Roman" pitchFamily="18" charset="0"/>
                 <a:cs typeface="Times New Roman" pitchFamily="18" charset="0"/>
               </a:rPr>
@@ -13615,42 +15257,42 @@
           </a:p>
           <a:p>
             <a:r>
-              <a:rPr lang="ru-RU" dirty="0" smtClean="0">
+              <a:rPr lang="ru-RU" sz="1400" dirty="0" smtClean="0">
                 <a:latin typeface="Times New Roman" pitchFamily="18" charset="0"/>
                 <a:cs typeface="Times New Roman" pitchFamily="18" charset="0"/>
               </a:rPr>
               <a:t>τ, </a:t>
             </a:r>
             <a:r>
-              <a:rPr lang="el-GR" dirty="0" smtClean="0">
+              <a:rPr lang="el-GR" sz="1400" dirty="0" smtClean="0">
                 <a:latin typeface="Times New Roman" pitchFamily="18" charset="0"/>
                 <a:cs typeface="Times New Roman" pitchFamily="18" charset="0"/>
               </a:rPr>
               <a:t>σ</a:t>
             </a:r>
             <a:r>
-              <a:rPr lang="ru-RU" dirty="0" smtClean="0">
+              <a:rPr lang="ru-RU" sz="1400" dirty="0" smtClean="0">
                 <a:latin typeface="Times New Roman" pitchFamily="18" charset="0"/>
                 <a:cs typeface="Times New Roman" pitchFamily="18" charset="0"/>
               </a:rPr>
               <a:t>, </a:t>
             </a:r>
             <a:r>
-              <a:rPr lang="el-GR" dirty="0" smtClean="0">
+              <a:rPr lang="el-GR" sz="1400" dirty="0" smtClean="0">
                 <a:latin typeface="Times New Roman" pitchFamily="18" charset="0"/>
                 <a:cs typeface="Times New Roman" pitchFamily="18" charset="0"/>
               </a:rPr>
               <a:t>φ</a:t>
             </a:r>
             <a:r>
-              <a:rPr lang="en-US" dirty="0" smtClean="0">
+              <a:rPr lang="en-US" sz="1400" dirty="0" smtClean="0">
                 <a:latin typeface="Times New Roman" pitchFamily="18" charset="0"/>
                 <a:cs typeface="Times New Roman" pitchFamily="18" charset="0"/>
               </a:rPr>
               <a:t> – </a:t>
             </a:r>
             <a:r>
-              <a:rPr lang="ru-RU" dirty="0" smtClean="0">
+              <a:rPr lang="ru-RU" sz="1400" dirty="0" smtClean="0">
                 <a:latin typeface="Times New Roman" pitchFamily="18" charset="0"/>
                 <a:cs typeface="Times New Roman" pitchFamily="18" charset="0"/>
               </a:rPr>
@@ -13689,7 +15331,7 @@
               <a:pPr>
                 <a:defRPr/>
               </a:pPr>
-              <a:t>9</a:t>
+              <a:t>8</a:t>
             </a:fld>
             <a:endParaRPr lang="ru-RU" sz="2000" dirty="0">
               <a:solidFill>
@@ -13713,7 +15355,7 @@
         <p:grpSpPr bwMode="auto">
           <a:xfrm>
             <a:off x="420167" y="1530295"/>
-            <a:ext cx="6985000" cy="4849812"/>
+            <a:ext cx="5076010" cy="3829050"/>
             <a:chOff x="491537" y="1465496"/>
             <a:chExt cx="6985828" cy="4849180"/>
           </a:xfrm>
@@ -14574,10 +16216,299 @@
           </p:txBody>
         </p:sp>
       </p:grpSp>
+      <p:sp>
+        <p:nvSpPr>
+          <p:cNvPr id="3" name="Прямоугольник 2"/>
+          <p:cNvSpPr/>
+          <p:nvPr/>
+        </p:nvSpPr>
+        <p:spPr>
+          <a:xfrm>
+            <a:off x="420167" y="5653634"/>
+            <a:ext cx="4572000" cy="584775"/>
+          </a:xfrm>
+          <a:prstGeom prst="rect">
+            <a:avLst/>
+          </a:prstGeom>
+        </p:spPr>
+        <p:txBody>
+          <a:bodyPr>
+            <a:spAutoFit/>
+          </a:bodyPr>
+          <a:lstStyle/>
+          <a:p>
+            <a:r>
+              <a:rPr lang="ru-RU" sz="1600" dirty="0"/>
+              <a:t>Матрица связи мировых координат (</a:t>
+            </a:r>
+            <a:r>
+              <a:rPr lang="en-US" sz="1600" dirty="0"/>
+              <a:t>x</a:t>
+            </a:r>
+            <a:r>
+              <a:rPr lang="ru-RU" sz="1600" dirty="0"/>
+              <a:t>, </a:t>
+            </a:r>
+            <a:r>
+              <a:rPr lang="en-US" sz="1600" dirty="0"/>
+              <a:t>y</a:t>
+            </a:r>
+            <a:r>
+              <a:rPr lang="ru-RU" sz="1600" dirty="0"/>
+              <a:t>, </a:t>
+            </a:r>
+            <a:r>
+              <a:rPr lang="en-US" sz="1600" dirty="0"/>
+              <a:t>z</a:t>
+            </a:r>
+            <a:r>
+              <a:rPr lang="ru-RU" sz="1600" dirty="0"/>
+              <a:t>) с координатами снимка (</a:t>
+            </a:r>
+            <a:r>
+              <a:rPr lang="en-US" sz="1600" dirty="0"/>
+              <a:t>u</a:t>
+            </a:r>
+            <a:r>
+              <a:rPr lang="ru-RU" sz="1600" dirty="0"/>
+              <a:t>, </a:t>
+            </a:r>
+            <a:r>
+              <a:rPr lang="en-US" sz="1600" dirty="0"/>
+              <a:t>v</a:t>
+            </a:r>
+            <a:r>
+              <a:rPr lang="ru-RU" sz="1600" dirty="0"/>
+              <a:t>)</a:t>
+            </a:r>
+          </a:p>
+        </p:txBody>
+      </p:sp>
+      <p:pic>
+        <p:nvPicPr>
+          <p:cNvPr id="2050" name="Picture 2"/>
+          <p:cNvPicPr>
+            <a:picLocks noChangeAspect="1" noChangeArrowheads="1"/>
+          </p:cNvPicPr>
+          <p:nvPr/>
+        </p:nvPicPr>
+        <p:blipFill>
+          <a:blip r:embed="rId6" cstate="print">
+            <a:extLst>
+              <a:ext uri="{28A0092B-C50C-407E-A947-70E740481C1C}">
+                <a14:useLocalDpi xmlns:a14="http://schemas.microsoft.com/office/drawing/2010/main" val="0"/>
+              </a:ext>
+            </a:extLst>
+          </a:blip>
+          <a:srcRect/>
+          <a:stretch>
+            <a:fillRect/>
+          </a:stretch>
+        </p:blipFill>
+        <p:spPr bwMode="auto">
+          <a:xfrm>
+            <a:off x="3635896" y="5653633"/>
+            <a:ext cx="6284913" cy="712787"/>
+          </a:xfrm>
+          <a:prstGeom prst="rect">
+            <a:avLst/>
+          </a:prstGeom>
+          <a:noFill/>
+          <a:ln>
+            <a:noFill/>
+          </a:ln>
+          <a:effectLst/>
+          <a:extLst>
+            <a:ext uri="{909E8E84-426E-40DD-AFC4-6F175D3DCCD1}">
+              <a14:hiddenFill xmlns:a14="http://schemas.microsoft.com/office/drawing/2010/main">
+                <a:solidFill>
+                  <a:schemeClr val="accent1"/>
+                </a:solidFill>
+              </a14:hiddenFill>
+            </a:ext>
+            <a:ext uri="{91240B29-F687-4F45-9708-019B960494DF}">
+              <a14:hiddenLine xmlns:a14="http://schemas.microsoft.com/office/drawing/2010/main" w="9525">
+                <a:solidFill>
+                  <a:schemeClr val="tx1"/>
+                </a:solidFill>
+                <a:miter lim="800000"/>
+                <a:headEnd/>
+                <a:tailEnd/>
+              </a14:hiddenLine>
+            </a:ext>
+            <a:ext uri="{AF507438-7753-43E0-B8FC-AC1667EBCBE1}">
+              <a14:hiddenEffects xmlns:a14="http://schemas.microsoft.com/office/drawing/2010/main">
+                <a:effectLst>
+                  <a:outerShdw dist="35921" dir="2700000" algn="ctr" rotWithShape="0">
+                    <a:schemeClr val="bg2"/>
+                  </a:outerShdw>
+                </a:effectLst>
+              </a14:hiddenEffects>
+            </a:ext>
+          </a:extLst>
+        </p:spPr>
+      </p:pic>
     </p:spTree>
     <p:extLst>
       <p:ext uri="{BB962C8B-B14F-4D97-AF65-F5344CB8AC3E}">
         <p14:creationId xmlns:p14="http://schemas.microsoft.com/office/powerpoint/2010/main" val="3163517215"/>
+      </p:ext>
+    </p:extLst>
+  </p:cSld>
+  <p:clrMapOvr>
+    <a:masterClrMapping/>
+  </p:clrMapOvr>
+  <p:timing>
+    <p:tnLst>
+      <p:par>
+        <p:cTn id="1" dur="indefinite" restart="never" nodeType="tmRoot"/>
+      </p:par>
+    </p:tnLst>
+  </p:timing>
+</p:sld>
+</file>
+
+<file path=ppt/slides/slide9.xml><?xml version="1.0" encoding="utf-8"?>
+<p:sld xmlns:a="http://schemas.openxmlformats.org/drawingml/2006/main" xmlns:r="http://schemas.openxmlformats.org/officeDocument/2006/relationships" xmlns:p="http://schemas.openxmlformats.org/presentationml/2006/main">
+  <p:cSld>
+    <p:spTree>
+      <p:nvGrpSpPr>
+        <p:cNvPr id="1" name=""/>
+        <p:cNvGrpSpPr/>
+        <p:nvPr/>
+      </p:nvGrpSpPr>
+      <p:grpSpPr>
+        <a:xfrm>
+          <a:off x="0" y="0"/>
+          <a:ext cx="0" cy="0"/>
+          <a:chOff x="0" y="0"/>
+          <a:chExt cx="0" cy="0"/>
+        </a:xfrm>
+      </p:grpSpPr>
+      <p:sp>
+        <p:nvSpPr>
+          <p:cNvPr id="2" name="Заголовок 1"/>
+          <p:cNvSpPr>
+            <a:spLocks noGrp="1"/>
+          </p:cNvSpPr>
+          <p:nvPr>
+            <p:ph type="title"/>
+          </p:nvPr>
+        </p:nvSpPr>
+        <p:spPr/>
+        <p:txBody>
+          <a:bodyPr>
+            <a:normAutofit fontScale="90000"/>
+          </a:bodyPr>
+          <a:lstStyle/>
+          <a:p>
+            <a:r>
+              <a:rPr lang="ru-RU" dirty="0" smtClean="0"/>
+              <a:t>Определение </a:t>
+            </a:r>
+            <a:r>
+              <a:rPr lang="ru-RU" dirty="0"/>
+              <a:t>географических </a:t>
+            </a:r>
+            <a:r>
+              <a:rPr lang="ru-RU" dirty="0" smtClean="0"/>
+              <a:t>координат</a:t>
+            </a:r>
+            <a:endParaRPr lang="ru-RU" dirty="0"/>
+          </a:p>
+        </p:txBody>
+      </p:sp>
+      <p:sp>
+        <p:nvSpPr>
+          <p:cNvPr id="3" name="Объект 2"/>
+          <p:cNvSpPr>
+            <a:spLocks noGrp="1"/>
+          </p:cNvSpPr>
+          <p:nvPr>
+            <p:ph idx="1"/>
+          </p:nvPr>
+        </p:nvSpPr>
+        <p:spPr/>
+        <p:txBody>
+          <a:bodyPr/>
+          <a:lstStyle/>
+          <a:p>
+            <a:pPr marL="457200" lvl="1" indent="0">
+              <a:buNone/>
+            </a:pPr>
+            <a:r>
+              <a:rPr lang="ru-RU" dirty="0" smtClean="0"/>
+              <a:t>Метод </a:t>
+            </a:r>
+            <a:r>
+              <a:rPr lang="ru-RU" dirty="0" err="1" smtClean="0"/>
+              <a:t>Гельмерта</a:t>
+            </a:r>
+            <a:endParaRPr lang="ru-RU" dirty="0" smtClean="0"/>
+          </a:p>
+          <a:p>
+            <a:pPr marL="457200" lvl="1" indent="0">
+              <a:buNone/>
+            </a:pPr>
+            <a:r>
+              <a:rPr lang="ru-RU" dirty="0" smtClean="0"/>
+              <a:t>для работы метода требуется:</a:t>
+            </a:r>
+          </a:p>
+          <a:p>
+            <a:pPr lvl="1"/>
+            <a:r>
+              <a:rPr lang="ru-RU" dirty="0" smtClean="0"/>
+              <a:t>широта и долгота начальной точки</a:t>
+            </a:r>
+          </a:p>
+          <a:p>
+            <a:pPr lvl="1"/>
+            <a:r>
+              <a:rPr lang="ru-RU" dirty="0" smtClean="0"/>
+              <a:t>азимут</a:t>
+            </a:r>
+          </a:p>
+          <a:p>
+            <a:pPr lvl="1"/>
+            <a:r>
+              <a:rPr lang="ru-RU" dirty="0" smtClean="0"/>
+              <a:t>расстояние до конечной точки</a:t>
+            </a:r>
+            <a:endParaRPr lang="ru-RU" dirty="0"/>
+          </a:p>
+          <a:p>
+            <a:endParaRPr lang="ru-RU" dirty="0"/>
+          </a:p>
+        </p:txBody>
+      </p:sp>
+      <p:sp>
+        <p:nvSpPr>
+          <p:cNvPr id="5" name="Номер слайда 4"/>
+          <p:cNvSpPr>
+            <a:spLocks noGrp="1"/>
+          </p:cNvSpPr>
+          <p:nvPr>
+            <p:ph type="sldNum" sz="quarter" idx="12"/>
+          </p:nvPr>
+        </p:nvSpPr>
+        <p:spPr/>
+        <p:txBody>
+          <a:bodyPr/>
+          <a:lstStyle/>
+          <a:p>
+            <a:fld id="{B19B0651-EE4F-4900-A07F-96A6BFA9D0F0}" type="slidenum">
+              <a:rPr lang="ru-RU" smtClean="0"/>
+              <a:t>9</a:t>
+            </a:fld>
+            <a:endParaRPr lang="ru-RU"/>
+          </a:p>
+        </p:txBody>
+      </p:sp>
+    </p:spTree>
+    <p:extLst>
+      <p:ext uri="{BB962C8B-B14F-4D97-AF65-F5344CB8AC3E}">
+        <p14:creationId xmlns:p14="http://schemas.microsoft.com/office/powerpoint/2010/main" val="1186117976"/>
       </p:ext>
     </p:extLst>
   </p:cSld>

--- a/docs/parts/conference.pptx
+++ b/docs/parts/conference.pptx
@@ -6,7 +6,7 @@
     <p:sldMasterId id="2147483672" r:id="rId2"/>
   </p:sldMasterIdLst>
   <p:notesMasterIdLst>
-    <p:notesMasterId r:id="rId18"/>
+    <p:notesMasterId r:id="rId19"/>
   </p:notesMasterIdLst>
   <p:sldIdLst>
     <p:sldId id="257" r:id="rId3"/>
@@ -14,16 +14,17 @@
     <p:sldId id="273" r:id="rId5"/>
     <p:sldId id="258" r:id="rId6"/>
     <p:sldId id="261" r:id="rId7"/>
-    <p:sldId id="262" r:id="rId8"/>
-    <p:sldId id="263" r:id="rId9"/>
+    <p:sldId id="263" r:id="rId8"/>
+    <p:sldId id="277" r:id="rId9"/>
     <p:sldId id="269" r:id="rId10"/>
     <p:sldId id="266" r:id="rId11"/>
     <p:sldId id="268" r:id="rId12"/>
-    <p:sldId id="272" r:id="rId13"/>
-    <p:sldId id="270" r:id="rId14"/>
-    <p:sldId id="275" r:id="rId15"/>
-    <p:sldId id="276" r:id="rId16"/>
-    <p:sldId id="260" r:id="rId17"/>
+    <p:sldId id="278" r:id="rId13"/>
+    <p:sldId id="272" r:id="rId14"/>
+    <p:sldId id="270" r:id="rId15"/>
+    <p:sldId id="275" r:id="rId16"/>
+    <p:sldId id="276" r:id="rId17"/>
+    <p:sldId id="260" r:id="rId18"/>
   </p:sldIdLst>
   <p:sldSz cx="9144000" cy="6858000" type="screen4x3"/>
   <p:notesSz cx="6858000" cy="9144000"/>
@@ -207,7 +208,7 @@
           <a:p>
             <a:fld id="{81832DC4-4D29-4A6C-A9AC-D1498CB7FBE3}" type="datetimeFigureOut">
               <a:rPr lang="ru-RU" smtClean="0"/>
-              <a:t>19.06.2013</a:t>
+              <a:t>21.06.2013</a:t>
             </a:fld>
             <a:endParaRPr lang="ru-RU"/>
           </a:p>
@@ -475,6 +476,90 @@
 </p:notesMaster>
 </file>
 
+<file path=ppt/notesSlides/notesSlide1.xml><?xml version="1.0" encoding="utf-8"?>
+<p:notes xmlns:a="http://schemas.openxmlformats.org/drawingml/2006/main" xmlns:r="http://schemas.openxmlformats.org/officeDocument/2006/relationships" xmlns:p="http://schemas.openxmlformats.org/presentationml/2006/main">
+  <p:cSld>
+    <p:spTree>
+      <p:nvGrpSpPr>
+        <p:cNvPr id="1" name=""/>
+        <p:cNvGrpSpPr/>
+        <p:nvPr/>
+      </p:nvGrpSpPr>
+      <p:grpSpPr>
+        <a:xfrm>
+          <a:off x="0" y="0"/>
+          <a:ext cx="0" cy="0"/>
+          <a:chOff x="0" y="0"/>
+          <a:chExt cx="0" cy="0"/>
+        </a:xfrm>
+      </p:grpSpPr>
+      <p:sp>
+        <p:nvSpPr>
+          <p:cNvPr id="2" name="Образ слайда 1"/>
+          <p:cNvSpPr>
+            <a:spLocks noGrp="1" noRot="1" noChangeAspect="1"/>
+          </p:cNvSpPr>
+          <p:nvPr>
+            <p:ph type="sldImg"/>
+          </p:nvPr>
+        </p:nvSpPr>
+        <p:spPr/>
+      </p:sp>
+      <p:sp>
+        <p:nvSpPr>
+          <p:cNvPr id="3" name="Заметки 2"/>
+          <p:cNvSpPr>
+            <a:spLocks noGrp="1"/>
+          </p:cNvSpPr>
+          <p:nvPr>
+            <p:ph type="body" idx="1"/>
+          </p:nvPr>
+        </p:nvSpPr>
+        <p:spPr/>
+        <p:txBody>
+          <a:bodyPr/>
+          <a:lstStyle/>
+          <a:p>
+            <a:endParaRPr lang="ru-RU" dirty="0"/>
+          </a:p>
+        </p:txBody>
+      </p:sp>
+      <p:sp>
+        <p:nvSpPr>
+          <p:cNvPr id="4" name="Номер слайда 3"/>
+          <p:cNvSpPr>
+            <a:spLocks noGrp="1"/>
+          </p:cNvSpPr>
+          <p:nvPr>
+            <p:ph type="sldNum" sz="quarter" idx="10"/>
+          </p:nvPr>
+        </p:nvSpPr>
+        <p:spPr/>
+        <p:txBody>
+          <a:bodyPr/>
+          <a:lstStyle/>
+          <a:p>
+            <a:fld id="{4AABB8F8-3839-4ED1-8D5C-460963A3C4E6}" type="slidenum">
+              <a:rPr lang="ru-RU" smtClean="0"/>
+              <a:t>9</a:t>
+            </a:fld>
+            <a:endParaRPr lang="ru-RU"/>
+          </a:p>
+        </p:txBody>
+      </p:sp>
+    </p:spTree>
+    <p:extLst>
+      <p:ext uri="{BB962C8B-B14F-4D97-AF65-F5344CB8AC3E}">
+        <p14:creationId xmlns:p14="http://schemas.microsoft.com/office/powerpoint/2010/main" val="2951768257"/>
+      </p:ext>
+    </p:extLst>
+  </p:cSld>
+  <p:clrMapOvr>
+    <a:masterClrMapping/>
+  </p:clrMapOvr>
+</p:notes>
+</file>
+
 <file path=ppt/slideLayouts/slideLayout1.xml><?xml version="1.0" encoding="utf-8"?>
 <p:sldLayout xmlns:a="http://schemas.openxmlformats.org/drawingml/2006/main" xmlns:r="http://schemas.openxmlformats.org/officeDocument/2006/relationships" xmlns:p="http://schemas.openxmlformats.org/presentationml/2006/main" type="title" preserve="1">
   <p:cSld name="Титульный слайд">
@@ -656,7 +741,7 @@
           <a:p>
             <a:fld id="{1AD9EE3D-3EF4-4CE6-BCCE-D8BC9F81E484}" type="datetime1">
               <a:rPr lang="ru-RU" smtClean="0"/>
-              <a:t>19.06.2013</a:t>
+              <a:t>21.06.2013</a:t>
             </a:fld>
             <a:endParaRPr lang="ru-RU"/>
           </a:p>
@@ -821,7 +906,7 @@
           <a:p>
             <a:fld id="{652D1DE8-880B-49D6-9C09-2976DFA2653B}" type="datetime1">
               <a:rPr lang="ru-RU" smtClean="0"/>
-              <a:t>19.06.2013</a:t>
+              <a:t>21.06.2013</a:t>
             </a:fld>
             <a:endParaRPr lang="ru-RU"/>
           </a:p>
@@ -996,7 +1081,7 @@
           <a:p>
             <a:fld id="{1F31ACDF-8AB8-423F-BB20-0D703593119C}" type="datetime1">
               <a:rPr lang="ru-RU" smtClean="0"/>
-              <a:t>19.06.2013</a:t>
+              <a:t>21.06.2013</a:t>
             </a:fld>
             <a:endParaRPr lang="ru-RU"/>
           </a:p>
@@ -1243,7 +1328,7 @@
                   </a:prstClr>
                 </a:solidFill>
               </a:rPr>
-              <a:t>19.06.2013</a:t>
+              <a:t>21.06.2013</a:t>
             </a:fld>
             <a:endParaRPr lang="ru-RU">
               <a:solidFill>
@@ -1460,7 +1545,7 @@
                   </a:prstClr>
                 </a:solidFill>
               </a:rPr>
-              <a:t>19.06.2013</a:t>
+              <a:t>21.06.2013</a:t>
             </a:fld>
             <a:endParaRPr lang="ru-RU">
               <a:solidFill>
@@ -1753,7 +1838,7 @@
                   </a:prstClr>
                 </a:solidFill>
               </a:rPr>
-              <a:t>19.06.2013</a:t>
+              <a:t>21.06.2013</a:t>
             </a:fld>
             <a:endParaRPr lang="ru-RU">
               <a:solidFill>
@@ -2088,7 +2173,7 @@
                   </a:prstClr>
                 </a:solidFill>
               </a:rPr>
-              <a:t>19.06.2013</a:t>
+              <a:t>21.06.2013</a:t>
             </a:fld>
             <a:endParaRPr lang="ru-RU">
               <a:solidFill>
@@ -2557,7 +2642,7 @@
                   </a:prstClr>
                 </a:solidFill>
               </a:rPr>
-              <a:t>19.06.2013</a:t>
+              <a:t>21.06.2013</a:t>
             </a:fld>
             <a:endParaRPr lang="ru-RU">
               <a:solidFill>
@@ -2722,7 +2807,7 @@
                   </a:prstClr>
                 </a:solidFill>
               </a:rPr>
-              <a:t>19.06.2013</a:t>
+              <a:t>21.06.2013</a:t>
             </a:fld>
             <a:endParaRPr lang="ru-RU">
               <a:solidFill>
@@ -2864,7 +2949,7 @@
                   </a:prstClr>
                 </a:solidFill>
               </a:rPr>
-              <a:t>19.06.2013</a:t>
+              <a:t>21.06.2013</a:t>
             </a:fld>
             <a:endParaRPr lang="ru-RU">
               <a:solidFill>
@@ -3188,7 +3273,7 @@
                   </a:prstClr>
                 </a:solidFill>
               </a:rPr>
-              <a:t>19.06.2013</a:t>
+              <a:t>21.06.2013</a:t>
             </a:fld>
             <a:endParaRPr lang="ru-RU">
               <a:solidFill>
@@ -3395,7 +3480,7 @@
           <a:p>
             <a:fld id="{7C8B7464-4362-447F-9812-BE778B504AC0}" type="datetime1">
               <a:rPr lang="ru-RU" smtClean="0"/>
-              <a:t>19.06.2013</a:t>
+              <a:t>21.06.2013</a:t>
             </a:fld>
             <a:endParaRPr lang="ru-RU"/>
           </a:p>
@@ -3653,7 +3738,7 @@
                   </a:prstClr>
                 </a:solidFill>
               </a:rPr>
-              <a:t>19.06.2013</a:t>
+              <a:t>21.06.2013</a:t>
             </a:fld>
             <a:endParaRPr lang="ru-RU">
               <a:solidFill>
@@ -3870,7 +3955,7 @@
                   </a:prstClr>
                 </a:solidFill>
               </a:rPr>
-              <a:t>19.06.2013</a:t>
+              <a:t>21.06.2013</a:t>
             </a:fld>
             <a:endParaRPr lang="ru-RU">
               <a:solidFill>
@@ -4097,7 +4182,7 @@
                   </a:prstClr>
                 </a:solidFill>
               </a:rPr>
-              <a:t>19.06.2013</a:t>
+              <a:t>21.06.2013</a:t>
             </a:fld>
             <a:endParaRPr lang="ru-RU">
               <a:solidFill>
@@ -4380,7 +4465,7 @@
           <a:p>
             <a:fld id="{E4BC4092-B9AC-4B33-9DE0-F63969F50B80}" type="datetime1">
               <a:rPr lang="ru-RU" smtClean="0"/>
-              <a:t>19.06.2013</a:t>
+              <a:t>21.06.2013</a:t>
             </a:fld>
             <a:endParaRPr lang="ru-RU"/>
           </a:p>
@@ -4663,7 +4748,7 @@
           <a:p>
             <a:fld id="{6C7EC604-B2A9-427D-A099-ABB1CEB91B35}" type="datetime1">
               <a:rPr lang="ru-RU" smtClean="0"/>
-              <a:t>19.06.2013</a:t>
+              <a:t>21.06.2013</a:t>
             </a:fld>
             <a:endParaRPr lang="ru-RU"/>
           </a:p>
@@ -5080,7 +5165,7 @@
           <a:p>
             <a:fld id="{0021271B-1961-4AD0-B7FB-CFAE7025559C}" type="datetime1">
               <a:rPr lang="ru-RU" smtClean="0"/>
-              <a:t>19.06.2013</a:t>
+              <a:t>21.06.2013</a:t>
             </a:fld>
             <a:endParaRPr lang="ru-RU"/>
           </a:p>
@@ -5193,7 +5278,7 @@
           <a:p>
             <a:fld id="{F76C33C9-A1D8-479D-B13F-AFA88219AD62}" type="datetime1">
               <a:rPr lang="ru-RU" smtClean="0"/>
-              <a:t>19.06.2013</a:t>
+              <a:t>21.06.2013</a:t>
             </a:fld>
             <a:endParaRPr lang="ru-RU"/>
           </a:p>
@@ -5283,7 +5368,7 @@
           <a:p>
             <a:fld id="{A545CF4A-838A-44EC-9B9B-409BE1D2DC7D}" type="datetime1">
               <a:rPr lang="ru-RU" smtClean="0"/>
-              <a:t>19.06.2013</a:t>
+              <a:t>21.06.2013</a:t>
             </a:fld>
             <a:endParaRPr lang="ru-RU"/>
           </a:p>
@@ -5555,7 +5640,7 @@
           <a:p>
             <a:fld id="{C6253E5B-E3FC-4716-96D6-E0AC5E86EF02}" type="datetime1">
               <a:rPr lang="ru-RU" smtClean="0"/>
-              <a:t>19.06.2013</a:t>
+              <a:t>21.06.2013</a:t>
             </a:fld>
             <a:endParaRPr lang="ru-RU"/>
           </a:p>
@@ -5803,7 +5888,7 @@
           <a:p>
             <a:fld id="{2918ED26-16F2-41A9-94EE-FBF3E05F6E28}" type="datetime1">
               <a:rPr lang="ru-RU" smtClean="0"/>
-              <a:t>19.06.2013</a:t>
+              <a:t>21.06.2013</a:t>
             </a:fld>
             <a:endParaRPr lang="ru-RU"/>
           </a:p>
@@ -6011,7 +6096,7 @@
           <a:p>
             <a:fld id="{DB94AB59-D71B-4999-9BC4-81C679094643}" type="datetime1">
               <a:rPr lang="ru-RU" smtClean="0"/>
-              <a:t>19.06.2013</a:t>
+              <a:t>21.06.2013</a:t>
             </a:fld>
             <a:endParaRPr lang="ru-RU"/>
           </a:p>
@@ -6517,7 +6602,7 @@
           <a:p>
             <a:fld id="{F585CA12-0794-4BD1-B693-9470F35F1636}" type="datetime1">
               <a:rPr lang="ru-RU" smtClean="0"/>
-              <a:t>19.06.2013</a:t>
+              <a:t>21.06.2013</a:t>
             </a:fld>
             <a:endParaRPr lang="ru-RU"/>
           </a:p>
@@ -9682,7 +9767,7 @@
               <a:rPr lang="ru-RU" smtClean="0"/>
               <a:t>10</a:t>
             </a:fld>
-            <a:endParaRPr lang="ru-RU"/>
+            <a:endParaRPr lang="ru-RU" dirty="0"/>
           </a:p>
         </p:txBody>
       </p:sp>
@@ -9733,9 +9818,28 @@
           <a:p>
             <a:r>
               <a:rPr lang="ru-RU" dirty="0" smtClean="0"/>
-              <a:t>Модель предметной области</a:t>
+              <a:t>Информация об объектах</a:t>
             </a:r>
             <a:endParaRPr lang="ru-RU" dirty="0"/>
+          </a:p>
+        </p:txBody>
+      </p:sp>
+      <p:sp>
+        <p:nvSpPr>
+          <p:cNvPr id="3" name="Объект 2"/>
+          <p:cNvSpPr>
+            <a:spLocks noGrp="1"/>
+          </p:cNvSpPr>
+          <p:nvPr>
+            <p:ph idx="1"/>
+          </p:nvPr>
+        </p:nvSpPr>
+        <p:spPr/>
+        <p:txBody>
+          <a:bodyPr/>
+          <a:lstStyle/>
+          <a:p>
+            <a:endParaRPr lang="ru-RU"/>
           </a:p>
         </p:txBody>
       </p:sp>
@@ -9757,6 +9861,190 @@
             <a:fld id="{B19B0651-EE4F-4900-A07F-96A6BFA9D0F0}" type="slidenum">
               <a:rPr lang="ru-RU" smtClean="0"/>
               <a:t>11</a:t>
+            </a:fld>
+            <a:endParaRPr lang="ru-RU"/>
+          </a:p>
+        </p:txBody>
+      </p:sp>
+      <p:pic>
+        <p:nvPicPr>
+          <p:cNvPr id="3074" name="Picture 2"/>
+          <p:cNvPicPr>
+            <a:picLocks noChangeAspect="1" noChangeArrowheads="1"/>
+          </p:cNvPicPr>
+          <p:nvPr/>
+        </p:nvPicPr>
+        <p:blipFill>
+          <a:blip r:embed="rId2">
+            <a:extLst>
+              <a:ext uri="{28A0092B-C50C-407E-A947-70E740481C1C}">
+                <a14:useLocalDpi xmlns:a14="http://schemas.microsoft.com/office/drawing/2010/main" val="0"/>
+              </a:ext>
+            </a:extLst>
+          </a:blip>
+          <a:srcRect/>
+          <a:stretch>
+            <a:fillRect/>
+          </a:stretch>
+        </p:blipFill>
+        <p:spPr bwMode="auto">
+          <a:xfrm>
+            <a:off x="395536" y="1484784"/>
+            <a:ext cx="4327083" cy="2623368"/>
+          </a:xfrm>
+          <a:prstGeom prst="rect">
+            <a:avLst/>
+          </a:prstGeom>
+          <a:noFill/>
+          <a:ln>
+            <a:noFill/>
+          </a:ln>
+          <a:extLst>
+            <a:ext uri="{909E8E84-426E-40DD-AFC4-6F175D3DCCD1}">
+              <a14:hiddenFill xmlns:a14="http://schemas.microsoft.com/office/drawing/2010/main">
+                <a:solidFill>
+                  <a:schemeClr val="accent1"/>
+                </a:solidFill>
+              </a14:hiddenFill>
+            </a:ext>
+            <a:ext uri="{91240B29-F687-4F45-9708-019B960494DF}">
+              <a14:hiddenLine xmlns:a14="http://schemas.microsoft.com/office/drawing/2010/main" w="9525">
+                <a:solidFill>
+                  <a:schemeClr val="tx1"/>
+                </a:solidFill>
+                <a:miter lim="800000"/>
+                <a:headEnd/>
+                <a:tailEnd/>
+              </a14:hiddenLine>
+            </a:ext>
+          </a:extLst>
+        </p:spPr>
+      </p:pic>
+      <p:pic>
+        <p:nvPicPr>
+          <p:cNvPr id="3075" name="Picture 3"/>
+          <p:cNvPicPr>
+            <a:picLocks noChangeAspect="1" noChangeArrowheads="1"/>
+          </p:cNvPicPr>
+          <p:nvPr/>
+        </p:nvPicPr>
+        <p:blipFill>
+          <a:blip r:embed="rId3">
+            <a:extLst>
+              <a:ext uri="{28A0092B-C50C-407E-A947-70E740481C1C}">
+                <a14:useLocalDpi xmlns:a14="http://schemas.microsoft.com/office/drawing/2010/main" val="0"/>
+              </a:ext>
+            </a:extLst>
+          </a:blip>
+          <a:srcRect/>
+          <a:stretch>
+            <a:fillRect/>
+          </a:stretch>
+        </p:blipFill>
+        <p:spPr bwMode="auto">
+          <a:xfrm>
+            <a:off x="4572000" y="4273292"/>
+            <a:ext cx="3114675" cy="1571625"/>
+          </a:xfrm>
+          <a:prstGeom prst="rect">
+            <a:avLst/>
+          </a:prstGeom>
+          <a:noFill/>
+          <a:ln>
+            <a:noFill/>
+          </a:ln>
+          <a:extLst>
+            <a:ext uri="{909E8E84-426E-40DD-AFC4-6F175D3DCCD1}">
+              <a14:hiddenFill xmlns:a14="http://schemas.microsoft.com/office/drawing/2010/main">
+                <a:solidFill>
+                  <a:schemeClr val="accent1"/>
+                </a:solidFill>
+              </a14:hiddenFill>
+            </a:ext>
+            <a:ext uri="{91240B29-F687-4F45-9708-019B960494DF}">
+              <a14:hiddenLine xmlns:a14="http://schemas.microsoft.com/office/drawing/2010/main" w="9525">
+                <a:solidFill>
+                  <a:schemeClr val="tx1"/>
+                </a:solidFill>
+                <a:miter lim="800000"/>
+                <a:headEnd/>
+                <a:tailEnd/>
+              </a14:hiddenLine>
+            </a:ext>
+          </a:extLst>
+        </p:spPr>
+      </p:pic>
+    </p:spTree>
+    <p:extLst>
+      <p:ext uri="{BB962C8B-B14F-4D97-AF65-F5344CB8AC3E}">
+        <p14:creationId xmlns:p14="http://schemas.microsoft.com/office/powerpoint/2010/main" val="327315090"/>
+      </p:ext>
+    </p:extLst>
+  </p:cSld>
+  <p:clrMapOvr>
+    <a:masterClrMapping/>
+  </p:clrMapOvr>
+</p:sld>
+</file>
+
+<file path=ppt/slides/slide12.xml><?xml version="1.0" encoding="utf-8"?>
+<p:sld xmlns:a="http://schemas.openxmlformats.org/drawingml/2006/main" xmlns:r="http://schemas.openxmlformats.org/officeDocument/2006/relationships" xmlns:p="http://schemas.openxmlformats.org/presentationml/2006/main">
+  <p:cSld>
+    <p:spTree>
+      <p:nvGrpSpPr>
+        <p:cNvPr id="1" name=""/>
+        <p:cNvGrpSpPr/>
+        <p:nvPr/>
+      </p:nvGrpSpPr>
+      <p:grpSpPr>
+        <a:xfrm>
+          <a:off x="0" y="0"/>
+          <a:ext cx="0" cy="0"/>
+          <a:chOff x="0" y="0"/>
+          <a:chExt cx="0" cy="0"/>
+        </a:xfrm>
+      </p:grpSpPr>
+      <p:sp>
+        <p:nvSpPr>
+          <p:cNvPr id="2" name="Заголовок 1"/>
+          <p:cNvSpPr>
+            <a:spLocks noGrp="1"/>
+          </p:cNvSpPr>
+          <p:nvPr>
+            <p:ph type="title"/>
+          </p:nvPr>
+        </p:nvSpPr>
+        <p:spPr/>
+        <p:txBody>
+          <a:bodyPr/>
+          <a:lstStyle/>
+          <a:p>
+            <a:r>
+              <a:rPr lang="ru-RU" dirty="0" smtClean="0"/>
+              <a:t>Модель предметной области</a:t>
+            </a:r>
+            <a:endParaRPr lang="ru-RU" dirty="0"/>
+          </a:p>
+        </p:txBody>
+      </p:sp>
+      <p:sp>
+        <p:nvSpPr>
+          <p:cNvPr id="4" name="Номер слайда 3"/>
+          <p:cNvSpPr>
+            <a:spLocks noGrp="1"/>
+          </p:cNvSpPr>
+          <p:nvPr>
+            <p:ph type="sldNum" sz="quarter" idx="12"/>
+          </p:nvPr>
+        </p:nvSpPr>
+        <p:spPr/>
+        <p:txBody>
+          <a:bodyPr/>
+          <a:lstStyle/>
+          <a:p>
+            <a:fld id="{B19B0651-EE4F-4900-A07F-96A6BFA9D0F0}" type="slidenum">
+              <a:rPr lang="ru-RU" smtClean="0"/>
+              <a:t>12</a:t>
             </a:fld>
             <a:endParaRPr lang="ru-RU"/>
           </a:p>
@@ -11464,7 +11752,7 @@
 </p:sld>
 </file>
 
-<file path=ppt/slides/slide12.xml><?xml version="1.0" encoding="utf-8"?>
+<file path=ppt/slides/slide13.xml><?xml version="1.0" encoding="utf-8"?>
 <p:sld xmlns:a="http://schemas.openxmlformats.org/drawingml/2006/main" xmlns:r="http://schemas.openxmlformats.org/officeDocument/2006/relationships" xmlns:p="http://schemas.openxmlformats.org/presentationml/2006/main">
   <p:cSld>
     <p:spTree>
@@ -11526,7 +11814,7 @@
                 <a:latin typeface="Times New Roman" pitchFamily="18" charset="0"/>
                 <a:cs typeface="Times New Roman" pitchFamily="18" charset="0"/>
               </a:rPr>
-              <a:t>12</a:t>
+              <a:t>13</a:t>
             </a:fld>
             <a:endParaRPr lang="ru-RU" sz="2000" dirty="0">
               <a:latin typeface="Times New Roman" pitchFamily="18" charset="0"/>
@@ -12346,7 +12634,7 @@
 </p:sld>
 </file>
 
-<file path=ppt/slides/slide13.xml><?xml version="1.0" encoding="utf-8"?>
+<file path=ppt/slides/slide14.xml><?xml version="1.0" encoding="utf-8"?>
 <p:sld xmlns:a="http://schemas.openxmlformats.org/drawingml/2006/main" xmlns:r="http://schemas.openxmlformats.org/officeDocument/2006/relationships" xmlns:p="http://schemas.openxmlformats.org/presentationml/2006/main">
   <p:cSld>
     <p:spTree>
@@ -12410,7 +12698,7 @@
           <a:p>
             <a:fld id="{B19B0651-EE4F-4900-A07F-96A6BFA9D0F0}" type="slidenum">
               <a:rPr lang="ru-RU" smtClean="0"/>
-              <a:t>13</a:t>
+              <a:t>14</a:t>
             </a:fld>
             <a:endParaRPr lang="ru-RU"/>
           </a:p>
@@ -12483,146 +12771,6 @@
 </p:sld>
 </file>
 
-<file path=ppt/slides/slide14.xml><?xml version="1.0" encoding="utf-8"?>
-<p:sld xmlns:a="http://schemas.openxmlformats.org/drawingml/2006/main" xmlns:r="http://schemas.openxmlformats.org/officeDocument/2006/relationships" xmlns:p="http://schemas.openxmlformats.org/presentationml/2006/main">
-  <p:cSld>
-    <p:spTree>
-      <p:nvGrpSpPr>
-        <p:cNvPr id="1" name=""/>
-        <p:cNvGrpSpPr/>
-        <p:nvPr/>
-      </p:nvGrpSpPr>
-      <p:grpSpPr>
-        <a:xfrm>
-          <a:off x="0" y="0"/>
-          <a:ext cx="0" cy="0"/>
-          <a:chOff x="0" y="0"/>
-          <a:chExt cx="0" cy="0"/>
-        </a:xfrm>
-      </p:grpSpPr>
-      <p:sp>
-        <p:nvSpPr>
-          <p:cNvPr id="2" name="Заголовок 1"/>
-          <p:cNvSpPr>
-            <a:spLocks noGrp="1"/>
-          </p:cNvSpPr>
-          <p:nvPr>
-            <p:ph type="title"/>
-          </p:nvPr>
-        </p:nvSpPr>
-        <p:spPr/>
-        <p:txBody>
-          <a:bodyPr/>
-          <a:lstStyle/>
-          <a:p>
-            <a:r>
-              <a:rPr lang="ru-RU" dirty="0"/>
-              <a:t>Реализация</a:t>
-            </a:r>
-          </a:p>
-        </p:txBody>
-      </p:sp>
-      <p:sp>
-        <p:nvSpPr>
-          <p:cNvPr id="3" name="Объект 2"/>
-          <p:cNvSpPr>
-            <a:spLocks noGrp="1"/>
-          </p:cNvSpPr>
-          <p:nvPr>
-            <p:ph idx="1"/>
-          </p:nvPr>
-        </p:nvSpPr>
-        <p:spPr/>
-        <p:txBody>
-          <a:bodyPr/>
-          <a:lstStyle/>
-          <a:p>
-            <a:r>
-              <a:rPr lang="en-US" dirty="0" smtClean="0"/>
-              <a:t>MS Visual Studio 2012 (C++)</a:t>
-            </a:r>
-          </a:p>
-          <a:p>
-            <a:r>
-              <a:rPr lang="en-US" dirty="0" err="1" smtClean="0"/>
-              <a:t>OpenCV</a:t>
-            </a:r>
-            <a:endParaRPr lang="en-US" dirty="0" smtClean="0"/>
-          </a:p>
-          <a:p>
-            <a:r>
-              <a:rPr lang="en-US" dirty="0" smtClean="0"/>
-              <a:t>MySQL</a:t>
-            </a:r>
-          </a:p>
-          <a:p>
-            <a:r>
-              <a:rPr lang="ru-RU" dirty="0" err="1"/>
-              <a:t>MySQL</a:t>
-            </a:r>
-            <a:r>
-              <a:rPr lang="ru-RU" dirty="0"/>
-              <a:t> </a:t>
-            </a:r>
-            <a:r>
-              <a:rPr lang="ru-RU" dirty="0" err="1"/>
-              <a:t>Connector</a:t>
-            </a:r>
-            <a:r>
-              <a:rPr lang="ru-RU" dirty="0"/>
-              <a:t>/C</a:t>
-            </a:r>
-            <a:r>
-              <a:rPr lang="ru-RU" dirty="0" smtClean="0"/>
-              <a:t>++</a:t>
-            </a:r>
-            <a:endParaRPr lang="en-US" dirty="0" smtClean="0"/>
-          </a:p>
-          <a:p>
-            <a:r>
-              <a:rPr lang="en-US" dirty="0"/>
-              <a:t>MySQL Workbench </a:t>
-            </a:r>
-            <a:endParaRPr lang="ru-RU" dirty="0"/>
-          </a:p>
-        </p:txBody>
-      </p:sp>
-      <p:sp>
-        <p:nvSpPr>
-          <p:cNvPr id="4" name="Номер слайда 3"/>
-          <p:cNvSpPr>
-            <a:spLocks noGrp="1"/>
-          </p:cNvSpPr>
-          <p:nvPr>
-            <p:ph type="sldNum" sz="quarter" idx="12"/>
-          </p:nvPr>
-        </p:nvSpPr>
-        <p:spPr/>
-        <p:txBody>
-          <a:bodyPr/>
-          <a:lstStyle/>
-          <a:p>
-            <a:fld id="{B19B0651-EE4F-4900-A07F-96A6BFA9D0F0}" type="slidenum">
-              <a:rPr lang="ru-RU" smtClean="0"/>
-              <a:t>14</a:t>
-            </a:fld>
-            <a:endParaRPr lang="ru-RU"/>
-          </a:p>
-        </p:txBody>
-      </p:sp>
-    </p:spTree>
-    <p:extLst>
-      <p:ext uri="{BB962C8B-B14F-4D97-AF65-F5344CB8AC3E}">
-        <p14:creationId xmlns:p14="http://schemas.microsoft.com/office/powerpoint/2010/main" val="1406861111"/>
-      </p:ext>
-    </p:extLst>
-  </p:cSld>
-  <p:clrMapOvr>
-    <a:masterClrMapping/>
-  </p:clrMapOvr>
-</p:sld>
-</file>
-
 <file path=ppt/slides/slide15.xml><?xml version="1.0" encoding="utf-8"?>
 <p:sld xmlns:a="http://schemas.openxmlformats.org/drawingml/2006/main" xmlns:r="http://schemas.openxmlformats.org/officeDocument/2006/relationships" xmlns:p="http://schemas.openxmlformats.org/presentationml/2006/main">
   <p:cSld>
@@ -12655,6 +12803,146 @@
           <a:bodyPr/>
           <a:lstStyle/>
           <a:p>
+            <a:r>
+              <a:rPr lang="ru-RU" dirty="0"/>
+              <a:t>Реализация</a:t>
+            </a:r>
+          </a:p>
+        </p:txBody>
+      </p:sp>
+      <p:sp>
+        <p:nvSpPr>
+          <p:cNvPr id="3" name="Объект 2"/>
+          <p:cNvSpPr>
+            <a:spLocks noGrp="1"/>
+          </p:cNvSpPr>
+          <p:nvPr>
+            <p:ph idx="1"/>
+          </p:nvPr>
+        </p:nvSpPr>
+        <p:spPr/>
+        <p:txBody>
+          <a:bodyPr/>
+          <a:lstStyle/>
+          <a:p>
+            <a:r>
+              <a:rPr lang="en-US" dirty="0" smtClean="0"/>
+              <a:t>MS Visual Studio 2012 (C++)</a:t>
+            </a:r>
+          </a:p>
+          <a:p>
+            <a:r>
+              <a:rPr lang="en-US" dirty="0" err="1" smtClean="0"/>
+              <a:t>OpenCV</a:t>
+            </a:r>
+            <a:endParaRPr lang="en-US" dirty="0" smtClean="0"/>
+          </a:p>
+          <a:p>
+            <a:r>
+              <a:rPr lang="en-US" dirty="0" smtClean="0"/>
+              <a:t>MySQL</a:t>
+            </a:r>
+          </a:p>
+          <a:p>
+            <a:r>
+              <a:rPr lang="ru-RU" dirty="0" err="1"/>
+              <a:t>MySQL</a:t>
+            </a:r>
+            <a:r>
+              <a:rPr lang="ru-RU" dirty="0"/>
+              <a:t> </a:t>
+            </a:r>
+            <a:r>
+              <a:rPr lang="ru-RU" dirty="0" err="1"/>
+              <a:t>Connector</a:t>
+            </a:r>
+            <a:r>
+              <a:rPr lang="ru-RU" dirty="0"/>
+              <a:t>/C</a:t>
+            </a:r>
+            <a:r>
+              <a:rPr lang="ru-RU" dirty="0" smtClean="0"/>
+              <a:t>++</a:t>
+            </a:r>
+            <a:endParaRPr lang="en-US" dirty="0" smtClean="0"/>
+          </a:p>
+          <a:p>
+            <a:r>
+              <a:rPr lang="en-US" dirty="0"/>
+              <a:t>MySQL Workbench </a:t>
+            </a:r>
+            <a:endParaRPr lang="ru-RU" dirty="0"/>
+          </a:p>
+        </p:txBody>
+      </p:sp>
+      <p:sp>
+        <p:nvSpPr>
+          <p:cNvPr id="4" name="Номер слайда 3"/>
+          <p:cNvSpPr>
+            <a:spLocks noGrp="1"/>
+          </p:cNvSpPr>
+          <p:nvPr>
+            <p:ph type="sldNum" sz="quarter" idx="12"/>
+          </p:nvPr>
+        </p:nvSpPr>
+        <p:spPr/>
+        <p:txBody>
+          <a:bodyPr/>
+          <a:lstStyle/>
+          <a:p>
+            <a:fld id="{B19B0651-EE4F-4900-A07F-96A6BFA9D0F0}" type="slidenum">
+              <a:rPr lang="ru-RU" smtClean="0"/>
+              <a:t>15</a:t>
+            </a:fld>
+            <a:endParaRPr lang="ru-RU"/>
+          </a:p>
+        </p:txBody>
+      </p:sp>
+    </p:spTree>
+    <p:extLst>
+      <p:ext uri="{BB962C8B-B14F-4D97-AF65-F5344CB8AC3E}">
+        <p14:creationId xmlns:p14="http://schemas.microsoft.com/office/powerpoint/2010/main" val="1406861111"/>
+      </p:ext>
+    </p:extLst>
+  </p:cSld>
+  <p:clrMapOvr>
+    <a:masterClrMapping/>
+  </p:clrMapOvr>
+</p:sld>
+</file>
+
+<file path=ppt/slides/slide16.xml><?xml version="1.0" encoding="utf-8"?>
+<p:sld xmlns:a="http://schemas.openxmlformats.org/drawingml/2006/main" xmlns:r="http://schemas.openxmlformats.org/officeDocument/2006/relationships" xmlns:p="http://schemas.openxmlformats.org/presentationml/2006/main">
+  <p:cSld>
+    <p:spTree>
+      <p:nvGrpSpPr>
+        <p:cNvPr id="1" name=""/>
+        <p:cNvGrpSpPr/>
+        <p:nvPr/>
+      </p:nvGrpSpPr>
+      <p:grpSpPr>
+        <a:xfrm>
+          <a:off x="0" y="0"/>
+          <a:ext cx="0" cy="0"/>
+          <a:chOff x="0" y="0"/>
+          <a:chExt cx="0" cy="0"/>
+        </a:xfrm>
+      </p:grpSpPr>
+      <p:sp>
+        <p:nvSpPr>
+          <p:cNvPr id="2" name="Заголовок 1"/>
+          <p:cNvSpPr>
+            <a:spLocks noGrp="1"/>
+          </p:cNvSpPr>
+          <p:nvPr>
+            <p:ph type="title"/>
+          </p:nvPr>
+        </p:nvSpPr>
+        <p:spPr/>
+        <p:txBody>
+          <a:bodyPr/>
+          <a:lstStyle/>
+          <a:p>
             <a:pPr>
               <a:defRPr/>
             </a:pPr>
@@ -12683,7 +12971,7 @@
         </p:spPr>
         <p:txBody>
           <a:bodyPr>
-            <a:normAutofit fontScale="70000" lnSpcReduction="20000"/>
+            <a:normAutofit fontScale="62500" lnSpcReduction="20000"/>
           </a:bodyPr>
           <a:lstStyle/>
           <a:p>
@@ -12702,29 +12990,8 @@
             </a:r>
             <a:r>
               <a:rPr lang="ru-RU" dirty="0"/>
-              <a:t>подходящие </a:t>
-            </a:r>
-            <a:r>
-              <a:rPr lang="ru-RU" dirty="0" smtClean="0"/>
-              <a:t>для </a:t>
-            </a:r>
-            <a:r>
-              <a:rPr lang="ru-RU" dirty="0"/>
-              <a:t>программной </a:t>
-            </a:r>
-            <a:r>
-              <a:rPr lang="ru-RU" dirty="0" smtClean="0"/>
-              <a:t>системы </a:t>
-            </a:r>
-            <a:r>
-              <a:rPr lang="ru-RU" dirty="0"/>
-              <a:t>«Анализ панорамных снимков</a:t>
-            </a:r>
-            <a:r>
-              <a:rPr lang="ru-RU" dirty="0" smtClean="0"/>
-              <a:t>»</a:t>
-            </a:r>
-            <a:endParaRPr lang="ru-RU" dirty="0"/>
+              <a:t>подходящие для программного средства «Вычисление характеристик объектов на панорамных снимках акваторий»</a:t>
+            </a:r>
           </a:p>
           <a:p>
             <a:pPr lvl="0"/>
@@ -12745,34 +13012,34 @@
             </a:r>
             <a:r>
               <a:rPr lang="ru-RU" dirty="0"/>
-              <a:t>требования и спецификации к программному средству «Анализ панорамных снимков» и </a:t>
+              <a:t>требования и спецификации к программному средству «Вычисление характеристик объектов на панорамных снимках акваторий» и </a:t>
             </a:r>
             <a:r>
               <a:rPr lang="ru-RU" dirty="0" smtClean="0"/>
-              <a:t>разработан </a:t>
+              <a:t>разработан его </a:t>
             </a:r>
             <a:r>
               <a:rPr lang="ru-RU" dirty="0"/>
-              <a:t>его проект</a:t>
+              <a:t>проект</a:t>
             </a:r>
           </a:p>
           <a:p>
             <a:pPr lvl="0"/>
             <a:r>
               <a:rPr lang="ru-RU" dirty="0" smtClean="0"/>
-              <a:t>реализована система </a:t>
+              <a:t>реализовано </a:t>
             </a:r>
             <a:r>
               <a:rPr lang="ru-RU" dirty="0"/>
-              <a:t>«Анализ панорамных снимков» и </a:t>
+              <a:t>программное средство «Вычисление характеристик объектов на панорамных снимках акваторий» и </a:t>
             </a:r>
             <a:r>
               <a:rPr lang="ru-RU" dirty="0" smtClean="0"/>
-              <a:t>проведено </a:t>
+              <a:t>проведено его </a:t>
             </a:r>
             <a:r>
               <a:rPr lang="ru-RU" dirty="0"/>
-              <a:t>её тестирование</a:t>
+              <a:t>тестирование</a:t>
             </a:r>
           </a:p>
           <a:p>
@@ -12782,9 +13049,8 @@
             </a:r>
             <a:r>
               <a:rPr lang="ru-RU" dirty="0"/>
-              <a:t>экспериментальное исследование созданного программного средства «Анализ панорамных снимков»</a:t>
-            </a:r>
-            <a:endParaRPr lang="ru-RU" dirty="0"/>
+              <a:t>экспериментальное исследование созданного программного средства «Вычисление характеристик объектов на панорамных снимках акваторий»</a:t>
+            </a:r>
           </a:p>
         </p:txBody>
       </p:sp>
@@ -12811,7 +13077,7 @@
               <a:pPr>
                 <a:defRPr/>
               </a:pPr>
-              <a:t>15</a:t>
+              <a:t>16</a:t>
             </a:fld>
             <a:endParaRPr lang="ru-RU" sz="2000" dirty="0"/>
           </a:p>
@@ -12892,15 +13158,12 @@
           <a:bodyPr/>
           <a:lstStyle/>
           <a:p>
+            <a:pPr marL="0" indent="0">
+              <a:buNone/>
+            </a:pPr>
             <a:r>
               <a:rPr lang="ru-RU" dirty="0" smtClean="0"/>
-              <a:t>Автоматизация слежения за акваториями.</a:t>
-            </a:r>
-          </a:p>
-          <a:p>
-            <a:r>
-              <a:rPr lang="ru-RU" dirty="0" smtClean="0"/>
-              <a:t>Автоматический анализ снимков.</a:t>
+              <a:t>Автоматизация оперативного выявления объектов на панорамных снимках акваторий и вычисления характеристик обнаруженных объектов.</a:t>
             </a:r>
           </a:p>
         </p:txBody>
@@ -12998,9 +13261,12 @@
           <a:bodyPr/>
           <a:lstStyle/>
           <a:p>
+            <a:pPr marL="0" indent="0">
+              <a:buNone/>
+            </a:pPr>
             <a:r>
               <a:rPr lang="ru-RU" dirty="0" smtClean="0"/>
-              <a:t>Разработать и реализовать программную систему анализа панорамных снимков.</a:t>
+              <a:t>Разработать и реализовать программную систему обнаружения объектов на панорамных снимков и вычисления их характеристик.</a:t>
             </a:r>
             <a:endParaRPr lang="ru-RU" dirty="0"/>
           </a:p>
@@ -13095,26 +13361,18 @@
         <p:spPr/>
         <p:txBody>
           <a:bodyPr>
-            <a:normAutofit fontScale="70000" lnSpcReduction="20000"/>
+            <a:normAutofit fontScale="62500" lnSpcReduction="20000"/>
           </a:bodyPr>
           <a:lstStyle/>
           <a:p>
             <a:pPr lvl="0"/>
             <a:r>
               <a:rPr lang="ru-RU" dirty="0"/>
-              <a:t>проанализировать существующие алгоритмы определения параметров движения объектов и построения ортогональной проекции и выбрать подходящие для программной </a:t>
+              <a:t>проанализировать существующие алгоритмы определения параметров движения объектов и построения ортогональной проекции и выбрать подходящие для </a:t>
             </a:r>
             <a:r>
               <a:rPr lang="ru-RU" dirty="0" smtClean="0"/>
-              <a:t>системы </a:t>
-            </a:r>
-            <a:r>
-              <a:rPr lang="ru-RU" dirty="0"/>
-              <a:t>«Анализ панорамных снимков</a:t>
-            </a:r>
-            <a:r>
-              <a:rPr lang="ru-RU" dirty="0" smtClean="0"/>
-              <a:t>»</a:t>
+              <a:t>программного средства «Вычисление характеристик объектов на панорамных снимках акваторий»</a:t>
             </a:r>
             <a:endParaRPr lang="ru-RU" dirty="0"/>
           </a:p>
@@ -13134,7 +13392,23 @@
             <a:pPr lvl="0"/>
             <a:r>
               <a:rPr lang="ru-RU" dirty="0"/>
-              <a:t>сформулировать требования и спецификации к программному средству «Анализ панорамных снимков» и разработать его </a:t>
+              <a:t>сформулировать требования и спецификации к программному средству </a:t>
+            </a:r>
+            <a:r>
+              <a:rPr lang="ru-RU" dirty="0" smtClean="0"/>
+              <a:t>«</a:t>
+            </a:r>
+            <a:r>
+              <a:rPr lang="ru-RU" dirty="0"/>
+              <a:t>Вычисление характеристик объектов на панорамных снимках акваторий</a:t>
+            </a:r>
+            <a:r>
+              <a:rPr lang="ru-RU" dirty="0" smtClean="0"/>
+              <a:t>» </a:t>
+            </a:r>
+            <a:r>
+              <a:rPr lang="ru-RU" dirty="0"/>
+              <a:t>и разработать его </a:t>
             </a:r>
             <a:r>
               <a:rPr lang="ru-RU" dirty="0" smtClean="0"/>
@@ -13146,7 +13420,23 @@
             <a:pPr lvl="0"/>
             <a:r>
               <a:rPr lang="ru-RU" dirty="0"/>
-              <a:t>реализовать систему «Анализ панорамных снимков» и провести её </a:t>
+              <a:t>реализовать </a:t>
+            </a:r>
+            <a:r>
+              <a:rPr lang="ru-RU" dirty="0" smtClean="0"/>
+              <a:t>программное средство «</a:t>
+            </a:r>
+            <a:r>
+              <a:rPr lang="ru-RU" dirty="0"/>
+              <a:t>Вычисление характеристик объектов на панорамных снимках </a:t>
+            </a:r>
+            <a:r>
+              <a:rPr lang="ru-RU" dirty="0" smtClean="0"/>
+              <a:t>акваторий» </a:t>
+            </a:r>
+            <a:r>
+              <a:rPr lang="ru-RU" dirty="0"/>
+              <a:t>и провести её </a:t>
             </a:r>
             <a:r>
               <a:rPr lang="ru-RU" dirty="0" smtClean="0"/>
@@ -13157,7 +13447,15 @@
           <a:p>
             <a:r>
               <a:rPr lang="ru-RU" dirty="0"/>
-              <a:t>провести экспериментальное исследование созданного программного средства «Анализ панорамных снимков</a:t>
+              <a:t>провести экспериментальное исследование созданного программного средства </a:t>
+            </a:r>
+            <a:r>
+              <a:rPr lang="ru-RU" dirty="0" smtClean="0"/>
+              <a:t>«</a:t>
+            </a:r>
+            <a:r>
+              <a:rPr lang="ru-RU" dirty="0"/>
+              <a:t>Вычисление характеристик объектов на панорамных снимках акваторий</a:t>
             </a:r>
             <a:r>
               <a:rPr lang="ru-RU" dirty="0" smtClean="0"/>
@@ -13230,22 +13528,29 @@
             <p:ph type="title"/>
           </p:nvPr>
         </p:nvSpPr>
-        <p:spPr/>
-        <p:txBody>
-          <a:bodyPr/>
+        <p:spPr>
+          <a:xfrm>
+            <a:off x="467544" y="260648"/>
+            <a:ext cx="8229600" cy="1143000"/>
+          </a:xfrm>
+        </p:spPr>
+        <p:txBody>
+          <a:bodyPr>
+            <a:normAutofit/>
+          </a:bodyPr>
           <a:lstStyle/>
           <a:p>
-            <a:pPr eaLnBrk="1" fontAlgn="auto" hangingPunct="1">
-              <a:spcAft>
-                <a:spcPts val="0"/>
-              </a:spcAft>
+            <a:pPr>
               <a:defRPr/>
             </a:pPr>
             <a:r>
               <a:rPr lang="ru-RU" dirty="0" smtClean="0"/>
-              <a:t>Выбранные алгоритмы</a:t>
-            </a:r>
-            <a:endParaRPr lang="ru-RU" dirty="0"/>
+              <a:t>Методы </a:t>
+            </a:r>
+            <a:r>
+              <a:rPr lang="ru-RU" dirty="0"/>
+              <a:t>решения задач</a:t>
+            </a:r>
           </a:p>
         </p:txBody>
       </p:sp>
@@ -13261,46 +13566,15 @@
         </p:nvSpPr>
         <p:spPr>
           <a:xfrm>
-            <a:off x="457200" y="1556792"/>
-            <a:ext cx="8229600" cy="4569371"/>
+            <a:off x="457200" y="1700808"/>
+            <a:ext cx="8229600" cy="4425355"/>
           </a:xfrm>
         </p:spPr>
         <p:txBody>
           <a:bodyPr rtlCol="0">
-            <a:normAutofit fontScale="92500" lnSpcReduction="20000"/>
+            <a:normAutofit lnSpcReduction="10000"/>
           </a:bodyPr>
           <a:lstStyle/>
-          <a:p>
-            <a:pPr marL="0" indent="0" eaLnBrk="1" fontAlgn="auto" hangingPunct="1">
-              <a:spcAft>
-                <a:spcPts val="1200"/>
-              </a:spcAft>
-              <a:buFont typeface="Arial" pitchFamily="34" charset="0"/>
-              <a:buNone/>
-              <a:defRPr/>
-            </a:pPr>
-            <a:r>
-              <a:rPr lang="ru-RU" dirty="0" smtClean="0">
-                <a:solidFill>
-                  <a:schemeClr val="tx1"/>
-                </a:solidFill>
-              </a:rPr>
-              <a:t>Были выбраны следующие алгоритмы</a:t>
-            </a:r>
-            <a:r>
-              <a:rPr lang="ru-RU" dirty="0">
-                <a:solidFill>
-                  <a:schemeClr val="tx1"/>
-                </a:solidFill>
-              </a:rPr>
-              <a:t>:</a:t>
-            </a:r>
-            <a:endParaRPr lang="ru-RU" dirty="0" smtClean="0">
-              <a:solidFill>
-                <a:schemeClr val="tx1"/>
-              </a:solidFill>
-            </a:endParaRPr>
-          </a:p>
           <a:p>
             <a:pPr marL="457200" indent="-457200" eaLnBrk="1" fontAlgn="auto" hangingPunct="1">
               <a:spcAft>
@@ -13568,835 +13842,7 @@
               <a:defRPr/>
             </a:pPr>
             <a:r>
-              <a:rPr lang="ru-RU" dirty="0" smtClean="0"/>
-              <a:t>Маски </a:t>
-            </a:r>
-            <a:r>
-              <a:rPr lang="ru-RU" dirty="0" err="1" smtClean="0"/>
-              <a:t>утоньшения</a:t>
-            </a:r>
-            <a:endParaRPr lang="ru-RU" dirty="0"/>
-          </a:p>
-        </p:txBody>
-      </p:sp>
-      <p:sp>
-        <p:nvSpPr>
-          <p:cNvPr id="6147" name="Объект 2"/>
-          <p:cNvSpPr>
-            <a:spLocks noGrp="1"/>
-          </p:cNvSpPr>
-          <p:nvPr>
-            <p:ph idx="1"/>
-          </p:nvPr>
-        </p:nvSpPr>
-        <p:spPr/>
-        <p:txBody>
-          <a:bodyPr/>
-          <a:lstStyle/>
-          <a:p>
-            <a:pPr eaLnBrk="1" hangingPunct="1"/>
-            <a:endParaRPr lang="ru-RU" smtClean="0"/>
-          </a:p>
-        </p:txBody>
-      </p:sp>
-      <p:graphicFrame>
-        <p:nvGraphicFramePr>
-          <p:cNvPr id="4" name="Объект 4"/>
-          <p:cNvGraphicFramePr>
-            <a:graphicFrameLocks/>
-          </p:cNvGraphicFramePr>
-          <p:nvPr/>
-        </p:nvGraphicFramePr>
-        <p:xfrm>
-          <a:off x="1116013" y="2492375"/>
-          <a:ext cx="5976936" cy="3283125"/>
-        </p:xfrm>
-        <a:graphic>
-          <a:graphicData uri="http://schemas.openxmlformats.org/drawingml/2006/table">
-            <a:tbl>
-              <a:tblPr firstRow="1" firstCol="1" bandRow="1">
-                <a:tableStyleId>{5940675A-B579-460E-94D1-54222C63F5DA}</a:tableStyleId>
-              </a:tblPr>
-              <a:tblGrid>
-                <a:gridCol w="796113"/>
-                <a:gridCol w="863132"/>
-                <a:gridCol w="863132"/>
-                <a:gridCol w="865163"/>
-                <a:gridCol w="863132"/>
-                <a:gridCol w="863132"/>
-                <a:gridCol w="863132"/>
-              </a:tblGrid>
-              <a:tr h="1094317">
-                <a:tc>
-                  <a:txBody>
-                    <a:bodyPr/>
-                    <a:lstStyle/>
-                    <a:p>
-                      <a:pPr algn="ctr">
-                        <a:lnSpc>
-                          <a:spcPct val="150000"/>
-                        </a:lnSpc>
-                        <a:spcAft>
-                          <a:spcPts val="0"/>
-                        </a:spcAft>
-                      </a:pPr>
-                      <a:r>
-                        <a:rPr lang="en-US" sz="4000" dirty="0">
-                          <a:effectLst/>
-                          <a:latin typeface="Times New Roman" pitchFamily="18" charset="0"/>
-                          <a:cs typeface="Times New Roman" pitchFamily="18" charset="0"/>
-                        </a:rPr>
-                        <a:t>0</a:t>
-                      </a:r>
-                      <a:endParaRPr lang="ru-RU" sz="4000" dirty="0">
-                        <a:effectLst/>
-                        <a:latin typeface="Times New Roman" pitchFamily="18" charset="0"/>
-                        <a:ea typeface="Calibri"/>
-                        <a:cs typeface="Times New Roman" pitchFamily="18" charset="0"/>
-                      </a:endParaRPr>
-                    </a:p>
-                  </a:txBody>
-                  <a:tcPr marL="0" marR="0" marT="0" marB="179975" anchor="ctr"/>
-                </a:tc>
-                <a:tc>
-                  <a:txBody>
-                    <a:bodyPr/>
-                    <a:lstStyle/>
-                    <a:p>
-                      <a:pPr algn="ctr">
-                        <a:lnSpc>
-                          <a:spcPct val="150000"/>
-                        </a:lnSpc>
-                        <a:spcAft>
-                          <a:spcPts val="0"/>
-                        </a:spcAft>
-                      </a:pPr>
-                      <a:r>
-                        <a:rPr lang="en-US" sz="4000" dirty="0">
-                          <a:effectLst/>
-                          <a:latin typeface="Times New Roman" pitchFamily="18" charset="0"/>
-                          <a:cs typeface="Times New Roman" pitchFamily="18" charset="0"/>
-                        </a:rPr>
-                        <a:t>0</a:t>
-                      </a:r>
-                      <a:endParaRPr lang="ru-RU" sz="4000" dirty="0">
-                        <a:effectLst/>
-                        <a:latin typeface="Times New Roman" pitchFamily="18" charset="0"/>
-                        <a:ea typeface="Calibri"/>
-                        <a:cs typeface="Times New Roman" pitchFamily="18" charset="0"/>
-                      </a:endParaRPr>
-                    </a:p>
-                  </a:txBody>
-                  <a:tcPr marL="0" marR="0" marT="0" marB="179975" anchor="ctr"/>
-                </a:tc>
-                <a:tc>
-                  <a:txBody>
-                    <a:bodyPr/>
-                    <a:lstStyle/>
-                    <a:p>
-                      <a:pPr algn="ctr">
-                        <a:lnSpc>
-                          <a:spcPct val="150000"/>
-                        </a:lnSpc>
-                        <a:spcAft>
-                          <a:spcPts val="0"/>
-                        </a:spcAft>
-                      </a:pPr>
-                      <a:r>
-                        <a:rPr lang="en-US" sz="4000" dirty="0">
-                          <a:effectLst/>
-                          <a:latin typeface="Times New Roman" pitchFamily="18" charset="0"/>
-                          <a:cs typeface="Times New Roman" pitchFamily="18" charset="0"/>
-                        </a:rPr>
-                        <a:t>0</a:t>
-                      </a:r>
-                      <a:endParaRPr lang="ru-RU" sz="4000" dirty="0">
-                        <a:effectLst/>
-                        <a:latin typeface="Times New Roman" pitchFamily="18" charset="0"/>
-                        <a:ea typeface="Calibri"/>
-                        <a:cs typeface="Times New Roman" pitchFamily="18" charset="0"/>
-                      </a:endParaRPr>
-                    </a:p>
-                  </a:txBody>
-                  <a:tcPr marL="0" marR="0" marT="0" marB="179975" anchor="ctr"/>
-                </a:tc>
-                <a:tc>
-                  <a:txBody>
-                    <a:bodyPr/>
-                    <a:lstStyle/>
-                    <a:p>
-                      <a:pPr algn="ctr">
-                        <a:lnSpc>
-                          <a:spcPct val="150000"/>
-                        </a:lnSpc>
-                        <a:spcAft>
-                          <a:spcPts val="0"/>
-                        </a:spcAft>
-                      </a:pPr>
-                      <a:r>
-                        <a:rPr lang="ru-RU" sz="4000" dirty="0">
-                          <a:effectLst/>
-                          <a:latin typeface="Times New Roman" pitchFamily="18" charset="0"/>
-                          <a:cs typeface="Times New Roman" pitchFamily="18" charset="0"/>
-                        </a:rPr>
-                        <a:t> </a:t>
-                      </a:r>
-                      <a:endParaRPr lang="ru-RU" sz="4000" dirty="0">
-                        <a:effectLst/>
-                        <a:latin typeface="Times New Roman" pitchFamily="18" charset="0"/>
-                        <a:ea typeface="Calibri"/>
-                        <a:cs typeface="Times New Roman" pitchFamily="18" charset="0"/>
-                      </a:endParaRPr>
-                    </a:p>
-                  </a:txBody>
-                  <a:tcPr marL="0" marR="0" marT="0" marB="179975" anchor="ctr">
-                    <a:lnT w="12700" cmpd="sng">
-                      <a:noFill/>
-                    </a:lnT>
-                    <a:lnB w="12700" cmpd="sng">
-                      <a:noFill/>
-                    </a:lnB>
-                  </a:tcPr>
-                </a:tc>
-                <a:tc>
-                  <a:txBody>
-                    <a:bodyPr/>
-                    <a:lstStyle/>
-                    <a:p>
-                      <a:pPr algn="ctr">
-                        <a:lnSpc>
-                          <a:spcPct val="150000"/>
-                        </a:lnSpc>
-                        <a:spcAft>
-                          <a:spcPts val="0"/>
-                        </a:spcAft>
-                      </a:pPr>
-                      <a:r>
-                        <a:rPr lang="en-US" sz="4000" dirty="0">
-                          <a:effectLst/>
-                          <a:latin typeface="Times New Roman" pitchFamily="18" charset="0"/>
-                          <a:cs typeface="Times New Roman" pitchFamily="18" charset="0"/>
-                        </a:rPr>
-                        <a:t>2</a:t>
-                      </a:r>
-                      <a:endParaRPr lang="ru-RU" sz="4000" dirty="0">
-                        <a:effectLst/>
-                        <a:latin typeface="Times New Roman" pitchFamily="18" charset="0"/>
-                        <a:ea typeface="Calibri"/>
-                        <a:cs typeface="Times New Roman" pitchFamily="18" charset="0"/>
-                      </a:endParaRPr>
-                    </a:p>
-                  </a:txBody>
-                  <a:tcPr marL="0" marR="0" marT="0" marB="179975" anchor="ctr"/>
-                </a:tc>
-                <a:tc>
-                  <a:txBody>
-                    <a:bodyPr/>
-                    <a:lstStyle/>
-                    <a:p>
-                      <a:pPr algn="ctr">
-                        <a:lnSpc>
-                          <a:spcPct val="150000"/>
-                        </a:lnSpc>
-                        <a:spcAft>
-                          <a:spcPts val="0"/>
-                        </a:spcAft>
-                      </a:pPr>
-                      <a:r>
-                        <a:rPr lang="en-US" sz="4000">
-                          <a:effectLst/>
-                          <a:latin typeface="Times New Roman" pitchFamily="18" charset="0"/>
-                          <a:cs typeface="Times New Roman" pitchFamily="18" charset="0"/>
-                        </a:rPr>
-                        <a:t>0</a:t>
-                      </a:r>
-                      <a:endParaRPr lang="ru-RU" sz="4000">
-                        <a:effectLst/>
-                        <a:latin typeface="Times New Roman" pitchFamily="18" charset="0"/>
-                        <a:ea typeface="Calibri"/>
-                        <a:cs typeface="Times New Roman" pitchFamily="18" charset="0"/>
-                      </a:endParaRPr>
-                    </a:p>
-                  </a:txBody>
-                  <a:tcPr marL="0" marR="0" marT="0" marB="179975" anchor="ctr"/>
-                </a:tc>
-                <a:tc>
-                  <a:txBody>
-                    <a:bodyPr/>
-                    <a:lstStyle/>
-                    <a:p>
-                      <a:pPr algn="ctr">
-                        <a:lnSpc>
-                          <a:spcPct val="150000"/>
-                        </a:lnSpc>
-                        <a:spcAft>
-                          <a:spcPts val="0"/>
-                        </a:spcAft>
-                      </a:pPr>
-                      <a:r>
-                        <a:rPr lang="en-US" sz="4000" dirty="0">
-                          <a:effectLst/>
-                          <a:latin typeface="Times New Roman" pitchFamily="18" charset="0"/>
-                          <a:cs typeface="Times New Roman" pitchFamily="18" charset="0"/>
-                        </a:rPr>
-                        <a:t>0</a:t>
-                      </a:r>
-                      <a:endParaRPr lang="ru-RU" sz="4000" dirty="0">
-                        <a:effectLst/>
-                        <a:latin typeface="Times New Roman" pitchFamily="18" charset="0"/>
-                        <a:ea typeface="Calibri"/>
-                        <a:cs typeface="Times New Roman" pitchFamily="18" charset="0"/>
-                      </a:endParaRPr>
-                    </a:p>
-                  </a:txBody>
-                  <a:tcPr marL="0" marR="0" marT="0" marB="179975" anchor="ctr"/>
-                </a:tc>
-              </a:tr>
-              <a:tr h="1094317">
-                <a:tc>
-                  <a:txBody>
-                    <a:bodyPr/>
-                    <a:lstStyle/>
-                    <a:p>
-                      <a:pPr algn="ctr">
-                        <a:lnSpc>
-                          <a:spcPct val="150000"/>
-                        </a:lnSpc>
-                        <a:spcAft>
-                          <a:spcPts val="0"/>
-                        </a:spcAft>
-                      </a:pPr>
-                      <a:r>
-                        <a:rPr lang="en-US" sz="4000">
-                          <a:effectLst/>
-                          <a:latin typeface="Times New Roman" pitchFamily="18" charset="0"/>
-                          <a:cs typeface="Times New Roman" pitchFamily="18" charset="0"/>
-                        </a:rPr>
-                        <a:t>2</a:t>
-                      </a:r>
-                      <a:endParaRPr lang="ru-RU" sz="4000">
-                        <a:effectLst/>
-                        <a:latin typeface="Times New Roman" pitchFamily="18" charset="0"/>
-                        <a:ea typeface="Calibri"/>
-                        <a:cs typeface="Times New Roman" pitchFamily="18" charset="0"/>
-                      </a:endParaRPr>
-                    </a:p>
-                  </a:txBody>
-                  <a:tcPr marL="0" marR="0" marT="0" marB="179975" anchor="ctr"/>
-                </a:tc>
-                <a:tc>
-                  <a:txBody>
-                    <a:bodyPr/>
-                    <a:lstStyle/>
-                    <a:p>
-                      <a:pPr algn="ctr">
-                        <a:lnSpc>
-                          <a:spcPct val="150000"/>
-                        </a:lnSpc>
-                        <a:spcAft>
-                          <a:spcPts val="0"/>
-                        </a:spcAft>
-                      </a:pPr>
-                      <a:r>
-                        <a:rPr lang="en-US" sz="4000">
-                          <a:effectLst/>
-                          <a:latin typeface="Times New Roman" pitchFamily="18" charset="0"/>
-                          <a:cs typeface="Times New Roman" pitchFamily="18" charset="0"/>
-                        </a:rPr>
-                        <a:t>1</a:t>
-                      </a:r>
-                      <a:endParaRPr lang="ru-RU" sz="4000">
-                        <a:effectLst/>
-                        <a:latin typeface="Times New Roman" pitchFamily="18" charset="0"/>
-                        <a:ea typeface="Calibri"/>
-                        <a:cs typeface="Times New Roman" pitchFamily="18" charset="0"/>
-                      </a:endParaRPr>
-                    </a:p>
-                  </a:txBody>
-                  <a:tcPr marL="0" marR="0" marT="0" marB="179975" anchor="ctr"/>
-                </a:tc>
-                <a:tc>
-                  <a:txBody>
-                    <a:bodyPr/>
-                    <a:lstStyle/>
-                    <a:p>
-                      <a:pPr algn="ctr">
-                        <a:lnSpc>
-                          <a:spcPct val="150000"/>
-                        </a:lnSpc>
-                        <a:spcAft>
-                          <a:spcPts val="0"/>
-                        </a:spcAft>
-                      </a:pPr>
-                      <a:r>
-                        <a:rPr lang="en-US" sz="4000" dirty="0">
-                          <a:effectLst/>
-                          <a:latin typeface="Times New Roman" pitchFamily="18" charset="0"/>
-                          <a:cs typeface="Times New Roman" pitchFamily="18" charset="0"/>
-                        </a:rPr>
-                        <a:t>2</a:t>
-                      </a:r>
-                      <a:endParaRPr lang="ru-RU" sz="4000" dirty="0">
-                        <a:effectLst/>
-                        <a:latin typeface="Times New Roman" pitchFamily="18" charset="0"/>
-                        <a:ea typeface="Calibri"/>
-                        <a:cs typeface="Times New Roman" pitchFamily="18" charset="0"/>
-                      </a:endParaRPr>
-                    </a:p>
-                  </a:txBody>
-                  <a:tcPr marL="0" marR="0" marT="0" marB="179975" anchor="ctr"/>
-                </a:tc>
-                <a:tc>
-                  <a:txBody>
-                    <a:bodyPr/>
-                    <a:lstStyle/>
-                    <a:p>
-                      <a:pPr algn="ctr">
-                        <a:lnSpc>
-                          <a:spcPct val="150000"/>
-                        </a:lnSpc>
-                        <a:spcAft>
-                          <a:spcPts val="0"/>
-                        </a:spcAft>
-                      </a:pPr>
-                      <a:r>
-                        <a:rPr lang="ru-RU" sz="4000" dirty="0">
-                          <a:effectLst/>
-                          <a:latin typeface="Times New Roman" pitchFamily="18" charset="0"/>
-                          <a:cs typeface="Times New Roman" pitchFamily="18" charset="0"/>
-                        </a:rPr>
-                        <a:t> </a:t>
-                      </a:r>
-                      <a:endParaRPr lang="ru-RU" sz="4000" dirty="0">
-                        <a:effectLst/>
-                        <a:latin typeface="Times New Roman" pitchFamily="18" charset="0"/>
-                        <a:ea typeface="Calibri"/>
-                        <a:cs typeface="Times New Roman" pitchFamily="18" charset="0"/>
-                      </a:endParaRPr>
-                    </a:p>
-                  </a:txBody>
-                  <a:tcPr marL="0" marR="0" marT="0" marB="179975" anchor="ctr">
-                    <a:lnT w="12700" cmpd="sng">
-                      <a:noFill/>
-                    </a:lnT>
-                    <a:lnB w="12700" cmpd="sng">
-                      <a:noFill/>
-                    </a:lnB>
-                  </a:tcPr>
-                </a:tc>
-                <a:tc>
-                  <a:txBody>
-                    <a:bodyPr/>
-                    <a:lstStyle/>
-                    <a:p>
-                      <a:pPr algn="ctr">
-                        <a:lnSpc>
-                          <a:spcPct val="150000"/>
-                        </a:lnSpc>
-                        <a:spcAft>
-                          <a:spcPts val="0"/>
-                        </a:spcAft>
-                      </a:pPr>
-                      <a:r>
-                        <a:rPr lang="en-US" sz="4000" dirty="0">
-                          <a:effectLst/>
-                          <a:latin typeface="Times New Roman" pitchFamily="18" charset="0"/>
-                          <a:cs typeface="Times New Roman" pitchFamily="18" charset="0"/>
-                        </a:rPr>
-                        <a:t>1</a:t>
-                      </a:r>
-                      <a:endParaRPr lang="ru-RU" sz="4000" dirty="0">
-                        <a:effectLst/>
-                        <a:latin typeface="Times New Roman" pitchFamily="18" charset="0"/>
-                        <a:ea typeface="Calibri"/>
-                        <a:cs typeface="Times New Roman" pitchFamily="18" charset="0"/>
-                      </a:endParaRPr>
-                    </a:p>
-                  </a:txBody>
-                  <a:tcPr marL="0" marR="0" marT="0" marB="179975" anchor="ctr"/>
-                </a:tc>
-                <a:tc>
-                  <a:txBody>
-                    <a:bodyPr/>
-                    <a:lstStyle/>
-                    <a:p>
-                      <a:pPr algn="ctr">
-                        <a:lnSpc>
-                          <a:spcPct val="150000"/>
-                        </a:lnSpc>
-                        <a:spcAft>
-                          <a:spcPts val="0"/>
-                        </a:spcAft>
-                      </a:pPr>
-                      <a:r>
-                        <a:rPr lang="en-US" sz="4000">
-                          <a:effectLst/>
-                          <a:latin typeface="Times New Roman" pitchFamily="18" charset="0"/>
-                          <a:cs typeface="Times New Roman" pitchFamily="18" charset="0"/>
-                        </a:rPr>
-                        <a:t>1</a:t>
-                      </a:r>
-                      <a:endParaRPr lang="ru-RU" sz="4000">
-                        <a:effectLst/>
-                        <a:latin typeface="Times New Roman" pitchFamily="18" charset="0"/>
-                        <a:ea typeface="Calibri"/>
-                        <a:cs typeface="Times New Roman" pitchFamily="18" charset="0"/>
-                      </a:endParaRPr>
-                    </a:p>
-                  </a:txBody>
-                  <a:tcPr marL="0" marR="0" marT="0" marB="179975" anchor="ctr"/>
-                </a:tc>
-                <a:tc>
-                  <a:txBody>
-                    <a:bodyPr/>
-                    <a:lstStyle/>
-                    <a:p>
-                      <a:pPr algn="ctr">
-                        <a:lnSpc>
-                          <a:spcPct val="150000"/>
-                        </a:lnSpc>
-                        <a:spcAft>
-                          <a:spcPts val="0"/>
-                        </a:spcAft>
-                      </a:pPr>
-                      <a:r>
-                        <a:rPr lang="en-US" sz="4000" dirty="0">
-                          <a:effectLst/>
-                          <a:latin typeface="Times New Roman" pitchFamily="18" charset="0"/>
-                          <a:cs typeface="Times New Roman" pitchFamily="18" charset="0"/>
-                        </a:rPr>
-                        <a:t>0</a:t>
-                      </a:r>
-                      <a:endParaRPr lang="ru-RU" sz="4000" dirty="0">
-                        <a:effectLst/>
-                        <a:latin typeface="Times New Roman" pitchFamily="18" charset="0"/>
-                        <a:ea typeface="Calibri"/>
-                        <a:cs typeface="Times New Roman" pitchFamily="18" charset="0"/>
-                      </a:endParaRPr>
-                    </a:p>
-                  </a:txBody>
-                  <a:tcPr marL="0" marR="0" marT="0" marB="179975" anchor="ctr"/>
-                </a:tc>
-              </a:tr>
-              <a:tr h="1094317">
-                <a:tc>
-                  <a:txBody>
-                    <a:bodyPr/>
-                    <a:lstStyle/>
-                    <a:p>
-                      <a:pPr algn="ctr">
-                        <a:lnSpc>
-                          <a:spcPct val="150000"/>
-                        </a:lnSpc>
-                        <a:spcAft>
-                          <a:spcPts val="0"/>
-                        </a:spcAft>
-                      </a:pPr>
-                      <a:r>
-                        <a:rPr lang="en-US" sz="4000">
-                          <a:effectLst/>
-                          <a:latin typeface="Times New Roman" pitchFamily="18" charset="0"/>
-                          <a:cs typeface="Times New Roman" pitchFamily="18" charset="0"/>
-                        </a:rPr>
-                        <a:t>1</a:t>
-                      </a:r>
-                      <a:endParaRPr lang="ru-RU" sz="4000">
-                        <a:effectLst/>
-                        <a:latin typeface="Times New Roman" pitchFamily="18" charset="0"/>
-                        <a:ea typeface="Calibri"/>
-                        <a:cs typeface="Times New Roman" pitchFamily="18" charset="0"/>
-                      </a:endParaRPr>
-                    </a:p>
-                  </a:txBody>
-                  <a:tcPr marL="0" marR="0" marT="0" marB="179975" anchor="ctr"/>
-                </a:tc>
-                <a:tc>
-                  <a:txBody>
-                    <a:bodyPr/>
-                    <a:lstStyle/>
-                    <a:p>
-                      <a:pPr algn="ctr">
-                        <a:lnSpc>
-                          <a:spcPct val="150000"/>
-                        </a:lnSpc>
-                        <a:spcAft>
-                          <a:spcPts val="0"/>
-                        </a:spcAft>
-                      </a:pPr>
-                      <a:r>
-                        <a:rPr lang="en-US" sz="4000">
-                          <a:effectLst/>
-                          <a:latin typeface="Times New Roman" pitchFamily="18" charset="0"/>
-                          <a:cs typeface="Times New Roman" pitchFamily="18" charset="0"/>
-                        </a:rPr>
-                        <a:t>1</a:t>
-                      </a:r>
-                      <a:endParaRPr lang="ru-RU" sz="4000">
-                        <a:effectLst/>
-                        <a:latin typeface="Times New Roman" pitchFamily="18" charset="0"/>
-                        <a:ea typeface="Calibri"/>
-                        <a:cs typeface="Times New Roman" pitchFamily="18" charset="0"/>
-                      </a:endParaRPr>
-                    </a:p>
-                  </a:txBody>
-                  <a:tcPr marL="0" marR="0" marT="0" marB="179975" anchor="ctr"/>
-                </a:tc>
-                <a:tc>
-                  <a:txBody>
-                    <a:bodyPr/>
-                    <a:lstStyle/>
-                    <a:p>
-                      <a:pPr algn="ctr">
-                        <a:lnSpc>
-                          <a:spcPct val="150000"/>
-                        </a:lnSpc>
-                        <a:spcAft>
-                          <a:spcPts val="0"/>
-                        </a:spcAft>
-                      </a:pPr>
-                      <a:r>
-                        <a:rPr lang="en-US" sz="4000" dirty="0">
-                          <a:effectLst/>
-                          <a:latin typeface="Times New Roman" pitchFamily="18" charset="0"/>
-                          <a:cs typeface="Times New Roman" pitchFamily="18" charset="0"/>
-                        </a:rPr>
-                        <a:t>1</a:t>
-                      </a:r>
-                      <a:endParaRPr lang="ru-RU" sz="4000" dirty="0">
-                        <a:effectLst/>
-                        <a:latin typeface="Times New Roman" pitchFamily="18" charset="0"/>
-                        <a:ea typeface="Calibri"/>
-                        <a:cs typeface="Times New Roman" pitchFamily="18" charset="0"/>
-                      </a:endParaRPr>
-                    </a:p>
-                  </a:txBody>
-                  <a:tcPr marL="0" marR="0" marT="0" marB="179975" anchor="ctr"/>
-                </a:tc>
-                <a:tc>
-                  <a:txBody>
-                    <a:bodyPr/>
-                    <a:lstStyle/>
-                    <a:p>
-                      <a:pPr algn="ctr">
-                        <a:lnSpc>
-                          <a:spcPct val="150000"/>
-                        </a:lnSpc>
-                        <a:spcAft>
-                          <a:spcPts val="0"/>
-                        </a:spcAft>
-                      </a:pPr>
-                      <a:r>
-                        <a:rPr lang="ru-RU" sz="4000" dirty="0">
-                          <a:effectLst/>
-                          <a:latin typeface="Times New Roman" pitchFamily="18" charset="0"/>
-                          <a:cs typeface="Times New Roman" pitchFamily="18" charset="0"/>
-                        </a:rPr>
-                        <a:t> </a:t>
-                      </a:r>
-                      <a:endParaRPr lang="ru-RU" sz="4000" dirty="0">
-                        <a:effectLst/>
-                        <a:latin typeface="Times New Roman" pitchFamily="18" charset="0"/>
-                        <a:ea typeface="Calibri"/>
-                        <a:cs typeface="Times New Roman" pitchFamily="18" charset="0"/>
-                      </a:endParaRPr>
-                    </a:p>
-                  </a:txBody>
-                  <a:tcPr marL="0" marR="0" marT="0" marB="179975" anchor="ctr">
-                    <a:lnT w="12700" cmpd="sng">
-                      <a:noFill/>
-                    </a:lnT>
-                    <a:lnB w="12700" cmpd="sng">
-                      <a:noFill/>
-                    </a:lnB>
-                  </a:tcPr>
-                </a:tc>
-                <a:tc>
-                  <a:txBody>
-                    <a:bodyPr/>
-                    <a:lstStyle/>
-                    <a:p>
-                      <a:pPr algn="ctr">
-                        <a:lnSpc>
-                          <a:spcPct val="150000"/>
-                        </a:lnSpc>
-                        <a:spcAft>
-                          <a:spcPts val="0"/>
-                        </a:spcAft>
-                      </a:pPr>
-                      <a:r>
-                        <a:rPr lang="en-US" sz="4000" dirty="0">
-                          <a:effectLst/>
-                          <a:latin typeface="Times New Roman" pitchFamily="18" charset="0"/>
-                          <a:cs typeface="Times New Roman" pitchFamily="18" charset="0"/>
-                        </a:rPr>
-                        <a:t>2</a:t>
-                      </a:r>
-                      <a:endParaRPr lang="ru-RU" sz="4000" dirty="0">
-                        <a:effectLst/>
-                        <a:latin typeface="Times New Roman" pitchFamily="18" charset="0"/>
-                        <a:ea typeface="Calibri"/>
-                        <a:cs typeface="Times New Roman" pitchFamily="18" charset="0"/>
-                      </a:endParaRPr>
-                    </a:p>
-                  </a:txBody>
-                  <a:tcPr marL="0" marR="0" marT="0" marB="179975" anchor="ctr"/>
-                </a:tc>
-                <a:tc>
-                  <a:txBody>
-                    <a:bodyPr/>
-                    <a:lstStyle/>
-                    <a:p>
-                      <a:pPr algn="ctr">
-                        <a:lnSpc>
-                          <a:spcPct val="150000"/>
-                        </a:lnSpc>
-                        <a:spcAft>
-                          <a:spcPts val="0"/>
-                        </a:spcAft>
-                      </a:pPr>
-                      <a:r>
-                        <a:rPr lang="en-US" sz="4000">
-                          <a:effectLst/>
-                          <a:latin typeface="Times New Roman" pitchFamily="18" charset="0"/>
-                          <a:cs typeface="Times New Roman" pitchFamily="18" charset="0"/>
-                        </a:rPr>
-                        <a:t>1</a:t>
-                      </a:r>
-                      <a:endParaRPr lang="ru-RU" sz="4000">
-                        <a:effectLst/>
-                        <a:latin typeface="Times New Roman" pitchFamily="18" charset="0"/>
-                        <a:ea typeface="Calibri"/>
-                        <a:cs typeface="Times New Roman" pitchFamily="18" charset="0"/>
-                      </a:endParaRPr>
-                    </a:p>
-                  </a:txBody>
-                  <a:tcPr marL="0" marR="0" marT="0" marB="179975" anchor="ctr"/>
-                </a:tc>
-                <a:tc>
-                  <a:txBody>
-                    <a:bodyPr/>
-                    <a:lstStyle/>
-                    <a:p>
-                      <a:pPr algn="ctr">
-                        <a:lnSpc>
-                          <a:spcPct val="150000"/>
-                        </a:lnSpc>
-                        <a:spcAft>
-                          <a:spcPts val="0"/>
-                        </a:spcAft>
-                      </a:pPr>
-                      <a:r>
-                        <a:rPr lang="en-US" sz="4000" dirty="0">
-                          <a:effectLst/>
-                          <a:latin typeface="Times New Roman" pitchFamily="18" charset="0"/>
-                          <a:cs typeface="Times New Roman" pitchFamily="18" charset="0"/>
-                        </a:rPr>
-                        <a:t>2</a:t>
-                      </a:r>
-                      <a:endParaRPr lang="ru-RU" sz="4000" dirty="0">
-                        <a:effectLst/>
-                        <a:latin typeface="Times New Roman" pitchFamily="18" charset="0"/>
-                        <a:ea typeface="Calibri"/>
-                        <a:cs typeface="Times New Roman" pitchFamily="18" charset="0"/>
-                      </a:endParaRPr>
-                    </a:p>
-                  </a:txBody>
-                  <a:tcPr marL="0" marR="0" marT="0" marB="179975" anchor="ctr"/>
-                </a:tc>
-              </a:tr>
-            </a:tbl>
-          </a:graphicData>
-        </a:graphic>
-      </p:graphicFrame>
-      <p:sp>
-        <p:nvSpPr>
-          <p:cNvPr id="5" name="Номер слайда 4"/>
-          <p:cNvSpPr>
-            <a:spLocks noGrp="1"/>
-          </p:cNvSpPr>
-          <p:nvPr>
-            <p:ph type="sldNum" sz="quarter" idx="12"/>
-          </p:nvPr>
-        </p:nvSpPr>
-        <p:spPr/>
-        <p:txBody>
-          <a:bodyPr/>
-          <a:lstStyle/>
-          <a:p>
-            <a:pPr>
-              <a:defRPr/>
-            </a:pPr>
-            <a:fld id="{60D3700E-F193-4E17-8520-E158EF340FEF}" type="slidenum">
-              <a:rPr lang="ru-RU" sz="2000"/>
-              <a:pPr>
-                <a:defRPr/>
-              </a:pPr>
-              <a:t>6</a:t>
-            </a:fld>
-            <a:endParaRPr lang="ru-RU" sz="2000" dirty="0"/>
-          </a:p>
-        </p:txBody>
-      </p:sp>
-    </p:spTree>
-    <p:extLst>
-      <p:ext uri="{BB962C8B-B14F-4D97-AF65-F5344CB8AC3E}">
-        <p14:creationId xmlns:p14="http://schemas.microsoft.com/office/powerpoint/2010/main" val="3215612578"/>
-      </p:ext>
-    </p:extLst>
-  </p:cSld>
-  <p:clrMapOvr>
-    <a:masterClrMapping/>
-  </p:clrMapOvr>
-  <p:timing>
-    <p:tnLst>
-      <p:par>
-        <p:cTn id="1" dur="indefinite" restart="never" nodeType="tmRoot"/>
-      </p:par>
-    </p:tnLst>
-  </p:timing>
-</p:sld>
-</file>
-
-<file path=ppt/slides/slide7.xml><?xml version="1.0" encoding="utf-8"?>
-<p:sld xmlns:a="http://schemas.openxmlformats.org/drawingml/2006/main" xmlns:r="http://schemas.openxmlformats.org/officeDocument/2006/relationships" xmlns:p="http://schemas.openxmlformats.org/presentationml/2006/main">
-  <p:cSld>
-    <p:spTree>
-      <p:nvGrpSpPr>
-        <p:cNvPr id="1" name=""/>
-        <p:cNvGrpSpPr/>
-        <p:nvPr/>
-      </p:nvGrpSpPr>
-      <p:grpSpPr>
-        <a:xfrm>
-          <a:off x="0" y="0"/>
-          <a:ext cx="0" cy="0"/>
-          <a:chOff x="0" y="0"/>
-          <a:chExt cx="0" cy="0"/>
-        </a:xfrm>
-      </p:grpSpPr>
-      <p:sp>
-        <p:nvSpPr>
-          <p:cNvPr id="2" name="Заголовок 1"/>
-          <p:cNvSpPr>
-            <a:spLocks noGrp="1"/>
-          </p:cNvSpPr>
-          <p:nvPr>
-            <p:ph type="title"/>
-          </p:nvPr>
-        </p:nvSpPr>
-        <p:spPr/>
-        <p:txBody>
-          <a:bodyPr/>
-          <a:lstStyle/>
-          <a:p>
-            <a:pPr eaLnBrk="1" fontAlgn="auto" hangingPunct="1">
-              <a:spcAft>
-                <a:spcPts val="0"/>
-              </a:spcAft>
-              <a:defRPr/>
-            </a:pPr>
-            <a:r>
-              <a:rPr lang="ru-RU" dirty="0" smtClean="0"/>
+              <a:rPr lang="ru-RU" smtClean="0"/>
               <a:t>Примеры работы</a:t>
             </a:r>
             <a:endParaRPr lang="ru-RU" dirty="0"/>
@@ -14426,7 +13872,7 @@
               <a:pPr>
                 <a:defRPr/>
               </a:pPr>
-              <a:t>7</a:t>
+              <a:t>6</a:t>
             </a:fld>
             <a:endParaRPr lang="ru-RU" sz="2000" dirty="0"/>
           </a:p>
@@ -14444,8 +13890,8 @@
         </p:nvSpPr>
         <p:spPr>
           <a:xfrm>
-            <a:off x="457200" y="1773238"/>
-            <a:ext cx="8229600" cy="4551362"/>
+            <a:off x="457200" y="1340768"/>
+            <a:ext cx="8229600" cy="4983832"/>
           </a:xfrm>
         </p:spPr>
         <p:txBody>
@@ -14454,22 +13900,13 @@
           </a:bodyPr>
           <a:lstStyle/>
           <a:p>
-            <a:pPr eaLnBrk="1" fontAlgn="auto" hangingPunct="1">
+            <a:pPr marL="0" indent="0" eaLnBrk="1" fontAlgn="auto" hangingPunct="1">
               <a:spcAft>
                 <a:spcPts val="0"/>
               </a:spcAft>
+              <a:buNone/>
               <a:defRPr/>
             </a:pPr>
-            <a:r>
-              <a:rPr lang="ru-RU" sz="2000" dirty="0">
-                <a:solidFill>
-                  <a:schemeClr val="tx1"/>
-                </a:solidFill>
-                <a:latin typeface="Times New Roman" pitchFamily="18" charset="0"/>
-                <a:cs typeface="Times New Roman" pitchFamily="18" charset="0"/>
-              </a:rPr>
-              <a:t>Обработка </a:t>
-            </a:r>
             <a:r>
               <a:rPr lang="ru-RU" sz="2000" dirty="0" smtClean="0">
                 <a:solidFill>
@@ -14478,7 +13915,25 @@
                 <a:latin typeface="Times New Roman" pitchFamily="18" charset="0"/>
                 <a:cs typeface="Times New Roman" pitchFamily="18" charset="0"/>
               </a:rPr>
-              <a:t>прямоугольника</a:t>
+              <a:t>Выделение скелета объекта</a:t>
+            </a:r>
+          </a:p>
+          <a:p>
+            <a:pPr eaLnBrk="1" fontAlgn="auto" hangingPunct="1">
+              <a:spcAft>
+                <a:spcPts val="0"/>
+              </a:spcAft>
+              <a:defRPr/>
+            </a:pPr>
+            <a:r>
+              <a:rPr lang="ru-RU" sz="2000" dirty="0" smtClean="0">
+                <a:solidFill>
+                  <a:schemeClr val="tx1"/>
+                </a:solidFill>
+                <a:latin typeface="Times New Roman" pitchFamily="18" charset="0"/>
+                <a:cs typeface="Times New Roman" pitchFamily="18" charset="0"/>
+              </a:rPr>
+              <a:t>Обработка прямоугольника</a:t>
             </a:r>
           </a:p>
           <a:p>
@@ -14987,6 +14442,209 @@
       </p:par>
     </p:tnLst>
   </p:timing>
+</p:sld>
+</file>
+
+<file path=ppt/slides/slide7.xml><?xml version="1.0" encoding="utf-8"?>
+<p:sld xmlns:a="http://schemas.openxmlformats.org/drawingml/2006/main" xmlns:r="http://schemas.openxmlformats.org/officeDocument/2006/relationships" xmlns:p="http://schemas.openxmlformats.org/presentationml/2006/main">
+  <p:cSld>
+    <p:spTree>
+      <p:nvGrpSpPr>
+        <p:cNvPr id="1" name=""/>
+        <p:cNvGrpSpPr/>
+        <p:nvPr/>
+      </p:nvGrpSpPr>
+      <p:grpSpPr>
+        <a:xfrm>
+          <a:off x="0" y="0"/>
+          <a:ext cx="0" cy="0"/>
+          <a:chOff x="0" y="0"/>
+          <a:chExt cx="0" cy="0"/>
+        </a:xfrm>
+      </p:grpSpPr>
+      <p:sp>
+        <p:nvSpPr>
+          <p:cNvPr id="2" name="Заголовок 1"/>
+          <p:cNvSpPr>
+            <a:spLocks noGrp="1"/>
+          </p:cNvSpPr>
+          <p:nvPr>
+            <p:ph type="title"/>
+          </p:nvPr>
+        </p:nvSpPr>
+        <p:spPr/>
+        <p:txBody>
+          <a:bodyPr/>
+          <a:lstStyle/>
+          <a:p>
+            <a:r>
+              <a:rPr lang="ru-RU" dirty="0" smtClean="0"/>
+              <a:t>Выделение объектов</a:t>
+            </a:r>
+            <a:endParaRPr lang="ru-RU" dirty="0"/>
+          </a:p>
+        </p:txBody>
+      </p:sp>
+      <p:sp>
+        <p:nvSpPr>
+          <p:cNvPr id="3" name="Объект 2"/>
+          <p:cNvSpPr>
+            <a:spLocks noGrp="1"/>
+          </p:cNvSpPr>
+          <p:nvPr>
+            <p:ph idx="1"/>
+          </p:nvPr>
+        </p:nvSpPr>
+        <p:spPr/>
+        <p:txBody>
+          <a:bodyPr/>
+          <a:lstStyle/>
+          <a:p>
+            <a:endParaRPr lang="ru-RU" dirty="0"/>
+          </a:p>
+        </p:txBody>
+      </p:sp>
+      <p:sp>
+        <p:nvSpPr>
+          <p:cNvPr id="4" name="Номер слайда 3"/>
+          <p:cNvSpPr>
+            <a:spLocks noGrp="1"/>
+          </p:cNvSpPr>
+          <p:nvPr>
+            <p:ph type="sldNum" sz="quarter" idx="12"/>
+          </p:nvPr>
+        </p:nvSpPr>
+        <p:spPr/>
+        <p:txBody>
+          <a:bodyPr/>
+          <a:lstStyle/>
+          <a:p>
+            <a:fld id="{B19B0651-EE4F-4900-A07F-96A6BFA9D0F0}" type="slidenum">
+              <a:rPr lang="ru-RU" smtClean="0"/>
+              <a:t>7</a:t>
+            </a:fld>
+            <a:endParaRPr lang="ru-RU"/>
+          </a:p>
+        </p:txBody>
+      </p:sp>
+      <p:pic>
+        <p:nvPicPr>
+          <p:cNvPr id="2051" name="Picture 3"/>
+          <p:cNvPicPr>
+            <a:picLocks noChangeAspect="1" noChangeArrowheads="1"/>
+          </p:cNvPicPr>
+          <p:nvPr/>
+        </p:nvPicPr>
+        <p:blipFill>
+          <a:blip r:embed="rId2">
+            <a:extLst>
+              <a:ext uri="{28A0092B-C50C-407E-A947-70E740481C1C}">
+                <a14:useLocalDpi xmlns:a14="http://schemas.microsoft.com/office/drawing/2010/main" val="0"/>
+              </a:ext>
+            </a:extLst>
+          </a:blip>
+          <a:srcRect/>
+          <a:stretch>
+            <a:fillRect/>
+          </a:stretch>
+        </p:blipFill>
+        <p:spPr bwMode="auto">
+          <a:xfrm>
+            <a:off x="539552" y="2492896"/>
+            <a:ext cx="3609975" cy="2190750"/>
+          </a:xfrm>
+          <a:prstGeom prst="rect">
+            <a:avLst/>
+          </a:prstGeom>
+          <a:noFill/>
+          <a:ln>
+            <a:noFill/>
+          </a:ln>
+          <a:extLst>
+            <a:ext uri="{909E8E84-426E-40DD-AFC4-6F175D3DCCD1}">
+              <a14:hiddenFill xmlns:a14="http://schemas.microsoft.com/office/drawing/2010/main">
+                <a:solidFill>
+                  <a:schemeClr val="accent1"/>
+                </a:solidFill>
+              </a14:hiddenFill>
+            </a:ext>
+            <a:ext uri="{91240B29-F687-4F45-9708-019B960494DF}">
+              <a14:hiddenLine xmlns:a14="http://schemas.microsoft.com/office/drawing/2010/main" w="9525">
+                <a:solidFill>
+                  <a:schemeClr val="tx1"/>
+                </a:solidFill>
+                <a:miter lim="800000"/>
+                <a:headEnd/>
+                <a:tailEnd/>
+              </a14:hiddenLine>
+            </a:ext>
+          </a:extLst>
+        </p:spPr>
+      </p:pic>
+      <p:pic>
+        <p:nvPicPr>
+          <p:cNvPr id="2053" name="Picture 5"/>
+          <p:cNvPicPr>
+            <a:picLocks noChangeAspect="1" noChangeArrowheads="1"/>
+          </p:cNvPicPr>
+          <p:nvPr/>
+        </p:nvPicPr>
+        <p:blipFill>
+          <a:blip r:embed="rId3">
+            <a:extLst>
+              <a:ext uri="{28A0092B-C50C-407E-A947-70E740481C1C}">
+                <a14:useLocalDpi xmlns:a14="http://schemas.microsoft.com/office/drawing/2010/main" val="0"/>
+              </a:ext>
+            </a:extLst>
+          </a:blip>
+          <a:srcRect/>
+          <a:stretch>
+            <a:fillRect/>
+          </a:stretch>
+        </p:blipFill>
+        <p:spPr bwMode="auto">
+          <a:xfrm>
+            <a:off x="4932040" y="2492896"/>
+            <a:ext cx="3609975" cy="2190750"/>
+          </a:xfrm>
+          <a:prstGeom prst="rect">
+            <a:avLst/>
+          </a:prstGeom>
+          <a:noFill/>
+          <a:ln>
+            <a:noFill/>
+          </a:ln>
+          <a:extLst>
+            <a:ext uri="{909E8E84-426E-40DD-AFC4-6F175D3DCCD1}">
+              <a14:hiddenFill xmlns:a14="http://schemas.microsoft.com/office/drawing/2010/main">
+                <a:solidFill>
+                  <a:schemeClr val="accent1"/>
+                </a:solidFill>
+              </a14:hiddenFill>
+            </a:ext>
+            <a:ext uri="{91240B29-F687-4F45-9708-019B960494DF}">
+              <a14:hiddenLine xmlns:a14="http://schemas.microsoft.com/office/drawing/2010/main" w="9525">
+                <a:solidFill>
+                  <a:schemeClr val="tx1"/>
+                </a:solidFill>
+                <a:miter lim="800000"/>
+                <a:headEnd/>
+                <a:tailEnd/>
+              </a14:hiddenLine>
+            </a:ext>
+          </a:extLst>
+        </p:spPr>
+      </p:pic>
+    </p:spTree>
+    <p:extLst>
+      <p:ext uri="{BB962C8B-B14F-4D97-AF65-F5344CB8AC3E}">
+        <p14:creationId xmlns:p14="http://schemas.microsoft.com/office/powerpoint/2010/main" val="3408454126"/>
+      </p:ext>
+    </p:extLst>
+  </p:cSld>
+  <p:clrMapOvr>
+    <a:masterClrMapping/>
+  </p:clrMapOvr>
 </p:sld>
 </file>
 

--- a/docs/parts/conference.pptx
+++ b/docs/parts/conference.pptx
@@ -739,7 +739,7 @@
           <a:bodyPr/>
           <a:lstStyle/>
           <a:p>
-            <a:fld id="{1AD9EE3D-3EF4-4CE6-BCCE-D8BC9F81E484}" type="datetime1">
+            <a:fld id="{0C61CA76-A666-48AA-904E-9B8BDB962FE7}" type="datetime1">
               <a:rPr lang="ru-RU" smtClean="0"/>
               <a:t>21.06.2013</a:t>
             </a:fld>
@@ -904,7 +904,7 @@
           <a:bodyPr/>
           <a:lstStyle/>
           <a:p>
-            <a:fld id="{652D1DE8-880B-49D6-9C09-2976DFA2653B}" type="datetime1">
+            <a:fld id="{B36E7559-4B11-405C-9A9C-D7336A209128}" type="datetime1">
               <a:rPr lang="ru-RU" smtClean="0"/>
               <a:t>21.06.2013</a:t>
             </a:fld>
@@ -1079,7 +1079,7 @@
           <a:bodyPr/>
           <a:lstStyle/>
           <a:p>
-            <a:fld id="{1F31ACDF-8AB8-423F-BB20-0D703593119C}" type="datetime1">
+            <a:fld id="{2F75BBE3-9880-4C60-9177-CE3B444961C0}" type="datetime1">
               <a:rPr lang="ru-RU" smtClean="0"/>
               <a:t>21.06.2013</a:t>
             </a:fld>
@@ -1319,7 +1319,7 @@
             <a:pPr>
               <a:defRPr/>
             </a:pPr>
-            <a:fld id="{6EB37F3A-91C8-4A41-B2F9-844DADE8B4EC}" type="datetime1">
+            <a:fld id="{F0792006-E550-4D73-92F3-B8F818FBA9EA}" type="datetime1">
               <a:rPr lang="ru-RU" smtClean="0">
                 <a:solidFill>
                   <a:prstClr val="black">
@@ -1536,7 +1536,7 @@
             <a:pPr>
               <a:defRPr/>
             </a:pPr>
-            <a:fld id="{889BE40C-E41C-465F-A4F5-316009F233E4}" type="datetime1">
+            <a:fld id="{9B82F1A0-8A1B-485D-83B7-71D767AFEE89}" type="datetime1">
               <a:rPr lang="ru-RU" smtClean="0">
                 <a:solidFill>
                   <a:prstClr val="black">
@@ -1829,7 +1829,7 @@
             <a:pPr>
               <a:defRPr/>
             </a:pPr>
-            <a:fld id="{6015E3FB-0E8C-4870-A0C6-2BA05FC23C18}" type="datetime1">
+            <a:fld id="{D109384D-D328-4677-B4C2-24EF1C626A3F}" type="datetime1">
               <a:rPr lang="ru-RU" smtClean="0">
                 <a:solidFill>
                   <a:prstClr val="black">
@@ -2164,7 +2164,7 @@
             <a:pPr>
               <a:defRPr/>
             </a:pPr>
-            <a:fld id="{A9F4707A-7390-48BC-B3CA-06AAF5499BD9}" type="datetime1">
+            <a:fld id="{437D522D-E937-4AEC-B93B-1AEC91499EC5}" type="datetime1">
               <a:rPr lang="ru-RU" smtClean="0">
                 <a:solidFill>
                   <a:prstClr val="black">
@@ -2633,7 +2633,7 @@
             <a:pPr>
               <a:defRPr/>
             </a:pPr>
-            <a:fld id="{1C7CD221-D54E-482D-8F0A-74812CF4D8BB}" type="datetime1">
+            <a:fld id="{8DB4EFC2-C8AF-47A0-8506-4AC3905AC674}" type="datetime1">
               <a:rPr lang="ru-RU" smtClean="0">
                 <a:solidFill>
                   <a:prstClr val="black">
@@ -2798,7 +2798,7 @@
             <a:pPr>
               <a:defRPr/>
             </a:pPr>
-            <a:fld id="{1C72FB24-A02A-4D58-A0A8-D8D52DBA8E43}" type="datetime1">
+            <a:fld id="{29B2737E-C148-4A4D-8577-E924A1B1AF36}" type="datetime1">
               <a:rPr lang="ru-RU" smtClean="0">
                 <a:solidFill>
                   <a:prstClr val="black">
@@ -2940,7 +2940,7 @@
             <a:pPr>
               <a:defRPr/>
             </a:pPr>
-            <a:fld id="{BD5C714E-A5A4-499C-8490-AB927C5EB50F}" type="datetime1">
+            <a:fld id="{3230F468-D161-44BD-A3C8-044F4743D060}" type="datetime1">
               <a:rPr lang="ru-RU" smtClean="0">
                 <a:solidFill>
                   <a:prstClr val="black">
@@ -3264,7 +3264,7 @@
             <a:pPr>
               <a:defRPr/>
             </a:pPr>
-            <a:fld id="{3EF64886-DD0D-488B-B7BC-80EB38F1D27B}" type="datetime1">
+            <a:fld id="{02723751-A355-473E-BF7F-7D5ACA8455EB}" type="datetime1">
               <a:rPr lang="ru-RU" smtClean="0">
                 <a:solidFill>
                   <a:prstClr val="black">
@@ -3478,7 +3478,7 @@
           <a:bodyPr/>
           <a:lstStyle/>
           <a:p>
-            <a:fld id="{7C8B7464-4362-447F-9812-BE778B504AC0}" type="datetime1">
+            <a:fld id="{757128C9-4832-4FB0-A13A-3E64FCBF2FA5}" type="datetime1">
               <a:rPr lang="ru-RU" smtClean="0"/>
               <a:t>21.06.2013</a:t>
             </a:fld>
@@ -3729,7 +3729,7 @@
             <a:pPr>
               <a:defRPr/>
             </a:pPr>
-            <a:fld id="{241280D2-C03D-4E94-B06B-001582EC02D9}" type="datetime1">
+            <a:fld id="{A13277B1-A75E-46C7-B77D-9C5B36A8E0EC}" type="datetime1">
               <a:rPr lang="ru-RU" smtClean="0">
                 <a:solidFill>
                   <a:prstClr val="black">
@@ -3946,7 +3946,7 @@
             <a:pPr>
               <a:defRPr/>
             </a:pPr>
-            <a:fld id="{987A3C70-2CE7-4FAA-B43A-B0E43561DE15}" type="datetime1">
+            <a:fld id="{18C2FCB1-5744-42D7-B5E3-88F6F0AC0CB0}" type="datetime1">
               <a:rPr lang="ru-RU" smtClean="0">
                 <a:solidFill>
                   <a:prstClr val="black">
@@ -4173,7 +4173,7 @@
             <a:pPr>
               <a:defRPr/>
             </a:pPr>
-            <a:fld id="{0673875F-8F3F-429D-96E3-B00BCEBC4C7E}" type="datetime1">
+            <a:fld id="{A67048F1-91F5-498B-93E7-C307DC7232C8}" type="datetime1">
               <a:rPr lang="ru-RU" smtClean="0">
                 <a:solidFill>
                   <a:prstClr val="black">
@@ -4463,7 +4463,7 @@
           <a:bodyPr/>
           <a:lstStyle/>
           <a:p>
-            <a:fld id="{E4BC4092-B9AC-4B33-9DE0-F63969F50B80}" type="datetime1">
+            <a:fld id="{27D265CF-91CE-444B-B663-346766AE2D61}" type="datetime1">
               <a:rPr lang="ru-RU" smtClean="0"/>
               <a:t>21.06.2013</a:t>
             </a:fld>
@@ -4746,7 +4746,7 @@
           <a:bodyPr/>
           <a:lstStyle/>
           <a:p>
-            <a:fld id="{6C7EC604-B2A9-427D-A099-ABB1CEB91B35}" type="datetime1">
+            <a:fld id="{4E7C6F50-D490-4D0E-87E4-783042A9A9F2}" type="datetime1">
               <a:rPr lang="ru-RU" smtClean="0"/>
               <a:t>21.06.2013</a:t>
             </a:fld>
@@ -5163,7 +5163,7 @@
           <a:bodyPr/>
           <a:lstStyle/>
           <a:p>
-            <a:fld id="{0021271B-1961-4AD0-B7FB-CFAE7025559C}" type="datetime1">
+            <a:fld id="{D42303A5-3A0B-4E99-BD05-5DA3F5920A17}" type="datetime1">
               <a:rPr lang="ru-RU" smtClean="0"/>
               <a:t>21.06.2013</a:t>
             </a:fld>
@@ -5276,7 +5276,7 @@
           <a:bodyPr/>
           <a:lstStyle/>
           <a:p>
-            <a:fld id="{F76C33C9-A1D8-479D-B13F-AFA88219AD62}" type="datetime1">
+            <a:fld id="{51BB3F6D-9EF8-45CB-B640-B05FAE64F13E}" type="datetime1">
               <a:rPr lang="ru-RU" smtClean="0"/>
               <a:t>21.06.2013</a:t>
             </a:fld>
@@ -5366,7 +5366,7 @@
           <a:bodyPr/>
           <a:lstStyle/>
           <a:p>
-            <a:fld id="{A545CF4A-838A-44EC-9B9B-409BE1D2DC7D}" type="datetime1">
+            <a:fld id="{4A32DC50-958B-4E66-840B-9C2C3C7134F8}" type="datetime1">
               <a:rPr lang="ru-RU" smtClean="0"/>
               <a:t>21.06.2013</a:t>
             </a:fld>
@@ -5638,7 +5638,7 @@
           <a:bodyPr/>
           <a:lstStyle/>
           <a:p>
-            <a:fld id="{C6253E5B-E3FC-4716-96D6-E0AC5E86EF02}" type="datetime1">
+            <a:fld id="{3EAE4C52-4948-4560-A3BD-19958101CB23}" type="datetime1">
               <a:rPr lang="ru-RU" smtClean="0"/>
               <a:t>21.06.2013</a:t>
             </a:fld>
@@ -5886,7 +5886,7 @@
           <a:bodyPr/>
           <a:lstStyle/>
           <a:p>
-            <a:fld id="{2918ED26-16F2-41A9-94EE-FBF3E05F6E28}" type="datetime1">
+            <a:fld id="{C79B6F82-E6A3-4C20-ABAB-F44AB1458772}" type="datetime1">
               <a:rPr lang="ru-RU" smtClean="0"/>
               <a:t>21.06.2013</a:t>
             </a:fld>
@@ -6094,7 +6094,7 @@
             </a:lvl1pPr>
           </a:lstStyle>
           <a:p>
-            <a:fld id="{DB94AB59-D71B-4999-9BC4-81C679094643}" type="datetime1">
+            <a:fld id="{64E8A08E-BD04-4BCB-971F-04113C26DCF9}" type="datetime1">
               <a:rPr lang="ru-RU" smtClean="0"/>
               <a:t>21.06.2013</a:t>
             </a:fld>
@@ -6600,7 +6600,7 @@
             </a:lvl1pPr>
           </a:lstStyle>
           <a:p>
-            <a:fld id="{F585CA12-0794-4BD1-B693-9470F35F1636}" type="datetime1">
+            <a:fld id="{FA5A74C2-A87A-42F1-974B-5D775E1F56E9}" type="datetime1">
               <a:rPr lang="ru-RU" smtClean="0"/>
               <a:t>21.06.2013</a:t>
             </a:fld>
@@ -9764,10 +9764,10 @@
           <a:lstStyle/>
           <a:p>
             <a:fld id="{B19B0651-EE4F-4900-A07F-96A6BFA9D0F0}" type="slidenum">
-              <a:rPr lang="ru-RU" smtClean="0"/>
+              <a:rPr lang="ru-RU" sz="2000" smtClean="0"/>
               <a:t>10</a:t>
             </a:fld>
-            <a:endParaRPr lang="ru-RU" dirty="0"/>
+            <a:endParaRPr lang="ru-RU" sz="2000" dirty="0"/>
           </a:p>
         </p:txBody>
       </p:sp>
@@ -9781,6 +9781,13 @@
   <p:clrMapOvr>
     <a:masterClrMapping/>
   </p:clrMapOvr>
+  <p:timing>
+    <p:tnLst>
+      <p:par>
+        <p:cTn id="1" dur="indefinite" restart="never" nodeType="tmRoot"/>
+      </p:par>
+    </p:tnLst>
+  </p:timing>
 </p:sld>
 </file>
 
@@ -9859,10 +9866,10 @@
           <a:lstStyle/>
           <a:p>
             <a:fld id="{B19B0651-EE4F-4900-A07F-96A6BFA9D0F0}" type="slidenum">
-              <a:rPr lang="ru-RU" smtClean="0"/>
+              <a:rPr lang="ru-RU" sz="2000" smtClean="0"/>
               <a:t>11</a:t>
             </a:fld>
-            <a:endParaRPr lang="ru-RU"/>
+            <a:endParaRPr lang="ru-RU" sz="2000"/>
           </a:p>
         </p:txBody>
       </p:sp>
@@ -9984,6 +9991,13 @@
   <p:clrMapOvr>
     <a:masterClrMapping/>
   </p:clrMapOvr>
+  <p:timing>
+    <p:tnLst>
+      <p:par>
+        <p:cTn id="1" dur="indefinite" restart="never" nodeType="tmRoot"/>
+      </p:par>
+    </p:tnLst>
+  </p:timing>
 </p:sld>
 </file>
 
@@ -10043,10 +10057,10 @@
           <a:lstStyle/>
           <a:p>
             <a:fld id="{B19B0651-EE4F-4900-A07F-96A6BFA9D0F0}" type="slidenum">
-              <a:rPr lang="ru-RU" smtClean="0"/>
+              <a:rPr lang="ru-RU" sz="2000" smtClean="0"/>
               <a:t>12</a:t>
             </a:fld>
-            <a:endParaRPr lang="ru-RU"/>
+            <a:endParaRPr lang="ru-RU" sz="2000"/>
           </a:p>
         </p:txBody>
       </p:sp>
@@ -11749,6 +11763,13 @@
   <p:clrMapOvr>
     <a:masterClrMapping/>
   </p:clrMapOvr>
+  <p:timing>
+    <p:tnLst>
+      <p:par>
+        <p:cTn id="1" dur="indefinite" restart="never" nodeType="tmRoot"/>
+      </p:par>
+    </p:tnLst>
+  </p:timing>
 </p:sld>
 </file>
 
@@ -12631,6 +12652,13 @@
   <p:clrMapOvr>
     <a:masterClrMapping/>
   </p:clrMapOvr>
+  <p:timing>
+    <p:tnLst>
+      <p:par>
+        <p:cTn id="1" dur="indefinite" restart="never" nodeType="tmRoot"/>
+      </p:par>
+    </p:tnLst>
+  </p:timing>
 </p:sld>
 </file>
 
@@ -12697,10 +12725,10 @@
           <a:lstStyle/>
           <a:p>
             <a:fld id="{B19B0651-EE4F-4900-A07F-96A6BFA9D0F0}" type="slidenum">
-              <a:rPr lang="ru-RU" smtClean="0"/>
+              <a:rPr lang="ru-RU" sz="2000" smtClean="0"/>
               <a:t>14</a:t>
             </a:fld>
-            <a:endParaRPr lang="ru-RU"/>
+            <a:endParaRPr lang="ru-RU" sz="2000"/>
           </a:p>
         </p:txBody>
       </p:sp>
@@ -12768,6 +12796,13 @@
   <p:clrMapOvr>
     <a:masterClrMapping/>
   </p:clrMapOvr>
+  <p:timing>
+    <p:tnLst>
+      <p:par>
+        <p:cTn id="1" dur="indefinite" restart="never" nodeType="tmRoot"/>
+      </p:par>
+    </p:tnLst>
+  </p:timing>
 </p:sld>
 </file>
 
@@ -12891,10 +12926,10 @@
           <a:lstStyle/>
           <a:p>
             <a:fld id="{B19B0651-EE4F-4900-A07F-96A6BFA9D0F0}" type="slidenum">
-              <a:rPr lang="ru-RU" smtClean="0"/>
+              <a:rPr lang="ru-RU" sz="2000" smtClean="0"/>
               <a:t>15</a:t>
             </a:fld>
-            <a:endParaRPr lang="ru-RU"/>
+            <a:endParaRPr lang="ru-RU" sz="2000"/>
           </a:p>
         </p:txBody>
       </p:sp>
@@ -12908,6 +12943,13 @@
   <p:clrMapOvr>
     <a:masterClrMapping/>
   </p:clrMapOvr>
+  <p:timing>
+    <p:tnLst>
+      <p:par>
+        <p:cTn id="1" dur="indefinite" restart="never" nodeType="tmRoot"/>
+      </p:par>
+    </p:tnLst>
+  </p:timing>
 </p:sld>
 </file>
 
@@ -12965,92 +13007,129 @@
         </p:nvSpPr>
         <p:spPr>
           <a:xfrm>
-            <a:off x="468313" y="1628800"/>
-            <a:ext cx="8229600" cy="4525938"/>
+            <a:off x="468313" y="1340768"/>
+            <a:ext cx="8229600" cy="4741962"/>
           </a:xfrm>
         </p:spPr>
         <p:txBody>
           <a:bodyPr>
-            <a:normAutofit fontScale="62500" lnSpcReduction="20000"/>
+            <a:noAutofit/>
           </a:bodyPr>
           <a:lstStyle/>
           <a:p>
             <a:pPr lvl="0"/>
             <a:r>
-              <a:rPr lang="ru-RU" dirty="0" smtClean="0"/>
+              <a:rPr lang="ru-RU" sz="2000" dirty="0" smtClean="0"/>
               <a:t>проанализированы </a:t>
             </a:r>
             <a:r>
-              <a:rPr lang="ru-RU" dirty="0"/>
-              <a:t>существующие алгоритмы определения параметров движения объектов и построения ортогональной проекции и </a:t>
-            </a:r>
-            <a:r>
-              <a:rPr lang="ru-RU" dirty="0" smtClean="0"/>
-              <a:t>выбраны </a:t>
-            </a:r>
-            <a:r>
-              <a:rPr lang="ru-RU" dirty="0"/>
-              <a:t>подходящие для программного средства «Вычисление характеристик объектов на панорамных снимках акваторий»</a:t>
+              <a:rPr lang="ru-RU" sz="2000" dirty="0" smtClean="0"/>
+              <a:t>существующие </a:t>
+            </a:r>
+            <a:r>
+              <a:rPr lang="ru-RU" sz="2000" dirty="0" smtClean="0"/>
+              <a:t>алгоритмы </a:t>
+            </a:r>
+            <a:r>
+              <a:rPr lang="ru-RU" sz="2000" dirty="0" smtClean="0"/>
+              <a:t>определения </a:t>
+            </a:r>
+            <a:r>
+              <a:rPr lang="ru-RU" sz="2000" dirty="0"/>
+              <a:t>параметров движения объектов и построения ортогональной </a:t>
+            </a:r>
+            <a:r>
+              <a:rPr lang="ru-RU" sz="2000" dirty="0" smtClean="0"/>
+              <a:t>проекции</a:t>
             </a:r>
           </a:p>
           <a:p>
             <a:pPr lvl="0"/>
-            <a:r>
-              <a:rPr lang="ru-RU" dirty="0" smtClean="0"/>
-              <a:t>разработаны </a:t>
-            </a:r>
-            <a:r>
-              <a:rPr lang="ru-RU" dirty="0"/>
-              <a:t>недостающие алгоритмы определения параметров движения объектов и построения ортогональной проекции</a:t>
-            </a:r>
+            <a:endParaRPr lang="ru-RU" sz="800" dirty="0"/>
           </a:p>
           <a:p>
             <a:pPr lvl="0"/>
             <a:r>
-              <a:rPr lang="ru-RU" dirty="0" smtClean="0"/>
+              <a:rPr lang="ru-RU" sz="2000" dirty="0" smtClean="0"/>
+              <a:t>выбраны подходящие алгоритмы </a:t>
+            </a:r>
+            <a:r>
+              <a:rPr lang="ru-RU" sz="2000" dirty="0"/>
+              <a:t>и адаптированы </a:t>
+            </a:r>
+            <a:r>
+              <a:rPr lang="ru-RU" sz="2000" dirty="0" smtClean="0"/>
+              <a:t>для условий применения программного средства</a:t>
+            </a:r>
+          </a:p>
+          <a:p>
+            <a:pPr lvl="0"/>
+            <a:endParaRPr lang="ru-RU" sz="800" dirty="0"/>
+          </a:p>
+          <a:p>
+            <a:pPr lvl="0"/>
+            <a:r>
+              <a:rPr lang="ru-RU" sz="2000" dirty="0" smtClean="0"/>
               <a:t>сформулированы </a:t>
             </a:r>
             <a:r>
-              <a:rPr lang="ru-RU" dirty="0"/>
-              <a:t>требования и спецификации к программному средству «Вычисление характеристик объектов на панорамных снимках акваторий» и </a:t>
-            </a:r>
-            <a:r>
-              <a:rPr lang="ru-RU" dirty="0" smtClean="0"/>
+              <a:rPr lang="ru-RU" sz="2000" dirty="0"/>
+              <a:t>требования </a:t>
+            </a:r>
+            <a:r>
+              <a:rPr lang="ru-RU" sz="2000" dirty="0" smtClean="0"/>
+              <a:t>к программному </a:t>
+            </a:r>
+            <a:r>
+              <a:rPr lang="ru-RU" sz="2000" dirty="0"/>
+              <a:t>средству «Вычисление характеристик объектов на панорамных снимках акваторий» и </a:t>
+            </a:r>
+            <a:r>
+              <a:rPr lang="ru-RU" sz="2000" dirty="0" smtClean="0"/>
               <a:t>разработан его </a:t>
             </a:r>
             <a:r>
-              <a:rPr lang="ru-RU" dirty="0"/>
+              <a:rPr lang="ru-RU" sz="2000" dirty="0" smtClean="0"/>
               <a:t>проект</a:t>
             </a:r>
           </a:p>
           <a:p>
             <a:pPr lvl="0"/>
-            <a:r>
-              <a:rPr lang="ru-RU" dirty="0" smtClean="0"/>
-              <a:t>реализовано </a:t>
-            </a:r>
-            <a:r>
-              <a:rPr lang="ru-RU" dirty="0"/>
-              <a:t>программное средство «Вычисление характеристик объектов на панорамных снимках акваторий» и </a:t>
-            </a:r>
-            <a:r>
-              <a:rPr lang="ru-RU" dirty="0" smtClean="0"/>
-              <a:t>проведено его </a:t>
-            </a:r>
-            <a:r>
-              <a:rPr lang="ru-RU" dirty="0"/>
+            <a:endParaRPr lang="ru-RU" sz="800" dirty="0"/>
+          </a:p>
+          <a:p>
+            <a:pPr lvl="0"/>
+            <a:r>
+              <a:rPr lang="ru-RU" sz="2000" dirty="0" smtClean="0"/>
+              <a:t>реализована базовая функциональность программного средства и </a:t>
+            </a:r>
+            <a:r>
+              <a:rPr lang="ru-RU" sz="2000" dirty="0" smtClean="0"/>
+              <a:t>проведено </a:t>
+            </a:r>
+            <a:r>
+              <a:rPr lang="ru-RU" sz="2000" dirty="0" smtClean="0"/>
               <a:t>тестирование</a:t>
             </a:r>
           </a:p>
           <a:p>
-            <a:r>
-              <a:rPr lang="ru-RU" smtClean="0"/>
-              <a:t>проведено </a:t>
-            </a:r>
-            <a:r>
-              <a:rPr lang="ru-RU" dirty="0"/>
-              <a:t>экспериментальное исследование созданного программного средства «Вычисление характеристик объектов на панорамных снимках акваторий»</a:t>
-            </a:r>
+            <a:pPr lvl="0"/>
+            <a:endParaRPr lang="ru-RU" sz="800" dirty="0"/>
+          </a:p>
+          <a:p>
+            <a:r>
+              <a:rPr lang="ru-RU" sz="2000" dirty="0" smtClean="0"/>
+              <a:t>запланировано экспериментальное </a:t>
+            </a:r>
+            <a:r>
+              <a:rPr lang="ru-RU" sz="2000" dirty="0"/>
+              <a:t>исследование созданного программного </a:t>
+            </a:r>
+            <a:r>
+              <a:rPr lang="ru-RU" sz="2000" dirty="0" smtClean="0"/>
+              <a:t>средства</a:t>
+            </a:r>
+            <a:endParaRPr lang="ru-RU" sz="2000" dirty="0"/>
           </a:p>
         </p:txBody>
       </p:sp>
@@ -13184,10 +13263,10 @@
           <a:lstStyle/>
           <a:p>
             <a:fld id="{B19B0651-EE4F-4900-A07F-96A6BFA9D0F0}" type="slidenum">
-              <a:rPr lang="ru-RU" smtClean="0"/>
+              <a:rPr lang="ru-RU" sz="2000" smtClean="0"/>
               <a:t>2</a:t>
             </a:fld>
-            <a:endParaRPr lang="ru-RU"/>
+            <a:endParaRPr lang="ru-RU" sz="2000" dirty="0"/>
           </a:p>
         </p:txBody>
       </p:sp>
@@ -13201,6 +13280,13 @@
   <p:clrMapOvr>
     <a:masterClrMapping/>
   </p:clrMapOvr>
+  <p:timing>
+    <p:tnLst>
+      <p:par>
+        <p:cTn id="1" dur="indefinite" restart="never" nodeType="tmRoot"/>
+      </p:par>
+    </p:tnLst>
+  </p:timing>
 </p:sld>
 </file>
 
@@ -13288,10 +13374,10 @@
           <a:lstStyle/>
           <a:p>
             <a:fld id="{B19B0651-EE4F-4900-A07F-96A6BFA9D0F0}" type="slidenum">
-              <a:rPr lang="ru-RU" smtClean="0"/>
+              <a:rPr lang="ru-RU" sz="2000" smtClean="0"/>
               <a:t>3</a:t>
             </a:fld>
-            <a:endParaRPr lang="ru-RU"/>
+            <a:endParaRPr lang="ru-RU" sz="2000"/>
           </a:p>
         </p:txBody>
       </p:sp>
@@ -13305,6 +13391,13 @@
   <p:clrMapOvr>
     <a:masterClrMapping/>
   </p:clrMapOvr>
+  <p:timing>
+    <p:tnLst>
+      <p:par>
+        <p:cTn id="1" dur="indefinite" restart="never" nodeType="tmRoot"/>
+      </p:par>
+    </p:tnLst>
+  </p:timing>
 </p:sld>
 </file>
 
@@ -13358,108 +13451,85 @@
             <p:ph idx="1"/>
           </p:nvPr>
         </p:nvSpPr>
-        <p:spPr/>
+        <p:spPr>
+          <a:xfrm>
+            <a:off x="457200" y="1340768"/>
+            <a:ext cx="8229600" cy="4785395"/>
+          </a:xfrm>
+        </p:spPr>
         <p:txBody>
           <a:bodyPr>
-            <a:normAutofit fontScale="62500" lnSpcReduction="20000"/>
+            <a:normAutofit fontScale="70000" lnSpcReduction="20000"/>
           </a:bodyPr>
           <a:lstStyle/>
           <a:p>
             <a:pPr lvl="0"/>
             <a:r>
               <a:rPr lang="ru-RU" dirty="0"/>
-              <a:t>проанализировать существующие алгоритмы определения параметров движения объектов и построения ортогональной проекции и выбрать подходящие для </a:t>
-            </a:r>
-            <a:r>
-              <a:rPr lang="ru-RU" dirty="0" smtClean="0"/>
-              <a:t>программного средства «Вычисление характеристик объектов на панорамных снимках акваторий»</a:t>
-            </a:r>
-            <a:endParaRPr lang="ru-RU" dirty="0"/>
-          </a:p>
-          <a:p>
-            <a:pPr lvl="0"/>
-            <a:r>
-              <a:rPr lang="ru-RU" dirty="0"/>
-              <a:t>разработать недостающие алгоритмы определения параметров движения объектов и построения ортогональной </a:t>
+              <a:t>проанализировать существующие алгоритмы определения параметров движения объектов и построения ортогональной </a:t>
             </a:r>
             <a:r>
               <a:rPr lang="ru-RU" dirty="0" smtClean="0"/>
               <a:t>проекции</a:t>
             </a:r>
+          </a:p>
+          <a:p>
+            <a:pPr lvl="0"/>
             <a:endParaRPr lang="ru-RU" dirty="0"/>
           </a:p>
           <a:p>
             <a:pPr lvl="0"/>
             <a:r>
               <a:rPr lang="ru-RU" dirty="0"/>
-              <a:t>сформулировать требования и спецификации к программному средству </a:t>
+              <a:t>выбрать подходящие алгоритмы и адаптировать для условий применения программного </a:t>
             </a:r>
             <a:r>
               <a:rPr lang="ru-RU" dirty="0" smtClean="0"/>
-              <a:t>«</a:t>
-            </a:r>
+              <a:t>средства</a:t>
+            </a:r>
+          </a:p>
+          <a:p>
+            <a:pPr lvl="0"/>
+            <a:endParaRPr lang="ru-RU" dirty="0"/>
+          </a:p>
+          <a:p>
+            <a:pPr lvl="0"/>
             <a:r>
               <a:rPr lang="ru-RU" dirty="0"/>
-              <a:t>Вычисление характеристик объектов на панорамных снимках акваторий</a:t>
+              <a:t>сформулировать требования к программному средству «Вычисление характеристик объектов на панорамных снимках акваторий» </a:t>
             </a:r>
             <a:r>
               <a:rPr lang="ru-RU" dirty="0" smtClean="0"/>
-              <a:t>» </a:t>
+              <a:t>и </a:t>
             </a:r>
             <a:r>
               <a:rPr lang="ru-RU" dirty="0"/>
-              <a:t>и разработать его </a:t>
+              <a:t>разработать </a:t>
             </a:r>
             <a:r>
               <a:rPr lang="ru-RU" dirty="0" smtClean="0"/>
               <a:t>проект</a:t>
             </a:r>
+          </a:p>
+          <a:p>
+            <a:pPr lvl="0"/>
             <a:endParaRPr lang="ru-RU" dirty="0"/>
           </a:p>
           <a:p>
             <a:pPr lvl="0"/>
             <a:r>
-              <a:rPr lang="ru-RU" dirty="0"/>
-              <a:t>реализовать </a:t>
-            </a:r>
-            <a:r>
               <a:rPr lang="ru-RU" dirty="0" smtClean="0"/>
-              <a:t>программное средство «</a:t>
-            </a:r>
-            <a:r>
-              <a:rPr lang="ru-RU" dirty="0"/>
-              <a:t>Вычисление характеристик объектов на панорамных снимках </a:t>
-            </a:r>
+              <a:t>реализовать программное средство и провести её тестирование</a:t>
+            </a:r>
+          </a:p>
+          <a:p>
+            <a:pPr lvl="0"/>
+            <a:endParaRPr lang="ru-RU" dirty="0" smtClean="0"/>
+          </a:p>
+          <a:p>
             <a:r>
               <a:rPr lang="ru-RU" dirty="0" smtClean="0"/>
-              <a:t>акваторий» </a:t>
-            </a:r>
-            <a:r>
-              <a:rPr lang="ru-RU" dirty="0"/>
-              <a:t>и провести её </a:t>
-            </a:r>
-            <a:r>
-              <a:rPr lang="ru-RU" dirty="0" smtClean="0"/>
-              <a:t>тестирование</a:t>
-            </a:r>
-            <a:endParaRPr lang="ru-RU" dirty="0"/>
-          </a:p>
-          <a:p>
-            <a:r>
-              <a:rPr lang="ru-RU" dirty="0"/>
-              <a:t>провести экспериментальное исследование созданного программного средства </a:t>
-            </a:r>
-            <a:r>
-              <a:rPr lang="ru-RU" dirty="0" smtClean="0"/>
-              <a:t>«</a:t>
-            </a:r>
-            <a:r>
-              <a:rPr lang="ru-RU" dirty="0"/>
-              <a:t>Вычисление характеристик объектов на панорамных снимках акваторий</a:t>
-            </a:r>
-            <a:r>
-              <a:rPr lang="ru-RU" dirty="0" smtClean="0"/>
-              <a:t>»</a:t>
+              <a:t>провести экспериментальное исследование созданного программного средства</a:t>
             </a:r>
             <a:endParaRPr lang="ru-RU" dirty="0"/>
           </a:p>
@@ -13481,10 +13551,10 @@
           <a:lstStyle/>
           <a:p>
             <a:fld id="{B19B0651-EE4F-4900-A07F-96A6BFA9D0F0}" type="slidenum">
-              <a:rPr lang="ru-RU" smtClean="0"/>
+              <a:rPr lang="ru-RU" sz="2000" smtClean="0"/>
               <a:t>4</a:t>
             </a:fld>
-            <a:endParaRPr lang="ru-RU"/>
+            <a:endParaRPr lang="ru-RU" sz="2000"/>
           </a:p>
         </p:txBody>
       </p:sp>
@@ -13498,6 +13568,13 @@
   <p:clrMapOvr>
     <a:masterClrMapping/>
   </p:clrMapOvr>
+  <p:timing>
+    <p:tnLst>
+      <p:par>
+        <p:cTn id="1" dur="indefinite" restart="never" nodeType="tmRoot"/>
+      </p:par>
+    </p:tnLst>
+  </p:timing>
 </p:sld>
 </file>
 
@@ -14520,10 +14597,10 @@
           <a:lstStyle/>
           <a:p>
             <a:fld id="{B19B0651-EE4F-4900-A07F-96A6BFA9D0F0}" type="slidenum">
-              <a:rPr lang="ru-RU" smtClean="0"/>
+              <a:rPr lang="ru-RU" sz="2000" smtClean="0"/>
               <a:t>7</a:t>
             </a:fld>
-            <a:endParaRPr lang="ru-RU"/>
+            <a:endParaRPr lang="ru-RU" sz="2000"/>
           </a:p>
         </p:txBody>
       </p:sp>
@@ -14645,6 +14722,13 @@
   <p:clrMapOvr>
     <a:masterClrMapping/>
   </p:clrMapOvr>
+  <p:timing>
+    <p:tnLst>
+      <p:par>
+        <p:cTn id="1" dur="indefinite" restart="never" nodeType="tmRoot"/>
+      </p:par>
+    </p:tnLst>
+  </p:timing>
 </p:sld>
 </file>
 
@@ -16156,10 +16240,10 @@
           <a:lstStyle/>
           <a:p>
             <a:fld id="{B19B0651-EE4F-4900-A07F-96A6BFA9D0F0}" type="slidenum">
-              <a:rPr lang="ru-RU" smtClean="0"/>
+              <a:rPr lang="ru-RU" sz="2000" smtClean="0"/>
               <a:t>9</a:t>
             </a:fld>
-            <a:endParaRPr lang="ru-RU"/>
+            <a:endParaRPr lang="ru-RU" sz="2000"/>
           </a:p>
         </p:txBody>
       </p:sp>

--- a/docs/parts/conference.pptx
+++ b/docs/parts/conference.pptx
@@ -208,7 +208,7 @@
           <a:p>
             <a:fld id="{81832DC4-4D29-4A6C-A9AC-D1498CB7FBE3}" type="datetimeFigureOut">
               <a:rPr lang="ru-RU" smtClean="0"/>
-              <a:t>21.06.2013</a:t>
+              <a:t>07.07.2013</a:t>
             </a:fld>
             <a:endParaRPr lang="ru-RU"/>
           </a:p>
@@ -741,7 +741,7 @@
           <a:p>
             <a:fld id="{0C61CA76-A666-48AA-904E-9B8BDB962FE7}" type="datetime1">
               <a:rPr lang="ru-RU" smtClean="0"/>
-              <a:t>21.06.2013</a:t>
+              <a:t>07.07.2013</a:t>
             </a:fld>
             <a:endParaRPr lang="ru-RU"/>
           </a:p>
@@ -906,7 +906,7 @@
           <a:p>
             <a:fld id="{B36E7559-4B11-405C-9A9C-D7336A209128}" type="datetime1">
               <a:rPr lang="ru-RU" smtClean="0"/>
-              <a:t>21.06.2013</a:t>
+              <a:t>07.07.2013</a:t>
             </a:fld>
             <a:endParaRPr lang="ru-RU"/>
           </a:p>
@@ -1081,7 +1081,7 @@
           <a:p>
             <a:fld id="{2F75BBE3-9880-4C60-9177-CE3B444961C0}" type="datetime1">
               <a:rPr lang="ru-RU" smtClean="0"/>
-              <a:t>21.06.2013</a:t>
+              <a:t>07.07.2013</a:t>
             </a:fld>
             <a:endParaRPr lang="ru-RU"/>
           </a:p>
@@ -1328,7 +1328,7 @@
                   </a:prstClr>
                 </a:solidFill>
               </a:rPr>
-              <a:t>21.06.2013</a:t>
+              <a:t>07.07.2013</a:t>
             </a:fld>
             <a:endParaRPr lang="ru-RU">
               <a:solidFill>
@@ -1545,7 +1545,7 @@
                   </a:prstClr>
                 </a:solidFill>
               </a:rPr>
-              <a:t>21.06.2013</a:t>
+              <a:t>07.07.2013</a:t>
             </a:fld>
             <a:endParaRPr lang="ru-RU">
               <a:solidFill>
@@ -1838,7 +1838,7 @@
                   </a:prstClr>
                 </a:solidFill>
               </a:rPr>
-              <a:t>21.06.2013</a:t>
+              <a:t>07.07.2013</a:t>
             </a:fld>
             <a:endParaRPr lang="ru-RU">
               <a:solidFill>
@@ -2173,7 +2173,7 @@
                   </a:prstClr>
                 </a:solidFill>
               </a:rPr>
-              <a:t>21.06.2013</a:t>
+              <a:t>07.07.2013</a:t>
             </a:fld>
             <a:endParaRPr lang="ru-RU">
               <a:solidFill>
@@ -2642,7 +2642,7 @@
                   </a:prstClr>
                 </a:solidFill>
               </a:rPr>
-              <a:t>21.06.2013</a:t>
+              <a:t>07.07.2013</a:t>
             </a:fld>
             <a:endParaRPr lang="ru-RU">
               <a:solidFill>
@@ -2807,7 +2807,7 @@
                   </a:prstClr>
                 </a:solidFill>
               </a:rPr>
-              <a:t>21.06.2013</a:t>
+              <a:t>07.07.2013</a:t>
             </a:fld>
             <a:endParaRPr lang="ru-RU">
               <a:solidFill>
@@ -2949,7 +2949,7 @@
                   </a:prstClr>
                 </a:solidFill>
               </a:rPr>
-              <a:t>21.06.2013</a:t>
+              <a:t>07.07.2013</a:t>
             </a:fld>
             <a:endParaRPr lang="ru-RU">
               <a:solidFill>
@@ -3273,7 +3273,7 @@
                   </a:prstClr>
                 </a:solidFill>
               </a:rPr>
-              <a:t>21.06.2013</a:t>
+              <a:t>07.07.2013</a:t>
             </a:fld>
             <a:endParaRPr lang="ru-RU">
               <a:solidFill>
@@ -3480,7 +3480,7 @@
           <a:p>
             <a:fld id="{757128C9-4832-4FB0-A13A-3E64FCBF2FA5}" type="datetime1">
               <a:rPr lang="ru-RU" smtClean="0"/>
-              <a:t>21.06.2013</a:t>
+              <a:t>07.07.2013</a:t>
             </a:fld>
             <a:endParaRPr lang="ru-RU"/>
           </a:p>
@@ -3738,7 +3738,7 @@
                   </a:prstClr>
                 </a:solidFill>
               </a:rPr>
-              <a:t>21.06.2013</a:t>
+              <a:t>07.07.2013</a:t>
             </a:fld>
             <a:endParaRPr lang="ru-RU">
               <a:solidFill>
@@ -3955,7 +3955,7 @@
                   </a:prstClr>
                 </a:solidFill>
               </a:rPr>
-              <a:t>21.06.2013</a:t>
+              <a:t>07.07.2013</a:t>
             </a:fld>
             <a:endParaRPr lang="ru-RU">
               <a:solidFill>
@@ -4182,7 +4182,7 @@
                   </a:prstClr>
                 </a:solidFill>
               </a:rPr>
-              <a:t>21.06.2013</a:t>
+              <a:t>07.07.2013</a:t>
             </a:fld>
             <a:endParaRPr lang="ru-RU">
               <a:solidFill>
@@ -4465,7 +4465,7 @@
           <a:p>
             <a:fld id="{27D265CF-91CE-444B-B663-346766AE2D61}" type="datetime1">
               <a:rPr lang="ru-RU" smtClean="0"/>
-              <a:t>21.06.2013</a:t>
+              <a:t>07.07.2013</a:t>
             </a:fld>
             <a:endParaRPr lang="ru-RU"/>
           </a:p>
@@ -4748,7 +4748,7 @@
           <a:p>
             <a:fld id="{4E7C6F50-D490-4D0E-87E4-783042A9A9F2}" type="datetime1">
               <a:rPr lang="ru-RU" smtClean="0"/>
-              <a:t>21.06.2013</a:t>
+              <a:t>07.07.2013</a:t>
             </a:fld>
             <a:endParaRPr lang="ru-RU"/>
           </a:p>
@@ -5165,7 +5165,7 @@
           <a:p>
             <a:fld id="{D42303A5-3A0B-4E99-BD05-5DA3F5920A17}" type="datetime1">
               <a:rPr lang="ru-RU" smtClean="0"/>
-              <a:t>21.06.2013</a:t>
+              <a:t>07.07.2013</a:t>
             </a:fld>
             <a:endParaRPr lang="ru-RU"/>
           </a:p>
@@ -5278,7 +5278,7 @@
           <a:p>
             <a:fld id="{51BB3F6D-9EF8-45CB-B640-B05FAE64F13E}" type="datetime1">
               <a:rPr lang="ru-RU" smtClean="0"/>
-              <a:t>21.06.2013</a:t>
+              <a:t>07.07.2013</a:t>
             </a:fld>
             <a:endParaRPr lang="ru-RU"/>
           </a:p>
@@ -5368,7 +5368,7 @@
           <a:p>
             <a:fld id="{4A32DC50-958B-4E66-840B-9C2C3C7134F8}" type="datetime1">
               <a:rPr lang="ru-RU" smtClean="0"/>
-              <a:t>21.06.2013</a:t>
+              <a:t>07.07.2013</a:t>
             </a:fld>
             <a:endParaRPr lang="ru-RU"/>
           </a:p>
@@ -5640,7 +5640,7 @@
           <a:p>
             <a:fld id="{3EAE4C52-4948-4560-A3BD-19958101CB23}" type="datetime1">
               <a:rPr lang="ru-RU" smtClean="0"/>
-              <a:t>21.06.2013</a:t>
+              <a:t>07.07.2013</a:t>
             </a:fld>
             <a:endParaRPr lang="ru-RU"/>
           </a:p>
@@ -5888,7 +5888,7 @@
           <a:p>
             <a:fld id="{C79B6F82-E6A3-4C20-ABAB-F44AB1458772}" type="datetime1">
               <a:rPr lang="ru-RU" smtClean="0"/>
-              <a:t>21.06.2013</a:t>
+              <a:t>07.07.2013</a:t>
             </a:fld>
             <a:endParaRPr lang="ru-RU"/>
           </a:p>
@@ -6096,7 +6096,7 @@
           <a:p>
             <a:fld id="{64E8A08E-BD04-4BCB-971F-04113C26DCF9}" type="datetime1">
               <a:rPr lang="ru-RU" smtClean="0"/>
-              <a:t>21.06.2013</a:t>
+              <a:t>07.07.2013</a:t>
             </a:fld>
             <a:endParaRPr lang="ru-RU"/>
           </a:p>
@@ -6602,7 +6602,7 @@
           <a:p>
             <a:fld id="{FA5A74C2-A87A-42F1-974B-5D775E1F56E9}" type="datetime1">
               <a:rPr lang="ru-RU" smtClean="0"/>
-              <a:t>21.06.2013</a:t>
+              <a:t>07.07.2013</a:t>
             </a:fld>
             <a:endParaRPr lang="ru-RU"/>
           </a:p>
@@ -10080,14 +10080,14 @@
           </a:prstGeom>
         </p:spPr>
         <p:style>
-          <a:lnRef idx="1">
-            <a:schemeClr val="accent5"/>
+          <a:lnRef idx="2">
+            <a:schemeClr val="dk1"/>
           </a:lnRef>
-          <a:fillRef idx="2">
-            <a:schemeClr val="accent5"/>
+          <a:fillRef idx="1">
+            <a:schemeClr val="lt1"/>
           </a:fillRef>
-          <a:effectRef idx="1">
-            <a:schemeClr val="accent5"/>
+          <a:effectRef idx="0">
+            <a:schemeClr val="dk1"/>
           </a:effectRef>
           <a:fontRef idx="minor">
             <a:schemeClr val="dk1"/>
@@ -10122,14 +10122,14 @@
           </a:prstGeom>
         </p:spPr>
         <p:style>
-          <a:lnRef idx="1">
-            <a:schemeClr val="accent5"/>
+          <a:lnRef idx="2">
+            <a:schemeClr val="dk1"/>
           </a:lnRef>
-          <a:fillRef idx="2">
-            <a:schemeClr val="accent5"/>
+          <a:fillRef idx="1">
+            <a:schemeClr val="lt1"/>
           </a:fillRef>
-          <a:effectRef idx="1">
-            <a:schemeClr val="accent5"/>
+          <a:effectRef idx="0">
+            <a:schemeClr val="dk1"/>
           </a:effectRef>
           <a:fontRef idx="minor">
             <a:schemeClr val="dk1"/>
@@ -10164,14 +10164,14 @@
           </a:prstGeom>
         </p:spPr>
         <p:style>
-          <a:lnRef idx="1">
-            <a:schemeClr val="accent5"/>
+          <a:lnRef idx="2">
+            <a:schemeClr val="dk1"/>
           </a:lnRef>
-          <a:fillRef idx="2">
-            <a:schemeClr val="accent5"/>
+          <a:fillRef idx="1">
+            <a:schemeClr val="lt1"/>
           </a:fillRef>
-          <a:effectRef idx="1">
-            <a:schemeClr val="accent5"/>
+          <a:effectRef idx="0">
+            <a:schemeClr val="dk1"/>
           </a:effectRef>
           <a:fontRef idx="minor">
             <a:schemeClr val="dk1"/>
@@ -10206,14 +10206,14 @@
           </a:prstGeom>
         </p:spPr>
         <p:style>
-          <a:lnRef idx="1">
-            <a:schemeClr val="accent5"/>
+          <a:lnRef idx="2">
+            <a:schemeClr val="dk1"/>
           </a:lnRef>
-          <a:fillRef idx="2">
-            <a:schemeClr val="accent5"/>
+          <a:fillRef idx="1">
+            <a:schemeClr val="lt1"/>
           </a:fillRef>
-          <a:effectRef idx="1">
-            <a:schemeClr val="accent5"/>
+          <a:effectRef idx="0">
+            <a:schemeClr val="dk1"/>
           </a:effectRef>
           <a:fontRef idx="minor">
             <a:schemeClr val="dk1"/>
@@ -11185,7 +11185,7 @@
         </p:nvSpPr>
         <p:spPr>
           <a:xfrm>
-            <a:off x="4101206" y="3142649"/>
+            <a:off x="4139952" y="3142649"/>
             <a:ext cx="882545" cy="682394"/>
           </a:xfrm>
           <a:prstGeom prst="roundRect">
@@ -11252,9 +11252,9 @@
           <p:nvPr/>
         </p:nvCxnSpPr>
         <p:spPr>
-          <a:xfrm flipH="1" flipV="1">
-            <a:off x="6431954" y="3941704"/>
-            <a:ext cx="588318" cy="81415"/>
+          <a:xfrm flipH="1">
+            <a:off x="6431954" y="3923478"/>
+            <a:ext cx="588318" cy="18226"/>
           </a:xfrm>
           <a:prstGeom prst="line">
             <a:avLst/>
@@ -11316,7 +11316,7 @@
         </p:nvSpPr>
         <p:spPr>
           <a:xfrm>
-            <a:off x="6728581" y="1488409"/>
+            <a:off x="6070783" y="1476344"/>
             <a:ext cx="2016224" cy="1715616"/>
           </a:xfrm>
           <a:prstGeom prst="roundRect">
@@ -11446,7 +11446,7 @@
         <p:spPr>
           <a:xfrm>
             <a:off x="5481333" y="1778177"/>
-            <a:ext cx="1247248" cy="568040"/>
+            <a:ext cx="589450" cy="555975"/>
           </a:xfrm>
           <a:prstGeom prst="line">
             <a:avLst/>
@@ -11475,7 +11475,7 @@
         </p:nvSpPr>
         <p:spPr>
           <a:xfrm>
-            <a:off x="4761253" y="4697499"/>
+            <a:off x="4761253" y="4628852"/>
             <a:ext cx="2619060" cy="1971861"/>
           </a:xfrm>
           <a:prstGeom prst="roundRect">
@@ -11632,7 +11632,7 @@
         </p:nvSpPr>
         <p:spPr>
           <a:xfrm>
-            <a:off x="7020272" y="3480525"/>
+            <a:off x="7020272" y="3380884"/>
             <a:ext cx="1872208" cy="1085187"/>
           </a:xfrm>
           <a:prstGeom prst="roundRect">
@@ -11732,7 +11732,40 @@
         <p:spPr>
           <a:xfrm flipH="1" flipV="1">
             <a:off x="5891894" y="4229736"/>
-            <a:ext cx="178889" cy="467763"/>
+            <a:ext cx="178889" cy="399116"/>
+          </a:xfrm>
+          <a:prstGeom prst="line">
+            <a:avLst/>
+          </a:prstGeom>
+        </p:spPr>
+        <p:style>
+          <a:lnRef idx="1">
+            <a:schemeClr val="dk1"/>
+          </a:lnRef>
+          <a:fillRef idx="0">
+            <a:schemeClr val="dk1"/>
+          </a:fillRef>
+          <a:effectRef idx="0">
+            <a:schemeClr val="dk1"/>
+          </a:effectRef>
+          <a:fontRef idx="minor">
+            <a:schemeClr val="tx1"/>
+          </a:fontRef>
+        </p:style>
+      </p:cxnSp>
+      <p:cxnSp>
+        <p:nvCxnSpPr>
+          <p:cNvPr id="35" name="Прямая соединительная линия 34"/>
+          <p:cNvCxnSpPr>
+            <a:stCxn id="125" idx="2"/>
+            <a:endCxn id="127" idx="0"/>
+          </p:cNvCxnSpPr>
+          <p:nvPr/>
+        </p:nvCxnSpPr>
+        <p:spPr>
+          <a:xfrm>
+            <a:off x="4572000" y="2692800"/>
+            <a:ext cx="9225" cy="449849"/>
           </a:xfrm>
           <a:prstGeom prst="line">
             <a:avLst/>
@@ -13020,19 +13053,7 @@
             <a:pPr lvl="0"/>
             <a:r>
               <a:rPr lang="ru-RU" sz="2000" dirty="0" smtClean="0"/>
-              <a:t>проанализированы </a:t>
-            </a:r>
-            <a:r>
-              <a:rPr lang="ru-RU" sz="2000" dirty="0" smtClean="0"/>
-              <a:t>существующие </a:t>
-            </a:r>
-            <a:r>
-              <a:rPr lang="ru-RU" sz="2000" dirty="0" smtClean="0"/>
-              <a:t>алгоритмы </a:t>
-            </a:r>
-            <a:r>
-              <a:rPr lang="ru-RU" sz="2000" dirty="0" smtClean="0"/>
-              <a:t>определения </a:t>
+              <a:t>проанализированы существующие алгоритмы определения </a:t>
             </a:r>
             <a:r>
               <a:rPr lang="ru-RU" sz="2000" dirty="0"/>
@@ -13086,11 +13107,7 @@
             </a:r>
             <a:r>
               <a:rPr lang="ru-RU" sz="2000" dirty="0" smtClean="0"/>
-              <a:t>разработан его </a:t>
-            </a:r>
-            <a:r>
-              <a:rPr lang="ru-RU" sz="2000" dirty="0" smtClean="0"/>
-              <a:t>проект</a:t>
+              <a:t>разработан его проект</a:t>
             </a:r>
           </a:p>
           <a:p>
@@ -13101,15 +13118,7 @@
             <a:pPr lvl="0"/>
             <a:r>
               <a:rPr lang="ru-RU" sz="2000" dirty="0" smtClean="0"/>
-              <a:t>реализована базовая функциональность программного средства и </a:t>
-            </a:r>
-            <a:r>
-              <a:rPr lang="ru-RU" sz="2000" dirty="0" smtClean="0"/>
-              <a:t>проведено </a:t>
-            </a:r>
-            <a:r>
-              <a:rPr lang="ru-RU" sz="2000" dirty="0" smtClean="0"/>
-              <a:t>тестирование</a:t>
+              <a:t>реализована базовая функциональность программного средства и проведено тестирование</a:t>
             </a:r>
           </a:p>
           <a:p>
